--- a/pres-source/02-map-reduce.pptx
+++ b/pres-source/02-map-reduce.pptx
@@ -123,6 +123,36 @@
       </a:defRPr>
     </a:lvl9pPr>
   </p:defaultTextStyle>
+  <p:extLst>
+    <p:ext uri="{EFAFB233-063F-42B5-8137-9DF3F51BA10A}">
+      <p15:sldGuideLst xmlns:p15="http://schemas.microsoft.com/office/powerpoint/2012/main">
+        <p15:guide id="1" orient="horz" pos="2160">
+          <p15:clr>
+            <a:srgbClr val="A4A3A4"/>
+          </p15:clr>
+        </p15:guide>
+        <p15:guide id="2" pos="2880">
+          <p15:clr>
+            <a:srgbClr val="A4A3A4"/>
+          </p15:clr>
+        </p15:guide>
+      </p15:sldGuideLst>
+    </p:ext>
+    <p:ext uri="{2D200454-40CA-4A62-9FC3-DE9A4176ACB9}">
+      <p15:notesGuideLst xmlns:p15="http://schemas.microsoft.com/office/powerpoint/2012/main">
+        <p15:guide id="1" orient="horz" pos="2880">
+          <p15:clr>
+            <a:srgbClr val="A4A3A4"/>
+          </p15:clr>
+        </p15:guide>
+        <p15:guide id="2" pos="2160">
+          <p15:clr>
+            <a:srgbClr val="A4A3A4"/>
+          </p15:clr>
+        </p15:guide>
+      </p15:notesGuideLst>
+    </p:ext>
+  </p:extLst>
 </p:presentation>
 </file>
 
@@ -213,7 +243,7 @@
             <a:fld id="{7307762F-A706-E543-A832-3C298AA3103F}" type="datetimeFigureOut">
               <a:rPr lang="en-US" smtClean="0"/>
               <a:pPr/>
-              <a:t>05/12/17</a:t>
+              <a:t>1/4/19</a:t>
             </a:fld>
             <a:endParaRPr lang="en-US" dirty="0"/>
           </a:p>
@@ -277,38 +307,37 @@
           <a:p>
             <a:pPr lvl="0"/>
             <a:r>
-              <a:rPr lang="en-US" dirty="0" smtClean="0"/>
+              <a:rPr lang="en-US" dirty="0"/>
               <a:t>Click to edit Master text styles</a:t>
             </a:r>
           </a:p>
           <a:p>
             <a:pPr lvl="1"/>
             <a:r>
-              <a:rPr lang="en-US" dirty="0" smtClean="0"/>
+              <a:rPr lang="en-US" dirty="0"/>
               <a:t>Second level</a:t>
             </a:r>
           </a:p>
           <a:p>
             <a:pPr lvl="2"/>
             <a:r>
-              <a:rPr lang="en-US" dirty="0" smtClean="0"/>
+              <a:rPr lang="en-US" dirty="0"/>
               <a:t>Third level</a:t>
             </a:r>
           </a:p>
           <a:p>
             <a:pPr lvl="3"/>
             <a:r>
-              <a:rPr lang="en-US" dirty="0" smtClean="0"/>
+              <a:rPr lang="en-US" dirty="0"/>
               <a:t>Fourth level</a:t>
             </a:r>
           </a:p>
           <a:p>
             <a:pPr lvl="4"/>
             <a:r>
-              <a:rPr lang="en-US" dirty="0" smtClean="0"/>
+              <a:rPr lang="en-US" dirty="0"/>
               <a:t>Fifth level</a:t>
             </a:r>
-            <a:endParaRPr lang="en-US" dirty="0"/>
           </a:p>
         </p:txBody>
       </p:sp>
@@ -486,6 +515,94 @@
 </p:notesMaster>
 </file>
 
+<file path=ppt/notesSlides/notesSlide1.xml><?xml version="1.0" encoding="utf-8"?>
+<p:notes xmlns:a="http://schemas.openxmlformats.org/drawingml/2006/main" xmlns:r="http://schemas.openxmlformats.org/officeDocument/2006/relationships" xmlns:p="http://schemas.openxmlformats.org/presentationml/2006/main">
+  <p:cSld>
+    <p:spTree>
+      <p:nvGrpSpPr>
+        <p:cNvPr id="1" name=""/>
+        <p:cNvGrpSpPr/>
+        <p:nvPr/>
+      </p:nvGrpSpPr>
+      <p:grpSpPr>
+        <a:xfrm>
+          <a:off x="0" y="0"/>
+          <a:ext cx="0" cy="0"/>
+          <a:chOff x="0" y="0"/>
+          <a:chExt cx="0" cy="0"/>
+        </a:xfrm>
+      </p:grpSpPr>
+      <p:sp>
+        <p:nvSpPr>
+          <p:cNvPr id="2" name="Slide Image Placeholder 1"/>
+          <p:cNvSpPr>
+            <a:spLocks noGrp="1" noRot="1" noChangeAspect="1"/>
+          </p:cNvSpPr>
+          <p:nvPr>
+            <p:ph type="sldImg"/>
+          </p:nvPr>
+        </p:nvSpPr>
+        <p:spPr/>
+      </p:sp>
+      <p:sp>
+        <p:nvSpPr>
+          <p:cNvPr id="3" name="Notes Placeholder 2"/>
+          <p:cNvSpPr>
+            <a:spLocks noGrp="1"/>
+          </p:cNvSpPr>
+          <p:nvPr>
+            <p:ph type="body" idx="1"/>
+          </p:nvPr>
+        </p:nvSpPr>
+        <p:spPr/>
+        <p:txBody>
+          <a:bodyPr/>
+          <a:lstStyle/>
+          <a:p>
+            <a:r>
+              <a:rPr lang="en-US"/>
+              <a:t>see 06-additional tools</a:t>
+            </a:r>
+          </a:p>
+        </p:txBody>
+      </p:sp>
+      <p:sp>
+        <p:nvSpPr>
+          <p:cNvPr id="4" name="Slide Number Placeholder 3"/>
+          <p:cNvSpPr>
+            <a:spLocks noGrp="1"/>
+          </p:cNvSpPr>
+          <p:nvPr>
+            <p:ph type="sldNum" sz="quarter" idx="5"/>
+          </p:nvPr>
+        </p:nvSpPr>
+        <p:spPr/>
+        <p:txBody>
+          <a:bodyPr/>
+          <a:lstStyle/>
+          <a:p>
+            <a:fld id="{BC39F3E1-B436-EB4D-8332-DAA0486A7B2B}" type="slidenum">
+              <a:rPr lang="en-US" smtClean="0"/>
+              <a:pPr/>
+              <a:t>16</a:t>
+            </a:fld>
+            <a:endParaRPr lang="en-US" dirty="0"/>
+          </a:p>
+        </p:txBody>
+      </p:sp>
+    </p:spTree>
+    <p:extLst>
+      <p:ext uri="{BB962C8B-B14F-4D97-AF65-F5344CB8AC3E}">
+        <p14:creationId xmlns:p14="http://schemas.microsoft.com/office/powerpoint/2010/main" val="3384916545"/>
+      </p:ext>
+    </p:extLst>
+  </p:cSld>
+  <p:clrMapOvr>
+    <a:masterClrMapping/>
+  </p:clrMapOvr>
+</p:notes>
+</file>
+
 <file path=ppt/slideLayouts/slideLayout1.xml><?xml version="1.0" encoding="utf-8"?>
 <p:sldLayout xmlns:a="http://schemas.openxmlformats.org/drawingml/2006/main" xmlns:r="http://schemas.openxmlformats.org/officeDocument/2006/relationships" xmlns:p="http://schemas.openxmlformats.org/presentationml/2006/main" type="title" preserve="1">
   <p:cSld name="Title Slide">
@@ -524,10 +641,9 @@
           <a:lstStyle/>
           <a:p>
             <a:r>
-              <a:rPr lang="en-US" smtClean="0"/>
+              <a:rPr lang="en-US"/>
               <a:t>Click to edit Master title style</a:t>
             </a:r>
-            <a:endParaRPr lang="en-US"/>
           </a:p>
         </p:txBody>
       </p:sp>
@@ -643,10 +759,9 @@
           </a:lstStyle>
           <a:p>
             <a:r>
-              <a:rPr lang="en-US" smtClean="0"/>
+              <a:rPr lang="en-US"/>
               <a:t>Click to edit Master subtitle style</a:t>
             </a:r>
-            <a:endParaRPr lang="en-US"/>
           </a:p>
         </p:txBody>
       </p:sp>
@@ -696,10 +811,9 @@
           <a:lstStyle/>
           <a:p>
             <a:r>
-              <a:rPr lang="en-US" smtClean="0"/>
+              <a:rPr lang="en-US"/>
               <a:t>Click to edit Master title style</a:t>
             </a:r>
-            <a:endParaRPr lang="en-US"/>
           </a:p>
         </p:txBody>
       </p:sp>
@@ -720,38 +834,37 @@
           <a:p>
             <a:pPr lvl="0"/>
             <a:r>
-              <a:rPr lang="en-US" smtClean="0"/>
+              <a:rPr lang="en-US"/>
               <a:t>Click to edit Master text styles</a:t>
             </a:r>
           </a:p>
           <a:p>
             <a:pPr lvl="1"/>
             <a:r>
-              <a:rPr lang="en-US" smtClean="0"/>
+              <a:rPr lang="en-US"/>
               <a:t>Second level</a:t>
             </a:r>
           </a:p>
           <a:p>
             <a:pPr lvl="2"/>
             <a:r>
-              <a:rPr lang="en-US" smtClean="0"/>
+              <a:rPr lang="en-US"/>
               <a:t>Third level</a:t>
             </a:r>
           </a:p>
           <a:p>
             <a:pPr lvl="3"/>
             <a:r>
-              <a:rPr lang="en-US" smtClean="0"/>
+              <a:rPr lang="en-US"/>
               <a:t>Fourth level</a:t>
             </a:r>
           </a:p>
           <a:p>
             <a:pPr lvl="4"/>
             <a:r>
-              <a:rPr lang="en-US" smtClean="0"/>
+              <a:rPr lang="en-US"/>
               <a:t>Fifth level</a:t>
             </a:r>
-            <a:endParaRPr lang="en-US"/>
           </a:p>
         </p:txBody>
       </p:sp>
@@ -780,7 +893,7 @@
           <a:p>
             <a:fld id="{875CF0EB-321F-0749-B37A-89BBA859503C}" type="datetimeFigureOut">
               <a:rPr lang="en-US" smtClean="0"/>
-              <a:t>05/12/17</a:t>
+              <a:t>1/4/19</a:t>
             </a:fld>
             <a:endParaRPr lang="en-US"/>
           </a:p>
@@ -895,10 +1008,9 @@
           <a:lstStyle/>
           <a:p>
             <a:r>
-              <a:rPr lang="en-US" smtClean="0"/>
+              <a:rPr lang="en-US"/>
               <a:t>Click to edit Master title style</a:t>
             </a:r>
-            <a:endParaRPr lang="en-US"/>
           </a:p>
         </p:txBody>
       </p:sp>
@@ -924,38 +1036,37 @@
           <a:p>
             <a:pPr lvl="0"/>
             <a:r>
-              <a:rPr lang="en-US" smtClean="0"/>
+              <a:rPr lang="en-US"/>
               <a:t>Click to edit Master text styles</a:t>
             </a:r>
           </a:p>
           <a:p>
             <a:pPr lvl="1"/>
             <a:r>
-              <a:rPr lang="en-US" smtClean="0"/>
+              <a:rPr lang="en-US"/>
               <a:t>Second level</a:t>
             </a:r>
           </a:p>
           <a:p>
             <a:pPr lvl="2"/>
             <a:r>
-              <a:rPr lang="en-US" smtClean="0"/>
+              <a:rPr lang="en-US"/>
               <a:t>Third level</a:t>
             </a:r>
           </a:p>
           <a:p>
             <a:pPr lvl="3"/>
             <a:r>
-              <a:rPr lang="en-US" smtClean="0"/>
+              <a:rPr lang="en-US"/>
               <a:t>Fourth level</a:t>
             </a:r>
           </a:p>
           <a:p>
             <a:pPr lvl="4"/>
             <a:r>
-              <a:rPr lang="en-US" smtClean="0"/>
+              <a:rPr lang="en-US"/>
               <a:t>Fifth level</a:t>
             </a:r>
-            <a:endParaRPr lang="en-US"/>
           </a:p>
         </p:txBody>
       </p:sp>
@@ -984,7 +1095,7 @@
           <a:p>
             <a:fld id="{875CF0EB-321F-0749-B37A-89BBA859503C}" type="datetimeFigureOut">
               <a:rPr lang="en-US" smtClean="0"/>
-              <a:t>05/12/17</a:t>
+              <a:t>1/4/19</a:t>
             </a:fld>
             <a:endParaRPr lang="en-US"/>
           </a:p>
@@ -1094,10 +1205,9 @@
           <a:lstStyle/>
           <a:p>
             <a:r>
-              <a:rPr lang="en-US" smtClean="0"/>
+              <a:rPr lang="en-US"/>
               <a:t>Click to edit Master title style</a:t>
             </a:r>
-            <a:endParaRPr lang="en-US"/>
           </a:p>
         </p:txBody>
       </p:sp>
@@ -1118,38 +1228,37 @@
           <a:p>
             <a:pPr lvl="0"/>
             <a:r>
-              <a:rPr lang="en-US" smtClean="0"/>
+              <a:rPr lang="en-US"/>
               <a:t>Click to edit Master text styles</a:t>
             </a:r>
           </a:p>
           <a:p>
             <a:pPr lvl="1"/>
             <a:r>
-              <a:rPr lang="en-US" smtClean="0"/>
+              <a:rPr lang="en-US"/>
               <a:t>Second level</a:t>
             </a:r>
           </a:p>
           <a:p>
             <a:pPr lvl="2"/>
             <a:r>
-              <a:rPr lang="en-US" smtClean="0"/>
+              <a:rPr lang="en-US"/>
               <a:t>Third level</a:t>
             </a:r>
           </a:p>
           <a:p>
             <a:pPr lvl="3"/>
             <a:r>
-              <a:rPr lang="en-US" smtClean="0"/>
+              <a:rPr lang="en-US"/>
               <a:t>Fourth level</a:t>
             </a:r>
           </a:p>
           <a:p>
             <a:pPr lvl="4"/>
             <a:r>
-              <a:rPr lang="en-US" smtClean="0"/>
+              <a:rPr lang="en-US"/>
               <a:t>Fifth level</a:t>
             </a:r>
-            <a:endParaRPr lang="en-US"/>
           </a:p>
         </p:txBody>
       </p:sp>
@@ -1178,7 +1287,7 @@
           <a:p>
             <a:fld id="{875CF0EB-321F-0749-B37A-89BBA859503C}" type="datetimeFigureOut">
               <a:rPr lang="en-US" smtClean="0"/>
-              <a:t>05/12/17</a:t>
+              <a:t>1/4/19</a:t>
             </a:fld>
             <a:endParaRPr lang="en-US"/>
           </a:p>
@@ -1297,10 +1406,9 @@
           </a:lstStyle>
           <a:p>
             <a:r>
-              <a:rPr lang="en-US" smtClean="0"/>
+              <a:rPr lang="en-US"/>
               <a:t>Click to edit Master title style</a:t>
             </a:r>
-            <a:endParaRPr lang="en-US"/>
           </a:p>
         </p:txBody>
       </p:sp>
@@ -1417,7 +1525,7 @@
           <a:p>
             <a:pPr lvl="0"/>
             <a:r>
-              <a:rPr lang="en-US" smtClean="0"/>
+              <a:rPr lang="en-US"/>
               <a:t>Click to edit Master text styles</a:t>
             </a:r>
           </a:p>
@@ -1448,7 +1556,7 @@
           <a:p>
             <a:fld id="{875CF0EB-321F-0749-B37A-89BBA859503C}" type="datetimeFigureOut">
               <a:rPr lang="en-US" smtClean="0"/>
-              <a:t>05/12/17</a:t>
+              <a:t>1/4/19</a:t>
             </a:fld>
             <a:endParaRPr lang="en-US"/>
           </a:p>
@@ -1558,10 +1666,9 @@
           <a:lstStyle/>
           <a:p>
             <a:r>
-              <a:rPr lang="en-US" smtClean="0"/>
+              <a:rPr lang="en-US"/>
               <a:t>Click to edit Master title style</a:t>
             </a:r>
-            <a:endParaRPr lang="en-US"/>
           </a:p>
         </p:txBody>
       </p:sp>
@@ -1615,38 +1722,37 @@
           <a:p>
             <a:pPr lvl="0"/>
             <a:r>
-              <a:rPr lang="en-US" smtClean="0"/>
+              <a:rPr lang="en-US"/>
               <a:t>Click to edit Master text styles</a:t>
             </a:r>
           </a:p>
           <a:p>
             <a:pPr lvl="1"/>
             <a:r>
-              <a:rPr lang="en-US" smtClean="0"/>
+              <a:rPr lang="en-US"/>
               <a:t>Second level</a:t>
             </a:r>
           </a:p>
           <a:p>
             <a:pPr lvl="2"/>
             <a:r>
-              <a:rPr lang="en-US" smtClean="0"/>
+              <a:rPr lang="en-US"/>
               <a:t>Third level</a:t>
             </a:r>
           </a:p>
           <a:p>
             <a:pPr lvl="3"/>
             <a:r>
-              <a:rPr lang="en-US" smtClean="0"/>
+              <a:rPr lang="en-US"/>
               <a:t>Fourth level</a:t>
             </a:r>
           </a:p>
           <a:p>
             <a:pPr lvl="4"/>
             <a:r>
-              <a:rPr lang="en-US" smtClean="0"/>
+              <a:rPr lang="en-US"/>
               <a:t>Fifth level</a:t>
             </a:r>
-            <a:endParaRPr lang="en-US"/>
           </a:p>
         </p:txBody>
       </p:sp>
@@ -1700,38 +1806,37 @@
           <a:p>
             <a:pPr lvl="0"/>
             <a:r>
-              <a:rPr lang="en-US" smtClean="0"/>
+              <a:rPr lang="en-US"/>
               <a:t>Click to edit Master text styles</a:t>
             </a:r>
           </a:p>
           <a:p>
             <a:pPr lvl="1"/>
             <a:r>
-              <a:rPr lang="en-US" smtClean="0"/>
+              <a:rPr lang="en-US"/>
               <a:t>Second level</a:t>
             </a:r>
           </a:p>
           <a:p>
             <a:pPr lvl="2"/>
             <a:r>
-              <a:rPr lang="en-US" smtClean="0"/>
+              <a:rPr lang="en-US"/>
               <a:t>Third level</a:t>
             </a:r>
           </a:p>
           <a:p>
             <a:pPr lvl="3"/>
             <a:r>
-              <a:rPr lang="en-US" smtClean="0"/>
+              <a:rPr lang="en-US"/>
               <a:t>Fourth level</a:t>
             </a:r>
           </a:p>
           <a:p>
             <a:pPr lvl="4"/>
             <a:r>
-              <a:rPr lang="en-US" smtClean="0"/>
+              <a:rPr lang="en-US"/>
               <a:t>Fifth level</a:t>
             </a:r>
-            <a:endParaRPr lang="en-US"/>
           </a:p>
         </p:txBody>
       </p:sp>
@@ -1760,7 +1865,7 @@
           <a:p>
             <a:fld id="{875CF0EB-321F-0749-B37A-89BBA859503C}" type="datetimeFigureOut">
               <a:rPr lang="en-US" smtClean="0"/>
-              <a:t>05/12/17</a:t>
+              <a:t>1/4/19</a:t>
             </a:fld>
             <a:endParaRPr lang="en-US"/>
           </a:p>
@@ -1874,10 +1979,9 @@
           </a:lstStyle>
           <a:p>
             <a:r>
-              <a:rPr lang="en-US" smtClean="0"/>
+              <a:rPr lang="en-US"/>
               <a:t>Click to edit Master title style</a:t>
             </a:r>
-            <a:endParaRPr lang="en-US"/>
           </a:p>
         </p:txBody>
       </p:sp>
@@ -1940,7 +2044,7 @@
           <a:p>
             <a:pPr lvl="0"/>
             <a:r>
-              <a:rPr lang="en-US" smtClean="0"/>
+              <a:rPr lang="en-US"/>
               <a:t>Click to edit Master text styles</a:t>
             </a:r>
           </a:p>
@@ -1996,38 +2100,37 @@
           <a:p>
             <a:pPr lvl="0"/>
             <a:r>
-              <a:rPr lang="en-US" smtClean="0"/>
+              <a:rPr lang="en-US"/>
               <a:t>Click to edit Master text styles</a:t>
             </a:r>
           </a:p>
           <a:p>
             <a:pPr lvl="1"/>
             <a:r>
-              <a:rPr lang="en-US" smtClean="0"/>
+              <a:rPr lang="en-US"/>
               <a:t>Second level</a:t>
             </a:r>
           </a:p>
           <a:p>
             <a:pPr lvl="2"/>
             <a:r>
-              <a:rPr lang="en-US" smtClean="0"/>
+              <a:rPr lang="en-US"/>
               <a:t>Third level</a:t>
             </a:r>
           </a:p>
           <a:p>
             <a:pPr lvl="3"/>
             <a:r>
-              <a:rPr lang="en-US" smtClean="0"/>
+              <a:rPr lang="en-US"/>
               <a:t>Fourth level</a:t>
             </a:r>
           </a:p>
           <a:p>
             <a:pPr lvl="4"/>
             <a:r>
-              <a:rPr lang="en-US" smtClean="0"/>
+              <a:rPr lang="en-US"/>
               <a:t>Fifth level</a:t>
             </a:r>
-            <a:endParaRPr lang="en-US"/>
           </a:p>
         </p:txBody>
       </p:sp>
@@ -2090,7 +2193,7 @@
           <a:p>
             <a:pPr lvl="0"/>
             <a:r>
-              <a:rPr lang="en-US" smtClean="0"/>
+              <a:rPr lang="en-US"/>
               <a:t>Click to edit Master text styles</a:t>
             </a:r>
           </a:p>
@@ -2146,38 +2249,37 @@
           <a:p>
             <a:pPr lvl="0"/>
             <a:r>
-              <a:rPr lang="en-US" smtClean="0"/>
+              <a:rPr lang="en-US"/>
               <a:t>Click to edit Master text styles</a:t>
             </a:r>
           </a:p>
           <a:p>
             <a:pPr lvl="1"/>
             <a:r>
-              <a:rPr lang="en-US" smtClean="0"/>
+              <a:rPr lang="en-US"/>
               <a:t>Second level</a:t>
             </a:r>
           </a:p>
           <a:p>
             <a:pPr lvl="2"/>
             <a:r>
-              <a:rPr lang="en-US" smtClean="0"/>
+              <a:rPr lang="en-US"/>
               <a:t>Third level</a:t>
             </a:r>
           </a:p>
           <a:p>
             <a:pPr lvl="3"/>
             <a:r>
-              <a:rPr lang="en-US" smtClean="0"/>
+              <a:rPr lang="en-US"/>
               <a:t>Fourth level</a:t>
             </a:r>
           </a:p>
           <a:p>
             <a:pPr lvl="4"/>
             <a:r>
-              <a:rPr lang="en-US" smtClean="0"/>
+              <a:rPr lang="en-US"/>
               <a:t>Fifth level</a:t>
             </a:r>
-            <a:endParaRPr lang="en-US"/>
           </a:p>
         </p:txBody>
       </p:sp>
@@ -2206,7 +2308,7 @@
           <a:p>
             <a:fld id="{875CF0EB-321F-0749-B37A-89BBA859503C}" type="datetimeFigureOut">
               <a:rPr lang="en-US" smtClean="0"/>
-              <a:t>05/12/17</a:t>
+              <a:t>1/4/19</a:t>
             </a:fld>
             <a:endParaRPr lang="en-US"/>
           </a:p>
@@ -2316,10 +2418,9 @@
           <a:lstStyle/>
           <a:p>
             <a:r>
-              <a:rPr lang="en-US" smtClean="0"/>
+              <a:rPr lang="en-US"/>
               <a:t>Click to edit Master title style</a:t>
             </a:r>
-            <a:endParaRPr lang="en-US"/>
           </a:p>
         </p:txBody>
       </p:sp>
@@ -2348,7 +2449,7 @@
           <a:p>
             <a:fld id="{875CF0EB-321F-0749-B37A-89BBA859503C}" type="datetimeFigureOut">
               <a:rPr lang="en-US" smtClean="0"/>
-              <a:t>05/12/17</a:t>
+              <a:t>1/4/19</a:t>
             </a:fld>
             <a:endParaRPr lang="en-US"/>
           </a:p>
@@ -2467,7 +2568,7 @@
           <a:p>
             <a:fld id="{875CF0EB-321F-0749-B37A-89BBA859503C}" type="datetimeFigureOut">
               <a:rPr lang="en-US" smtClean="0"/>
-              <a:t>05/12/17</a:t>
+              <a:t>1/4/19</a:t>
             </a:fld>
             <a:endParaRPr lang="en-US"/>
           </a:p>
@@ -2586,10 +2687,9 @@
           </a:lstStyle>
           <a:p>
             <a:r>
-              <a:rPr lang="en-US" smtClean="0"/>
+              <a:rPr lang="en-US"/>
               <a:t>Click to edit Master title style</a:t>
             </a:r>
-            <a:endParaRPr lang="en-US"/>
           </a:p>
         </p:txBody>
       </p:sp>
@@ -2643,38 +2743,37 @@
           <a:p>
             <a:pPr lvl="0"/>
             <a:r>
-              <a:rPr lang="en-US" smtClean="0"/>
+              <a:rPr lang="en-US"/>
               <a:t>Click to edit Master text styles</a:t>
             </a:r>
           </a:p>
           <a:p>
             <a:pPr lvl="1"/>
             <a:r>
-              <a:rPr lang="en-US" smtClean="0"/>
+              <a:rPr lang="en-US"/>
               <a:t>Second level</a:t>
             </a:r>
           </a:p>
           <a:p>
             <a:pPr lvl="2"/>
             <a:r>
-              <a:rPr lang="en-US" smtClean="0"/>
+              <a:rPr lang="en-US"/>
               <a:t>Third level</a:t>
             </a:r>
           </a:p>
           <a:p>
             <a:pPr lvl="3"/>
             <a:r>
-              <a:rPr lang="en-US" smtClean="0"/>
+              <a:rPr lang="en-US"/>
               <a:t>Fourth level</a:t>
             </a:r>
           </a:p>
           <a:p>
             <a:pPr lvl="4"/>
             <a:r>
-              <a:rPr lang="en-US" smtClean="0"/>
+              <a:rPr lang="en-US"/>
               <a:t>Fifth level</a:t>
             </a:r>
-            <a:endParaRPr lang="en-US"/>
           </a:p>
         </p:txBody>
       </p:sp>
@@ -2737,7 +2836,7 @@
           <a:p>
             <a:pPr lvl="0"/>
             <a:r>
-              <a:rPr lang="en-US" smtClean="0"/>
+              <a:rPr lang="en-US"/>
               <a:t>Click to edit Master text styles</a:t>
             </a:r>
           </a:p>
@@ -2768,7 +2867,7 @@
           <a:p>
             <a:fld id="{875CF0EB-321F-0749-B37A-89BBA859503C}" type="datetimeFigureOut">
               <a:rPr lang="en-US" smtClean="0"/>
-              <a:t>05/12/17</a:t>
+              <a:t>1/4/19</a:t>
             </a:fld>
             <a:endParaRPr lang="en-US"/>
           </a:p>
@@ -2887,10 +2986,9 @@
           </a:lstStyle>
           <a:p>
             <a:r>
-              <a:rPr lang="en-US" smtClean="0"/>
+              <a:rPr lang="en-US"/>
               <a:t>Click to edit Master title style</a:t>
             </a:r>
-            <a:endParaRPr lang="en-US"/>
           </a:p>
         </p:txBody>
       </p:sp>
@@ -3014,7 +3112,7 @@
           <a:p>
             <a:pPr lvl="0"/>
             <a:r>
-              <a:rPr lang="en-US" smtClean="0"/>
+              <a:rPr lang="en-US"/>
               <a:t>Click to edit Master text styles</a:t>
             </a:r>
           </a:p>
@@ -3045,7 +3143,7 @@
           <a:p>
             <a:fld id="{875CF0EB-321F-0749-B37A-89BBA859503C}" type="datetimeFigureOut">
               <a:rPr lang="en-US" smtClean="0"/>
-              <a:t>05/12/17</a:t>
+              <a:t>1/4/19</a:t>
             </a:fld>
             <a:endParaRPr lang="en-US"/>
           </a:p>
@@ -3170,10 +3268,9 @@
           <a:lstStyle/>
           <a:p>
             <a:r>
-              <a:rPr lang="en-US" dirty="0" smtClean="0"/>
+              <a:rPr lang="en-US" dirty="0"/>
               <a:t>Click to edit Master title style</a:t>
             </a:r>
-            <a:endParaRPr lang="en-US" dirty="0"/>
           </a:p>
         </p:txBody>
       </p:sp>
@@ -3204,38 +3301,37 @@
           <a:p>
             <a:pPr lvl="0"/>
             <a:r>
-              <a:rPr lang="en-US" dirty="0" smtClean="0"/>
+              <a:rPr lang="en-US" dirty="0"/>
               <a:t>Click to edit Master text styles</a:t>
             </a:r>
           </a:p>
           <a:p>
             <a:pPr lvl="1"/>
             <a:r>
-              <a:rPr lang="en-US" dirty="0" smtClean="0"/>
+              <a:rPr lang="en-US" dirty="0"/>
               <a:t>Second level</a:t>
             </a:r>
           </a:p>
           <a:p>
             <a:pPr lvl="2"/>
             <a:r>
-              <a:rPr lang="en-US" dirty="0" smtClean="0"/>
+              <a:rPr lang="en-US" dirty="0"/>
               <a:t>Third level</a:t>
             </a:r>
           </a:p>
           <a:p>
             <a:pPr lvl="3"/>
             <a:r>
-              <a:rPr lang="en-US" dirty="0" smtClean="0"/>
+              <a:rPr lang="en-US" dirty="0"/>
               <a:t>Fourth level</a:t>
             </a:r>
           </a:p>
           <a:p>
             <a:pPr lvl="4"/>
             <a:r>
-              <a:rPr lang="en-US" dirty="0" smtClean="0"/>
+              <a:rPr lang="en-US" dirty="0"/>
               <a:t>Fifth level</a:t>
             </a:r>
-            <a:endParaRPr lang="en-US" dirty="0"/>
           </a:p>
         </p:txBody>
       </p:sp>
@@ -3261,14 +3357,14 @@
           </a:ln>
           <a:extLst>
             <a:ext uri="{909E8E84-426E-40dd-AFC4-6F175D3DCCD1}">
-              <a14:hiddenFill xmlns:a14="http://schemas.microsoft.com/office/drawing/2010/main">
+              <a14:hiddenFill xmlns:a14="http://schemas.microsoft.com/office/drawing/2010/main" xmlns="">
                 <a:solidFill>
                   <a:srgbClr val="FFFFFF"/>
                 </a:solidFill>
               </a14:hiddenFill>
             </a:ext>
             <a:ext uri="{91240B29-F687-4f45-9708-019B960494DF}">
-              <a14:hiddenLine xmlns:a14="http://schemas.microsoft.com/office/drawing/2010/main" w="9525">
+              <a14:hiddenLine xmlns:a14="http://schemas.microsoft.com/office/drawing/2010/main" xmlns="" w="9525">
                 <a:solidFill>
                   <a:srgbClr val="000000"/>
                 </a:solidFill>
@@ -3422,7 +3518,7 @@
               <a:defRPr/>
             </a:pPr>
             <a:r>
-              <a:rPr lang="en-US" sz="700" dirty="0" smtClean="0">
+              <a:rPr lang="en-US" sz="700" dirty="0">
                 <a:latin typeface="Montserrat"/>
               </a:rPr>
               <a:t>© Paul Fremantle 2015.  This work is licensed under a Creative Commons</a:t>
@@ -3433,55 +3529,55 @@
               <a:defRPr/>
             </a:pPr>
             <a:r>
-              <a:rPr lang="en-US" sz="700" dirty="0" smtClean="0">
+              <a:rPr lang="en-US" sz="700" dirty="0">
                 <a:latin typeface="Montserrat"/>
               </a:rPr>
               <a:t> Attribution-</a:t>
             </a:r>
             <a:r>
-              <a:rPr lang="en-US" sz="700" dirty="0" err="1" smtClean="0">
+              <a:rPr lang="en-US" sz="700" dirty="0" err="1">
                 <a:latin typeface="Montserrat"/>
               </a:rPr>
               <a:t>NonCommercial</a:t>
             </a:r>
             <a:r>
-              <a:rPr lang="en-US" sz="700" dirty="0" smtClean="0">
+              <a:rPr lang="en-US" sz="700" dirty="0">
                 <a:latin typeface="Montserrat"/>
               </a:rPr>
               <a:t>-</a:t>
             </a:r>
             <a:r>
-              <a:rPr lang="en-US" sz="700" dirty="0" err="1" smtClean="0">
+              <a:rPr lang="en-US" sz="700" dirty="0" err="1">
                 <a:latin typeface="Montserrat"/>
               </a:rPr>
               <a:t>ShareAlike</a:t>
             </a:r>
             <a:r>
-              <a:rPr lang="en-US" sz="700" dirty="0" smtClean="0">
+              <a:rPr lang="en-US" sz="700" dirty="0">
                 <a:latin typeface="Montserrat"/>
               </a:rPr>
               <a:t> 4.0 International License</a:t>
             </a:r>
             <a:br>
-              <a:rPr lang="en-US" sz="700" dirty="0" smtClean="0">
+              <a:rPr lang="en-US" sz="700" dirty="0">
                 <a:latin typeface="Montserrat"/>
               </a:rPr>
             </a:br>
             <a:r>
-              <a:rPr lang="en-US" sz="700" dirty="0" smtClean="0">
+              <a:rPr lang="en-US" sz="700" dirty="0">
                 <a:latin typeface="Montserrat"/>
               </a:rPr>
               <a:t>See  </a:t>
             </a:r>
             <a:r>
-              <a:rPr lang="en-US" sz="700" dirty="0" smtClean="0">
+              <a:rPr lang="en-US" sz="700" dirty="0">
                 <a:latin typeface="Montserrat"/>
                 <a:hlinkClick r:id="rId13"/>
               </a:rPr>
               <a:t>http://creativecommons.org/licenses/by-nc-sa/4.0/</a:t>
             </a:r>
             <a:r>
-              <a:rPr lang="en-US" sz="700" dirty="0" smtClean="0">
+              <a:rPr lang="en-US" sz="700" dirty="0">
                 <a:latin typeface="Montserrat"/>
               </a:rPr>
               <a:t> </a:t>
@@ -3822,14 +3918,14 @@
           <a:noFill/>
           <a:extLst>
             <a:ext uri="{909E8E84-426E-40dd-AFC4-6F175D3DCCD1}">
-              <a14:hiddenFill xmlns:a14="http://schemas.microsoft.com/office/drawing/2010/main">
+              <a14:hiddenFill xmlns:a14="http://schemas.microsoft.com/office/drawing/2010/main" xmlns="">
                 <a:solidFill>
                   <a:srgbClr val="FFFFFF"/>
                 </a:solidFill>
               </a14:hiddenFill>
             </a:ext>
             <a:ext uri="{91240B29-F687-4f45-9708-019B960494DF}">
-              <a14:hiddenLine xmlns:a14="http://schemas.microsoft.com/office/drawing/2010/main" w="9525">
+              <a14:hiddenLine xmlns:a14="http://schemas.microsoft.com/office/drawing/2010/main" xmlns="" w="9525">
                 <a:solidFill>
                   <a:srgbClr val="000000"/>
                 </a:solidFill>
@@ -3851,7 +3947,7 @@
           <a:p>
             <a:pPr eaLnBrk="1" hangingPunct="1"/>
             <a:r>
-              <a:rPr lang="en-US" sz="4000" dirty="0" smtClean="0">
+              <a:rPr lang="en-US" sz="4000" dirty="0">
                 <a:ea typeface="ヒラギノ角ゴ ProN W3" charset="0"/>
                 <a:cs typeface="ヒラギノ角ゴ ProN W3" charset="0"/>
               </a:rPr>
@@ -3874,21 +3970,6 @@
   <p:clrMapOvr>
     <a:masterClrMapping/>
   </p:clrMapOvr>
-  <mc:AlternateContent xmlns:mc="http://schemas.openxmlformats.org/markup-compatibility/2006" xmlns:p14="http://schemas.microsoft.com/office/powerpoint/2010/main">
-    <mc:Choice Requires="p14">
-      <p:transition spd="slow" p14:dur="2000"/>
-    </mc:Choice>
-    <mc:Fallback xmlns="">
-      <p:transition xmlns:p14="http://schemas.microsoft.com/office/powerpoint/2010/main" spd="slow"/>
-    </mc:Fallback>
-  </mc:AlternateContent>
-  <p:timing>
-    <p:tnLst>
-      <p:par>
-        <p:cTn xmlns:p14="http://schemas.microsoft.com/office/powerpoint/2010/main" id="1" dur="indefinite" restart="never" nodeType="tmRoot"/>
-      </p:par>
-    </p:tnLst>
-  </p:timing>
 </p:sld>
 </file>
 
@@ -3925,10 +4006,9 @@
           <a:lstStyle/>
           <a:p>
             <a:r>
-              <a:rPr lang="en-US" dirty="0" smtClean="0"/>
+              <a:rPr lang="en-US" dirty="0"/>
               <a:t>Map/Shuffle/Reduce</a:t>
             </a:r>
-            <a:endParaRPr lang="en-US" dirty="0"/>
           </a:p>
         </p:txBody>
       </p:sp>
@@ -4075,10 +4155,9 @@
           <a:lstStyle/>
           <a:p>
             <a:r>
-              <a:rPr lang="en-US" dirty="0" smtClean="0"/>
+              <a:rPr lang="en-US" dirty="0"/>
               <a:t>Map Reduce in Real Life</a:t>
             </a:r>
-            <a:endParaRPr lang="en-US" dirty="0"/>
           </a:p>
         </p:txBody>
       </p:sp>
@@ -4100,84 +4179,84 @@
           <a:lstStyle/>
           <a:p>
             <a:r>
-              <a:rPr lang="en-US" dirty="0" err="1" smtClean="0"/>
+              <a:rPr lang="en-US" dirty="0" err="1"/>
               <a:t>Analysing</a:t>
             </a:r>
             <a:r>
-              <a:rPr lang="en-US" dirty="0" smtClean="0"/>
+              <a:rPr lang="en-US" dirty="0"/>
               <a:t> web logs</a:t>
             </a:r>
           </a:p>
           <a:p>
             <a:pPr lvl="1"/>
             <a:r>
-              <a:rPr lang="en-US" dirty="0" err="1" smtClean="0"/>
+              <a:rPr lang="en-US" dirty="0" err="1"/>
               <a:t>Summarise</a:t>
             </a:r>
             <a:r>
-              <a:rPr lang="en-US" dirty="0" smtClean="0"/>
+              <a:rPr lang="en-US" dirty="0"/>
               <a:t> by user / cookie</a:t>
             </a:r>
           </a:p>
           <a:p>
             <a:pPr lvl="1"/>
             <a:r>
-              <a:rPr lang="en-US" dirty="0" smtClean="0"/>
+              <a:rPr lang="en-US" dirty="0"/>
               <a:t>Then aggregate to identify who did what</a:t>
             </a:r>
           </a:p>
           <a:p>
             <a:r>
-              <a:rPr lang="en-US" dirty="0" err="1" smtClean="0"/>
+              <a:rPr lang="en-US" dirty="0" err="1"/>
               <a:t>Analysing</a:t>
             </a:r>
             <a:r>
-              <a:rPr lang="en-US" dirty="0" smtClean="0"/>
+              <a:rPr lang="en-US" dirty="0"/>
               <a:t> twitter data</a:t>
             </a:r>
           </a:p>
           <a:p>
             <a:pPr lvl="1"/>
             <a:r>
-              <a:rPr lang="en-US" dirty="0" smtClean="0"/>
+              <a:rPr lang="en-US" dirty="0"/>
               <a:t>Who </a:t>
             </a:r>
             <a:r>
-              <a:rPr lang="en-US" dirty="0" err="1" smtClean="0"/>
+              <a:rPr lang="en-US" dirty="0" err="1"/>
               <a:t>retweeted</a:t>
             </a:r>
-            <a:endParaRPr lang="en-US" dirty="0" smtClean="0"/>
+            <a:endParaRPr lang="en-US" dirty="0"/>
           </a:p>
           <a:p>
             <a:pPr lvl="1"/>
             <a:r>
-              <a:rPr lang="en-US" dirty="0" smtClean="0"/>
+              <a:rPr lang="en-US" dirty="0"/>
               <a:t>Who was </a:t>
             </a:r>
             <a:r>
-              <a:rPr lang="en-US" dirty="0" err="1" smtClean="0"/>
+              <a:rPr lang="en-US" dirty="0" err="1"/>
               <a:t>retweeted</a:t>
             </a:r>
             <a:r>
-              <a:rPr lang="en-US" dirty="0" smtClean="0"/>
+              <a:rPr lang="en-US" dirty="0"/>
               <a:t> the most</a:t>
             </a:r>
           </a:p>
           <a:p>
             <a:r>
-              <a:rPr lang="en-US" dirty="0" smtClean="0"/>
+              <a:rPr lang="en-US" dirty="0"/>
               <a:t>Almost all big data problems can be re-factored into Map Reduce</a:t>
             </a:r>
           </a:p>
           <a:p>
             <a:pPr lvl="1"/>
             <a:r>
-              <a:rPr lang="en-US" dirty="0" smtClean="0"/>
+              <a:rPr lang="en-US" dirty="0"/>
               <a:t>Some more efficiently than others</a:t>
             </a:r>
           </a:p>
           <a:p>
-            <a:endParaRPr lang="en-US" dirty="0" smtClean="0"/>
+            <a:endParaRPr lang="en-US" dirty="0"/>
           </a:p>
           <a:p>
             <a:pPr lvl="1"/>
@@ -4231,10 +4310,9 @@
           <a:lstStyle/>
           <a:p>
             <a:r>
-              <a:rPr lang="en-US" dirty="0" smtClean="0"/>
+              <a:rPr lang="en-US" dirty="0"/>
               <a:t>Tuning</a:t>
             </a:r>
-            <a:endParaRPr lang="en-US" dirty="0"/>
           </a:p>
         </p:txBody>
       </p:sp>
@@ -4254,38 +4332,36 @@
           <a:lstStyle/>
           <a:p>
             <a:r>
-              <a:rPr lang="en-US" dirty="0" smtClean="0"/>
+              <a:rPr lang="en-US" dirty="0"/>
               <a:t>Fault tolerance</a:t>
             </a:r>
           </a:p>
           <a:p>
             <a:pPr lvl="1"/>
             <a:r>
-              <a:rPr lang="en-US" dirty="0" smtClean="0"/>
+              <a:rPr lang="en-US" dirty="0"/>
               <a:t>Simply re-execute work that fails</a:t>
             </a:r>
           </a:p>
           <a:p>
             <a:r>
-              <a:rPr lang="en-US" dirty="0" smtClean="0"/>
+              <a:rPr lang="en-US" dirty="0"/>
               <a:t>Performance:</a:t>
             </a:r>
-            <a:endParaRPr lang="en-US" dirty="0"/>
           </a:p>
           <a:p>
             <a:pPr lvl="1"/>
             <a:r>
-              <a:rPr lang="en-US" dirty="0" smtClean="0"/>
+              <a:rPr lang="en-US" dirty="0"/>
               <a:t>Partitioning the data </a:t>
             </a:r>
           </a:p>
           <a:p>
             <a:pPr lvl="1"/>
             <a:r>
-              <a:rPr lang="en-US" dirty="0" smtClean="0"/>
+              <a:rPr lang="en-US" dirty="0"/>
               <a:t>Moving the work to near the data</a:t>
             </a:r>
-            <a:endParaRPr lang="en-US" dirty="0"/>
           </a:p>
         </p:txBody>
       </p:sp>
@@ -4335,11 +4411,11 @@
           <a:lstStyle/>
           <a:p>
             <a:r>
-              <a:rPr lang="en-US" dirty="0" smtClean="0"/>
+              <a:rPr lang="en-US" dirty="0"/>
               <a:t>Apache </a:t>
             </a:r>
             <a:r>
-              <a:rPr lang="en-US" dirty="0" err="1" smtClean="0"/>
+              <a:rPr lang="en-US" dirty="0" err="1"/>
               <a:t>Hadoop</a:t>
             </a:r>
             <a:endParaRPr lang="en-US" dirty="0"/>
@@ -4364,60 +4440,59 @@
           <a:lstStyle/>
           <a:p>
             <a:r>
-              <a:rPr lang="en-US" dirty="0" smtClean="0"/>
+              <a:rPr lang="en-US" dirty="0"/>
               <a:t>The most famous and popular </a:t>
             </a:r>
             <a:br>
-              <a:rPr lang="en-US" dirty="0" smtClean="0"/>
+              <a:rPr lang="en-US" dirty="0"/>
             </a:br>
             <a:r>
-              <a:rPr lang="en-US" dirty="0" smtClean="0"/>
+              <a:rPr lang="en-US" dirty="0"/>
               <a:t>Map Reduce framework</a:t>
             </a:r>
           </a:p>
           <a:p>
             <a:pPr lvl="1"/>
             <a:r>
-              <a:rPr lang="en-US" dirty="0" smtClean="0"/>
+              <a:rPr lang="en-US" dirty="0"/>
               <a:t>Open Source</a:t>
             </a:r>
           </a:p>
           <a:p>
             <a:pPr lvl="2"/>
             <a:r>
-              <a:rPr lang="en-US" dirty="0" smtClean="0"/>
+              <a:rPr lang="en-US" dirty="0"/>
               <a:t>Written in Java, but supports other languages</a:t>
             </a:r>
           </a:p>
           <a:p>
             <a:pPr lvl="1"/>
             <a:r>
-              <a:rPr lang="en-US" dirty="0" smtClean="0"/>
+              <a:rPr lang="en-US" dirty="0"/>
               <a:t>Runs Map Reduce workloads across a cloud or cluster of machines</a:t>
             </a:r>
           </a:p>
           <a:p>
             <a:pPr lvl="1"/>
             <a:r>
-              <a:rPr lang="en-US" dirty="0" smtClean="0"/>
+              <a:rPr lang="en-US" dirty="0"/>
               <a:t>Supports a distributed </a:t>
             </a:r>
             <a:r>
-              <a:rPr lang="en-US" dirty="0" err="1" smtClean="0"/>
+              <a:rPr lang="en-US" dirty="0" err="1"/>
               <a:t>filesystem</a:t>
             </a:r>
             <a:r>
-              <a:rPr lang="en-US" dirty="0" smtClean="0"/>
+              <a:rPr lang="en-US" dirty="0"/>
               <a:t> to store data for these jobs</a:t>
             </a:r>
           </a:p>
           <a:p>
             <a:pPr lvl="1"/>
             <a:r>
-              <a:rPr lang="en-US" dirty="0" smtClean="0"/>
+              <a:rPr lang="en-US" dirty="0"/>
               <a:t>Provides reliability when servers in the cluster fail</a:t>
             </a:r>
-            <a:endParaRPr lang="en-US" dirty="0"/>
           </a:p>
         </p:txBody>
       </p:sp>
@@ -4467,11 +4542,11 @@
           <a:lstStyle/>
           <a:p>
             <a:r>
-              <a:rPr lang="en-US" dirty="0" smtClean="0"/>
+              <a:rPr lang="en-US" dirty="0"/>
               <a:t>Components of </a:t>
             </a:r>
             <a:r>
-              <a:rPr lang="en-US" dirty="0" err="1" smtClean="0"/>
+              <a:rPr lang="en-US" dirty="0" err="1"/>
               <a:t>Hadoop</a:t>
             </a:r>
             <a:endParaRPr lang="en-US" dirty="0"/>
@@ -4513,11 +4588,11 @@
           <a:p>
             <a:pPr algn="ctr"/>
             <a:r>
-              <a:rPr lang="en-US" dirty="0" err="1" smtClean="0"/>
+              <a:rPr lang="en-US" dirty="0" err="1"/>
               <a:t>Hadoop</a:t>
             </a:r>
             <a:r>
-              <a:rPr lang="en-US" dirty="0" smtClean="0"/>
+              <a:rPr lang="en-US" dirty="0"/>
               <a:t> Distributed File System (HDFS)</a:t>
             </a:r>
           </a:p>
@@ -4528,7 +4603,7 @@
           <a:p>
             <a:pPr algn="ctr"/>
             <a:r>
-              <a:rPr lang="en-US" dirty="0" smtClean="0"/>
+              <a:rPr lang="en-US" dirty="0"/>
               <a:t>Redundant Reliable Distributed File System</a:t>
             </a:r>
           </a:p>
@@ -4569,14 +4644,14 @@
           <a:p>
             <a:pPr algn="ctr"/>
             <a:r>
-              <a:rPr lang="en-US" dirty="0" smtClean="0"/>
+              <a:rPr lang="en-US" dirty="0"/>
               <a:t>YARN (Yet Another Resource Negotiator)</a:t>
             </a:r>
           </a:p>
           <a:p>
             <a:pPr algn="ctr"/>
             <a:r>
-              <a:rPr lang="en-US" dirty="0" smtClean="0"/>
+              <a:rPr lang="en-US" dirty="0"/>
               <a:t>Cluster Resource Management</a:t>
             </a:r>
           </a:p>
@@ -4617,7 +4692,7 @@
           <a:p>
             <a:pPr algn="ctr"/>
             <a:r>
-              <a:rPr lang="en-US" dirty="0" smtClean="0"/>
+              <a:rPr lang="en-US" dirty="0"/>
               <a:t>Map Reduce or Other Workloads</a:t>
             </a:r>
           </a:p>
@@ -4628,22 +4703,22 @@
           <a:p>
             <a:pPr algn="ctr"/>
             <a:r>
-              <a:rPr lang="en-US" dirty="0" smtClean="0"/>
+              <a:rPr lang="en-US" dirty="0"/>
               <a:t>Java, </a:t>
             </a:r>
             <a:r>
-              <a:rPr lang="en-US" dirty="0" err="1" smtClean="0"/>
+              <a:rPr lang="en-US" dirty="0" err="1"/>
               <a:t>Scala</a:t>
             </a:r>
             <a:r>
-              <a:rPr lang="en-US" dirty="0" smtClean="0"/>
+              <a:rPr lang="en-US" dirty="0"/>
               <a:t>, Python, Apache Pig, Apache Hive, </a:t>
             </a:r>
             <a:r>
-              <a:rPr lang="en-US" dirty="0" err="1" smtClean="0"/>
+              <a:rPr lang="en-US" dirty="0" err="1"/>
               <a:t>etc</a:t>
             </a:r>
-            <a:endParaRPr lang="en-US" dirty="0" smtClean="0"/>
+            <a:endParaRPr lang="en-US" dirty="0"/>
           </a:p>
         </p:txBody>
       </p:sp>
@@ -4693,53 +4768,52 @@
           <a:lstStyle/>
           <a:p>
             <a:r>
-              <a:rPr lang="en-US" dirty="0" smtClean="0"/>
+              <a:rPr lang="en-US" dirty="0"/>
               <a:t>Summary</a:t>
             </a:r>
+          </a:p>
+        </p:txBody>
+      </p:sp>
+      <p:sp>
+        <p:nvSpPr>
+          <p:cNvPr id="3" name="Content Placeholder 2"/>
+          <p:cNvSpPr>
+            <a:spLocks noGrp="1"/>
+          </p:cNvSpPr>
+          <p:nvPr>
+            <p:ph idx="1"/>
+          </p:nvPr>
+        </p:nvSpPr>
+        <p:spPr/>
+        <p:txBody>
+          <a:bodyPr/>
+          <a:lstStyle/>
+          <a:p>
+            <a:r>
+              <a:rPr lang="en-US" dirty="0"/>
+              <a:t>Understanding the Map Reduce Model</a:t>
+            </a:r>
+          </a:p>
+          <a:p>
+            <a:r>
+              <a:rPr lang="en-US" dirty="0"/>
+              <a:t>How is it implemented in </a:t>
+            </a:r>
+            <a:r>
+              <a:rPr lang="en-US" dirty="0" err="1"/>
+              <a:t>Hadoop</a:t>
+            </a:r>
             <a:endParaRPr lang="en-US" dirty="0"/>
           </a:p>
-        </p:txBody>
-      </p:sp>
-      <p:sp>
-        <p:nvSpPr>
-          <p:cNvPr id="3" name="Content Placeholder 2"/>
-          <p:cNvSpPr>
-            <a:spLocks noGrp="1"/>
-          </p:cNvSpPr>
-          <p:nvPr>
-            <p:ph idx="1"/>
-          </p:nvPr>
-        </p:nvSpPr>
-        <p:spPr/>
-        <p:txBody>
-          <a:bodyPr/>
-          <a:lstStyle/>
-          <a:p>
-            <a:r>
-              <a:rPr lang="en-US" dirty="0" smtClean="0"/>
-              <a:t>Understanding the Map Reduce Model</a:t>
-            </a:r>
-          </a:p>
-          <a:p>
-            <a:r>
-              <a:rPr lang="en-US" dirty="0" smtClean="0"/>
-              <a:t>How is it implemented in </a:t>
-            </a:r>
-            <a:r>
-              <a:rPr lang="en-US" dirty="0" err="1" smtClean="0"/>
-              <a:t>Hadoop</a:t>
-            </a:r>
-            <a:endParaRPr lang="en-US" dirty="0" smtClean="0"/>
-          </a:p>
-          <a:p>
-            <a:r>
-              <a:rPr lang="en-US" dirty="0" smtClean="0"/>
+          <a:p>
+            <a:r>
+              <a:rPr lang="en-US" dirty="0"/>
               <a:t>HDFS</a:t>
             </a:r>
           </a:p>
           <a:p>
             <a:r>
-              <a:rPr lang="en-US" dirty="0" smtClean="0"/>
+              <a:rPr lang="en-US" dirty="0"/>
               <a:t>Yarn</a:t>
             </a:r>
           </a:p>
@@ -4791,10 +4865,9 @@
           <a:lstStyle/>
           <a:p>
             <a:r>
-              <a:rPr lang="en-US" dirty="0" smtClean="0"/>
+              <a:rPr lang="en-US" dirty="0"/>
               <a:t>Questions?</a:t>
             </a:r>
-            <a:endParaRPr lang="en-US" dirty="0"/>
           </a:p>
         </p:txBody>
       </p:sp>
@@ -4842,14 +4915,14 @@
           <a:noFill/>
           <a:extLst>
             <a:ext uri="{909E8E84-426E-40dd-AFC4-6F175D3DCCD1}">
-              <a14:hiddenFill xmlns:a14="http://schemas.microsoft.com/office/drawing/2010/main">
+              <a14:hiddenFill xmlns:a14="http://schemas.microsoft.com/office/drawing/2010/main" xmlns="">
                 <a:solidFill>
                   <a:srgbClr val="FFFFFF"/>
                 </a:solidFill>
               </a14:hiddenFill>
             </a:ext>
             <a:ext uri="{91240B29-F687-4f45-9708-019B960494DF}">
-              <a14:hiddenLine xmlns:a14="http://schemas.microsoft.com/office/drawing/2010/main" w="9525">
+              <a14:hiddenLine xmlns:a14="http://schemas.microsoft.com/office/drawing/2010/main" xmlns="" w="9525">
                 <a:solidFill>
                   <a:srgbClr val="000000"/>
                 </a:solidFill>
@@ -4870,16 +4943,12 @@
           <a:p>
             <a:pPr eaLnBrk="1" hangingPunct="1"/>
             <a:r>
-              <a:rPr lang="en-US" dirty="0" smtClean="0">
+              <a:rPr lang="en-US" dirty="0">
                 <a:ea typeface="ヒラギノ角ゴ ProN W3" charset="0"/>
                 <a:cs typeface="ヒラギノ角ゴ ProN W3" charset="0"/>
               </a:rPr>
               <a:t>Contents</a:t>
             </a:r>
-            <a:endParaRPr lang="en-US" dirty="0">
-              <a:ea typeface="ヒラギノ角ゴ ProN W3" charset="0"/>
-              <a:cs typeface="ヒラギノ角ゴ ProN W3" charset="0"/>
-            </a:endParaRPr>
           </a:p>
         </p:txBody>
       </p:sp>
@@ -4897,14 +4966,14 @@
           <a:noFill/>
           <a:extLst>
             <a:ext uri="{909E8E84-426E-40dd-AFC4-6F175D3DCCD1}">
-              <a14:hiddenFill xmlns:a14="http://schemas.microsoft.com/office/drawing/2010/main">
+              <a14:hiddenFill xmlns:a14="http://schemas.microsoft.com/office/drawing/2010/main" xmlns="">
                 <a:solidFill>
                   <a:srgbClr val="FFFFFF"/>
                 </a:solidFill>
               </a14:hiddenFill>
             </a:ext>
             <a:ext uri="{91240B29-F687-4f45-9708-019B960494DF}">
-              <a14:hiddenLine xmlns:a14="http://schemas.microsoft.com/office/drawing/2010/main" w="9525">
+              <a14:hiddenLine xmlns:a14="http://schemas.microsoft.com/office/drawing/2010/main" xmlns="" w="9525">
                 <a:solidFill>
                   <a:srgbClr val="000000"/>
                 </a:solidFill>
@@ -4926,7 +4995,7 @@
           <a:p>
             <a:pPr eaLnBrk="1" hangingPunct="1"/>
             <a:r>
-              <a:rPr lang="en-US" dirty="0" smtClean="0">
+              <a:rPr lang="en-US" dirty="0">
                 <a:ea typeface="ヒラギノ角ゴ ProN W3" charset="0"/>
                 <a:cs typeface="ヒラギノ角ゴ ProN W3" charset="0"/>
               </a:rPr>
@@ -4936,72 +5005,61 @@
           <a:p>
             <a:pPr lvl="1"/>
             <a:r>
-              <a:rPr lang="en-US" dirty="0" smtClean="0">
+              <a:rPr lang="en-US" dirty="0">
                 <a:ea typeface="ヒラギノ角ゴ ProN W3" charset="0"/>
                 <a:cs typeface="ヒラギノ角ゴ ProN W3" charset="0"/>
               </a:rPr>
               <a:t>Functional programming patterns applied for scalability</a:t>
             </a:r>
+          </a:p>
+          <a:p>
+            <a:r>
+              <a:rPr lang="en-US" dirty="0" err="1">
+                <a:ea typeface="ヒラギノ角ゴ ProN W3" charset="0"/>
+                <a:cs typeface="ヒラギノ角ゴ ProN W3" charset="0"/>
+              </a:rPr>
+              <a:t>Hadoop</a:t>
+            </a:r>
             <a:endParaRPr lang="en-US" dirty="0">
               <a:ea typeface="ヒラギノ角ゴ ProN W3" charset="0"/>
               <a:cs typeface="ヒラギノ角ゴ ProN W3" charset="0"/>
             </a:endParaRPr>
           </a:p>
           <a:p>
-            <a:r>
-              <a:rPr lang="en-US" dirty="0" err="1" smtClean="0">
+            <a:pPr lvl="1"/>
+            <a:r>
+              <a:rPr lang="en-US" dirty="0">
+                <a:ea typeface="ヒラギノ角ゴ ProN W3" charset="0"/>
+                <a:cs typeface="ヒラギノ角ゴ ProN W3" charset="0"/>
+              </a:rPr>
+              <a:t>Map-reduce in </a:t>
+            </a:r>
+            <a:r>
+              <a:rPr lang="en-US" dirty="0" err="1">
                 <a:ea typeface="ヒラギノ角ゴ ProN W3" charset="0"/>
                 <a:cs typeface="ヒラギノ角ゴ ProN W3" charset="0"/>
               </a:rPr>
               <a:t>Hadoop</a:t>
             </a:r>
-            <a:endParaRPr lang="en-US" dirty="0" smtClean="0">
+            <a:endParaRPr lang="en-US" dirty="0">
               <a:ea typeface="ヒラギノ角ゴ ProN W3" charset="0"/>
               <a:cs typeface="ヒラギノ角ゴ ProN W3" charset="0"/>
             </a:endParaRPr>
           </a:p>
           <a:p>
-            <a:pPr lvl="1"/>
+            <a:pPr lvl="2"/>
             <a:r>
               <a:rPr lang="en-US" dirty="0">
                 <a:ea typeface="ヒラギノ角ゴ ProN W3" charset="0"/>
                 <a:cs typeface="ヒラギノ角ゴ ProN W3" charset="0"/>
               </a:rPr>
-              <a:t>Map-</a:t>
-            </a:r>
-            <a:r>
-              <a:rPr lang="en-US" dirty="0" smtClean="0">
-                <a:ea typeface="ヒラギノ角ゴ ProN W3" charset="0"/>
-                <a:cs typeface="ヒラギノ角ゴ ProN W3" charset="0"/>
-              </a:rPr>
-              <a:t>reduce in </a:t>
-            </a:r>
-            <a:r>
-              <a:rPr lang="en-US" dirty="0" err="1" smtClean="0">
-                <a:ea typeface="ヒラギノ角ゴ ProN W3" charset="0"/>
-                <a:cs typeface="ヒラギノ角ゴ ProN W3" charset="0"/>
-              </a:rPr>
-              <a:t>Hadoop</a:t>
-            </a:r>
-            <a:endParaRPr lang="en-US" dirty="0" smtClean="0">
-              <a:ea typeface="ヒラギノ角ゴ ProN W3" charset="0"/>
-              <a:cs typeface="ヒラギノ角ゴ ProN W3" charset="0"/>
-            </a:endParaRPr>
+              <a:t>Python</a:t>
+            </a:r>
           </a:p>
           <a:p>
             <a:pPr lvl="2"/>
             <a:r>
-              <a:rPr lang="en-US" dirty="0" smtClean="0">
-                <a:ea typeface="ヒラギノ角ゴ ProN W3" charset="0"/>
-                <a:cs typeface="ヒラギノ角ゴ ProN W3" charset="0"/>
-              </a:rPr>
-              <a:t>Python</a:t>
-            </a:r>
-          </a:p>
-          <a:p>
-            <a:pPr lvl="2"/>
-            <a:r>
-              <a:rPr lang="en-US" dirty="0" smtClean="0">
+              <a:rPr lang="en-US" dirty="0">
                 <a:ea typeface="ヒラギノ角ゴ ProN W3" charset="0"/>
                 <a:cs typeface="ヒラギノ角ゴ ProN W3" charset="0"/>
               </a:rPr>
@@ -5011,7 +5069,7 @@
           <a:p>
             <a:pPr lvl="1"/>
             <a:r>
-              <a:rPr lang="en-US" dirty="0" smtClean="0">
+              <a:rPr lang="en-US" dirty="0">
                 <a:ea typeface="ヒラギノ角ゴ ProN W3" charset="0"/>
                 <a:cs typeface="ヒラギノ角ゴ ProN W3" charset="0"/>
               </a:rPr>
@@ -5021,7 +5079,7 @@
           <a:p>
             <a:pPr lvl="1"/>
             <a:r>
-              <a:rPr lang="en-US" dirty="0" smtClean="0">
+              <a:rPr lang="en-US" dirty="0">
                 <a:ea typeface="ヒラギノ角ゴ ProN W3" charset="0"/>
                 <a:cs typeface="ヒラギノ角ゴ ProN W3" charset="0"/>
               </a:rPr>
@@ -5031,7 +5089,7 @@
           <a:p>
             <a:pPr lvl="1"/>
             <a:r>
-              <a:rPr lang="en-US" dirty="0" smtClean="0">
+              <a:rPr lang="en-US" dirty="0">
                 <a:ea typeface="ヒラギノ角ゴ ProN W3" charset="0"/>
                 <a:cs typeface="ヒラギノ角ゴ ProN W3" charset="0"/>
               </a:rPr>
@@ -5040,7 +5098,7 @@
           </a:p>
           <a:p>
             <a:r>
-              <a:rPr lang="en-US" dirty="0" smtClean="0">
+              <a:rPr lang="en-US" dirty="0">
                 <a:ea typeface="ヒラギノ角ゴ ProN W3" charset="0"/>
                 <a:cs typeface="ヒラギノ角ゴ ProN W3" charset="0"/>
               </a:rPr>
@@ -5059,21 +5117,6 @@
   <p:clrMapOvr>
     <a:masterClrMapping/>
   </p:clrMapOvr>
-  <mc:AlternateContent xmlns:mc="http://schemas.openxmlformats.org/markup-compatibility/2006" xmlns:p14="http://schemas.microsoft.com/office/powerpoint/2010/main">
-    <mc:Choice Requires="p14">
-      <p:transition spd="slow" p14:dur="2000"/>
-    </mc:Choice>
-    <mc:Fallback xmlns="">
-      <p:transition xmlns:p14="http://schemas.microsoft.com/office/powerpoint/2010/main" spd="slow"/>
-    </mc:Fallback>
-  </mc:AlternateContent>
-  <p:timing>
-    <p:tnLst>
-      <p:par>
-        <p:cTn xmlns:p14="http://schemas.microsoft.com/office/powerpoint/2010/main" id="1" dur="indefinite" restart="never" nodeType="tmRoot"/>
-      </p:par>
-    </p:tnLst>
-  </p:timing>
 </p:sld>
 </file>
 
@@ -5134,10 +5177,9 @@
           <a:lstStyle/>
           <a:p>
             <a:r>
-              <a:rPr lang="en-US" dirty="0" smtClean="0"/>
+              <a:rPr lang="en-US" dirty="0"/>
               <a:t>Original 2008 Google Paper</a:t>
             </a:r>
-            <a:endParaRPr lang="en-US" dirty="0"/>
           </a:p>
         </p:txBody>
       </p:sp>
@@ -5151,13 +5193,6 @@
   <p:clrMapOvr>
     <a:masterClrMapping/>
   </p:clrMapOvr>
-  <p:timing>
-    <p:tnLst>
-      <p:par>
-        <p:cTn xmlns:p14="http://schemas.microsoft.com/office/powerpoint/2010/main" id="1" dur="indefinite" restart="never" nodeType="tmRoot"/>
-      </p:par>
-    </p:tnLst>
-  </p:timing>
 </p:sld>
 </file>
 
@@ -5194,10 +5229,9 @@
           <a:lstStyle/>
           <a:p>
             <a:r>
-              <a:rPr lang="en-US" dirty="0" smtClean="0"/>
+              <a:rPr lang="en-US" dirty="0"/>
               <a:t>Yahoo 2007</a:t>
             </a:r>
-            <a:endParaRPr lang="en-US" dirty="0"/>
           </a:p>
         </p:txBody>
       </p:sp>
@@ -5235,13 +5269,6 @@
   <p:clrMapOvr>
     <a:masterClrMapping/>
   </p:clrMapOvr>
-  <p:timing>
-    <p:tnLst>
-      <p:par>
-        <p:cTn xmlns:p14="http://schemas.microsoft.com/office/powerpoint/2010/main" id="1" dur="indefinite" restart="never" nodeType="tmRoot"/>
-      </p:par>
-    </p:tnLst>
-  </p:timing>
 </p:sld>
 </file>
 
@@ -5278,44 +5305,42 @@
           <a:lstStyle/>
           <a:p>
             <a:r>
-              <a:rPr lang="en-US" dirty="0" smtClean="0"/>
+              <a:rPr lang="en-US" dirty="0"/>
               <a:t>Class Exercise</a:t>
             </a:r>
+          </a:p>
+        </p:txBody>
+      </p:sp>
+      <p:sp>
+        <p:nvSpPr>
+          <p:cNvPr id="3" name="Content Placeholder 2"/>
+          <p:cNvSpPr>
+            <a:spLocks noGrp="1"/>
+          </p:cNvSpPr>
+          <p:nvPr>
+            <p:ph idx="1"/>
+          </p:nvPr>
+        </p:nvSpPr>
+        <p:spPr/>
+        <p:txBody>
+          <a:bodyPr/>
+          <a:lstStyle/>
+          <a:p>
+            <a:r>
+              <a:rPr lang="en-US" dirty="0"/>
+              <a:t>Find a small piece of paper and write your university and day/month of birth on </a:t>
+            </a:r>
+            <a:r>
+              <a:rPr lang="en-US" b="1" dirty="0"/>
+              <a:t>one. </a:t>
+            </a:r>
             <a:endParaRPr lang="en-US" dirty="0"/>
           </a:p>
-        </p:txBody>
-      </p:sp>
-      <p:sp>
-        <p:nvSpPr>
-          <p:cNvPr id="3" name="Content Placeholder 2"/>
-          <p:cNvSpPr>
-            <a:spLocks noGrp="1"/>
-          </p:cNvSpPr>
-          <p:nvPr>
-            <p:ph idx="1"/>
-          </p:nvPr>
-        </p:nvSpPr>
-        <p:spPr/>
-        <p:txBody>
-          <a:bodyPr/>
-          <a:lstStyle/>
-          <a:p>
-            <a:r>
-              <a:rPr lang="en-US" dirty="0" smtClean="0"/>
-              <a:t>Find a small piece of paper and write your university and day/month of birth on </a:t>
-            </a:r>
-            <a:r>
-              <a:rPr lang="en-US" b="1" dirty="0" smtClean="0"/>
-              <a:t>one. </a:t>
-            </a:r>
-            <a:endParaRPr lang="en-US" dirty="0" smtClean="0"/>
-          </a:p>
-          <a:p>
-            <a:r>
-              <a:rPr lang="en-US" dirty="0" smtClean="0"/>
+          <a:p>
+            <a:r>
+              <a:rPr lang="en-US" dirty="0"/>
               <a:t>You don’t need the year</a:t>
             </a:r>
-            <a:endParaRPr lang="en-US" dirty="0"/>
           </a:p>
         </p:txBody>
       </p:sp>
@@ -5366,7 +5391,7 @@
           <a:p>
             <a:pPr algn="ctr"/>
             <a:r>
-              <a:rPr lang="en-US" sz="3600" dirty="0" smtClean="0">
+              <a:rPr lang="en-US" sz="3600" dirty="0">
                 <a:solidFill>
                   <a:schemeClr val="tx1"/>
                 </a:solidFill>
@@ -5374,41 +5399,20 @@
               <a:t>Portsmouth</a:t>
             </a:r>
             <a:br>
-              <a:rPr lang="en-US" sz="3600" dirty="0" smtClean="0">
+              <a:rPr lang="en-US" sz="3600" dirty="0">
                 <a:solidFill>
                   <a:schemeClr val="tx1"/>
                 </a:solidFill>
               </a:rPr>
             </a:br>
             <a:r>
-              <a:rPr lang="en-US" sz="3600" dirty="0" smtClean="0">
-                <a:solidFill>
-                  <a:schemeClr val="tx1"/>
-                </a:solidFill>
-              </a:rPr>
-              <a:t>5</a:t>
-            </a:r>
-            <a:r>
               <a:rPr lang="en-US" sz="3600" dirty="0">
                 <a:solidFill>
                   <a:schemeClr val="tx1"/>
                 </a:solidFill>
               </a:rPr>
-              <a:t> </a:t>
-            </a:r>
-            <a:r>
-              <a:rPr lang="en-US" sz="3600" dirty="0" smtClean="0">
-                <a:solidFill>
-                  <a:schemeClr val="tx1"/>
-                </a:solidFill>
-              </a:rPr>
-              <a:t>October</a:t>
-            </a:r>
-            <a:endParaRPr lang="en-US" sz="3600" dirty="0">
-              <a:solidFill>
-                <a:schemeClr val="tx1"/>
-              </a:solidFill>
-            </a:endParaRPr>
+              <a:t>5 October</a:t>
+            </a:r>
           </a:p>
         </p:txBody>
       </p:sp>
@@ -5422,13 +5426,6 @@
   <p:clrMapOvr>
     <a:masterClrMapping/>
   </p:clrMapOvr>
-  <p:timing>
-    <p:tnLst>
-      <p:par>
-        <p:cTn xmlns:p14="http://schemas.microsoft.com/office/powerpoint/2010/main" id="1" dur="indefinite" restart="never" nodeType="tmRoot"/>
-      </p:par>
-    </p:tnLst>
-  </p:timing>
 </p:sld>
 </file>
 
@@ -5465,10 +5462,9 @@
           <a:lstStyle/>
           <a:p>
             <a:r>
-              <a:rPr lang="en-US" dirty="0" smtClean="0"/>
+              <a:rPr lang="en-US" dirty="0"/>
               <a:t>Pictorially</a:t>
             </a:r>
-            <a:endParaRPr lang="en-US" dirty="0"/>
           </a:p>
         </p:txBody>
       </p:sp>
@@ -5506,13 +5502,6 @@
   <p:clrMapOvr>
     <a:masterClrMapping/>
   </p:clrMapOvr>
-  <p:timing>
-    <p:tnLst>
-      <p:par>
-        <p:cTn xmlns:p14="http://schemas.microsoft.com/office/powerpoint/2010/main" id="1" dur="indefinite" restart="never" nodeType="tmRoot"/>
-      </p:par>
-    </p:tnLst>
-  </p:timing>
 </p:sld>
 </file>
 
@@ -5551,14 +5540,14 @@
           <a:lstStyle/>
           <a:p>
             <a:r>
-              <a:rPr lang="en-US" dirty="0" smtClean="0"/>
+              <a:rPr lang="en-US" dirty="0"/>
               <a:t>Google’s early use of MR</a:t>
             </a:r>
             <a:br>
-              <a:rPr lang="en-US" dirty="0" smtClean="0"/>
+              <a:rPr lang="en-US" dirty="0"/>
             </a:br>
             <a:r>
-              <a:rPr lang="en-US" sz="2700" dirty="0" smtClean="0"/>
+              <a:rPr lang="en-US" sz="2700" dirty="0"/>
               <a:t>Map Reduce programs in their code repository</a:t>
             </a:r>
             <a:endParaRPr lang="en-US" dirty="0"/>
@@ -5637,71 +5626,62 @@
           <a:lstStyle/>
           <a:p>
             <a:r>
-              <a:rPr lang="en-US" dirty="0" smtClean="0"/>
+              <a:rPr lang="en-US" dirty="0"/>
               <a:t>Map Reduce example</a:t>
             </a:r>
             <a:br>
-              <a:rPr lang="en-US" dirty="0" smtClean="0"/>
+              <a:rPr lang="en-US" dirty="0"/>
             </a:br>
             <a:r>
-              <a:rPr lang="en-US" dirty="0" smtClean="0"/>
+              <a:rPr lang="en-US" dirty="0"/>
               <a:t>in words</a:t>
             </a:r>
+          </a:p>
+        </p:txBody>
+      </p:sp>
+      <p:sp>
+        <p:nvSpPr>
+          <p:cNvPr id="3" name="Content Placeholder 2"/>
+          <p:cNvSpPr>
+            <a:spLocks noGrp="1"/>
+          </p:cNvSpPr>
+          <p:nvPr>
+            <p:ph idx="1"/>
+          </p:nvPr>
+        </p:nvSpPr>
+        <p:spPr/>
+        <p:txBody>
+          <a:bodyPr/>
+          <a:lstStyle/>
+          <a:p>
+            <a:r>
+              <a:rPr lang="en-US" dirty="0"/>
+              <a:t>Do a word count on 1000 books:</a:t>
+            </a:r>
+          </a:p>
+          <a:p>
             <a:endParaRPr lang="en-US" dirty="0"/>
           </a:p>
-        </p:txBody>
-      </p:sp>
-      <p:sp>
-        <p:nvSpPr>
-          <p:cNvPr id="3" name="Content Placeholder 2"/>
-          <p:cNvSpPr>
-            <a:spLocks noGrp="1"/>
-          </p:cNvSpPr>
-          <p:nvPr>
-            <p:ph idx="1"/>
-          </p:nvPr>
-        </p:nvSpPr>
-        <p:spPr/>
-        <p:txBody>
-          <a:bodyPr/>
-          <a:lstStyle/>
-          <a:p>
-            <a:r>
-              <a:rPr lang="en-US" dirty="0" smtClean="0"/>
-              <a:t>Do a word count on 1000 books:</a:t>
-            </a:r>
-          </a:p>
-          <a:p>
-            <a:endParaRPr lang="en-US" dirty="0"/>
-          </a:p>
           <a:p>
             <a:pPr lvl="1"/>
             <a:r>
-              <a:rPr lang="en-US" dirty="0" smtClean="0"/>
-              <a:t>First count each book</a:t>
+              <a:rPr lang="en-US" dirty="0"/>
+              <a:t>First count each book (</a:t>
+            </a:r>
+            <a:r>
+              <a:rPr lang="en-US" b="1" dirty="0"/>
+              <a:t>map</a:t>
             </a:r>
             <a:r>
               <a:rPr lang="en-US" dirty="0"/>
               <a:t> </a:t>
             </a:r>
             <a:r>
-              <a:rPr lang="en-US" dirty="0" smtClean="0"/>
-              <a:t>(</a:t>
-            </a:r>
-            <a:r>
-              <a:rPr lang="en-US" b="1" dirty="0" smtClean="0"/>
-              <a:t>map</a:t>
-            </a:r>
-            <a:r>
-              <a:rPr lang="en-US" dirty="0" smtClean="0"/>
-              <a:t> </a:t>
-            </a:r>
-            <a:r>
-              <a:rPr lang="en-US" dirty="0" err="1" smtClean="0"/>
+              <a:rPr lang="en-US" dirty="0" err="1"/>
               <a:t>wc</a:t>
             </a:r>
             <a:r>
-              <a:rPr lang="en-US" dirty="0" smtClean="0"/>
+              <a:rPr lang="en-US" dirty="0"/>
               <a:t> onto book)</a:t>
             </a:r>
           </a:p>
@@ -5712,29 +5692,29 @@
           <a:p>
             <a:pPr lvl="1"/>
             <a:r>
-              <a:rPr lang="en-US" dirty="0" smtClean="0"/>
+              <a:rPr lang="en-US" dirty="0"/>
               <a:t>Then </a:t>
             </a:r>
             <a:r>
-              <a:rPr lang="en-US" b="1" dirty="0" smtClean="0"/>
+              <a:rPr lang="en-US" b="1" dirty="0"/>
               <a:t>reduce</a:t>
             </a:r>
             <a:r>
-              <a:rPr lang="en-US" dirty="0" smtClean="0"/>
+              <a:rPr lang="en-US" dirty="0"/>
               <a:t> the outputs to a global </a:t>
             </a:r>
             <a:r>
-              <a:rPr lang="en-US" dirty="0" err="1" smtClean="0"/>
+              <a:rPr lang="en-US" dirty="0" err="1"/>
               <a:t>wordcount</a:t>
             </a:r>
             <a:r>
-              <a:rPr lang="en-US" dirty="0" smtClean="0"/>
+              <a:rPr lang="en-US" dirty="0"/>
               <a:t> across all books</a:t>
             </a:r>
           </a:p>
           <a:p>
             <a:pPr lvl="2"/>
-            <a:endParaRPr lang="en-US" dirty="0" smtClean="0"/>
+            <a:endParaRPr lang="en-US" dirty="0"/>
           </a:p>
         </p:txBody>
       </p:sp>
@@ -5786,10 +5766,9 @@
           <a:lstStyle/>
           <a:p>
             <a:r>
-              <a:rPr lang="en-US" dirty="0" smtClean="0"/>
+              <a:rPr lang="en-US" dirty="0"/>
               <a:t>Efficiency</a:t>
             </a:r>
-            <a:endParaRPr lang="en-US" dirty="0"/>
           </a:p>
         </p:txBody>
       </p:sp>
@@ -5811,45 +5790,45 @@
           <a:lstStyle/>
           <a:p>
             <a:r>
-              <a:rPr lang="en-US" dirty="0" smtClean="0"/>
+              <a:rPr lang="en-US" dirty="0"/>
               <a:t>Reduce phase:</a:t>
             </a:r>
           </a:p>
           <a:p>
             <a:pPr lvl="1"/>
             <a:r>
-              <a:rPr lang="en-US" dirty="0" smtClean="0"/>
+              <a:rPr lang="en-US" dirty="0"/>
               <a:t>We can theoretically process each word in parallel</a:t>
             </a:r>
           </a:p>
           <a:p>
             <a:pPr lvl="1"/>
-            <a:endParaRPr lang="en-US" dirty="0" smtClean="0"/>
-          </a:p>
-          <a:p>
-            <a:r>
-              <a:rPr lang="en-US" dirty="0" smtClean="0"/>
+            <a:endParaRPr lang="en-US" dirty="0"/>
+          </a:p>
+          <a:p>
+            <a:r>
+              <a:rPr lang="en-US" dirty="0"/>
               <a:t>How?</a:t>
             </a:r>
           </a:p>
           <a:p>
             <a:pPr lvl="1"/>
             <a:r>
-              <a:rPr lang="en-US" dirty="0" smtClean="0"/>
+              <a:rPr lang="en-US" dirty="0"/>
               <a:t>Shuffle / Sort the results from the map phase by key (word)</a:t>
             </a:r>
           </a:p>
           <a:p>
             <a:pPr lvl="1"/>
             <a:r>
-              <a:rPr lang="en-US" dirty="0" smtClean="0"/>
+              <a:rPr lang="en-US" dirty="0"/>
               <a:t>Partition by keys</a:t>
             </a:r>
           </a:p>
           <a:p>
             <a:pPr lvl="1"/>
             <a:r>
-              <a:rPr lang="en-US" dirty="0" smtClean="0"/>
+              <a:rPr lang="en-US" dirty="0"/>
               <a:t>Parallelize the reduce phase</a:t>
             </a:r>
           </a:p>

--- a/pres-source/02-map-reduce.pptx
+++ b/pres-source/02-map-reduce.pptx
@@ -5,26 +5,36 @@
     <p:sldMasterId id="2147483648" r:id="rId1"/>
   </p:sldMasterIdLst>
   <p:notesMasterIdLst>
-    <p:notesMasterId r:id="rId19"/>
+    <p:notesMasterId r:id="rId29"/>
   </p:notesMasterIdLst>
   <p:sldIdLst>
     <p:sldId id="256" r:id="rId2"/>
     <p:sldId id="257" r:id="rId3"/>
-    <p:sldId id="293" r:id="rId4"/>
-    <p:sldId id="299" r:id="rId5"/>
-    <p:sldId id="301" r:id="rId6"/>
-    <p:sldId id="297" r:id="rId7"/>
-    <p:sldId id="295" r:id="rId8"/>
-    <p:sldId id="259" r:id="rId9"/>
-    <p:sldId id="282" r:id="rId10"/>
-    <p:sldId id="283" r:id="rId11"/>
-    <p:sldId id="300" r:id="rId12"/>
-    <p:sldId id="260" r:id="rId13"/>
-    <p:sldId id="298" r:id="rId14"/>
-    <p:sldId id="263" r:id="rId15"/>
-    <p:sldId id="264" r:id="rId16"/>
-    <p:sldId id="276" r:id="rId17"/>
-    <p:sldId id="278" r:id="rId18"/>
+    <p:sldId id="261" r:id="rId4"/>
+    <p:sldId id="262" r:id="rId5"/>
+    <p:sldId id="302" r:id="rId6"/>
+    <p:sldId id="303" r:id="rId7"/>
+    <p:sldId id="293" r:id="rId8"/>
+    <p:sldId id="299" r:id="rId9"/>
+    <p:sldId id="301" r:id="rId10"/>
+    <p:sldId id="297" r:id="rId11"/>
+    <p:sldId id="295" r:id="rId12"/>
+    <p:sldId id="265" r:id="rId13"/>
+    <p:sldId id="289" r:id="rId14"/>
+    <p:sldId id="266" r:id="rId15"/>
+    <p:sldId id="259" r:id="rId16"/>
+    <p:sldId id="282" r:id="rId17"/>
+    <p:sldId id="283" r:id="rId18"/>
+    <p:sldId id="300" r:id="rId19"/>
+    <p:sldId id="260" r:id="rId20"/>
+    <p:sldId id="298" r:id="rId21"/>
+    <p:sldId id="270" r:id="rId22"/>
+    <p:sldId id="271" r:id="rId23"/>
+    <p:sldId id="272" r:id="rId24"/>
+    <p:sldId id="263" r:id="rId25"/>
+    <p:sldId id="264" r:id="rId26"/>
+    <p:sldId id="276" r:id="rId27"/>
+    <p:sldId id="278" r:id="rId28"/>
   </p:sldIdLst>
   <p:sldSz cx="9144000" cy="6858000" type="screen4x3"/>
   <p:notesSz cx="6858000" cy="9144000"/>
@@ -243,7 +253,7 @@
             <a:fld id="{7307762F-A706-E543-A832-3C298AA3103F}" type="datetimeFigureOut">
               <a:rPr lang="en-US" smtClean="0"/>
               <a:pPr/>
-              <a:t>1/4/19</a:t>
+              <a:t>2/9/19</a:t>
             </a:fld>
             <a:endParaRPr lang="en-US" dirty="0"/>
           </a:p>
@@ -584,7 +594,7 @@
             <a:fld id="{BC39F3E1-B436-EB4D-8332-DAA0486A7B2B}" type="slidenum">
               <a:rPr lang="en-US" smtClean="0"/>
               <a:pPr/>
-              <a:t>16</a:t>
+              <a:t>26</a:t>
             </a:fld>
             <a:endParaRPr lang="en-US" dirty="0"/>
           </a:p>
@@ -893,7 +903,7 @@
           <a:p>
             <a:fld id="{875CF0EB-321F-0749-B37A-89BBA859503C}" type="datetimeFigureOut">
               <a:rPr lang="en-US" smtClean="0"/>
-              <a:t>1/4/19</a:t>
+              <a:t>2/9/19</a:t>
             </a:fld>
             <a:endParaRPr lang="en-US"/>
           </a:p>
@@ -1095,7 +1105,7 @@
           <a:p>
             <a:fld id="{875CF0EB-321F-0749-B37A-89BBA859503C}" type="datetimeFigureOut">
               <a:rPr lang="en-US" smtClean="0"/>
-              <a:t>1/4/19</a:t>
+              <a:t>2/9/19</a:t>
             </a:fld>
             <a:endParaRPr lang="en-US"/>
           </a:p>
@@ -1287,7 +1297,7 @@
           <a:p>
             <a:fld id="{875CF0EB-321F-0749-B37A-89BBA859503C}" type="datetimeFigureOut">
               <a:rPr lang="en-US" smtClean="0"/>
-              <a:t>1/4/19</a:t>
+              <a:t>2/9/19</a:t>
             </a:fld>
             <a:endParaRPr lang="en-US"/>
           </a:p>
@@ -1556,7 +1566,7 @@
           <a:p>
             <a:fld id="{875CF0EB-321F-0749-B37A-89BBA859503C}" type="datetimeFigureOut">
               <a:rPr lang="en-US" smtClean="0"/>
-              <a:t>1/4/19</a:t>
+              <a:t>2/9/19</a:t>
             </a:fld>
             <a:endParaRPr lang="en-US"/>
           </a:p>
@@ -1865,7 +1875,7 @@
           <a:p>
             <a:fld id="{875CF0EB-321F-0749-B37A-89BBA859503C}" type="datetimeFigureOut">
               <a:rPr lang="en-US" smtClean="0"/>
-              <a:t>1/4/19</a:t>
+              <a:t>2/9/19</a:t>
             </a:fld>
             <a:endParaRPr lang="en-US"/>
           </a:p>
@@ -2308,7 +2318,7 @@
           <a:p>
             <a:fld id="{875CF0EB-321F-0749-B37A-89BBA859503C}" type="datetimeFigureOut">
               <a:rPr lang="en-US" smtClean="0"/>
-              <a:t>1/4/19</a:t>
+              <a:t>2/9/19</a:t>
             </a:fld>
             <a:endParaRPr lang="en-US"/>
           </a:p>
@@ -2449,7 +2459,7 @@
           <a:p>
             <a:fld id="{875CF0EB-321F-0749-B37A-89BBA859503C}" type="datetimeFigureOut">
               <a:rPr lang="en-US" smtClean="0"/>
-              <a:t>1/4/19</a:t>
+              <a:t>2/9/19</a:t>
             </a:fld>
             <a:endParaRPr lang="en-US"/>
           </a:p>
@@ -2568,7 +2578,7 @@
           <a:p>
             <a:fld id="{875CF0EB-321F-0749-B37A-89BBA859503C}" type="datetimeFigureOut">
               <a:rPr lang="en-US" smtClean="0"/>
-              <a:t>1/4/19</a:t>
+              <a:t>2/9/19</a:t>
             </a:fld>
             <a:endParaRPr lang="en-US"/>
           </a:p>
@@ -2867,7 +2877,7 @@
           <a:p>
             <a:fld id="{875CF0EB-321F-0749-B37A-89BBA859503C}" type="datetimeFigureOut">
               <a:rPr lang="en-US" smtClean="0"/>
-              <a:t>1/4/19</a:t>
+              <a:t>2/9/19</a:t>
             </a:fld>
             <a:endParaRPr lang="en-US"/>
           </a:p>
@@ -3143,7 +3153,7 @@
           <a:p>
             <a:fld id="{875CF0EB-321F-0749-B37A-89BBA859503C}" type="datetimeFigureOut">
               <a:rPr lang="en-US" smtClean="0"/>
-              <a:t>1/4/19</a:t>
+              <a:t>2/9/19</a:t>
             </a:fld>
             <a:endParaRPr lang="en-US"/>
           </a:p>
@@ -3357,14 +3367,14 @@
           </a:ln>
           <a:extLst>
             <a:ext uri="{909E8E84-426E-40dd-AFC4-6F175D3DCCD1}">
-              <a14:hiddenFill xmlns:a14="http://schemas.microsoft.com/office/drawing/2010/main" xmlns="">
+              <a14:hiddenFill xmlns="" xmlns:a14="http://schemas.microsoft.com/office/drawing/2010/main">
                 <a:solidFill>
                   <a:srgbClr val="FFFFFF"/>
                 </a:solidFill>
               </a14:hiddenFill>
             </a:ext>
             <a:ext uri="{91240B29-F687-4f45-9708-019B960494DF}">
-              <a14:hiddenLine xmlns:a14="http://schemas.microsoft.com/office/drawing/2010/main" xmlns="" w="9525">
+              <a14:hiddenLine xmlns="" xmlns:a14="http://schemas.microsoft.com/office/drawing/2010/main" w="9525">
                 <a:solidFill>
                   <a:srgbClr val="000000"/>
                 </a:solidFill>
@@ -3918,14 +3928,14 @@
           <a:noFill/>
           <a:extLst>
             <a:ext uri="{909E8E84-426E-40dd-AFC4-6F175D3DCCD1}">
-              <a14:hiddenFill xmlns:a14="http://schemas.microsoft.com/office/drawing/2010/main" xmlns="">
+              <a14:hiddenFill xmlns="" xmlns:a14="http://schemas.microsoft.com/office/drawing/2010/main">
                 <a:solidFill>
                   <a:srgbClr val="FFFFFF"/>
                 </a:solidFill>
               </a14:hiddenFill>
             </a:ext>
             <a:ext uri="{91240B29-F687-4f45-9708-019B960494DF}">
-              <a14:hiddenLine xmlns:a14="http://schemas.microsoft.com/office/drawing/2010/main" xmlns="" w="9525">
+              <a14:hiddenLine xmlns="" xmlns:a14="http://schemas.microsoft.com/office/drawing/2010/main" w="9525">
                 <a:solidFill>
                   <a:srgbClr val="000000"/>
                 </a:solidFill>
@@ -4007,7 +4017,7 @@
           <a:p>
             <a:r>
               <a:rPr lang="en-US" dirty="0"/>
-              <a:t>Map/Shuffle/Reduce</a:t>
+              <a:t>Pictorially</a:t>
             </a:r>
           </a:p>
         </p:txBody>
@@ -4028,8 +4038,8 @@
         </p:blipFill>
         <p:spPr>
           <a:xfrm>
-            <a:off x="273839" y="1633277"/>
-            <a:ext cx="8542621" cy="3267760"/>
+            <a:off x="0" y="292100"/>
+            <a:ext cx="9144000" cy="6251171"/>
           </a:xfrm>
           <a:prstGeom prst="rect">
             <a:avLst/>
@@ -4039,7 +4049,7 @@
     </p:spTree>
     <p:extLst>
       <p:ext uri="{BB962C8B-B14F-4D97-AF65-F5344CB8AC3E}">
-        <p14:creationId xmlns:p14="http://schemas.microsoft.com/office/powerpoint/2010/main" val="636405798"/>
+        <p14:creationId xmlns:p14="http://schemas.microsoft.com/office/powerpoint/2010/main" val="720554868"/>
       </p:ext>
     </p:extLst>
   </p:cSld>
@@ -4078,9 +4088,22 @@
         </p:nvSpPr>
         <p:spPr/>
         <p:txBody>
-          <a:bodyPr/>
+          <a:bodyPr>
+            <a:normAutofit fontScale="90000"/>
+          </a:bodyPr>
           <a:lstStyle/>
           <a:p>
+            <a:r>
+              <a:rPr lang="en-US" dirty="0"/>
+              <a:t>Google’s early use of MR</a:t>
+            </a:r>
+            <a:br>
+              <a:rPr lang="en-US" dirty="0"/>
+            </a:br>
+            <a:r>
+              <a:rPr lang="en-US" sz="2700" dirty="0"/>
+              <a:t>Map Reduce programs in their code repository</a:t>
+            </a:r>
             <a:endParaRPr lang="en-US" dirty="0"/>
           </a:p>
         </p:txBody>
@@ -4101,8 +4124,8 @@
         </p:blipFill>
         <p:spPr>
           <a:xfrm>
-            <a:off x="0" y="254000"/>
-            <a:ext cx="9144000" cy="6334188"/>
+            <a:off x="917887" y="1440285"/>
+            <a:ext cx="6937814" cy="4634865"/>
           </a:xfrm>
           <a:prstGeom prst="rect">
             <a:avLst/>
@@ -4112,7 +4135,7 @@
     </p:spTree>
     <p:extLst>
       <p:ext uri="{BB962C8B-B14F-4D97-AF65-F5344CB8AC3E}">
-        <p14:creationId xmlns:p14="http://schemas.microsoft.com/office/powerpoint/2010/main" val="4198737056"/>
+        <p14:creationId xmlns:p14="http://schemas.microsoft.com/office/powerpoint/2010/main" val="4144134186"/>
       </p:ext>
     </p:extLst>
   </p:cSld>
@@ -4156,7 +4179,15 @@
           <a:p>
             <a:r>
               <a:rPr lang="en-US" dirty="0"/>
-              <a:t>Map Reduce in Real Life</a:t>
+              <a:t>A first </a:t>
+            </a:r>
+            <a:r>
+              <a:rPr lang="en-US" dirty="0" err="1"/>
+              <a:t>MapReduce</a:t>
+            </a:r>
+            <a:r>
+              <a:rPr lang="en-US" dirty="0"/>
+              <a:t> algorithm ...</a:t>
             </a:r>
           </a:p>
         </p:txBody>
@@ -4173,101 +4204,65 @@
         </p:nvSpPr>
         <p:spPr/>
         <p:txBody>
-          <a:bodyPr>
-            <a:normAutofit lnSpcReduction="10000"/>
-          </a:bodyPr>
+          <a:bodyPr/>
           <a:lstStyle/>
           <a:p>
-            <a:r>
-              <a:rPr lang="en-US" dirty="0" err="1"/>
-              <a:t>Analysing</a:t>
-            </a:r>
+            <a:pPr marL="0" indent="0">
+              <a:buNone/>
+            </a:pPr>
             <a:r>
               <a:rPr lang="en-US" dirty="0"/>
-              <a:t> web logs</a:t>
-            </a:r>
-          </a:p>
-          <a:p>
-            <a:pPr lvl="1"/>
-            <a:r>
-              <a:rPr lang="en-US" dirty="0" err="1"/>
-              <a:t>Summarise</a:t>
+              <a:t>... typically involves counting words</a:t>
+            </a:r>
+          </a:p>
+          <a:p>
+            <a:pPr marL="0" indent="0">
+              <a:buNone/>
+            </a:pPr>
+            <a:endParaRPr lang="en-US" dirty="0"/>
+          </a:p>
+          <a:p>
+            <a:pPr marL="0" indent="0">
+              <a:buNone/>
+            </a:pPr>
+            <a:r>
+              <a:rPr lang="en-US" b="1" dirty="0"/>
+              <a:t>I</a:t>
             </a:r>
             <a:r>
               <a:rPr lang="en-US" dirty="0"/>
-              <a:t> by user / cookie</a:t>
-            </a:r>
-          </a:p>
-          <a:p>
-            <a:pPr lvl="1"/>
+              <a:t> want to know the frequency of occurrence of the all of the words in a number of texts.</a:t>
+            </a:r>
+          </a:p>
+          <a:p>
+            <a:pPr marL="0" indent="0">
+              <a:buNone/>
+            </a:pPr>
+            <a:endParaRPr lang="en-US" dirty="0"/>
+          </a:p>
+          <a:p>
+            <a:pPr marL="0" indent="0">
+              <a:buNone/>
+            </a:pPr>
             <a:r>
               <a:rPr lang="en-US" dirty="0"/>
-              <a:t>Then aggregate to identify who did what</a:t>
-            </a:r>
-          </a:p>
-          <a:p>
-            <a:r>
-              <a:rPr lang="en-US" dirty="0" err="1"/>
-              <a:t>Analysing</a:t>
+              <a:t>How shall </a:t>
+            </a:r>
+            <a:r>
+              <a:rPr lang="en-US" b="1" dirty="0"/>
+              <a:t>we</a:t>
             </a:r>
             <a:r>
               <a:rPr lang="en-US" dirty="0"/>
-              <a:t> twitter data</a:t>
-            </a:r>
-          </a:p>
-          <a:p>
-            <a:pPr lvl="1"/>
-            <a:r>
-              <a:rPr lang="en-US" dirty="0"/>
-              <a:t>Who </a:t>
-            </a:r>
-            <a:r>
-              <a:rPr lang="en-US" dirty="0" err="1"/>
-              <a:t>retweeted</a:t>
-            </a:r>
-            <a:endParaRPr lang="en-US" dirty="0"/>
-          </a:p>
-          <a:p>
-            <a:pPr lvl="1"/>
-            <a:r>
-              <a:rPr lang="en-US" dirty="0"/>
-              <a:t>Who was </a:t>
-            </a:r>
-            <a:r>
-              <a:rPr lang="en-US" dirty="0" err="1"/>
-              <a:t>retweeted</a:t>
-            </a:r>
-            <a:r>
-              <a:rPr lang="en-US" dirty="0"/>
-              <a:t> the most</a:t>
-            </a:r>
-          </a:p>
-          <a:p>
-            <a:r>
-              <a:rPr lang="en-US" dirty="0"/>
-              <a:t>Almost all big data problems can be re-factored into Map Reduce</a:t>
-            </a:r>
-          </a:p>
-          <a:p>
-            <a:pPr lvl="1"/>
-            <a:r>
-              <a:rPr lang="en-US" dirty="0"/>
-              <a:t>Some more efficiently than others</a:t>
-            </a:r>
-          </a:p>
-          <a:p>
-            <a:endParaRPr lang="en-US" dirty="0"/>
-          </a:p>
-          <a:p>
-            <a:pPr lvl="1"/>
-            <a:endParaRPr lang="en-US" dirty="0"/>
+              <a:t> go about computing that distribution efficiently?</a:t>
+            </a:r>
           </a:p>
         </p:txBody>
       </p:sp>
     </p:spTree>
     <p:extLst>
       <p:ext uri="{BB962C8B-B14F-4D97-AF65-F5344CB8AC3E}">
-        <p14:creationId xmlns:p14="http://schemas.microsoft.com/office/powerpoint/2010/main" val="2467033703"/>
+        <p14:creationId xmlns:p14="http://schemas.microsoft.com/office/powerpoint/2010/main" val="4168470925"/>
       </p:ext>
     </p:extLst>
   </p:cSld>
@@ -4294,81 +4289,10 @@
           <a:chExt cx="0" cy="0"/>
         </a:xfrm>
       </p:grpSpPr>
-      <p:sp>
-        <p:nvSpPr>
-          <p:cNvPr id="2" name="Title 1"/>
-          <p:cNvSpPr>
-            <a:spLocks noGrp="1"/>
-          </p:cNvSpPr>
-          <p:nvPr>
-            <p:ph type="title"/>
-          </p:nvPr>
-        </p:nvSpPr>
-        <p:spPr/>
-        <p:txBody>
-          <a:bodyPr/>
-          <a:lstStyle/>
-          <a:p>
-            <a:r>
-              <a:rPr lang="en-US" dirty="0"/>
-              <a:t>Tuning</a:t>
-            </a:r>
-          </a:p>
-        </p:txBody>
-      </p:sp>
-      <p:sp>
-        <p:nvSpPr>
-          <p:cNvPr id="3" name="Content Placeholder 2"/>
-          <p:cNvSpPr>
-            <a:spLocks noGrp="1"/>
-          </p:cNvSpPr>
-          <p:nvPr>
-            <p:ph idx="1"/>
-          </p:nvPr>
-        </p:nvSpPr>
-        <p:spPr/>
-        <p:txBody>
-          <a:bodyPr/>
-          <a:lstStyle/>
-          <a:p>
-            <a:r>
-              <a:rPr lang="en-US" dirty="0"/>
-              <a:t>Fault tolerance</a:t>
-            </a:r>
-          </a:p>
-          <a:p>
-            <a:pPr lvl="1"/>
-            <a:r>
-              <a:rPr lang="en-US" dirty="0"/>
-              <a:t>Simply re-execute work that fails</a:t>
-            </a:r>
-          </a:p>
-          <a:p>
-            <a:r>
-              <a:rPr lang="en-US" dirty="0"/>
-              <a:t>Performance:</a:t>
-            </a:r>
-          </a:p>
-          <a:p>
-            <a:pPr lvl="1"/>
-            <a:r>
-              <a:rPr lang="en-US" dirty="0"/>
-              <a:t>Partitioning the data </a:t>
-            </a:r>
-          </a:p>
-          <a:p>
-            <a:pPr lvl="1"/>
-            <a:r>
-              <a:rPr lang="en-US" dirty="0"/>
-              <a:t>Moving the work to near the data</a:t>
-            </a:r>
-          </a:p>
-        </p:txBody>
-      </p:sp>
     </p:spTree>
     <p:extLst>
       <p:ext uri="{BB962C8B-B14F-4D97-AF65-F5344CB8AC3E}">
-        <p14:creationId xmlns:p14="http://schemas.microsoft.com/office/powerpoint/2010/main" val="1992076754"/>
+        <p14:creationId xmlns:p14="http://schemas.microsoft.com/office/powerpoint/2010/main" val="3446872347"/>
       </p:ext>
     </p:extLst>
   </p:cSld>
@@ -4412,11 +4336,11 @@
           <a:p>
             <a:r>
               <a:rPr lang="en-US" dirty="0"/>
-              <a:t>Apache </a:t>
+              <a:t>Counting words with </a:t>
             </a:r>
             <a:r>
               <a:rPr lang="en-US" dirty="0" err="1"/>
-              <a:t>Hadoop</a:t>
+              <a:t>MapReduce</a:t>
             </a:r>
             <a:endParaRPr lang="en-US" dirty="0"/>
           </a:p>
@@ -4432,85 +4356,1075 @@
             <p:ph idx="1"/>
           </p:nvPr>
         </p:nvSpPr>
-        <p:spPr/>
+        <p:spPr>
+          <a:xfrm>
+            <a:off x="457201" y="1600200"/>
+            <a:ext cx="6312774" cy="4692069"/>
+          </a:xfrm>
+        </p:spPr>
         <p:txBody>
           <a:bodyPr>
-            <a:normAutofit lnSpcReduction="10000"/>
+            <a:normAutofit fontScale="85000" lnSpcReduction="20000"/>
           </a:bodyPr>
           <a:lstStyle/>
           <a:p>
             <a:r>
               <a:rPr lang="en-US" dirty="0"/>
-              <a:t>The most famous and popular </a:t>
-            </a:r>
-            <a:br>
+              <a:t>Chunks of the input (individual texts) are distributed to different nodes.</a:t>
+            </a:r>
+          </a:p>
+          <a:p>
+            <a:r>
               <a:rPr lang="en-US" dirty="0"/>
-            </a:br>
+              <a:t>A worker at each node works out the frequency of each word in its chunk</a:t>
+            </a:r>
+          </a:p>
+          <a:p>
             <a:r>
               <a:rPr lang="en-US" dirty="0"/>
-              <a:t>Map Reduce framework</a:t>
-            </a:r>
-          </a:p>
-          <a:p>
-            <a:pPr lvl="1"/>
+              <a:t>Key-value pairs are stored in an intermediate file according to some hash function (the first letter of the word)</a:t>
+            </a:r>
+          </a:p>
+          <a:p>
             <a:r>
               <a:rPr lang="en-US" dirty="0"/>
-              <a:t>Open Source</a:t>
-            </a:r>
-          </a:p>
-          <a:p>
-            <a:pPr lvl="2"/>
+              <a:t>Intermediate files transferred to the node responsible for those key-values pairs</a:t>
+            </a:r>
+          </a:p>
+          <a:p>
             <a:r>
               <a:rPr lang="en-US" dirty="0"/>
-              <a:t>Written in Java, but supports other languages</a:t>
-            </a:r>
-          </a:p>
-          <a:p>
-            <a:pPr lvl="1"/>
-            <a:r>
-              <a:rPr lang="en-US" dirty="0"/>
-              <a:t>Runs Map Reduce workloads across a cloud or cluster of machines</a:t>
-            </a:r>
-          </a:p>
-          <a:p>
-            <a:pPr lvl="1"/>
-            <a:r>
-              <a:rPr lang="en-US" dirty="0"/>
-              <a:t>Supports a distributed </a:t>
-            </a:r>
-            <a:r>
-              <a:rPr lang="en-US" dirty="0" err="1"/>
-              <a:t>filesystem</a:t>
-            </a:r>
-            <a:r>
-              <a:rPr lang="en-US" dirty="0"/>
-              <a:t> to store data for these jobs</a:t>
-            </a:r>
-          </a:p>
-          <a:p>
-            <a:pPr lvl="1"/>
-            <a:r>
-              <a:rPr lang="en-US" dirty="0"/>
-              <a:t>Provides reliability when servers in the cluster fail</a:t>
-            </a:r>
-          </a:p>
-        </p:txBody>
-      </p:sp>
+              <a:t>A worker at that node adds up the associated key-value pairs and produces a single file with the output.</a:t>
+            </a:r>
+          </a:p>
+        </p:txBody>
+      </p:sp>
+      <p:sp>
+        <p:nvSpPr>
+          <p:cNvPr id="4" name="Rectangle 3"/>
+          <p:cNvSpPr/>
+          <p:nvPr/>
+        </p:nvSpPr>
+        <p:spPr>
+          <a:xfrm>
+            <a:off x="7066839" y="2156514"/>
+            <a:ext cx="1503386" cy="923330"/>
+          </a:xfrm>
+          <a:prstGeom prst="rect">
+            <a:avLst/>
+          </a:prstGeom>
+          <a:noFill/>
+        </p:spPr>
+        <p:txBody>
+          <a:bodyPr wrap="none" lIns="91440" tIns="45720" rIns="91440" bIns="45720">
+            <a:spAutoFit/>
+          </a:bodyPr>
+          <a:lstStyle/>
+          <a:p>
+            <a:pPr algn="ctr"/>
+            <a:r>
+              <a:rPr lang="en-GB" sz="5400" b="1" cap="none" spc="0" dirty="0">
+                <a:ln w="12700">
+                  <a:solidFill>
+                    <a:schemeClr val="tx2">
+                      <a:satMod val="155000"/>
+                    </a:schemeClr>
+                  </a:solidFill>
+                  <a:prstDash val="solid"/>
+                </a:ln>
+                <a:solidFill>
+                  <a:srgbClr val="FF0000"/>
+                </a:solidFill>
+                <a:effectLst>
+                  <a:outerShdw blurRad="41275" dist="20320" dir="1800000" algn="tl" rotWithShape="0">
+                    <a:srgbClr val="000000">
+                      <a:alpha val="40000"/>
+                    </a:srgbClr>
+                  </a:outerShdw>
+                </a:effectLst>
+              </a:rPr>
+              <a:t>Map</a:t>
+            </a:r>
+          </a:p>
+        </p:txBody>
+      </p:sp>
+      <p:sp>
+        <p:nvSpPr>
+          <p:cNvPr id="5" name="Rectangle 4"/>
+          <p:cNvSpPr/>
+          <p:nvPr/>
+        </p:nvSpPr>
+        <p:spPr>
+          <a:xfrm>
+            <a:off x="6703136" y="4781495"/>
+            <a:ext cx="2304763" cy="923330"/>
+          </a:xfrm>
+          <a:prstGeom prst="rect">
+            <a:avLst/>
+          </a:prstGeom>
+          <a:noFill/>
+        </p:spPr>
+        <p:txBody>
+          <a:bodyPr wrap="none" lIns="91440" tIns="45720" rIns="91440" bIns="45720">
+            <a:spAutoFit/>
+          </a:bodyPr>
+          <a:lstStyle/>
+          <a:p>
+            <a:pPr algn="ctr"/>
+            <a:r>
+              <a:rPr lang="en-GB" sz="5400" b="1" cap="none" spc="0" dirty="0">
+                <a:ln w="12700">
+                  <a:solidFill>
+                    <a:schemeClr val="tx2">
+                      <a:satMod val="155000"/>
+                    </a:schemeClr>
+                  </a:solidFill>
+                  <a:prstDash val="solid"/>
+                </a:ln>
+                <a:solidFill>
+                  <a:srgbClr val="FF0000"/>
+                </a:solidFill>
+                <a:effectLst>
+                  <a:outerShdw blurRad="41275" dist="20320" dir="1800000" algn="tl" rotWithShape="0">
+                    <a:srgbClr val="000000">
+                      <a:alpha val="40000"/>
+                    </a:srgbClr>
+                  </a:outerShdw>
+                </a:effectLst>
+              </a:rPr>
+              <a:t>Reduce</a:t>
+            </a:r>
+          </a:p>
+        </p:txBody>
+      </p:sp>
+      <p:sp>
+        <p:nvSpPr>
+          <p:cNvPr id="6" name="Rectangle 5"/>
+          <p:cNvSpPr/>
+          <p:nvPr/>
+        </p:nvSpPr>
+        <p:spPr>
+          <a:xfrm>
+            <a:off x="6837789" y="3368359"/>
+            <a:ext cx="2056973" cy="707886"/>
+          </a:xfrm>
+          <a:prstGeom prst="rect">
+            <a:avLst/>
+          </a:prstGeom>
+          <a:noFill/>
+        </p:spPr>
+        <p:txBody>
+          <a:bodyPr wrap="none" lIns="91440" tIns="45720" rIns="91440" bIns="45720">
+            <a:spAutoFit/>
+          </a:bodyPr>
+          <a:lstStyle/>
+          <a:p>
+            <a:pPr algn="ctr"/>
+            <a:r>
+              <a:rPr lang="en-GB" sz="4000" b="1" cap="none" spc="0" dirty="0" err="1">
+                <a:ln w="12700">
+                  <a:solidFill>
+                    <a:schemeClr val="tx2">
+                      <a:satMod val="155000"/>
+                    </a:schemeClr>
+                  </a:solidFill>
+                  <a:prstDash val="solid"/>
+                </a:ln>
+                <a:solidFill>
+                  <a:schemeClr val="accent6"/>
+                </a:solidFill>
+                <a:effectLst>
+                  <a:outerShdw blurRad="41275" dist="20320" dir="1800000" algn="tl" rotWithShape="0">
+                    <a:srgbClr val="000000">
+                      <a:alpha val="40000"/>
+                    </a:srgbClr>
+                  </a:outerShdw>
+                </a:effectLst>
+              </a:rPr>
+              <a:t>GroupBy</a:t>
+            </a:r>
+            <a:endParaRPr lang="en-GB" sz="4000" b="1" cap="none" spc="0" dirty="0">
+              <a:ln w="12700">
+                <a:solidFill>
+                  <a:schemeClr val="tx2">
+                    <a:satMod val="155000"/>
+                  </a:schemeClr>
+                </a:solidFill>
+                <a:prstDash val="solid"/>
+              </a:ln>
+              <a:solidFill>
+                <a:schemeClr val="accent6"/>
+              </a:solidFill>
+              <a:effectLst>
+                <a:outerShdw blurRad="41275" dist="20320" dir="1800000" algn="tl" rotWithShape="0">
+                  <a:srgbClr val="000000">
+                    <a:alpha val="40000"/>
+                  </a:srgbClr>
+                </a:outerShdw>
+              </a:effectLst>
+            </a:endParaRPr>
+          </a:p>
+        </p:txBody>
+      </p:sp>
+      <p:sp>
+        <p:nvSpPr>
+          <p:cNvPr id="7" name="Rectangle 6"/>
+          <p:cNvSpPr/>
+          <p:nvPr/>
+        </p:nvSpPr>
+        <p:spPr>
+          <a:xfrm>
+            <a:off x="6696499" y="1448628"/>
+            <a:ext cx="2311400" cy="707886"/>
+          </a:xfrm>
+          <a:prstGeom prst="rect">
+            <a:avLst/>
+          </a:prstGeom>
+          <a:noFill/>
+        </p:spPr>
+        <p:txBody>
+          <a:bodyPr wrap="none" lIns="91440" tIns="45720" rIns="91440" bIns="45720">
+            <a:spAutoFit/>
+          </a:bodyPr>
+          <a:lstStyle/>
+          <a:p>
+            <a:pPr algn="ctr"/>
+            <a:r>
+              <a:rPr lang="en-GB" sz="4000" b="1" dirty="0">
+                <a:ln w="12700">
+                  <a:solidFill>
+                    <a:schemeClr val="tx2">
+                      <a:satMod val="155000"/>
+                    </a:schemeClr>
+                  </a:solidFill>
+                  <a:prstDash val="solid"/>
+                </a:ln>
+                <a:solidFill>
+                  <a:srgbClr val="F79646"/>
+                </a:solidFill>
+                <a:effectLst>
+                  <a:outerShdw blurRad="41275" dist="20320" dir="1800000" algn="tl" rotWithShape="0">
+                    <a:srgbClr val="000000">
+                      <a:alpha val="40000"/>
+                    </a:srgbClr>
+                  </a:outerShdw>
+                </a:effectLst>
+              </a:rPr>
+              <a:t>Distribute</a:t>
+            </a:r>
+            <a:endParaRPr lang="en-GB" sz="4000" b="1" cap="none" spc="0" dirty="0">
+              <a:ln w="12700">
+                <a:solidFill>
+                  <a:schemeClr val="tx2">
+                    <a:satMod val="155000"/>
+                  </a:schemeClr>
+                </a:solidFill>
+                <a:prstDash val="solid"/>
+              </a:ln>
+              <a:solidFill>
+                <a:srgbClr val="F79646"/>
+              </a:solidFill>
+              <a:effectLst>
+                <a:outerShdw blurRad="41275" dist="20320" dir="1800000" algn="tl" rotWithShape="0">
+                  <a:srgbClr val="000000">
+                    <a:alpha val="40000"/>
+                  </a:srgbClr>
+                </a:outerShdw>
+              </a:effectLst>
+            </a:endParaRPr>
+          </a:p>
+        </p:txBody>
+      </p:sp>
+      <p:cxnSp>
+        <p:nvCxnSpPr>
+          <p:cNvPr id="9" name="Straight Arrow Connector 8"/>
+          <p:cNvCxnSpPr/>
+          <p:nvPr/>
+        </p:nvCxnSpPr>
+        <p:spPr>
+          <a:xfrm>
+            <a:off x="7839419" y="1317653"/>
+            <a:ext cx="19098" cy="282547"/>
+          </a:xfrm>
+          <a:prstGeom prst="straightConnector1">
+            <a:avLst/>
+          </a:prstGeom>
+          <a:ln>
+            <a:tailEnd type="arrow"/>
+          </a:ln>
+        </p:spPr>
+        <p:style>
+          <a:lnRef idx="2">
+            <a:schemeClr val="accent1"/>
+          </a:lnRef>
+          <a:fillRef idx="0">
+            <a:schemeClr val="accent1"/>
+          </a:fillRef>
+          <a:effectRef idx="1">
+            <a:schemeClr val="accent1"/>
+          </a:effectRef>
+          <a:fontRef idx="minor">
+            <a:schemeClr val="tx1"/>
+          </a:fontRef>
+        </p:style>
+      </p:cxnSp>
+      <p:cxnSp>
+        <p:nvCxnSpPr>
+          <p:cNvPr id="11" name="Straight Arrow Connector 10"/>
+          <p:cNvCxnSpPr/>
+          <p:nvPr/>
+        </p:nvCxnSpPr>
+        <p:spPr>
+          <a:xfrm>
+            <a:off x="7304697" y="2052865"/>
+            <a:ext cx="0" cy="362831"/>
+          </a:xfrm>
+          <a:prstGeom prst="straightConnector1">
+            <a:avLst/>
+          </a:prstGeom>
+          <a:ln>
+            <a:tailEnd type="arrow"/>
+          </a:ln>
+        </p:spPr>
+        <p:style>
+          <a:lnRef idx="2">
+            <a:schemeClr val="accent1"/>
+          </a:lnRef>
+          <a:fillRef idx="0">
+            <a:schemeClr val="accent1"/>
+          </a:fillRef>
+          <a:effectRef idx="1">
+            <a:schemeClr val="accent1"/>
+          </a:effectRef>
+          <a:fontRef idx="minor">
+            <a:schemeClr val="tx1"/>
+          </a:fontRef>
+        </p:style>
+      </p:cxnSp>
+      <p:cxnSp>
+        <p:nvCxnSpPr>
+          <p:cNvPr id="13" name="Straight Arrow Connector 12"/>
+          <p:cNvCxnSpPr/>
+          <p:nvPr/>
+        </p:nvCxnSpPr>
+        <p:spPr>
+          <a:xfrm>
+            <a:off x="7858517" y="2052865"/>
+            <a:ext cx="0" cy="362831"/>
+          </a:xfrm>
+          <a:prstGeom prst="straightConnector1">
+            <a:avLst/>
+          </a:prstGeom>
+          <a:ln>
+            <a:tailEnd type="arrow"/>
+          </a:ln>
+        </p:spPr>
+        <p:style>
+          <a:lnRef idx="2">
+            <a:schemeClr val="accent1"/>
+          </a:lnRef>
+          <a:fillRef idx="0">
+            <a:schemeClr val="accent1"/>
+          </a:fillRef>
+          <a:effectRef idx="1">
+            <a:schemeClr val="accent1"/>
+          </a:effectRef>
+          <a:fontRef idx="minor">
+            <a:schemeClr val="tx1"/>
+          </a:fontRef>
+        </p:style>
+      </p:cxnSp>
+      <p:cxnSp>
+        <p:nvCxnSpPr>
+          <p:cNvPr id="15" name="Straight Arrow Connector 14"/>
+          <p:cNvCxnSpPr/>
+          <p:nvPr/>
+        </p:nvCxnSpPr>
+        <p:spPr>
+          <a:xfrm>
+            <a:off x="8374142" y="2052865"/>
+            <a:ext cx="19098" cy="362831"/>
+          </a:xfrm>
+          <a:prstGeom prst="straightConnector1">
+            <a:avLst/>
+          </a:prstGeom>
+          <a:ln>
+            <a:tailEnd type="arrow"/>
+          </a:ln>
+        </p:spPr>
+        <p:style>
+          <a:lnRef idx="2">
+            <a:schemeClr val="accent1"/>
+          </a:lnRef>
+          <a:fillRef idx="0">
+            <a:schemeClr val="accent1"/>
+          </a:fillRef>
+          <a:effectRef idx="1">
+            <a:schemeClr val="accent1"/>
+          </a:effectRef>
+          <a:fontRef idx="minor">
+            <a:schemeClr val="tx1"/>
+          </a:fontRef>
+        </p:style>
+      </p:cxnSp>
+      <p:cxnSp>
+        <p:nvCxnSpPr>
+          <p:cNvPr id="19" name="Straight Arrow Connector 18"/>
+          <p:cNvCxnSpPr/>
+          <p:nvPr/>
+        </p:nvCxnSpPr>
+        <p:spPr>
+          <a:xfrm>
+            <a:off x="7304697" y="2969493"/>
+            <a:ext cx="0" cy="515603"/>
+          </a:xfrm>
+          <a:prstGeom prst="straightConnector1">
+            <a:avLst/>
+          </a:prstGeom>
+          <a:ln>
+            <a:tailEnd type="arrow"/>
+          </a:ln>
+        </p:spPr>
+        <p:style>
+          <a:lnRef idx="2">
+            <a:schemeClr val="accent1"/>
+          </a:lnRef>
+          <a:fillRef idx="0">
+            <a:schemeClr val="accent1"/>
+          </a:fillRef>
+          <a:effectRef idx="1">
+            <a:schemeClr val="accent1"/>
+          </a:effectRef>
+          <a:fontRef idx="minor">
+            <a:schemeClr val="tx1"/>
+          </a:fontRef>
+        </p:style>
+      </p:cxnSp>
+      <p:cxnSp>
+        <p:nvCxnSpPr>
+          <p:cNvPr id="21" name="Straight Arrow Connector 20"/>
+          <p:cNvCxnSpPr/>
+          <p:nvPr/>
+        </p:nvCxnSpPr>
+        <p:spPr>
+          <a:xfrm>
+            <a:off x="7858517" y="2969493"/>
+            <a:ext cx="0" cy="515603"/>
+          </a:xfrm>
+          <a:prstGeom prst="straightConnector1">
+            <a:avLst/>
+          </a:prstGeom>
+          <a:ln>
+            <a:tailEnd type="arrow"/>
+          </a:ln>
+        </p:spPr>
+        <p:style>
+          <a:lnRef idx="2">
+            <a:schemeClr val="accent1"/>
+          </a:lnRef>
+          <a:fillRef idx="0">
+            <a:schemeClr val="accent1"/>
+          </a:fillRef>
+          <a:effectRef idx="1">
+            <a:schemeClr val="accent1"/>
+          </a:effectRef>
+          <a:fontRef idx="minor">
+            <a:schemeClr val="tx1"/>
+          </a:fontRef>
+        </p:style>
+      </p:cxnSp>
+      <p:cxnSp>
+        <p:nvCxnSpPr>
+          <p:cNvPr id="23" name="Straight Arrow Connector 22"/>
+          <p:cNvCxnSpPr/>
+          <p:nvPr/>
+        </p:nvCxnSpPr>
+        <p:spPr>
+          <a:xfrm>
+            <a:off x="8393240" y="2969493"/>
+            <a:ext cx="0" cy="515603"/>
+          </a:xfrm>
+          <a:prstGeom prst="straightConnector1">
+            <a:avLst/>
+          </a:prstGeom>
+          <a:ln>
+            <a:tailEnd type="arrow"/>
+          </a:ln>
+        </p:spPr>
+        <p:style>
+          <a:lnRef idx="2">
+            <a:schemeClr val="accent1"/>
+          </a:lnRef>
+          <a:fillRef idx="0">
+            <a:schemeClr val="accent1"/>
+          </a:fillRef>
+          <a:effectRef idx="1">
+            <a:schemeClr val="accent1"/>
+          </a:effectRef>
+          <a:fontRef idx="minor">
+            <a:schemeClr val="tx1"/>
+          </a:fontRef>
+        </p:style>
+      </p:cxnSp>
+      <p:cxnSp>
+        <p:nvCxnSpPr>
+          <p:cNvPr id="25" name="Straight Arrow Connector 24"/>
+          <p:cNvCxnSpPr/>
+          <p:nvPr/>
+        </p:nvCxnSpPr>
+        <p:spPr>
+          <a:xfrm>
+            <a:off x="7304697" y="4076245"/>
+            <a:ext cx="1265528" cy="993853"/>
+          </a:xfrm>
+          <a:prstGeom prst="straightConnector1">
+            <a:avLst/>
+          </a:prstGeom>
+          <a:ln>
+            <a:tailEnd type="arrow"/>
+          </a:ln>
+        </p:spPr>
+        <p:style>
+          <a:lnRef idx="2">
+            <a:schemeClr val="accent1"/>
+          </a:lnRef>
+          <a:fillRef idx="0">
+            <a:schemeClr val="accent1"/>
+          </a:fillRef>
+          <a:effectRef idx="1">
+            <a:schemeClr val="accent1"/>
+          </a:effectRef>
+          <a:fontRef idx="minor">
+            <a:schemeClr val="tx1"/>
+          </a:fontRef>
+        </p:style>
+      </p:cxnSp>
+      <p:cxnSp>
+        <p:nvCxnSpPr>
+          <p:cNvPr id="27" name="Straight Arrow Connector 26"/>
+          <p:cNvCxnSpPr/>
+          <p:nvPr/>
+        </p:nvCxnSpPr>
+        <p:spPr>
+          <a:xfrm flipH="1">
+            <a:off x="7638898" y="4076245"/>
+            <a:ext cx="754343" cy="993853"/>
+          </a:xfrm>
+          <a:prstGeom prst="straightConnector1">
+            <a:avLst/>
+          </a:prstGeom>
+          <a:ln>
+            <a:tailEnd type="arrow"/>
+          </a:ln>
+        </p:spPr>
+        <p:style>
+          <a:lnRef idx="2">
+            <a:schemeClr val="accent1"/>
+          </a:lnRef>
+          <a:fillRef idx="0">
+            <a:schemeClr val="accent1"/>
+          </a:fillRef>
+          <a:effectRef idx="1">
+            <a:schemeClr val="accent1"/>
+          </a:effectRef>
+          <a:fontRef idx="minor">
+            <a:schemeClr val="tx1"/>
+          </a:fontRef>
+        </p:style>
+      </p:cxnSp>
+      <p:cxnSp>
+        <p:nvCxnSpPr>
+          <p:cNvPr id="29" name="Straight Arrow Connector 28"/>
+          <p:cNvCxnSpPr/>
+          <p:nvPr/>
+        </p:nvCxnSpPr>
+        <p:spPr>
+          <a:xfrm flipH="1">
+            <a:off x="7304698" y="4076245"/>
+            <a:ext cx="334200" cy="993853"/>
+          </a:xfrm>
+          <a:prstGeom prst="straightConnector1">
+            <a:avLst/>
+          </a:prstGeom>
+          <a:ln>
+            <a:tailEnd type="arrow"/>
+          </a:ln>
+        </p:spPr>
+        <p:style>
+          <a:lnRef idx="2">
+            <a:schemeClr val="accent1"/>
+          </a:lnRef>
+          <a:fillRef idx="0">
+            <a:schemeClr val="accent1"/>
+          </a:fillRef>
+          <a:effectRef idx="1">
+            <a:schemeClr val="accent1"/>
+          </a:effectRef>
+          <a:fontRef idx="minor">
+            <a:schemeClr val="tx1"/>
+          </a:fontRef>
+        </p:style>
+      </p:cxnSp>
+      <p:cxnSp>
+        <p:nvCxnSpPr>
+          <p:cNvPr id="32" name="Straight Arrow Connector 31"/>
+          <p:cNvCxnSpPr>
+            <a:stCxn id="6" idx="2"/>
+          </p:cNvCxnSpPr>
+          <p:nvPr/>
+        </p:nvCxnSpPr>
+        <p:spPr>
+          <a:xfrm>
+            <a:off x="7866276" y="4076245"/>
+            <a:ext cx="335991" cy="993853"/>
+          </a:xfrm>
+          <a:prstGeom prst="straightConnector1">
+            <a:avLst/>
+          </a:prstGeom>
+          <a:ln>
+            <a:tailEnd type="arrow"/>
+          </a:ln>
+        </p:spPr>
+        <p:style>
+          <a:lnRef idx="2">
+            <a:schemeClr val="accent1"/>
+          </a:lnRef>
+          <a:fillRef idx="0">
+            <a:schemeClr val="accent1"/>
+          </a:fillRef>
+          <a:effectRef idx="1">
+            <a:schemeClr val="accent1"/>
+          </a:effectRef>
+          <a:fontRef idx="minor">
+            <a:schemeClr val="tx1"/>
+          </a:fontRef>
+        </p:style>
+      </p:cxnSp>
+      <p:cxnSp>
+        <p:nvCxnSpPr>
+          <p:cNvPr id="36" name="Straight Arrow Connector 35"/>
+          <p:cNvCxnSpPr/>
+          <p:nvPr/>
+        </p:nvCxnSpPr>
+        <p:spPr>
+          <a:xfrm>
+            <a:off x="7304698" y="5604798"/>
+            <a:ext cx="334200" cy="315091"/>
+          </a:xfrm>
+          <a:prstGeom prst="straightConnector1">
+            <a:avLst/>
+          </a:prstGeom>
+          <a:ln>
+            <a:tailEnd type="arrow"/>
+          </a:ln>
+        </p:spPr>
+        <p:style>
+          <a:lnRef idx="2">
+            <a:schemeClr val="accent1"/>
+          </a:lnRef>
+          <a:fillRef idx="0">
+            <a:schemeClr val="accent1"/>
+          </a:fillRef>
+          <a:effectRef idx="1">
+            <a:schemeClr val="accent1"/>
+          </a:effectRef>
+          <a:fontRef idx="minor">
+            <a:schemeClr val="tx1"/>
+          </a:fontRef>
+        </p:style>
+      </p:cxnSp>
+      <p:cxnSp>
+        <p:nvCxnSpPr>
+          <p:cNvPr id="38" name="Straight Arrow Connector 37"/>
+          <p:cNvCxnSpPr/>
+          <p:nvPr/>
+        </p:nvCxnSpPr>
+        <p:spPr>
+          <a:xfrm>
+            <a:off x="7855518" y="5604798"/>
+            <a:ext cx="98485" cy="315091"/>
+          </a:xfrm>
+          <a:prstGeom prst="straightConnector1">
+            <a:avLst/>
+          </a:prstGeom>
+          <a:ln>
+            <a:tailEnd type="arrow"/>
+          </a:ln>
+        </p:spPr>
+        <p:style>
+          <a:lnRef idx="2">
+            <a:schemeClr val="accent1"/>
+          </a:lnRef>
+          <a:fillRef idx="0">
+            <a:schemeClr val="accent1"/>
+          </a:fillRef>
+          <a:effectRef idx="1">
+            <a:schemeClr val="accent1"/>
+          </a:effectRef>
+          <a:fontRef idx="minor">
+            <a:schemeClr val="tx1"/>
+          </a:fontRef>
+        </p:style>
+      </p:cxnSp>
+      <p:cxnSp>
+        <p:nvCxnSpPr>
+          <p:cNvPr id="41" name="Straight Arrow Connector 40"/>
+          <p:cNvCxnSpPr/>
+          <p:nvPr/>
+        </p:nvCxnSpPr>
+        <p:spPr>
+          <a:xfrm flipH="1">
+            <a:off x="8116329" y="5604798"/>
+            <a:ext cx="85938" cy="315091"/>
+          </a:xfrm>
+          <a:prstGeom prst="straightConnector1">
+            <a:avLst/>
+          </a:prstGeom>
+          <a:ln>
+            <a:tailEnd type="arrow"/>
+          </a:ln>
+        </p:spPr>
+        <p:style>
+          <a:lnRef idx="2">
+            <a:schemeClr val="accent1"/>
+          </a:lnRef>
+          <a:fillRef idx="0">
+            <a:schemeClr val="accent1"/>
+          </a:fillRef>
+          <a:effectRef idx="1">
+            <a:schemeClr val="accent1"/>
+          </a:effectRef>
+          <a:fontRef idx="minor">
+            <a:schemeClr val="tx1"/>
+          </a:fontRef>
+        </p:style>
+      </p:cxnSp>
+      <p:cxnSp>
+        <p:nvCxnSpPr>
+          <p:cNvPr id="43" name="Straight Arrow Connector 42"/>
+          <p:cNvCxnSpPr/>
+          <p:nvPr/>
+        </p:nvCxnSpPr>
+        <p:spPr>
+          <a:xfrm flipH="1">
+            <a:off x="8374142" y="5604798"/>
+            <a:ext cx="196083" cy="315091"/>
+          </a:xfrm>
+          <a:prstGeom prst="straightConnector1">
+            <a:avLst/>
+          </a:prstGeom>
+          <a:ln>
+            <a:tailEnd type="arrow"/>
+          </a:ln>
+        </p:spPr>
+        <p:style>
+          <a:lnRef idx="2">
+            <a:schemeClr val="accent1"/>
+          </a:lnRef>
+          <a:fillRef idx="0">
+            <a:schemeClr val="accent1"/>
+          </a:fillRef>
+          <a:effectRef idx="1">
+            <a:schemeClr val="accent1"/>
+          </a:effectRef>
+          <a:fontRef idx="minor">
+            <a:schemeClr val="tx1"/>
+          </a:fontRef>
+        </p:style>
+      </p:cxnSp>
     </p:spTree>
     <p:extLst>
       <p:ext uri="{BB962C8B-B14F-4D97-AF65-F5344CB8AC3E}">
-        <p14:creationId xmlns:p14="http://schemas.microsoft.com/office/powerpoint/2010/main" val="889996596"/>
+        <p14:creationId xmlns:p14="http://schemas.microsoft.com/office/powerpoint/2010/main" val="1502006066"/>
       </p:ext>
     </p:extLst>
   </p:cSld>
   <p:clrMapOvr>
     <a:masterClrMapping/>
   </p:clrMapOvr>
+  <p:timing>
+    <p:tnLst>
+      <p:par>
+        <p:cTn id="1" dur="indefinite" restart="never" nodeType="tmRoot">
+          <p:childTnLst>
+            <p:seq concurrent="1" nextAc="seek">
+              <p:cTn id="2" dur="indefinite" nodeType="mainSeq">
+                <p:childTnLst>
+                  <p:par>
+                    <p:cTn id="3" fill="hold">
+                      <p:stCondLst>
+                        <p:cond delay="indefinite"/>
+                      </p:stCondLst>
+                      <p:childTnLst>
+                        <p:par>
+                          <p:cTn id="4" fill="hold">
+                            <p:stCondLst>
+                              <p:cond delay="0"/>
+                            </p:stCondLst>
+                            <p:childTnLst>
+                              <p:par>
+                                <p:cTn id="5" presetID="1" presetClass="entr" presetSubtype="0" fill="hold" grpId="0" nodeType="clickEffect">
+                                  <p:stCondLst>
+                                    <p:cond delay="0"/>
+                                  </p:stCondLst>
+                                  <p:childTnLst>
+                                    <p:set>
+                                      <p:cBhvr>
+                                        <p:cTn id="6" dur="1" fill="hold">
+                                          <p:stCondLst>
+                                            <p:cond delay="0"/>
+                                          </p:stCondLst>
+                                        </p:cTn>
+                                        <p:tgtEl>
+                                          <p:spTgt spid="3">
+                                            <p:txEl>
+                                              <p:pRg st="0" end="0"/>
+                                            </p:txEl>
+                                          </p:spTgt>
+                                        </p:tgtEl>
+                                        <p:attrNameLst>
+                                          <p:attrName>style.visibility</p:attrName>
+                                        </p:attrNameLst>
+                                      </p:cBhvr>
+                                      <p:to>
+                                        <p:strVal val="visible"/>
+                                      </p:to>
+                                    </p:set>
+                                  </p:childTnLst>
+                                </p:cTn>
+                              </p:par>
+                            </p:childTnLst>
+                          </p:cTn>
+                        </p:par>
+                      </p:childTnLst>
+                    </p:cTn>
+                  </p:par>
+                  <p:par>
+                    <p:cTn id="7" fill="hold">
+                      <p:stCondLst>
+                        <p:cond delay="indefinite"/>
+                      </p:stCondLst>
+                      <p:childTnLst>
+                        <p:par>
+                          <p:cTn id="8" fill="hold">
+                            <p:stCondLst>
+                              <p:cond delay="0"/>
+                            </p:stCondLst>
+                            <p:childTnLst>
+                              <p:par>
+                                <p:cTn id="9" presetID="1" presetClass="entr" presetSubtype="0" fill="hold" grpId="0" nodeType="clickEffect">
+                                  <p:stCondLst>
+                                    <p:cond delay="0"/>
+                                  </p:stCondLst>
+                                  <p:childTnLst>
+                                    <p:set>
+                                      <p:cBhvr>
+                                        <p:cTn id="10" dur="1" fill="hold">
+                                          <p:stCondLst>
+                                            <p:cond delay="0"/>
+                                          </p:stCondLst>
+                                        </p:cTn>
+                                        <p:tgtEl>
+                                          <p:spTgt spid="3">
+                                            <p:txEl>
+                                              <p:pRg st="1" end="1"/>
+                                            </p:txEl>
+                                          </p:spTgt>
+                                        </p:tgtEl>
+                                        <p:attrNameLst>
+                                          <p:attrName>style.visibility</p:attrName>
+                                        </p:attrNameLst>
+                                      </p:cBhvr>
+                                      <p:to>
+                                        <p:strVal val="visible"/>
+                                      </p:to>
+                                    </p:set>
+                                  </p:childTnLst>
+                                </p:cTn>
+                              </p:par>
+                            </p:childTnLst>
+                          </p:cTn>
+                        </p:par>
+                      </p:childTnLst>
+                    </p:cTn>
+                  </p:par>
+                  <p:par>
+                    <p:cTn id="11" fill="hold">
+                      <p:stCondLst>
+                        <p:cond delay="indefinite"/>
+                      </p:stCondLst>
+                      <p:childTnLst>
+                        <p:par>
+                          <p:cTn id="12" fill="hold">
+                            <p:stCondLst>
+                              <p:cond delay="0"/>
+                            </p:stCondLst>
+                            <p:childTnLst>
+                              <p:par>
+                                <p:cTn id="13" presetID="1" presetClass="entr" presetSubtype="0" fill="hold" grpId="0" nodeType="clickEffect">
+                                  <p:stCondLst>
+                                    <p:cond delay="0"/>
+                                  </p:stCondLst>
+                                  <p:childTnLst>
+                                    <p:set>
+                                      <p:cBhvr>
+                                        <p:cTn id="14" dur="1" fill="hold">
+                                          <p:stCondLst>
+                                            <p:cond delay="0"/>
+                                          </p:stCondLst>
+                                        </p:cTn>
+                                        <p:tgtEl>
+                                          <p:spTgt spid="3">
+                                            <p:txEl>
+                                              <p:pRg st="2" end="2"/>
+                                            </p:txEl>
+                                          </p:spTgt>
+                                        </p:tgtEl>
+                                        <p:attrNameLst>
+                                          <p:attrName>style.visibility</p:attrName>
+                                        </p:attrNameLst>
+                                      </p:cBhvr>
+                                      <p:to>
+                                        <p:strVal val="visible"/>
+                                      </p:to>
+                                    </p:set>
+                                  </p:childTnLst>
+                                </p:cTn>
+                              </p:par>
+                            </p:childTnLst>
+                          </p:cTn>
+                        </p:par>
+                      </p:childTnLst>
+                    </p:cTn>
+                  </p:par>
+                  <p:par>
+                    <p:cTn id="15" fill="hold">
+                      <p:stCondLst>
+                        <p:cond delay="indefinite"/>
+                      </p:stCondLst>
+                      <p:childTnLst>
+                        <p:par>
+                          <p:cTn id="16" fill="hold">
+                            <p:stCondLst>
+                              <p:cond delay="0"/>
+                            </p:stCondLst>
+                            <p:childTnLst>
+                              <p:par>
+                                <p:cTn id="17" presetID="1" presetClass="entr" presetSubtype="0" fill="hold" grpId="0" nodeType="clickEffect">
+                                  <p:stCondLst>
+                                    <p:cond delay="0"/>
+                                  </p:stCondLst>
+                                  <p:childTnLst>
+                                    <p:set>
+                                      <p:cBhvr>
+                                        <p:cTn id="18" dur="1" fill="hold">
+                                          <p:stCondLst>
+                                            <p:cond delay="0"/>
+                                          </p:stCondLst>
+                                        </p:cTn>
+                                        <p:tgtEl>
+                                          <p:spTgt spid="3">
+                                            <p:txEl>
+                                              <p:pRg st="3" end="3"/>
+                                            </p:txEl>
+                                          </p:spTgt>
+                                        </p:tgtEl>
+                                        <p:attrNameLst>
+                                          <p:attrName>style.visibility</p:attrName>
+                                        </p:attrNameLst>
+                                      </p:cBhvr>
+                                      <p:to>
+                                        <p:strVal val="visible"/>
+                                      </p:to>
+                                    </p:set>
+                                  </p:childTnLst>
+                                </p:cTn>
+                              </p:par>
+                            </p:childTnLst>
+                          </p:cTn>
+                        </p:par>
+                      </p:childTnLst>
+                    </p:cTn>
+                  </p:par>
+                  <p:par>
+                    <p:cTn id="19" fill="hold">
+                      <p:stCondLst>
+                        <p:cond delay="indefinite"/>
+                      </p:stCondLst>
+                      <p:childTnLst>
+                        <p:par>
+                          <p:cTn id="20" fill="hold">
+                            <p:stCondLst>
+                              <p:cond delay="0"/>
+                            </p:stCondLst>
+                            <p:childTnLst>
+                              <p:par>
+                                <p:cTn id="21" presetID="1" presetClass="entr" presetSubtype="0" fill="hold" grpId="0" nodeType="clickEffect">
+                                  <p:stCondLst>
+                                    <p:cond delay="0"/>
+                                  </p:stCondLst>
+                                  <p:childTnLst>
+                                    <p:set>
+                                      <p:cBhvr>
+                                        <p:cTn id="22" dur="1" fill="hold">
+                                          <p:stCondLst>
+                                            <p:cond delay="0"/>
+                                          </p:stCondLst>
+                                        </p:cTn>
+                                        <p:tgtEl>
+                                          <p:spTgt spid="3">
+                                            <p:txEl>
+                                              <p:pRg st="4" end="4"/>
+                                            </p:txEl>
+                                          </p:spTgt>
+                                        </p:tgtEl>
+                                        <p:attrNameLst>
+                                          <p:attrName>style.visibility</p:attrName>
+                                        </p:attrNameLst>
+                                      </p:cBhvr>
+                                      <p:to>
+                                        <p:strVal val="visible"/>
+                                      </p:to>
+                                    </p:set>
+                                  </p:childTnLst>
+                                </p:cTn>
+                              </p:par>
+                            </p:childTnLst>
+                          </p:cTn>
+                        </p:par>
+                      </p:childTnLst>
+                    </p:cTn>
+                  </p:par>
+                </p:childTnLst>
+              </p:cTn>
+              <p:prevCondLst>
+                <p:cond evt="onPrev" delay="0">
+                  <p:tgtEl>
+                    <p:sldTgt/>
+                  </p:tgtEl>
+                </p:cond>
+              </p:prevCondLst>
+              <p:nextCondLst>
+                <p:cond evt="onNext" delay="0">
+                  <p:tgtEl>
+                    <p:sldTgt/>
+                  </p:tgtEl>
+                </p:cond>
+              </p:nextCondLst>
+            </p:seq>
+          </p:childTnLst>
+        </p:cTn>
+      </p:par>
+    </p:tnLst>
+    <p:bldLst>
+      <p:bldP spid="3" grpId="0" build="p"/>
+    </p:bldLst>
+  </p:timing>
 </p:sld>
 </file>
 
 <file path=ppt/slides/slide15.xml><?xml version="1.0" encoding="utf-8"?>
-<p:sld xmlns:a="http://schemas.openxmlformats.org/drawingml/2006/main" xmlns:r="http://schemas.openxmlformats.org/officeDocument/2006/relationships" xmlns:p="http://schemas.openxmlformats.org/presentationml/2006/main">
+<p:sld xmlns:a="http://schemas.openxmlformats.org/drawingml/2006/main" xmlns:r="http://schemas.openxmlformats.org/officeDocument/2006/relationships" xmlns:p="http://schemas.openxmlformats.org/presentationml/2006/main" show="0">
   <p:cSld>
     <p:spTree>
       <p:nvGrpSpPr>
@@ -4538,186 +5452,100 @@
         </p:nvSpPr>
         <p:spPr/>
         <p:txBody>
+          <a:bodyPr>
+            <a:normAutofit fontScale="90000"/>
+          </a:bodyPr>
+          <a:lstStyle/>
+          <a:p>
+            <a:r>
+              <a:rPr lang="en-US" dirty="0"/>
+              <a:t>Map Reduce example</a:t>
+            </a:r>
+            <a:br>
+              <a:rPr lang="en-US" dirty="0"/>
+            </a:br>
+            <a:r>
+              <a:rPr lang="en-US" dirty="0"/>
+              <a:t>in words</a:t>
+            </a:r>
+          </a:p>
+        </p:txBody>
+      </p:sp>
+      <p:sp>
+        <p:nvSpPr>
+          <p:cNvPr id="3" name="Content Placeholder 2"/>
+          <p:cNvSpPr>
+            <a:spLocks noGrp="1"/>
+          </p:cNvSpPr>
+          <p:nvPr>
+            <p:ph idx="1"/>
+          </p:nvPr>
+        </p:nvSpPr>
+        <p:spPr/>
+        <p:txBody>
           <a:bodyPr/>
           <a:lstStyle/>
           <a:p>
             <a:r>
               <a:rPr lang="en-US" dirty="0"/>
-              <a:t>Components of </a:t>
+              <a:t>Count how many times each word occurs in 1000 books:</a:t>
+            </a:r>
+          </a:p>
+          <a:p>
+            <a:endParaRPr lang="en-US" dirty="0"/>
+          </a:p>
+          <a:p>
+            <a:pPr lvl="1"/>
+            <a:r>
+              <a:rPr lang="en-US" dirty="0"/>
+              <a:t>First count each book (</a:t>
+            </a:r>
+            <a:r>
+              <a:rPr lang="en-US" b="1" dirty="0"/>
+              <a:t>map</a:t>
+            </a:r>
+            <a:r>
+              <a:rPr lang="en-US" dirty="0"/>
+              <a:t> </a:t>
             </a:r>
             <a:r>
               <a:rPr lang="en-US" dirty="0" err="1"/>
-              <a:t>Hadoop</a:t>
-            </a:r>
+              <a:t>wc</a:t>
+            </a:r>
+            <a:r>
+              <a:rPr lang="en-US" dirty="0"/>
+              <a:t> onto book)</a:t>
+            </a:r>
+          </a:p>
+          <a:p>
+            <a:pPr lvl="1"/>
             <a:endParaRPr lang="en-US" dirty="0"/>
           </a:p>
-        </p:txBody>
-      </p:sp>
-      <p:sp>
-        <p:nvSpPr>
-          <p:cNvPr id="4" name="Rounded Rectangle 3"/>
-          <p:cNvSpPr/>
-          <p:nvPr/>
-        </p:nvSpPr>
-        <p:spPr>
-          <a:xfrm>
-            <a:off x="814487" y="4445451"/>
-            <a:ext cx="7399410" cy="1421991"/>
-          </a:xfrm>
-          <a:prstGeom prst="roundRect">
-            <a:avLst/>
-          </a:prstGeom>
-        </p:spPr>
-        <p:style>
-          <a:lnRef idx="1">
-            <a:schemeClr val="accent1"/>
-          </a:lnRef>
-          <a:fillRef idx="3">
-            <a:schemeClr val="accent1"/>
-          </a:fillRef>
-          <a:effectRef idx="2">
-            <a:schemeClr val="accent1"/>
-          </a:effectRef>
-          <a:fontRef idx="minor">
-            <a:schemeClr val="lt1"/>
-          </a:fontRef>
-        </p:style>
-        <p:txBody>
-          <a:bodyPr rtlCol="0" anchor="ctr"/>
-          <a:lstStyle/>
-          <a:p>
-            <a:pPr algn="ctr"/>
+          <a:p>
+            <a:pPr lvl="1"/>
+            <a:r>
+              <a:rPr lang="en-US" dirty="0"/>
+              <a:t>Then </a:t>
+            </a:r>
+            <a:r>
+              <a:rPr lang="en-US" b="1" dirty="0"/>
+              <a:t>reduce</a:t>
+            </a:r>
+            <a:r>
+              <a:rPr lang="en-US" dirty="0"/>
+              <a:t> the outputs to a global </a:t>
+            </a:r>
             <a:r>
               <a:rPr lang="en-US" dirty="0" err="1"/>
-              <a:t>Hadoop</a:t>
+              <a:t>wordcount</a:t>
             </a:r>
             <a:r>
               <a:rPr lang="en-US" dirty="0"/>
-              <a:t> Distributed File System (HDFS)</a:t>
-            </a:r>
-          </a:p>
-          <a:p>
-            <a:pPr algn="ctr"/>
-            <a:endParaRPr lang="en-US" dirty="0"/>
-          </a:p>
-          <a:p>
-            <a:pPr algn="ctr"/>
-            <a:r>
-              <a:rPr lang="en-US" dirty="0"/>
-              <a:t>Redundant Reliable Distributed File System</a:t>
-            </a:r>
-          </a:p>
-        </p:txBody>
-      </p:sp>
-      <p:sp>
-        <p:nvSpPr>
-          <p:cNvPr id="5" name="Rounded Rectangle 4"/>
-          <p:cNvSpPr/>
-          <p:nvPr/>
-        </p:nvSpPr>
-        <p:spPr>
-          <a:xfrm>
-            <a:off x="814487" y="2872134"/>
-            <a:ext cx="7399410" cy="1421991"/>
-          </a:xfrm>
-          <a:prstGeom prst="roundRect">
-            <a:avLst/>
-          </a:prstGeom>
-        </p:spPr>
-        <p:style>
-          <a:lnRef idx="1">
-            <a:schemeClr val="accent1"/>
-          </a:lnRef>
-          <a:fillRef idx="3">
-            <a:schemeClr val="accent1"/>
-          </a:fillRef>
-          <a:effectRef idx="2">
-            <a:schemeClr val="accent1"/>
-          </a:effectRef>
-          <a:fontRef idx="minor">
-            <a:schemeClr val="lt1"/>
-          </a:fontRef>
-        </p:style>
-        <p:txBody>
-          <a:bodyPr rtlCol="0" anchor="ctr"/>
-          <a:lstStyle/>
-          <a:p>
-            <a:pPr algn="ctr"/>
-            <a:r>
-              <a:rPr lang="en-US" dirty="0"/>
-              <a:t>YARN (Yet Another Resource Negotiator)</a:t>
-            </a:r>
-          </a:p>
-          <a:p>
-            <a:pPr algn="ctr"/>
-            <a:r>
-              <a:rPr lang="en-US" dirty="0"/>
-              <a:t>Cluster Resource Management</a:t>
-            </a:r>
-          </a:p>
-        </p:txBody>
-      </p:sp>
-      <p:sp>
-        <p:nvSpPr>
-          <p:cNvPr id="6" name="Rounded Rectangle 5"/>
-          <p:cNvSpPr/>
-          <p:nvPr/>
-        </p:nvSpPr>
-        <p:spPr>
-          <a:xfrm>
-            <a:off x="814487" y="1340235"/>
-            <a:ext cx="7399410" cy="1421991"/>
-          </a:xfrm>
-          <a:prstGeom prst="roundRect">
-            <a:avLst/>
-          </a:prstGeom>
-        </p:spPr>
-        <p:style>
-          <a:lnRef idx="1">
-            <a:schemeClr val="accent1"/>
-          </a:lnRef>
-          <a:fillRef idx="3">
-            <a:schemeClr val="accent1"/>
-          </a:fillRef>
-          <a:effectRef idx="2">
-            <a:schemeClr val="accent1"/>
-          </a:effectRef>
-          <a:fontRef idx="minor">
-            <a:schemeClr val="lt1"/>
-          </a:fontRef>
-        </p:style>
-        <p:txBody>
-          <a:bodyPr rtlCol="0" anchor="ctr"/>
-          <a:lstStyle/>
-          <a:p>
-            <a:pPr algn="ctr"/>
-            <a:r>
-              <a:rPr lang="en-US" dirty="0"/>
-              <a:t>Map Reduce or Other Workloads</a:t>
-            </a:r>
-          </a:p>
-          <a:p>
-            <a:pPr algn="ctr"/>
-            <a:endParaRPr lang="en-US" dirty="0"/>
-          </a:p>
-          <a:p>
-            <a:pPr algn="ctr"/>
-            <a:r>
-              <a:rPr lang="en-US" dirty="0"/>
-              <a:t>Java, </a:t>
-            </a:r>
-            <a:r>
-              <a:rPr lang="en-US" dirty="0" err="1"/>
-              <a:t>Scala</a:t>
-            </a:r>
-            <a:r>
-              <a:rPr lang="en-US" dirty="0"/>
-              <a:t>, Python, Apache Pig, Apache Hive, </a:t>
-            </a:r>
-            <a:r>
-              <a:rPr lang="en-US" dirty="0" err="1"/>
-              <a:t>etc</a:t>
-            </a:r>
+              <a:t> across all books</a:t>
+            </a:r>
+          </a:p>
+          <a:p>
+            <a:pPr lvl="2"/>
             <a:endParaRPr lang="en-US" dirty="0"/>
           </a:p>
         </p:txBody>
@@ -4725,7 +5553,7 @@
     </p:spTree>
     <p:extLst>
       <p:ext uri="{BB962C8B-B14F-4D97-AF65-F5344CB8AC3E}">
-        <p14:creationId xmlns:p14="http://schemas.microsoft.com/office/powerpoint/2010/main" val="3186538270"/>
+        <p14:creationId xmlns:p14="http://schemas.microsoft.com/office/powerpoint/2010/main" val="3597497257"/>
       </p:ext>
     </p:extLst>
   </p:cSld>
@@ -4736,7 +5564,7 @@
 </file>
 
 <file path=ppt/slides/slide16.xml><?xml version="1.0" encoding="utf-8"?>
-<p:sld xmlns:a="http://schemas.openxmlformats.org/drawingml/2006/main" xmlns:r="http://schemas.openxmlformats.org/officeDocument/2006/relationships" xmlns:p="http://schemas.openxmlformats.org/presentationml/2006/main">
+<p:sld xmlns:a="http://schemas.openxmlformats.org/drawingml/2006/main" xmlns:r="http://schemas.openxmlformats.org/officeDocument/2006/relationships" xmlns:p="http://schemas.openxmlformats.org/presentationml/2006/main" show="0">
   <p:cSld>
     <p:spTree>
       <p:nvGrpSpPr>
@@ -4764,12 +5592,14 @@
         </p:nvSpPr>
         <p:spPr/>
         <p:txBody>
-          <a:bodyPr/>
+          <a:bodyPr>
+            <a:normAutofit/>
+          </a:bodyPr>
           <a:lstStyle/>
           <a:p>
             <a:r>
               <a:rPr lang="en-US" dirty="0"/>
-              <a:t>Summary</a:t>
+              <a:t>Efficiency</a:t>
             </a:r>
           </a:p>
         </p:txBody>
@@ -4786,43 +5616,66 @@
         </p:nvSpPr>
         <p:spPr/>
         <p:txBody>
-          <a:bodyPr/>
+          <a:bodyPr>
+            <a:normAutofit/>
+          </a:bodyPr>
           <a:lstStyle/>
           <a:p>
             <a:r>
               <a:rPr lang="en-US" dirty="0"/>
-              <a:t>Understanding the Map Reduce Model</a:t>
-            </a:r>
-          </a:p>
-          <a:p>
+              <a:t>Reduce phase:</a:t>
+            </a:r>
+          </a:p>
+          <a:p>
+            <a:pPr lvl="1"/>
             <a:r>
               <a:rPr lang="en-US" dirty="0"/>
-              <a:t>How is it implemented in </a:t>
-            </a:r>
-            <a:r>
-              <a:rPr lang="en-US" dirty="0" err="1"/>
-              <a:t>Hadoop</a:t>
-            </a:r>
+              <a:t>We can theoretically process each word in parallel</a:t>
+            </a:r>
+          </a:p>
+          <a:p>
+            <a:pPr lvl="1"/>
             <a:endParaRPr lang="en-US" dirty="0"/>
           </a:p>
           <a:p>
             <a:r>
               <a:rPr lang="en-US" dirty="0"/>
-              <a:t>HDFS</a:t>
-            </a:r>
-          </a:p>
-          <a:p>
+              <a:t>How?</a:t>
+            </a:r>
+          </a:p>
+          <a:p>
+            <a:pPr lvl="1"/>
             <a:r>
               <a:rPr lang="en-US" dirty="0"/>
-              <a:t>Yarn</a:t>
-            </a:r>
+              <a:t>Shuffle / Sort the results from the map phase by key (word)</a:t>
+            </a:r>
+          </a:p>
+          <a:p>
+            <a:pPr lvl="1"/>
+            <a:r>
+              <a:rPr lang="en-US" dirty="0"/>
+              <a:t>Partition by keys</a:t>
+            </a:r>
+          </a:p>
+          <a:p>
+            <a:pPr lvl="1"/>
+            <a:r>
+              <a:rPr lang="en-US" dirty="0"/>
+              <a:t>Parallelize the reduce phase</a:t>
+            </a:r>
+          </a:p>
+          <a:p>
+            <a:pPr marL="0" indent="0">
+              <a:buNone/>
+            </a:pPr>
+            <a:endParaRPr lang="en-US" dirty="0"/>
           </a:p>
         </p:txBody>
       </p:sp>
     </p:spTree>
     <p:extLst>
       <p:ext uri="{BB962C8B-B14F-4D97-AF65-F5344CB8AC3E}">
-        <p14:creationId xmlns:p14="http://schemas.microsoft.com/office/powerpoint/2010/main" val="805359489"/>
+        <p14:creationId xmlns:p14="http://schemas.microsoft.com/office/powerpoint/2010/main" val="1150627583"/>
       </p:ext>
     </p:extLst>
   </p:cSld>
@@ -4866,15 +5719,267 @@
           <a:p>
             <a:r>
               <a:rPr lang="en-US" dirty="0"/>
-              <a:t>Questions?</a:t>
-            </a:r>
-          </a:p>
-        </p:txBody>
-      </p:sp>
+              <a:t>Map/Shuffle/Reduce</a:t>
+            </a:r>
+          </a:p>
+        </p:txBody>
+      </p:sp>
+      <p:pic>
+        <p:nvPicPr>
+          <p:cNvPr id="4" name="Picture 3"/>
+          <p:cNvPicPr>
+            <a:picLocks noChangeAspect="1"/>
+          </p:cNvPicPr>
+          <p:nvPr/>
+        </p:nvPicPr>
+        <p:blipFill>
+          <a:blip r:embed="rId2"/>
+          <a:stretch>
+            <a:fillRect/>
+          </a:stretch>
+        </p:blipFill>
+        <p:spPr>
+          <a:xfrm>
+            <a:off x="273839" y="1633277"/>
+            <a:ext cx="8542621" cy="3267760"/>
+          </a:xfrm>
+          <a:prstGeom prst="rect">
+            <a:avLst/>
+          </a:prstGeom>
+        </p:spPr>
+      </p:pic>
     </p:spTree>
     <p:extLst>
       <p:ext uri="{BB962C8B-B14F-4D97-AF65-F5344CB8AC3E}">
-        <p14:creationId xmlns:p14="http://schemas.microsoft.com/office/powerpoint/2010/main" val="973082986"/>
+        <p14:creationId xmlns:p14="http://schemas.microsoft.com/office/powerpoint/2010/main" val="636405798"/>
+      </p:ext>
+    </p:extLst>
+  </p:cSld>
+  <p:clrMapOvr>
+    <a:masterClrMapping/>
+  </p:clrMapOvr>
+</p:sld>
+</file>
+
+<file path=ppt/slides/slide18.xml><?xml version="1.0" encoding="utf-8"?>
+<p:sld xmlns:a="http://schemas.openxmlformats.org/drawingml/2006/main" xmlns:r="http://schemas.openxmlformats.org/officeDocument/2006/relationships" xmlns:p="http://schemas.openxmlformats.org/presentationml/2006/main">
+  <p:cSld>
+    <p:spTree>
+      <p:nvGrpSpPr>
+        <p:cNvPr id="1" name=""/>
+        <p:cNvGrpSpPr/>
+        <p:nvPr/>
+      </p:nvGrpSpPr>
+      <p:grpSpPr>
+        <a:xfrm>
+          <a:off x="0" y="0"/>
+          <a:ext cx="0" cy="0"/>
+          <a:chOff x="0" y="0"/>
+          <a:chExt cx="0" cy="0"/>
+        </a:xfrm>
+      </p:grpSpPr>
+      <p:sp>
+        <p:nvSpPr>
+          <p:cNvPr id="2" name="Title 1"/>
+          <p:cNvSpPr>
+            <a:spLocks noGrp="1"/>
+          </p:cNvSpPr>
+          <p:nvPr>
+            <p:ph type="title"/>
+          </p:nvPr>
+        </p:nvSpPr>
+        <p:spPr/>
+        <p:txBody>
+          <a:bodyPr/>
+          <a:lstStyle/>
+          <a:p>
+            <a:endParaRPr lang="en-US" dirty="0"/>
+          </a:p>
+        </p:txBody>
+      </p:sp>
+      <p:pic>
+        <p:nvPicPr>
+          <p:cNvPr id="4" name="Picture 3"/>
+          <p:cNvPicPr>
+            <a:picLocks noChangeAspect="1"/>
+          </p:cNvPicPr>
+          <p:nvPr/>
+        </p:nvPicPr>
+        <p:blipFill>
+          <a:blip r:embed="rId2"/>
+          <a:stretch>
+            <a:fillRect/>
+          </a:stretch>
+        </p:blipFill>
+        <p:spPr>
+          <a:xfrm>
+            <a:off x="0" y="254000"/>
+            <a:ext cx="9144000" cy="6334188"/>
+          </a:xfrm>
+          <a:prstGeom prst="rect">
+            <a:avLst/>
+          </a:prstGeom>
+        </p:spPr>
+      </p:pic>
+    </p:spTree>
+    <p:extLst>
+      <p:ext uri="{BB962C8B-B14F-4D97-AF65-F5344CB8AC3E}">
+        <p14:creationId xmlns:p14="http://schemas.microsoft.com/office/powerpoint/2010/main" val="4198737056"/>
+      </p:ext>
+    </p:extLst>
+  </p:cSld>
+  <p:clrMapOvr>
+    <a:masterClrMapping/>
+  </p:clrMapOvr>
+</p:sld>
+</file>
+
+<file path=ppt/slides/slide19.xml><?xml version="1.0" encoding="utf-8"?>
+<p:sld xmlns:a="http://schemas.openxmlformats.org/drawingml/2006/main" xmlns:r="http://schemas.openxmlformats.org/officeDocument/2006/relationships" xmlns:p="http://schemas.openxmlformats.org/presentationml/2006/main">
+  <p:cSld>
+    <p:spTree>
+      <p:nvGrpSpPr>
+        <p:cNvPr id="1" name=""/>
+        <p:cNvGrpSpPr/>
+        <p:nvPr/>
+      </p:nvGrpSpPr>
+      <p:grpSpPr>
+        <a:xfrm>
+          <a:off x="0" y="0"/>
+          <a:ext cx="0" cy="0"/>
+          <a:chOff x="0" y="0"/>
+          <a:chExt cx="0" cy="0"/>
+        </a:xfrm>
+      </p:grpSpPr>
+      <p:sp>
+        <p:nvSpPr>
+          <p:cNvPr id="2" name="Title 1"/>
+          <p:cNvSpPr>
+            <a:spLocks noGrp="1"/>
+          </p:cNvSpPr>
+          <p:nvPr>
+            <p:ph type="title"/>
+          </p:nvPr>
+        </p:nvSpPr>
+        <p:spPr/>
+        <p:txBody>
+          <a:bodyPr/>
+          <a:lstStyle/>
+          <a:p>
+            <a:r>
+              <a:rPr lang="en-US" dirty="0"/>
+              <a:t>Map Reduce in Real Life</a:t>
+            </a:r>
+          </a:p>
+        </p:txBody>
+      </p:sp>
+      <p:sp>
+        <p:nvSpPr>
+          <p:cNvPr id="3" name="Content Placeholder 2"/>
+          <p:cNvSpPr>
+            <a:spLocks noGrp="1"/>
+          </p:cNvSpPr>
+          <p:nvPr>
+            <p:ph idx="1"/>
+          </p:nvPr>
+        </p:nvSpPr>
+        <p:spPr/>
+        <p:txBody>
+          <a:bodyPr>
+            <a:normAutofit lnSpcReduction="10000"/>
+          </a:bodyPr>
+          <a:lstStyle/>
+          <a:p>
+            <a:r>
+              <a:rPr lang="en-US" dirty="0" err="1"/>
+              <a:t>Analysing</a:t>
+            </a:r>
+            <a:r>
+              <a:rPr lang="en-US" dirty="0"/>
+              <a:t> web logs</a:t>
+            </a:r>
+          </a:p>
+          <a:p>
+            <a:pPr lvl="1"/>
+            <a:r>
+              <a:rPr lang="en-US" dirty="0" err="1"/>
+              <a:t>Summarise</a:t>
+            </a:r>
+            <a:r>
+              <a:rPr lang="en-US" dirty="0"/>
+              <a:t> by user / cookie</a:t>
+            </a:r>
+          </a:p>
+          <a:p>
+            <a:pPr lvl="1"/>
+            <a:r>
+              <a:rPr lang="en-US" dirty="0"/>
+              <a:t>Then aggregate to identify who did what</a:t>
+            </a:r>
+          </a:p>
+          <a:p>
+            <a:r>
+              <a:rPr lang="en-US" dirty="0" err="1"/>
+              <a:t>Analysing</a:t>
+            </a:r>
+            <a:r>
+              <a:rPr lang="en-US" dirty="0"/>
+              <a:t> twitter data</a:t>
+            </a:r>
+          </a:p>
+          <a:p>
+            <a:pPr lvl="1"/>
+            <a:r>
+              <a:rPr lang="en-US" dirty="0"/>
+              <a:t>Who </a:t>
+            </a:r>
+            <a:r>
+              <a:rPr lang="en-US" dirty="0" err="1"/>
+              <a:t>retweeted</a:t>
+            </a:r>
+            <a:endParaRPr lang="en-US" dirty="0"/>
+          </a:p>
+          <a:p>
+            <a:pPr lvl="1"/>
+            <a:r>
+              <a:rPr lang="en-US" dirty="0"/>
+              <a:t>Who was </a:t>
+            </a:r>
+            <a:r>
+              <a:rPr lang="en-US" dirty="0" err="1"/>
+              <a:t>retweeted</a:t>
+            </a:r>
+            <a:r>
+              <a:rPr lang="en-US" dirty="0"/>
+              <a:t> the most</a:t>
+            </a:r>
+          </a:p>
+          <a:p>
+            <a:r>
+              <a:rPr lang="en-US" dirty="0"/>
+              <a:t>Almost all big data problems can be re-factored into Map Reduce</a:t>
+            </a:r>
+          </a:p>
+          <a:p>
+            <a:pPr lvl="1"/>
+            <a:r>
+              <a:rPr lang="en-US" dirty="0"/>
+              <a:t>Some more efficiently than others</a:t>
+            </a:r>
+          </a:p>
+          <a:p>
+            <a:endParaRPr lang="en-US" dirty="0"/>
+          </a:p>
+          <a:p>
+            <a:pPr lvl="1"/>
+            <a:endParaRPr lang="en-US" dirty="0"/>
+          </a:p>
+        </p:txBody>
+      </p:sp>
+    </p:spTree>
+    <p:extLst>
+      <p:ext uri="{BB962C8B-B14F-4D97-AF65-F5344CB8AC3E}">
+        <p14:creationId xmlns:p14="http://schemas.microsoft.com/office/powerpoint/2010/main" val="2467033703"/>
       </p:ext>
     </p:extLst>
   </p:cSld>
@@ -4915,14 +6020,14 @@
           <a:noFill/>
           <a:extLst>
             <a:ext uri="{909E8E84-426E-40dd-AFC4-6F175D3DCCD1}">
-              <a14:hiddenFill xmlns:a14="http://schemas.microsoft.com/office/drawing/2010/main" xmlns="">
+              <a14:hiddenFill xmlns="" xmlns:a14="http://schemas.microsoft.com/office/drawing/2010/main">
                 <a:solidFill>
                   <a:srgbClr val="FFFFFF"/>
                 </a:solidFill>
               </a14:hiddenFill>
             </a:ext>
             <a:ext uri="{91240B29-F687-4f45-9708-019B960494DF}">
-              <a14:hiddenLine xmlns:a14="http://schemas.microsoft.com/office/drawing/2010/main" xmlns="" w="9525">
+              <a14:hiddenLine xmlns="" xmlns:a14="http://schemas.microsoft.com/office/drawing/2010/main" w="9525">
                 <a:solidFill>
                   <a:srgbClr val="000000"/>
                 </a:solidFill>
@@ -4966,14 +6071,14 @@
           <a:noFill/>
           <a:extLst>
             <a:ext uri="{909E8E84-426E-40dd-AFC4-6F175D3DCCD1}">
-              <a14:hiddenFill xmlns:a14="http://schemas.microsoft.com/office/drawing/2010/main" xmlns="">
+              <a14:hiddenFill xmlns="" xmlns:a14="http://schemas.microsoft.com/office/drawing/2010/main">
                 <a:solidFill>
                   <a:srgbClr val="FFFFFF"/>
                 </a:solidFill>
               </a14:hiddenFill>
             </a:ext>
             <a:ext uri="{91240B29-F687-4f45-9708-019B960494DF}">
-              <a14:hiddenLine xmlns:a14="http://schemas.microsoft.com/office/drawing/2010/main" xmlns="" w="9525">
+              <a14:hiddenLine xmlns="" xmlns:a14="http://schemas.microsoft.com/office/drawing/2010/main" w="9525">
                 <a:solidFill>
                   <a:srgbClr val="000000"/>
                 </a:solidFill>
@@ -4989,7 +6094,7 @@
             <a:prstTxWarp prst="textNoShape">
               <a:avLst/>
             </a:prstTxWarp>
-            <a:normAutofit fontScale="92500" lnSpcReduction="20000"/>
+            <a:normAutofit lnSpcReduction="10000"/>
           </a:bodyPr>
           <a:lstStyle/>
           <a:p>
@@ -5074,26 +6179,6 @@
                 <a:cs typeface="ヒラギノ角ゴ ProN W3" charset="0"/>
               </a:rPr>
               <a:t>HDFS</a:t>
-            </a:r>
-          </a:p>
-          <a:p>
-            <a:pPr lvl="1"/>
-            <a:r>
-              <a:rPr lang="en-US" dirty="0">
-                <a:ea typeface="ヒラギノ角ゴ ProN W3" charset="0"/>
-                <a:cs typeface="ヒラギノ角ゴ ProN W3" charset="0"/>
-              </a:rPr>
-              <a:t>Yarn</a:t>
-            </a:r>
-          </a:p>
-          <a:p>
-            <a:pPr lvl="1"/>
-            <a:r>
-              <a:rPr lang="en-US" dirty="0">
-                <a:ea typeface="ヒラギノ角ゴ ProN W3" charset="0"/>
-                <a:cs typeface="ヒラギノ角ゴ ProN W3" charset="0"/>
-              </a:rPr>
-              <a:t>Pig and Hive</a:t>
             </a:r>
           </a:p>
           <a:p>
@@ -5120,7 +6205,5555 @@
 </p:sld>
 </file>
 
+<file path=ppt/slides/slide20.xml><?xml version="1.0" encoding="utf-8"?>
+<p:sld xmlns:a="http://schemas.openxmlformats.org/drawingml/2006/main" xmlns:r="http://schemas.openxmlformats.org/officeDocument/2006/relationships" xmlns:p="http://schemas.openxmlformats.org/presentationml/2006/main">
+  <p:cSld>
+    <p:spTree>
+      <p:nvGrpSpPr>
+        <p:cNvPr id="1" name=""/>
+        <p:cNvGrpSpPr/>
+        <p:nvPr/>
+      </p:nvGrpSpPr>
+      <p:grpSpPr>
+        <a:xfrm>
+          <a:off x="0" y="0"/>
+          <a:ext cx="0" cy="0"/>
+          <a:chOff x="0" y="0"/>
+          <a:chExt cx="0" cy="0"/>
+        </a:xfrm>
+      </p:grpSpPr>
+      <p:sp>
+        <p:nvSpPr>
+          <p:cNvPr id="2" name="Title 1"/>
+          <p:cNvSpPr>
+            <a:spLocks noGrp="1"/>
+          </p:cNvSpPr>
+          <p:nvPr>
+            <p:ph type="title"/>
+          </p:nvPr>
+        </p:nvSpPr>
+        <p:spPr/>
+        <p:txBody>
+          <a:bodyPr/>
+          <a:lstStyle/>
+          <a:p>
+            <a:r>
+              <a:rPr lang="en-US" dirty="0"/>
+              <a:t>Tuning</a:t>
+            </a:r>
+          </a:p>
+        </p:txBody>
+      </p:sp>
+      <p:sp>
+        <p:nvSpPr>
+          <p:cNvPr id="3" name="Content Placeholder 2"/>
+          <p:cNvSpPr>
+            <a:spLocks noGrp="1"/>
+          </p:cNvSpPr>
+          <p:nvPr>
+            <p:ph idx="1"/>
+          </p:nvPr>
+        </p:nvSpPr>
+        <p:spPr/>
+        <p:txBody>
+          <a:bodyPr/>
+          <a:lstStyle/>
+          <a:p>
+            <a:r>
+              <a:rPr lang="en-US" dirty="0"/>
+              <a:t>Fault tolerance</a:t>
+            </a:r>
+          </a:p>
+          <a:p>
+            <a:pPr lvl="1"/>
+            <a:r>
+              <a:rPr lang="en-US" dirty="0"/>
+              <a:t>Simply re-execute work that fails</a:t>
+            </a:r>
+          </a:p>
+          <a:p>
+            <a:r>
+              <a:rPr lang="en-US" dirty="0"/>
+              <a:t>Performance:</a:t>
+            </a:r>
+          </a:p>
+          <a:p>
+            <a:pPr lvl="1"/>
+            <a:r>
+              <a:rPr lang="en-US" dirty="0"/>
+              <a:t>Partitioning the data </a:t>
+            </a:r>
+          </a:p>
+          <a:p>
+            <a:pPr lvl="1"/>
+            <a:r>
+              <a:rPr lang="en-US" dirty="0"/>
+              <a:t>Moving the work to near the data</a:t>
+            </a:r>
+          </a:p>
+        </p:txBody>
+      </p:sp>
+    </p:spTree>
+    <p:extLst>
+      <p:ext uri="{BB962C8B-B14F-4D97-AF65-F5344CB8AC3E}">
+        <p14:creationId xmlns:p14="http://schemas.microsoft.com/office/powerpoint/2010/main" val="1992076754"/>
+      </p:ext>
+    </p:extLst>
+  </p:cSld>
+  <p:clrMapOvr>
+    <a:masterClrMapping/>
+  </p:clrMapOvr>
+</p:sld>
+</file>
+
+<file path=ppt/slides/slide21.xml><?xml version="1.0" encoding="utf-8"?>
+<p:sld xmlns:a="http://schemas.openxmlformats.org/drawingml/2006/main" xmlns:r="http://schemas.openxmlformats.org/officeDocument/2006/relationships" xmlns:p="http://schemas.openxmlformats.org/presentationml/2006/main">
+  <p:cSld>
+    <p:spTree>
+      <p:nvGrpSpPr>
+        <p:cNvPr id="1" name=""/>
+        <p:cNvGrpSpPr/>
+        <p:nvPr/>
+      </p:nvGrpSpPr>
+      <p:grpSpPr>
+        <a:xfrm>
+          <a:off x="0" y="0"/>
+          <a:ext cx="0" cy="0"/>
+          <a:chOff x="0" y="0"/>
+          <a:chExt cx="0" cy="0"/>
+        </a:xfrm>
+      </p:grpSpPr>
+      <p:sp>
+        <p:nvSpPr>
+          <p:cNvPr id="2" name="Title 1"/>
+          <p:cNvSpPr>
+            <a:spLocks noGrp="1"/>
+          </p:cNvSpPr>
+          <p:nvPr>
+            <p:ph type="title"/>
+          </p:nvPr>
+        </p:nvSpPr>
+        <p:spPr/>
+        <p:txBody>
+          <a:bodyPr>
+            <a:normAutofit fontScale="90000"/>
+          </a:bodyPr>
+          <a:lstStyle/>
+          <a:p>
+            <a:r>
+              <a:rPr lang="en-US" dirty="0"/>
+              <a:t>Overview of the Execution of a </a:t>
+            </a:r>
+            <a:r>
+              <a:rPr lang="en-US" dirty="0" err="1"/>
+              <a:t>MapReduce</a:t>
+            </a:r>
+            <a:r>
+              <a:rPr lang="en-US" dirty="0"/>
+              <a:t> Program</a:t>
+            </a:r>
+          </a:p>
+        </p:txBody>
+      </p:sp>
+      <p:sp>
+        <p:nvSpPr>
+          <p:cNvPr id="4" name="Rectangle 3"/>
+          <p:cNvSpPr/>
+          <p:nvPr/>
+        </p:nvSpPr>
+        <p:spPr>
+          <a:xfrm>
+            <a:off x="7809929" y="2871822"/>
+            <a:ext cx="525174" cy="3192763"/>
+          </a:xfrm>
+          <a:prstGeom prst="rect">
+            <a:avLst/>
+          </a:prstGeom>
+        </p:spPr>
+        <p:style>
+          <a:lnRef idx="1">
+            <a:schemeClr val="accent1"/>
+          </a:lnRef>
+          <a:fillRef idx="3">
+            <a:schemeClr val="accent1"/>
+          </a:fillRef>
+          <a:effectRef idx="2">
+            <a:schemeClr val="accent1"/>
+          </a:effectRef>
+          <a:fontRef idx="minor">
+            <a:schemeClr val="lt1"/>
+          </a:fontRef>
+        </p:style>
+        <p:txBody>
+          <a:bodyPr rtlCol="0" anchor="ctr"/>
+          <a:lstStyle/>
+          <a:p>
+            <a:pPr algn="ctr"/>
+            <a:endParaRPr lang="en-US"/>
+          </a:p>
+        </p:txBody>
+      </p:sp>
+      <p:sp>
+        <p:nvSpPr>
+          <p:cNvPr id="5" name="Rectangle 4"/>
+          <p:cNvSpPr/>
+          <p:nvPr/>
+        </p:nvSpPr>
+        <p:spPr>
+          <a:xfrm>
+            <a:off x="878473" y="3045877"/>
+            <a:ext cx="582466" cy="3170005"/>
+          </a:xfrm>
+          <a:prstGeom prst="rect">
+            <a:avLst/>
+          </a:prstGeom>
+        </p:spPr>
+        <p:style>
+          <a:lnRef idx="1">
+            <a:schemeClr val="accent1"/>
+          </a:lnRef>
+          <a:fillRef idx="3">
+            <a:schemeClr val="accent1"/>
+          </a:fillRef>
+          <a:effectRef idx="2">
+            <a:schemeClr val="accent1"/>
+          </a:effectRef>
+          <a:fontRef idx="minor">
+            <a:schemeClr val="lt1"/>
+          </a:fontRef>
+        </p:style>
+        <p:txBody>
+          <a:bodyPr rtlCol="0" anchor="ctr"/>
+          <a:lstStyle/>
+          <a:p>
+            <a:pPr algn="ctr"/>
+            <a:endParaRPr lang="en-US"/>
+          </a:p>
+        </p:txBody>
+      </p:sp>
+      <p:cxnSp>
+        <p:nvCxnSpPr>
+          <p:cNvPr id="7" name="Straight Connector 6"/>
+          <p:cNvCxnSpPr>
+            <a:stCxn id="4" idx="1"/>
+            <a:endCxn id="4" idx="3"/>
+          </p:cNvCxnSpPr>
+          <p:nvPr/>
+        </p:nvCxnSpPr>
+        <p:spPr>
+          <a:xfrm>
+            <a:off x="7809929" y="4468204"/>
+            <a:ext cx="525174" cy="0"/>
+          </a:xfrm>
+          <a:prstGeom prst="line">
+            <a:avLst/>
+          </a:prstGeom>
+        </p:spPr>
+        <p:style>
+          <a:lnRef idx="2">
+            <a:schemeClr val="accent1"/>
+          </a:lnRef>
+          <a:fillRef idx="0">
+            <a:schemeClr val="accent1"/>
+          </a:fillRef>
+          <a:effectRef idx="1">
+            <a:schemeClr val="accent1"/>
+          </a:effectRef>
+          <a:fontRef idx="minor">
+            <a:schemeClr val="tx1"/>
+          </a:fontRef>
+        </p:style>
+      </p:cxnSp>
+      <p:cxnSp>
+        <p:nvCxnSpPr>
+          <p:cNvPr id="9" name="Straight Connector 8"/>
+          <p:cNvCxnSpPr/>
+          <p:nvPr/>
+        </p:nvCxnSpPr>
+        <p:spPr>
+          <a:xfrm>
+            <a:off x="878473" y="4048440"/>
+            <a:ext cx="582466" cy="0"/>
+          </a:xfrm>
+          <a:prstGeom prst="line">
+            <a:avLst/>
+          </a:prstGeom>
+        </p:spPr>
+        <p:style>
+          <a:lnRef idx="2">
+            <a:schemeClr val="accent1"/>
+          </a:lnRef>
+          <a:fillRef idx="0">
+            <a:schemeClr val="accent1"/>
+          </a:fillRef>
+          <a:effectRef idx="1">
+            <a:schemeClr val="accent1"/>
+          </a:effectRef>
+          <a:fontRef idx="minor">
+            <a:schemeClr val="tx1"/>
+          </a:fontRef>
+        </p:style>
+      </p:cxnSp>
+      <p:cxnSp>
+        <p:nvCxnSpPr>
+          <p:cNvPr id="11" name="Straight Connector 10"/>
+          <p:cNvCxnSpPr/>
+          <p:nvPr/>
+        </p:nvCxnSpPr>
+        <p:spPr>
+          <a:xfrm>
+            <a:off x="878473" y="5060549"/>
+            <a:ext cx="582466" cy="9548"/>
+          </a:xfrm>
+          <a:prstGeom prst="line">
+            <a:avLst/>
+          </a:prstGeom>
+        </p:spPr>
+        <p:style>
+          <a:lnRef idx="2">
+            <a:schemeClr val="accent1"/>
+          </a:lnRef>
+          <a:fillRef idx="0">
+            <a:schemeClr val="accent1"/>
+          </a:fillRef>
+          <a:effectRef idx="1">
+            <a:schemeClr val="accent1"/>
+          </a:effectRef>
+          <a:fontRef idx="minor">
+            <a:schemeClr val="tx1"/>
+          </a:fontRef>
+        </p:style>
+      </p:cxnSp>
+      <p:sp>
+        <p:nvSpPr>
+          <p:cNvPr id="12" name="Oval 11"/>
+          <p:cNvSpPr/>
+          <p:nvPr/>
+        </p:nvSpPr>
+        <p:spPr>
+          <a:xfrm>
+            <a:off x="2233621" y="3397863"/>
+            <a:ext cx="1528537" cy="353284"/>
+          </a:xfrm>
+          <a:prstGeom prst="ellipse">
+            <a:avLst/>
+          </a:prstGeom>
+          <a:solidFill>
+            <a:schemeClr val="accent6"/>
+          </a:solidFill>
+          <a:ln>
+            <a:solidFill>
+              <a:schemeClr val="accent6"/>
+            </a:solidFill>
+          </a:ln>
+        </p:spPr>
+        <p:style>
+          <a:lnRef idx="1">
+            <a:schemeClr val="accent1"/>
+          </a:lnRef>
+          <a:fillRef idx="3">
+            <a:schemeClr val="accent1"/>
+          </a:fillRef>
+          <a:effectRef idx="2">
+            <a:schemeClr val="accent1"/>
+          </a:effectRef>
+          <a:fontRef idx="minor">
+            <a:schemeClr val="lt1"/>
+          </a:fontRef>
+        </p:style>
+        <p:txBody>
+          <a:bodyPr rtlCol="0" anchor="ctr"/>
+          <a:lstStyle/>
+          <a:p>
+            <a:pPr algn="ctr"/>
+            <a:r>
+              <a:rPr lang="en-US" sz="1600" dirty="0"/>
+              <a:t>Map Task</a:t>
+            </a:r>
+          </a:p>
+        </p:txBody>
+      </p:sp>
+      <p:sp>
+        <p:nvSpPr>
+          <p:cNvPr id="18" name="Oval 17"/>
+          <p:cNvSpPr/>
+          <p:nvPr/>
+        </p:nvSpPr>
+        <p:spPr>
+          <a:xfrm>
+            <a:off x="4067334" y="2472986"/>
+            <a:ext cx="1212675" cy="362832"/>
+          </a:xfrm>
+          <a:prstGeom prst="ellipse">
+            <a:avLst/>
+          </a:prstGeom>
+          <a:solidFill>
+            <a:srgbClr val="FF0000"/>
+          </a:solidFill>
+          <a:ln>
+            <a:solidFill>
+              <a:srgbClr val="FF0000"/>
+            </a:solidFill>
+          </a:ln>
+        </p:spPr>
+        <p:style>
+          <a:lnRef idx="1">
+            <a:schemeClr val="accent1"/>
+          </a:lnRef>
+          <a:fillRef idx="3">
+            <a:schemeClr val="accent1"/>
+          </a:fillRef>
+          <a:effectRef idx="2">
+            <a:schemeClr val="accent1"/>
+          </a:effectRef>
+          <a:fontRef idx="minor">
+            <a:schemeClr val="lt1"/>
+          </a:fontRef>
+        </p:style>
+        <p:txBody>
+          <a:bodyPr rtlCol="0" anchor="ctr"/>
+          <a:lstStyle/>
+          <a:p>
+            <a:pPr algn="ctr"/>
+            <a:r>
+              <a:rPr lang="en-US" sz="1600" dirty="0"/>
+              <a:t>master</a:t>
+            </a:r>
+          </a:p>
+        </p:txBody>
+      </p:sp>
+      <p:sp>
+        <p:nvSpPr>
+          <p:cNvPr id="19" name="Oval 18"/>
+          <p:cNvSpPr/>
+          <p:nvPr/>
+        </p:nvSpPr>
+        <p:spPr>
+          <a:xfrm>
+            <a:off x="3971848" y="1613275"/>
+            <a:ext cx="1413576" cy="515975"/>
+          </a:xfrm>
+          <a:prstGeom prst="ellipse">
+            <a:avLst/>
+          </a:prstGeom>
+          <a:solidFill>
+            <a:schemeClr val="accent4"/>
+          </a:solidFill>
+          <a:ln>
+            <a:solidFill>
+              <a:srgbClr val="660066"/>
+            </a:solidFill>
+          </a:ln>
+        </p:spPr>
+        <p:style>
+          <a:lnRef idx="1">
+            <a:schemeClr val="accent1"/>
+          </a:lnRef>
+          <a:fillRef idx="3">
+            <a:schemeClr val="accent1"/>
+          </a:fillRef>
+          <a:effectRef idx="2">
+            <a:schemeClr val="accent1"/>
+          </a:effectRef>
+          <a:fontRef idx="minor">
+            <a:schemeClr val="lt1"/>
+          </a:fontRef>
+        </p:style>
+        <p:txBody>
+          <a:bodyPr rtlCol="0" anchor="ctr"/>
+          <a:lstStyle/>
+          <a:p>
+            <a:pPr algn="ctr"/>
+            <a:r>
+              <a:rPr lang="en-US" sz="1600" dirty="0"/>
+              <a:t>User program</a:t>
+            </a:r>
+          </a:p>
+        </p:txBody>
+      </p:sp>
+      <p:grpSp>
+        <p:nvGrpSpPr>
+          <p:cNvPr id="23" name="Group 22"/>
+          <p:cNvGrpSpPr/>
+          <p:nvPr/>
+        </p:nvGrpSpPr>
+        <p:grpSpPr>
+          <a:xfrm>
+            <a:off x="4325526" y="3308454"/>
+            <a:ext cx="859376" cy="532101"/>
+            <a:chOff x="4325526" y="3265487"/>
+            <a:chExt cx="859376" cy="532101"/>
+          </a:xfrm>
+        </p:grpSpPr>
+        <p:sp>
+          <p:nvSpPr>
+            <p:cNvPr id="20" name="Rectangle 19"/>
+            <p:cNvSpPr/>
+            <p:nvPr/>
+          </p:nvSpPr>
+          <p:spPr>
+            <a:xfrm>
+              <a:off x="4325526" y="3265487"/>
+              <a:ext cx="859376" cy="532101"/>
+            </a:xfrm>
+            <a:prstGeom prst="rect">
+              <a:avLst/>
+            </a:prstGeom>
+          </p:spPr>
+          <p:style>
+            <a:lnRef idx="1">
+              <a:schemeClr val="accent1"/>
+            </a:lnRef>
+            <a:fillRef idx="3">
+              <a:schemeClr val="accent1"/>
+            </a:fillRef>
+            <a:effectRef idx="2">
+              <a:schemeClr val="accent1"/>
+            </a:effectRef>
+            <a:fontRef idx="minor">
+              <a:schemeClr val="lt1"/>
+            </a:fontRef>
+          </p:style>
+          <p:txBody>
+            <a:bodyPr rtlCol="0" anchor="ctr"/>
+            <a:lstStyle/>
+            <a:p>
+              <a:pPr algn="ctr"/>
+              <a:endParaRPr lang="en-US"/>
+            </a:p>
+          </p:txBody>
+        </p:sp>
+        <p:cxnSp>
+          <p:nvCxnSpPr>
+            <p:cNvPr id="22" name="Straight Connector 21"/>
+            <p:cNvCxnSpPr>
+              <a:stCxn id="20" idx="1"/>
+              <a:endCxn id="20" idx="3"/>
+            </p:cNvCxnSpPr>
+            <p:nvPr/>
+          </p:nvCxnSpPr>
+          <p:spPr>
+            <a:xfrm>
+              <a:off x="4325526" y="3531538"/>
+              <a:ext cx="859376" cy="0"/>
+            </a:xfrm>
+            <a:prstGeom prst="line">
+              <a:avLst/>
+            </a:prstGeom>
+          </p:spPr>
+          <p:style>
+            <a:lnRef idx="2">
+              <a:schemeClr val="accent1"/>
+            </a:lnRef>
+            <a:fillRef idx="0">
+              <a:schemeClr val="accent1"/>
+            </a:fillRef>
+            <a:effectRef idx="1">
+              <a:schemeClr val="accent1"/>
+            </a:effectRef>
+            <a:fontRef idx="minor">
+              <a:schemeClr val="tx1"/>
+            </a:fontRef>
+          </p:style>
+        </p:cxnSp>
+      </p:grpSp>
+      <p:grpSp>
+        <p:nvGrpSpPr>
+          <p:cNvPr id="24" name="Group 23"/>
+          <p:cNvGrpSpPr/>
+          <p:nvPr/>
+        </p:nvGrpSpPr>
+        <p:grpSpPr>
+          <a:xfrm>
+            <a:off x="4325526" y="4364829"/>
+            <a:ext cx="859376" cy="532101"/>
+            <a:chOff x="4325526" y="3265487"/>
+            <a:chExt cx="859376" cy="532101"/>
+          </a:xfrm>
+        </p:grpSpPr>
+        <p:sp>
+          <p:nvSpPr>
+            <p:cNvPr id="25" name="Rectangle 24"/>
+            <p:cNvSpPr/>
+            <p:nvPr/>
+          </p:nvSpPr>
+          <p:spPr>
+            <a:xfrm>
+              <a:off x="4325526" y="3265487"/>
+              <a:ext cx="859376" cy="532101"/>
+            </a:xfrm>
+            <a:prstGeom prst="rect">
+              <a:avLst/>
+            </a:prstGeom>
+          </p:spPr>
+          <p:style>
+            <a:lnRef idx="1">
+              <a:schemeClr val="accent1"/>
+            </a:lnRef>
+            <a:fillRef idx="3">
+              <a:schemeClr val="accent1"/>
+            </a:fillRef>
+            <a:effectRef idx="2">
+              <a:schemeClr val="accent1"/>
+            </a:effectRef>
+            <a:fontRef idx="minor">
+              <a:schemeClr val="lt1"/>
+            </a:fontRef>
+          </p:style>
+          <p:txBody>
+            <a:bodyPr rtlCol="0" anchor="ctr"/>
+            <a:lstStyle/>
+            <a:p>
+              <a:pPr algn="ctr"/>
+              <a:endParaRPr lang="en-US"/>
+            </a:p>
+          </p:txBody>
+        </p:sp>
+        <p:cxnSp>
+          <p:nvCxnSpPr>
+            <p:cNvPr id="26" name="Straight Connector 25"/>
+            <p:cNvCxnSpPr>
+              <a:stCxn id="25" idx="1"/>
+              <a:endCxn id="25" idx="3"/>
+            </p:cNvCxnSpPr>
+            <p:nvPr/>
+          </p:nvCxnSpPr>
+          <p:spPr>
+            <a:xfrm>
+              <a:off x="4325526" y="3531538"/>
+              <a:ext cx="859376" cy="0"/>
+            </a:xfrm>
+            <a:prstGeom prst="line">
+              <a:avLst/>
+            </a:prstGeom>
+          </p:spPr>
+          <p:style>
+            <a:lnRef idx="2">
+              <a:schemeClr val="accent1"/>
+            </a:lnRef>
+            <a:fillRef idx="0">
+              <a:schemeClr val="accent1"/>
+            </a:fillRef>
+            <a:effectRef idx="1">
+              <a:schemeClr val="accent1"/>
+            </a:effectRef>
+            <a:fontRef idx="minor">
+              <a:schemeClr val="tx1"/>
+            </a:fontRef>
+          </p:style>
+        </p:cxnSp>
+      </p:grpSp>
+      <p:grpSp>
+        <p:nvGrpSpPr>
+          <p:cNvPr id="27" name="Group 26"/>
+          <p:cNvGrpSpPr/>
+          <p:nvPr/>
+        </p:nvGrpSpPr>
+        <p:grpSpPr>
+          <a:xfrm>
+            <a:off x="4325526" y="5423567"/>
+            <a:ext cx="859376" cy="532101"/>
+            <a:chOff x="4325526" y="3265487"/>
+            <a:chExt cx="859376" cy="532101"/>
+          </a:xfrm>
+        </p:grpSpPr>
+        <p:sp>
+          <p:nvSpPr>
+            <p:cNvPr id="28" name="Rectangle 27"/>
+            <p:cNvSpPr/>
+            <p:nvPr/>
+          </p:nvSpPr>
+          <p:spPr>
+            <a:xfrm>
+              <a:off x="4325526" y="3265487"/>
+              <a:ext cx="859376" cy="532101"/>
+            </a:xfrm>
+            <a:prstGeom prst="rect">
+              <a:avLst/>
+            </a:prstGeom>
+          </p:spPr>
+          <p:style>
+            <a:lnRef idx="1">
+              <a:schemeClr val="accent1"/>
+            </a:lnRef>
+            <a:fillRef idx="3">
+              <a:schemeClr val="accent1"/>
+            </a:fillRef>
+            <a:effectRef idx="2">
+              <a:schemeClr val="accent1"/>
+            </a:effectRef>
+            <a:fontRef idx="minor">
+              <a:schemeClr val="lt1"/>
+            </a:fontRef>
+          </p:style>
+          <p:txBody>
+            <a:bodyPr rtlCol="0" anchor="ctr"/>
+            <a:lstStyle/>
+            <a:p>
+              <a:pPr algn="ctr"/>
+              <a:endParaRPr lang="en-US"/>
+            </a:p>
+          </p:txBody>
+        </p:sp>
+        <p:cxnSp>
+          <p:nvCxnSpPr>
+            <p:cNvPr id="29" name="Straight Connector 28"/>
+            <p:cNvCxnSpPr>
+              <a:stCxn id="28" idx="1"/>
+              <a:endCxn id="28" idx="3"/>
+            </p:cNvCxnSpPr>
+            <p:nvPr/>
+          </p:nvCxnSpPr>
+          <p:spPr>
+            <a:xfrm>
+              <a:off x="4325526" y="3531538"/>
+              <a:ext cx="859376" cy="0"/>
+            </a:xfrm>
+            <a:prstGeom prst="line">
+              <a:avLst/>
+            </a:prstGeom>
+          </p:spPr>
+          <p:style>
+            <a:lnRef idx="2">
+              <a:schemeClr val="accent1"/>
+            </a:lnRef>
+            <a:fillRef idx="0">
+              <a:schemeClr val="accent1"/>
+            </a:fillRef>
+            <a:effectRef idx="1">
+              <a:schemeClr val="accent1"/>
+            </a:effectRef>
+            <a:fontRef idx="minor">
+              <a:schemeClr val="tx1"/>
+            </a:fontRef>
+          </p:style>
+        </p:cxnSp>
+      </p:grpSp>
+      <p:cxnSp>
+        <p:nvCxnSpPr>
+          <p:cNvPr id="31" name="Straight Arrow Connector 30"/>
+          <p:cNvCxnSpPr>
+            <a:endCxn id="12" idx="2"/>
+          </p:cNvCxnSpPr>
+          <p:nvPr/>
+        </p:nvCxnSpPr>
+        <p:spPr>
+          <a:xfrm>
+            <a:off x="1460939" y="3574505"/>
+            <a:ext cx="772682" cy="0"/>
+          </a:xfrm>
+          <a:prstGeom prst="straightConnector1">
+            <a:avLst/>
+          </a:prstGeom>
+          <a:ln>
+            <a:tailEnd type="arrow"/>
+          </a:ln>
+        </p:spPr>
+        <p:style>
+          <a:lnRef idx="2">
+            <a:schemeClr val="accent1"/>
+          </a:lnRef>
+          <a:fillRef idx="0">
+            <a:schemeClr val="accent1"/>
+          </a:fillRef>
+          <a:effectRef idx="1">
+            <a:schemeClr val="accent1"/>
+          </a:effectRef>
+          <a:fontRef idx="minor">
+            <a:schemeClr val="tx1"/>
+          </a:fontRef>
+        </p:style>
+      </p:cxnSp>
+      <p:cxnSp>
+        <p:nvCxnSpPr>
+          <p:cNvPr id="33" name="Straight Arrow Connector 32"/>
+          <p:cNvCxnSpPr>
+            <a:stCxn id="5" idx="3"/>
+          </p:cNvCxnSpPr>
+          <p:nvPr/>
+        </p:nvCxnSpPr>
+        <p:spPr>
+          <a:xfrm>
+            <a:off x="1460939" y="4630880"/>
+            <a:ext cx="925082" cy="0"/>
+          </a:xfrm>
+          <a:prstGeom prst="straightConnector1">
+            <a:avLst/>
+          </a:prstGeom>
+          <a:ln>
+            <a:tailEnd type="arrow"/>
+          </a:ln>
+        </p:spPr>
+        <p:style>
+          <a:lnRef idx="2">
+            <a:schemeClr val="accent1"/>
+          </a:lnRef>
+          <a:fillRef idx="0">
+            <a:schemeClr val="accent1"/>
+          </a:fillRef>
+          <a:effectRef idx="1">
+            <a:schemeClr val="accent1"/>
+          </a:effectRef>
+          <a:fontRef idx="minor">
+            <a:schemeClr val="tx1"/>
+          </a:fontRef>
+        </p:style>
+      </p:cxnSp>
+      <p:cxnSp>
+        <p:nvCxnSpPr>
+          <p:cNvPr id="35" name="Straight Arrow Connector 34"/>
+          <p:cNvCxnSpPr/>
+          <p:nvPr/>
+        </p:nvCxnSpPr>
+        <p:spPr>
+          <a:xfrm>
+            <a:off x="1460939" y="5689618"/>
+            <a:ext cx="896814" cy="0"/>
+          </a:xfrm>
+          <a:prstGeom prst="straightConnector1">
+            <a:avLst/>
+          </a:prstGeom>
+          <a:ln>
+            <a:tailEnd type="arrow"/>
+          </a:ln>
+        </p:spPr>
+        <p:style>
+          <a:lnRef idx="2">
+            <a:schemeClr val="accent1"/>
+          </a:lnRef>
+          <a:fillRef idx="0">
+            <a:schemeClr val="accent1"/>
+          </a:fillRef>
+          <a:effectRef idx="1">
+            <a:schemeClr val="accent1"/>
+          </a:effectRef>
+          <a:fontRef idx="minor">
+            <a:schemeClr val="tx1"/>
+          </a:fontRef>
+        </p:style>
+      </p:cxnSp>
+      <p:sp>
+        <p:nvSpPr>
+          <p:cNvPr id="47" name="Oval 46"/>
+          <p:cNvSpPr/>
+          <p:nvPr/>
+        </p:nvSpPr>
+        <p:spPr>
+          <a:xfrm>
+            <a:off x="2357753" y="4454238"/>
+            <a:ext cx="1528537" cy="353284"/>
+          </a:xfrm>
+          <a:prstGeom prst="ellipse">
+            <a:avLst/>
+          </a:prstGeom>
+          <a:solidFill>
+            <a:schemeClr val="accent6"/>
+          </a:solidFill>
+          <a:ln>
+            <a:solidFill>
+              <a:schemeClr val="accent6"/>
+            </a:solidFill>
+          </a:ln>
+        </p:spPr>
+        <p:style>
+          <a:lnRef idx="1">
+            <a:schemeClr val="accent1"/>
+          </a:lnRef>
+          <a:fillRef idx="3">
+            <a:schemeClr val="accent1"/>
+          </a:fillRef>
+          <a:effectRef idx="2">
+            <a:schemeClr val="accent1"/>
+          </a:effectRef>
+          <a:fontRef idx="minor">
+            <a:schemeClr val="lt1"/>
+          </a:fontRef>
+        </p:style>
+        <p:txBody>
+          <a:bodyPr rtlCol="0" anchor="ctr"/>
+          <a:lstStyle/>
+          <a:p>
+            <a:pPr algn="ctr"/>
+            <a:r>
+              <a:rPr lang="en-US" sz="1600" dirty="0"/>
+              <a:t>Map Task</a:t>
+            </a:r>
+          </a:p>
+        </p:txBody>
+      </p:sp>
+      <p:sp>
+        <p:nvSpPr>
+          <p:cNvPr id="48" name="Oval 47"/>
+          <p:cNvSpPr/>
+          <p:nvPr/>
+        </p:nvSpPr>
+        <p:spPr>
+          <a:xfrm>
+            <a:off x="2357753" y="5512976"/>
+            <a:ext cx="1528537" cy="353284"/>
+          </a:xfrm>
+          <a:prstGeom prst="ellipse">
+            <a:avLst/>
+          </a:prstGeom>
+          <a:solidFill>
+            <a:schemeClr val="accent6"/>
+          </a:solidFill>
+          <a:ln>
+            <a:solidFill>
+              <a:schemeClr val="accent6"/>
+            </a:solidFill>
+          </a:ln>
+        </p:spPr>
+        <p:style>
+          <a:lnRef idx="1">
+            <a:schemeClr val="accent1"/>
+          </a:lnRef>
+          <a:fillRef idx="3">
+            <a:schemeClr val="accent1"/>
+          </a:fillRef>
+          <a:effectRef idx="2">
+            <a:schemeClr val="accent1"/>
+          </a:effectRef>
+          <a:fontRef idx="minor">
+            <a:schemeClr val="lt1"/>
+          </a:fontRef>
+        </p:style>
+        <p:txBody>
+          <a:bodyPr rtlCol="0" anchor="ctr"/>
+          <a:lstStyle/>
+          <a:p>
+            <a:pPr algn="ctr"/>
+            <a:r>
+              <a:rPr lang="en-US" sz="1600" dirty="0"/>
+              <a:t>Map Task</a:t>
+            </a:r>
+          </a:p>
+        </p:txBody>
+      </p:sp>
+      <p:sp>
+        <p:nvSpPr>
+          <p:cNvPr id="50" name="Oval 49"/>
+          <p:cNvSpPr/>
+          <p:nvPr/>
+        </p:nvSpPr>
+        <p:spPr>
+          <a:xfrm>
+            <a:off x="5718112" y="3574504"/>
+            <a:ext cx="1528537" cy="559870"/>
+          </a:xfrm>
+          <a:prstGeom prst="ellipse">
+            <a:avLst/>
+          </a:prstGeom>
+          <a:solidFill>
+            <a:srgbClr val="008000"/>
+          </a:solidFill>
+          <a:ln>
+            <a:solidFill>
+              <a:srgbClr val="008000"/>
+            </a:solidFill>
+          </a:ln>
+        </p:spPr>
+        <p:style>
+          <a:lnRef idx="1">
+            <a:schemeClr val="accent1"/>
+          </a:lnRef>
+          <a:fillRef idx="3">
+            <a:schemeClr val="accent1"/>
+          </a:fillRef>
+          <a:effectRef idx="2">
+            <a:schemeClr val="accent1"/>
+          </a:effectRef>
+          <a:fontRef idx="minor">
+            <a:schemeClr val="lt1"/>
+          </a:fontRef>
+        </p:style>
+        <p:txBody>
+          <a:bodyPr rtlCol="0" anchor="ctr"/>
+          <a:lstStyle/>
+          <a:p>
+            <a:pPr algn="ctr"/>
+            <a:r>
+              <a:rPr lang="en-US" sz="1600" dirty="0"/>
+              <a:t>Reduce Task</a:t>
+            </a:r>
+          </a:p>
+        </p:txBody>
+      </p:sp>
+      <p:sp>
+        <p:nvSpPr>
+          <p:cNvPr id="51" name="Oval 50"/>
+          <p:cNvSpPr/>
+          <p:nvPr/>
+        </p:nvSpPr>
+        <p:spPr>
+          <a:xfrm>
+            <a:off x="5718112" y="5379858"/>
+            <a:ext cx="1596133" cy="486402"/>
+          </a:xfrm>
+          <a:prstGeom prst="ellipse">
+            <a:avLst/>
+          </a:prstGeom>
+          <a:solidFill>
+            <a:srgbClr val="008000"/>
+          </a:solidFill>
+          <a:ln>
+            <a:solidFill>
+              <a:srgbClr val="008000"/>
+            </a:solidFill>
+          </a:ln>
+        </p:spPr>
+        <p:style>
+          <a:lnRef idx="1">
+            <a:schemeClr val="accent1"/>
+          </a:lnRef>
+          <a:fillRef idx="3">
+            <a:schemeClr val="accent1"/>
+          </a:fillRef>
+          <a:effectRef idx="2">
+            <a:schemeClr val="accent1"/>
+          </a:effectRef>
+          <a:fontRef idx="minor">
+            <a:schemeClr val="lt1"/>
+          </a:fontRef>
+        </p:style>
+        <p:txBody>
+          <a:bodyPr rtlCol="0" anchor="ctr"/>
+          <a:lstStyle/>
+          <a:p>
+            <a:pPr algn="ctr"/>
+            <a:r>
+              <a:rPr lang="en-US" sz="1600" dirty="0"/>
+              <a:t>Reduce Task</a:t>
+            </a:r>
+          </a:p>
+        </p:txBody>
+      </p:sp>
+      <p:cxnSp>
+        <p:nvCxnSpPr>
+          <p:cNvPr id="53" name="Straight Arrow Connector 52"/>
+          <p:cNvCxnSpPr>
+            <a:stCxn id="12" idx="6"/>
+            <a:endCxn id="20" idx="1"/>
+          </p:cNvCxnSpPr>
+          <p:nvPr/>
+        </p:nvCxnSpPr>
+        <p:spPr>
+          <a:xfrm>
+            <a:off x="3762158" y="3574505"/>
+            <a:ext cx="563368" cy="0"/>
+          </a:xfrm>
+          <a:prstGeom prst="straightConnector1">
+            <a:avLst/>
+          </a:prstGeom>
+          <a:ln>
+            <a:tailEnd type="arrow"/>
+          </a:ln>
+        </p:spPr>
+        <p:style>
+          <a:lnRef idx="2">
+            <a:schemeClr val="accent1"/>
+          </a:lnRef>
+          <a:fillRef idx="0">
+            <a:schemeClr val="accent1"/>
+          </a:fillRef>
+          <a:effectRef idx="1">
+            <a:schemeClr val="accent1"/>
+          </a:effectRef>
+          <a:fontRef idx="minor">
+            <a:schemeClr val="tx1"/>
+          </a:fontRef>
+        </p:style>
+      </p:cxnSp>
+      <p:cxnSp>
+        <p:nvCxnSpPr>
+          <p:cNvPr id="55" name="Straight Arrow Connector 54"/>
+          <p:cNvCxnSpPr>
+            <a:stCxn id="47" idx="6"/>
+            <a:endCxn id="25" idx="1"/>
+          </p:cNvCxnSpPr>
+          <p:nvPr/>
+        </p:nvCxnSpPr>
+        <p:spPr>
+          <a:xfrm>
+            <a:off x="3886290" y="4630880"/>
+            <a:ext cx="439236" cy="0"/>
+          </a:xfrm>
+          <a:prstGeom prst="straightConnector1">
+            <a:avLst/>
+          </a:prstGeom>
+          <a:ln>
+            <a:tailEnd type="arrow"/>
+          </a:ln>
+        </p:spPr>
+        <p:style>
+          <a:lnRef idx="2">
+            <a:schemeClr val="accent1"/>
+          </a:lnRef>
+          <a:fillRef idx="0">
+            <a:schemeClr val="accent1"/>
+          </a:fillRef>
+          <a:effectRef idx="1">
+            <a:schemeClr val="accent1"/>
+          </a:effectRef>
+          <a:fontRef idx="minor">
+            <a:schemeClr val="tx1"/>
+          </a:fontRef>
+        </p:style>
+      </p:cxnSp>
+      <p:cxnSp>
+        <p:nvCxnSpPr>
+          <p:cNvPr id="57" name="Straight Arrow Connector 56"/>
+          <p:cNvCxnSpPr>
+            <a:stCxn id="48" idx="6"/>
+            <a:endCxn id="28" idx="1"/>
+          </p:cNvCxnSpPr>
+          <p:nvPr/>
+        </p:nvCxnSpPr>
+        <p:spPr>
+          <a:xfrm>
+            <a:off x="3886290" y="5689618"/>
+            <a:ext cx="439236" cy="0"/>
+          </a:xfrm>
+          <a:prstGeom prst="straightConnector1">
+            <a:avLst/>
+          </a:prstGeom>
+          <a:ln>
+            <a:tailEnd type="arrow"/>
+          </a:ln>
+        </p:spPr>
+        <p:style>
+          <a:lnRef idx="2">
+            <a:schemeClr val="accent1"/>
+          </a:lnRef>
+          <a:fillRef idx="0">
+            <a:schemeClr val="accent1"/>
+          </a:fillRef>
+          <a:effectRef idx="1">
+            <a:schemeClr val="accent1"/>
+          </a:effectRef>
+          <a:fontRef idx="minor">
+            <a:schemeClr val="tx1"/>
+          </a:fontRef>
+        </p:style>
+      </p:cxnSp>
+      <p:sp>
+        <p:nvSpPr>
+          <p:cNvPr id="58" name="TextBox 57"/>
+          <p:cNvSpPr txBox="1"/>
+          <p:nvPr/>
+        </p:nvSpPr>
+        <p:spPr>
+          <a:xfrm>
+            <a:off x="4163200" y="6064585"/>
+            <a:ext cx="1554912" cy="646331"/>
+          </a:xfrm>
+          <a:prstGeom prst="rect">
+            <a:avLst/>
+          </a:prstGeom>
+          <a:noFill/>
+        </p:spPr>
+        <p:txBody>
+          <a:bodyPr wrap="square" rtlCol="0">
+            <a:spAutoFit/>
+          </a:bodyPr>
+          <a:lstStyle/>
+          <a:p>
+            <a:r>
+              <a:rPr lang="en-US" dirty="0"/>
+              <a:t>intermediate files</a:t>
+            </a:r>
+          </a:p>
+        </p:txBody>
+      </p:sp>
+      <p:sp>
+        <p:nvSpPr>
+          <p:cNvPr id="59" name="TextBox 58"/>
+          <p:cNvSpPr txBox="1"/>
+          <p:nvPr/>
+        </p:nvSpPr>
+        <p:spPr>
+          <a:xfrm>
+            <a:off x="878473" y="6445042"/>
+            <a:ext cx="684803" cy="369332"/>
+          </a:xfrm>
+          <a:prstGeom prst="rect">
+            <a:avLst/>
+          </a:prstGeom>
+          <a:noFill/>
+        </p:spPr>
+        <p:txBody>
+          <a:bodyPr wrap="none" rtlCol="0">
+            <a:spAutoFit/>
+          </a:bodyPr>
+          <a:lstStyle/>
+          <a:p>
+            <a:r>
+              <a:rPr lang="en-US" dirty="0"/>
+              <a:t>input</a:t>
+            </a:r>
+          </a:p>
+        </p:txBody>
+      </p:sp>
+      <p:sp>
+        <p:nvSpPr>
+          <p:cNvPr id="60" name="TextBox 59"/>
+          <p:cNvSpPr txBox="1"/>
+          <p:nvPr/>
+        </p:nvSpPr>
+        <p:spPr>
+          <a:xfrm>
+            <a:off x="7659582" y="6341584"/>
+            <a:ext cx="825867" cy="369332"/>
+          </a:xfrm>
+          <a:prstGeom prst="rect">
+            <a:avLst/>
+          </a:prstGeom>
+          <a:noFill/>
+        </p:spPr>
+        <p:txBody>
+          <a:bodyPr wrap="none" rtlCol="0">
+            <a:spAutoFit/>
+          </a:bodyPr>
+          <a:lstStyle/>
+          <a:p>
+            <a:r>
+              <a:rPr lang="en-US" dirty="0"/>
+              <a:t>output</a:t>
+            </a:r>
+          </a:p>
+        </p:txBody>
+      </p:sp>
+      <p:cxnSp>
+        <p:nvCxnSpPr>
+          <p:cNvPr id="66" name="Straight Arrow Connector 65"/>
+          <p:cNvCxnSpPr/>
+          <p:nvPr/>
+        </p:nvCxnSpPr>
+        <p:spPr>
+          <a:xfrm>
+            <a:off x="5184902" y="3397863"/>
+            <a:ext cx="639758" cy="353284"/>
+          </a:xfrm>
+          <a:prstGeom prst="straightConnector1">
+            <a:avLst/>
+          </a:prstGeom>
+          <a:ln>
+            <a:tailEnd type="arrow"/>
+          </a:ln>
+        </p:spPr>
+        <p:style>
+          <a:lnRef idx="2">
+            <a:schemeClr val="accent1"/>
+          </a:lnRef>
+          <a:fillRef idx="0">
+            <a:schemeClr val="accent1"/>
+          </a:fillRef>
+          <a:effectRef idx="1">
+            <a:schemeClr val="accent1"/>
+          </a:effectRef>
+          <a:fontRef idx="minor">
+            <a:schemeClr val="tx1"/>
+          </a:fontRef>
+        </p:style>
+      </p:cxnSp>
+      <p:cxnSp>
+        <p:nvCxnSpPr>
+          <p:cNvPr id="68" name="Straight Arrow Connector 67"/>
+          <p:cNvCxnSpPr>
+            <a:endCxn id="51" idx="1"/>
+          </p:cNvCxnSpPr>
+          <p:nvPr/>
+        </p:nvCxnSpPr>
+        <p:spPr>
+          <a:xfrm>
+            <a:off x="5184902" y="3751147"/>
+            <a:ext cx="766958" cy="1699943"/>
+          </a:xfrm>
+          <a:prstGeom prst="straightConnector1">
+            <a:avLst/>
+          </a:prstGeom>
+          <a:ln>
+            <a:tailEnd type="arrow"/>
+          </a:ln>
+        </p:spPr>
+        <p:style>
+          <a:lnRef idx="2">
+            <a:schemeClr val="accent1"/>
+          </a:lnRef>
+          <a:fillRef idx="0">
+            <a:schemeClr val="accent1"/>
+          </a:fillRef>
+          <a:effectRef idx="1">
+            <a:schemeClr val="accent1"/>
+          </a:effectRef>
+          <a:fontRef idx="minor">
+            <a:schemeClr val="tx1"/>
+          </a:fontRef>
+        </p:style>
+      </p:cxnSp>
+      <p:cxnSp>
+        <p:nvCxnSpPr>
+          <p:cNvPr id="70" name="Straight Arrow Connector 69"/>
+          <p:cNvCxnSpPr/>
+          <p:nvPr/>
+        </p:nvCxnSpPr>
+        <p:spPr>
+          <a:xfrm flipV="1">
+            <a:off x="5184902" y="3962506"/>
+            <a:ext cx="639758" cy="505698"/>
+          </a:xfrm>
+          <a:prstGeom prst="straightConnector1">
+            <a:avLst/>
+          </a:prstGeom>
+          <a:ln>
+            <a:tailEnd type="arrow"/>
+          </a:ln>
+        </p:spPr>
+        <p:style>
+          <a:lnRef idx="2">
+            <a:schemeClr val="accent1"/>
+          </a:lnRef>
+          <a:fillRef idx="0">
+            <a:schemeClr val="accent1"/>
+          </a:fillRef>
+          <a:effectRef idx="1">
+            <a:schemeClr val="accent1"/>
+          </a:effectRef>
+          <a:fontRef idx="minor">
+            <a:schemeClr val="tx1"/>
+          </a:fontRef>
+        </p:style>
+      </p:cxnSp>
+      <p:cxnSp>
+        <p:nvCxnSpPr>
+          <p:cNvPr id="72" name="Straight Arrow Connector 71"/>
+          <p:cNvCxnSpPr/>
+          <p:nvPr/>
+        </p:nvCxnSpPr>
+        <p:spPr>
+          <a:xfrm>
+            <a:off x="5184902" y="4807522"/>
+            <a:ext cx="639758" cy="705454"/>
+          </a:xfrm>
+          <a:prstGeom prst="straightConnector1">
+            <a:avLst/>
+          </a:prstGeom>
+          <a:ln>
+            <a:tailEnd type="arrow"/>
+          </a:ln>
+        </p:spPr>
+        <p:style>
+          <a:lnRef idx="2">
+            <a:schemeClr val="accent1"/>
+          </a:lnRef>
+          <a:fillRef idx="0">
+            <a:schemeClr val="accent1"/>
+          </a:fillRef>
+          <a:effectRef idx="1">
+            <a:schemeClr val="accent1"/>
+          </a:effectRef>
+          <a:fontRef idx="minor">
+            <a:schemeClr val="tx1"/>
+          </a:fontRef>
+        </p:style>
+      </p:cxnSp>
+      <p:cxnSp>
+        <p:nvCxnSpPr>
+          <p:cNvPr id="74" name="Straight Arrow Connector 73"/>
+          <p:cNvCxnSpPr>
+            <a:endCxn id="50" idx="3"/>
+          </p:cNvCxnSpPr>
+          <p:nvPr/>
+        </p:nvCxnSpPr>
+        <p:spPr>
+          <a:xfrm flipV="1">
+            <a:off x="5184902" y="4052383"/>
+            <a:ext cx="757059" cy="1460593"/>
+          </a:xfrm>
+          <a:prstGeom prst="straightConnector1">
+            <a:avLst/>
+          </a:prstGeom>
+          <a:ln>
+            <a:tailEnd type="arrow"/>
+          </a:ln>
+        </p:spPr>
+        <p:style>
+          <a:lnRef idx="2">
+            <a:schemeClr val="accent1"/>
+          </a:lnRef>
+          <a:fillRef idx="0">
+            <a:schemeClr val="accent1"/>
+          </a:fillRef>
+          <a:effectRef idx="1">
+            <a:schemeClr val="accent1"/>
+          </a:effectRef>
+          <a:fontRef idx="minor">
+            <a:schemeClr val="tx1"/>
+          </a:fontRef>
+        </p:style>
+      </p:cxnSp>
+      <p:cxnSp>
+        <p:nvCxnSpPr>
+          <p:cNvPr id="76" name="Straight Arrow Connector 75"/>
+          <p:cNvCxnSpPr/>
+          <p:nvPr/>
+        </p:nvCxnSpPr>
+        <p:spPr>
+          <a:xfrm flipV="1">
+            <a:off x="5184902" y="5689618"/>
+            <a:ext cx="639758" cy="176642"/>
+          </a:xfrm>
+          <a:prstGeom prst="straightConnector1">
+            <a:avLst/>
+          </a:prstGeom>
+          <a:ln>
+            <a:tailEnd type="arrow"/>
+          </a:ln>
+        </p:spPr>
+        <p:style>
+          <a:lnRef idx="2">
+            <a:schemeClr val="accent1"/>
+          </a:lnRef>
+          <a:fillRef idx="0">
+            <a:schemeClr val="accent1"/>
+          </a:fillRef>
+          <a:effectRef idx="1">
+            <a:schemeClr val="accent1"/>
+          </a:effectRef>
+          <a:fontRef idx="minor">
+            <a:schemeClr val="tx1"/>
+          </a:fontRef>
+        </p:style>
+      </p:cxnSp>
+      <p:cxnSp>
+        <p:nvCxnSpPr>
+          <p:cNvPr id="78" name="Straight Arrow Connector 77"/>
+          <p:cNvCxnSpPr>
+            <a:stCxn id="50" idx="6"/>
+          </p:cNvCxnSpPr>
+          <p:nvPr/>
+        </p:nvCxnSpPr>
+        <p:spPr>
+          <a:xfrm flipV="1">
+            <a:off x="7246649" y="3840555"/>
+            <a:ext cx="563280" cy="13884"/>
+          </a:xfrm>
+          <a:prstGeom prst="straightConnector1">
+            <a:avLst/>
+          </a:prstGeom>
+          <a:ln>
+            <a:tailEnd type="arrow"/>
+          </a:ln>
+        </p:spPr>
+        <p:style>
+          <a:lnRef idx="2">
+            <a:schemeClr val="accent1"/>
+          </a:lnRef>
+          <a:fillRef idx="0">
+            <a:schemeClr val="accent1"/>
+          </a:fillRef>
+          <a:effectRef idx="1">
+            <a:schemeClr val="accent1"/>
+          </a:effectRef>
+          <a:fontRef idx="minor">
+            <a:schemeClr val="tx1"/>
+          </a:fontRef>
+        </p:style>
+      </p:cxnSp>
+      <p:cxnSp>
+        <p:nvCxnSpPr>
+          <p:cNvPr id="80" name="Straight Arrow Connector 79"/>
+          <p:cNvCxnSpPr>
+            <a:stCxn id="51" idx="6"/>
+          </p:cNvCxnSpPr>
+          <p:nvPr/>
+        </p:nvCxnSpPr>
+        <p:spPr>
+          <a:xfrm flipV="1">
+            <a:off x="7314245" y="5595250"/>
+            <a:ext cx="495684" cy="27809"/>
+          </a:xfrm>
+          <a:prstGeom prst="straightConnector1">
+            <a:avLst/>
+          </a:prstGeom>
+          <a:ln>
+            <a:tailEnd type="arrow"/>
+          </a:ln>
+        </p:spPr>
+        <p:style>
+          <a:lnRef idx="2">
+            <a:schemeClr val="accent1"/>
+          </a:lnRef>
+          <a:fillRef idx="0">
+            <a:schemeClr val="accent1"/>
+          </a:fillRef>
+          <a:effectRef idx="1">
+            <a:schemeClr val="accent1"/>
+          </a:effectRef>
+          <a:fontRef idx="minor">
+            <a:schemeClr val="tx1"/>
+          </a:fontRef>
+        </p:style>
+      </p:cxnSp>
+      <p:cxnSp>
+        <p:nvCxnSpPr>
+          <p:cNvPr id="82" name="Straight Arrow Connector 81"/>
+          <p:cNvCxnSpPr>
+            <a:stCxn id="19" idx="4"/>
+            <a:endCxn id="18" idx="0"/>
+          </p:cNvCxnSpPr>
+          <p:nvPr/>
+        </p:nvCxnSpPr>
+        <p:spPr>
+          <a:xfrm flipH="1">
+            <a:off x="4673672" y="2129250"/>
+            <a:ext cx="4964" cy="343736"/>
+          </a:xfrm>
+          <a:prstGeom prst="straightConnector1">
+            <a:avLst/>
+          </a:prstGeom>
+          <a:ln w="9525" cmpd="sng">
+            <a:solidFill>
+              <a:schemeClr val="accent4"/>
+            </a:solidFill>
+            <a:prstDash val="sysDash"/>
+            <a:tailEnd type="arrow"/>
+          </a:ln>
+        </p:spPr>
+        <p:style>
+          <a:lnRef idx="2">
+            <a:schemeClr val="accent1"/>
+          </a:lnRef>
+          <a:fillRef idx="0">
+            <a:schemeClr val="accent1"/>
+          </a:fillRef>
+          <a:effectRef idx="1">
+            <a:schemeClr val="accent1"/>
+          </a:effectRef>
+          <a:fontRef idx="minor">
+            <a:schemeClr val="tx1"/>
+          </a:fontRef>
+        </p:style>
+      </p:cxnSp>
+      <p:cxnSp>
+        <p:nvCxnSpPr>
+          <p:cNvPr id="83" name="Straight Arrow Connector 82"/>
+          <p:cNvCxnSpPr/>
+          <p:nvPr/>
+        </p:nvCxnSpPr>
+        <p:spPr>
+          <a:xfrm flipH="1">
+            <a:off x="3007816" y="1871077"/>
+            <a:ext cx="968996" cy="1437377"/>
+          </a:xfrm>
+          <a:prstGeom prst="straightConnector1">
+            <a:avLst/>
+          </a:prstGeom>
+          <a:ln w="9525" cmpd="sng">
+            <a:solidFill>
+              <a:schemeClr val="accent4"/>
+            </a:solidFill>
+            <a:prstDash val="sysDash"/>
+            <a:tailEnd type="arrow"/>
+          </a:ln>
+        </p:spPr>
+        <p:style>
+          <a:lnRef idx="2">
+            <a:schemeClr val="accent1"/>
+          </a:lnRef>
+          <a:fillRef idx="0">
+            <a:schemeClr val="accent1"/>
+          </a:fillRef>
+          <a:effectRef idx="1">
+            <a:schemeClr val="accent1"/>
+          </a:effectRef>
+          <a:fontRef idx="minor">
+            <a:schemeClr val="tx1"/>
+          </a:fontRef>
+        </p:style>
+      </p:cxnSp>
+      <p:cxnSp>
+        <p:nvCxnSpPr>
+          <p:cNvPr id="84" name="Straight Arrow Connector 83"/>
+          <p:cNvCxnSpPr/>
+          <p:nvPr/>
+        </p:nvCxnSpPr>
+        <p:spPr>
+          <a:xfrm>
+            <a:off x="5307710" y="1966188"/>
+            <a:ext cx="1175805" cy="1431675"/>
+          </a:xfrm>
+          <a:prstGeom prst="straightConnector1">
+            <a:avLst/>
+          </a:prstGeom>
+          <a:ln w="9525" cmpd="sng">
+            <a:solidFill>
+              <a:schemeClr val="accent4"/>
+            </a:solidFill>
+            <a:prstDash val="sysDash"/>
+            <a:tailEnd type="arrow"/>
+          </a:ln>
+        </p:spPr>
+        <p:style>
+          <a:lnRef idx="2">
+            <a:schemeClr val="accent1"/>
+          </a:lnRef>
+          <a:fillRef idx="0">
+            <a:schemeClr val="accent1"/>
+          </a:fillRef>
+          <a:effectRef idx="1">
+            <a:schemeClr val="accent1"/>
+          </a:effectRef>
+          <a:fontRef idx="minor">
+            <a:schemeClr val="tx1"/>
+          </a:fontRef>
+        </p:style>
+      </p:cxnSp>
+      <p:sp>
+        <p:nvSpPr>
+          <p:cNvPr id="87" name="TextBox 86"/>
+          <p:cNvSpPr txBox="1"/>
+          <p:nvPr/>
+        </p:nvSpPr>
+        <p:spPr>
+          <a:xfrm>
+            <a:off x="5824660" y="2472986"/>
+            <a:ext cx="479618" cy="307777"/>
+          </a:xfrm>
+          <a:prstGeom prst="rect">
+            <a:avLst/>
+          </a:prstGeom>
+          <a:noFill/>
+        </p:spPr>
+        <p:txBody>
+          <a:bodyPr wrap="none" rtlCol="0">
+            <a:spAutoFit/>
+          </a:bodyPr>
+          <a:lstStyle/>
+          <a:p>
+            <a:r>
+              <a:rPr lang="en-US" sz="1400" dirty="0"/>
+              <a:t>fork</a:t>
+            </a:r>
+          </a:p>
+        </p:txBody>
+      </p:sp>
+      <p:sp>
+        <p:nvSpPr>
+          <p:cNvPr id="88" name="Rectangle 87"/>
+          <p:cNvSpPr/>
+          <p:nvPr/>
+        </p:nvSpPr>
+        <p:spPr>
+          <a:xfrm>
+            <a:off x="4438827" y="2165209"/>
+            <a:ext cx="479618" cy="307777"/>
+          </a:xfrm>
+          <a:prstGeom prst="rect">
+            <a:avLst/>
+          </a:prstGeom>
+        </p:spPr>
+        <p:txBody>
+          <a:bodyPr wrap="none">
+            <a:spAutoFit/>
+          </a:bodyPr>
+          <a:lstStyle/>
+          <a:p>
+            <a:r>
+              <a:rPr lang="en-US" sz="1400" dirty="0"/>
+              <a:t>fork</a:t>
+            </a:r>
+          </a:p>
+        </p:txBody>
+      </p:sp>
+      <p:sp>
+        <p:nvSpPr>
+          <p:cNvPr id="89" name="Rectangle 88"/>
+          <p:cNvSpPr/>
+          <p:nvPr/>
+        </p:nvSpPr>
+        <p:spPr>
+          <a:xfrm>
+            <a:off x="3007816" y="2298046"/>
+            <a:ext cx="479618" cy="307777"/>
+          </a:xfrm>
+          <a:prstGeom prst="rect">
+            <a:avLst/>
+          </a:prstGeom>
+        </p:spPr>
+        <p:txBody>
+          <a:bodyPr wrap="none">
+            <a:spAutoFit/>
+          </a:bodyPr>
+          <a:lstStyle/>
+          <a:p>
+            <a:r>
+              <a:rPr lang="en-US" sz="1400" dirty="0"/>
+              <a:t>fork</a:t>
+            </a:r>
+          </a:p>
+        </p:txBody>
+      </p:sp>
+      <p:cxnSp>
+        <p:nvCxnSpPr>
+          <p:cNvPr id="90" name="Straight Arrow Connector 89"/>
+          <p:cNvCxnSpPr/>
+          <p:nvPr/>
+        </p:nvCxnSpPr>
+        <p:spPr>
+          <a:xfrm>
+            <a:off x="5280009" y="2655433"/>
+            <a:ext cx="661952" cy="653021"/>
+          </a:xfrm>
+          <a:prstGeom prst="straightConnector1">
+            <a:avLst/>
+          </a:prstGeom>
+          <a:ln w="9525" cmpd="sng">
+            <a:solidFill>
+              <a:srgbClr val="FF0000"/>
+            </a:solidFill>
+            <a:prstDash val="sysDash"/>
+            <a:tailEnd type="arrow"/>
+          </a:ln>
+        </p:spPr>
+        <p:style>
+          <a:lnRef idx="2">
+            <a:schemeClr val="accent1"/>
+          </a:lnRef>
+          <a:fillRef idx="0">
+            <a:schemeClr val="accent1"/>
+          </a:fillRef>
+          <a:effectRef idx="1">
+            <a:schemeClr val="accent1"/>
+          </a:effectRef>
+          <a:fontRef idx="minor">
+            <a:schemeClr val="tx1"/>
+          </a:fontRef>
+        </p:style>
+      </p:cxnSp>
+      <p:cxnSp>
+        <p:nvCxnSpPr>
+          <p:cNvPr id="91" name="Straight Arrow Connector 90"/>
+          <p:cNvCxnSpPr>
+            <a:stCxn id="18" idx="2"/>
+          </p:cNvCxnSpPr>
+          <p:nvPr/>
+        </p:nvCxnSpPr>
+        <p:spPr>
+          <a:xfrm flipH="1">
+            <a:off x="3487434" y="2654402"/>
+            <a:ext cx="579900" cy="654052"/>
+          </a:xfrm>
+          <a:prstGeom prst="straightConnector1">
+            <a:avLst/>
+          </a:prstGeom>
+          <a:ln w="9525" cmpd="sng">
+            <a:solidFill>
+              <a:srgbClr val="FF0000"/>
+            </a:solidFill>
+            <a:prstDash val="sysDash"/>
+            <a:tailEnd type="arrow"/>
+          </a:ln>
+        </p:spPr>
+        <p:style>
+          <a:lnRef idx="2">
+            <a:schemeClr val="accent1"/>
+          </a:lnRef>
+          <a:fillRef idx="0">
+            <a:schemeClr val="accent1"/>
+          </a:fillRef>
+          <a:effectRef idx="1">
+            <a:schemeClr val="accent1"/>
+          </a:effectRef>
+          <a:fontRef idx="minor">
+            <a:schemeClr val="tx1"/>
+          </a:fontRef>
+        </p:style>
+      </p:cxnSp>
+      <p:sp>
+        <p:nvSpPr>
+          <p:cNvPr id="97" name="TextBox 96"/>
+          <p:cNvSpPr txBox="1"/>
+          <p:nvPr/>
+        </p:nvSpPr>
+        <p:spPr>
+          <a:xfrm>
+            <a:off x="3383513" y="2835818"/>
+            <a:ext cx="1005554" cy="307777"/>
+          </a:xfrm>
+          <a:prstGeom prst="rect">
+            <a:avLst/>
+          </a:prstGeom>
+          <a:noFill/>
+        </p:spPr>
+        <p:txBody>
+          <a:bodyPr wrap="none" rtlCol="0">
+            <a:spAutoFit/>
+          </a:bodyPr>
+          <a:lstStyle/>
+          <a:p>
+            <a:r>
+              <a:rPr lang="en-US" sz="1400" dirty="0"/>
+              <a:t>assign Map</a:t>
+            </a:r>
+          </a:p>
+        </p:txBody>
+      </p:sp>
+      <p:sp>
+        <p:nvSpPr>
+          <p:cNvPr id="98" name="TextBox 97"/>
+          <p:cNvSpPr txBox="1"/>
+          <p:nvPr/>
+        </p:nvSpPr>
+        <p:spPr>
+          <a:xfrm>
+            <a:off x="5044095" y="2854913"/>
+            <a:ext cx="1212441" cy="307777"/>
+          </a:xfrm>
+          <a:prstGeom prst="rect">
+            <a:avLst/>
+          </a:prstGeom>
+          <a:noFill/>
+        </p:spPr>
+        <p:txBody>
+          <a:bodyPr wrap="none" rtlCol="0">
+            <a:spAutoFit/>
+          </a:bodyPr>
+          <a:lstStyle/>
+          <a:p>
+            <a:r>
+              <a:rPr lang="en-US" sz="1400" dirty="0"/>
+              <a:t>assign Reduce</a:t>
+            </a:r>
+          </a:p>
+        </p:txBody>
+      </p:sp>
+    </p:spTree>
+    <p:extLst>
+      <p:ext uri="{BB962C8B-B14F-4D97-AF65-F5344CB8AC3E}">
+        <p14:creationId xmlns:p14="http://schemas.microsoft.com/office/powerpoint/2010/main" val="1583224478"/>
+      </p:ext>
+    </p:extLst>
+  </p:cSld>
+  <p:clrMapOvr>
+    <a:masterClrMapping/>
+  </p:clrMapOvr>
+</p:sld>
+</file>
+
+<file path=ppt/slides/slide22.xml><?xml version="1.0" encoding="utf-8"?>
+<p:sld xmlns:a="http://schemas.openxmlformats.org/drawingml/2006/main" xmlns:r="http://schemas.openxmlformats.org/officeDocument/2006/relationships" xmlns:p="http://schemas.openxmlformats.org/presentationml/2006/main">
+  <p:cSld>
+    <p:spTree>
+      <p:nvGrpSpPr>
+        <p:cNvPr id="1" name=""/>
+        <p:cNvGrpSpPr/>
+        <p:nvPr/>
+      </p:nvGrpSpPr>
+      <p:grpSpPr>
+        <a:xfrm>
+          <a:off x="0" y="0"/>
+          <a:ext cx="0" cy="0"/>
+          <a:chOff x="0" y="0"/>
+          <a:chExt cx="0" cy="0"/>
+        </a:xfrm>
+      </p:grpSpPr>
+      <p:sp>
+        <p:nvSpPr>
+          <p:cNvPr id="2" name="Title 1"/>
+          <p:cNvSpPr>
+            <a:spLocks noGrp="1"/>
+          </p:cNvSpPr>
+          <p:nvPr>
+            <p:ph type="title"/>
+          </p:nvPr>
+        </p:nvSpPr>
+        <p:spPr/>
+        <p:txBody>
+          <a:bodyPr/>
+          <a:lstStyle/>
+          <a:p>
+            <a:r>
+              <a:rPr lang="en-US" dirty="0"/>
+              <a:t>Coping with Node Failures</a:t>
+            </a:r>
+          </a:p>
+        </p:txBody>
+      </p:sp>
+      <p:sp>
+        <p:nvSpPr>
+          <p:cNvPr id="3" name="Content Placeholder 2"/>
+          <p:cNvSpPr>
+            <a:spLocks noGrp="1"/>
+          </p:cNvSpPr>
+          <p:nvPr>
+            <p:ph idx="1"/>
+          </p:nvPr>
+        </p:nvSpPr>
+        <p:spPr/>
+        <p:txBody>
+          <a:bodyPr>
+            <a:normAutofit fontScale="92500" lnSpcReduction="20000"/>
+          </a:bodyPr>
+          <a:lstStyle/>
+          <a:p>
+            <a:r>
+              <a:rPr lang="en-US" sz="2800" dirty="0"/>
+              <a:t>If the compute node at which the Master is executing fails, the entire </a:t>
+            </a:r>
+            <a:r>
+              <a:rPr lang="en-US" sz="2800" dirty="0" err="1"/>
+              <a:t>MapReduce</a:t>
+            </a:r>
+            <a:r>
+              <a:rPr lang="en-US" sz="2800" dirty="0"/>
+              <a:t> job must be restarted.</a:t>
+            </a:r>
+          </a:p>
+          <a:p>
+            <a:r>
+              <a:rPr lang="en-US" sz="2800" dirty="0"/>
+              <a:t>Other failures managed by the Master.</a:t>
+            </a:r>
+          </a:p>
+          <a:p>
+            <a:r>
+              <a:rPr lang="en-US" sz="2800" dirty="0"/>
+              <a:t>Master periodically </a:t>
+            </a:r>
+            <a:r>
+              <a:rPr lang="en-US" sz="2800" i="1" dirty="0"/>
+              <a:t>pings</a:t>
+            </a:r>
+            <a:r>
+              <a:rPr lang="en-US" sz="2800" dirty="0"/>
+              <a:t> Worker processes to check they are still alive.</a:t>
+            </a:r>
+          </a:p>
+          <a:p>
+            <a:r>
+              <a:rPr lang="en-US" sz="2800" dirty="0"/>
+              <a:t>If a Map worker fails, all of the Map tasks assigned to this worker must be redone.  The Master reschedules them for a new worker and informs the Reduce tasks where to look for the location of its input</a:t>
+            </a:r>
+          </a:p>
+          <a:p>
+            <a:r>
+              <a:rPr lang="en-US" sz="2800" dirty="0"/>
+              <a:t>If a Reduce worker fails, the Master simply reschedules its currently executing Reduce tasks on another reduce worker.</a:t>
+            </a:r>
+          </a:p>
+        </p:txBody>
+      </p:sp>
+    </p:spTree>
+    <p:extLst>
+      <p:ext uri="{BB962C8B-B14F-4D97-AF65-F5344CB8AC3E}">
+        <p14:creationId xmlns:p14="http://schemas.microsoft.com/office/powerpoint/2010/main" val="1720216598"/>
+      </p:ext>
+    </p:extLst>
+  </p:cSld>
+  <p:clrMapOvr>
+    <a:masterClrMapping/>
+  </p:clrMapOvr>
+  <p:timing>
+    <p:tnLst>
+      <p:par>
+        <p:cTn id="1" dur="indefinite" restart="never" nodeType="tmRoot">
+          <p:childTnLst>
+            <p:seq concurrent="1" nextAc="seek">
+              <p:cTn id="2" dur="indefinite" nodeType="mainSeq">
+                <p:childTnLst>
+                  <p:par>
+                    <p:cTn id="3" fill="hold">
+                      <p:stCondLst>
+                        <p:cond delay="indefinite"/>
+                      </p:stCondLst>
+                      <p:childTnLst>
+                        <p:par>
+                          <p:cTn id="4" fill="hold">
+                            <p:stCondLst>
+                              <p:cond delay="0"/>
+                            </p:stCondLst>
+                            <p:childTnLst>
+                              <p:par>
+                                <p:cTn id="5" presetID="1" presetClass="entr" presetSubtype="0" fill="hold" grpId="0" nodeType="clickEffect">
+                                  <p:stCondLst>
+                                    <p:cond delay="0"/>
+                                  </p:stCondLst>
+                                  <p:childTnLst>
+                                    <p:set>
+                                      <p:cBhvr>
+                                        <p:cTn id="6" dur="1" fill="hold">
+                                          <p:stCondLst>
+                                            <p:cond delay="0"/>
+                                          </p:stCondLst>
+                                        </p:cTn>
+                                        <p:tgtEl>
+                                          <p:spTgt spid="3">
+                                            <p:txEl>
+                                              <p:pRg st="0" end="0"/>
+                                            </p:txEl>
+                                          </p:spTgt>
+                                        </p:tgtEl>
+                                        <p:attrNameLst>
+                                          <p:attrName>style.visibility</p:attrName>
+                                        </p:attrNameLst>
+                                      </p:cBhvr>
+                                      <p:to>
+                                        <p:strVal val="visible"/>
+                                      </p:to>
+                                    </p:set>
+                                  </p:childTnLst>
+                                </p:cTn>
+                              </p:par>
+                            </p:childTnLst>
+                          </p:cTn>
+                        </p:par>
+                      </p:childTnLst>
+                    </p:cTn>
+                  </p:par>
+                  <p:par>
+                    <p:cTn id="7" fill="hold">
+                      <p:stCondLst>
+                        <p:cond delay="indefinite"/>
+                      </p:stCondLst>
+                      <p:childTnLst>
+                        <p:par>
+                          <p:cTn id="8" fill="hold">
+                            <p:stCondLst>
+                              <p:cond delay="0"/>
+                            </p:stCondLst>
+                            <p:childTnLst>
+                              <p:par>
+                                <p:cTn id="9" presetID="1" presetClass="entr" presetSubtype="0" fill="hold" grpId="0" nodeType="clickEffect">
+                                  <p:stCondLst>
+                                    <p:cond delay="0"/>
+                                  </p:stCondLst>
+                                  <p:childTnLst>
+                                    <p:set>
+                                      <p:cBhvr>
+                                        <p:cTn id="10" dur="1" fill="hold">
+                                          <p:stCondLst>
+                                            <p:cond delay="0"/>
+                                          </p:stCondLst>
+                                        </p:cTn>
+                                        <p:tgtEl>
+                                          <p:spTgt spid="3">
+                                            <p:txEl>
+                                              <p:pRg st="1" end="1"/>
+                                            </p:txEl>
+                                          </p:spTgt>
+                                        </p:tgtEl>
+                                        <p:attrNameLst>
+                                          <p:attrName>style.visibility</p:attrName>
+                                        </p:attrNameLst>
+                                      </p:cBhvr>
+                                      <p:to>
+                                        <p:strVal val="visible"/>
+                                      </p:to>
+                                    </p:set>
+                                  </p:childTnLst>
+                                </p:cTn>
+                              </p:par>
+                            </p:childTnLst>
+                          </p:cTn>
+                        </p:par>
+                      </p:childTnLst>
+                    </p:cTn>
+                  </p:par>
+                  <p:par>
+                    <p:cTn id="11" fill="hold">
+                      <p:stCondLst>
+                        <p:cond delay="indefinite"/>
+                      </p:stCondLst>
+                      <p:childTnLst>
+                        <p:par>
+                          <p:cTn id="12" fill="hold">
+                            <p:stCondLst>
+                              <p:cond delay="0"/>
+                            </p:stCondLst>
+                            <p:childTnLst>
+                              <p:par>
+                                <p:cTn id="13" presetID="1" presetClass="entr" presetSubtype="0" fill="hold" grpId="0" nodeType="clickEffect">
+                                  <p:stCondLst>
+                                    <p:cond delay="0"/>
+                                  </p:stCondLst>
+                                  <p:childTnLst>
+                                    <p:set>
+                                      <p:cBhvr>
+                                        <p:cTn id="14" dur="1" fill="hold">
+                                          <p:stCondLst>
+                                            <p:cond delay="0"/>
+                                          </p:stCondLst>
+                                        </p:cTn>
+                                        <p:tgtEl>
+                                          <p:spTgt spid="3">
+                                            <p:txEl>
+                                              <p:pRg st="2" end="2"/>
+                                            </p:txEl>
+                                          </p:spTgt>
+                                        </p:tgtEl>
+                                        <p:attrNameLst>
+                                          <p:attrName>style.visibility</p:attrName>
+                                        </p:attrNameLst>
+                                      </p:cBhvr>
+                                      <p:to>
+                                        <p:strVal val="visible"/>
+                                      </p:to>
+                                    </p:set>
+                                  </p:childTnLst>
+                                </p:cTn>
+                              </p:par>
+                            </p:childTnLst>
+                          </p:cTn>
+                        </p:par>
+                      </p:childTnLst>
+                    </p:cTn>
+                  </p:par>
+                  <p:par>
+                    <p:cTn id="15" fill="hold">
+                      <p:stCondLst>
+                        <p:cond delay="indefinite"/>
+                      </p:stCondLst>
+                      <p:childTnLst>
+                        <p:par>
+                          <p:cTn id="16" fill="hold">
+                            <p:stCondLst>
+                              <p:cond delay="0"/>
+                            </p:stCondLst>
+                            <p:childTnLst>
+                              <p:par>
+                                <p:cTn id="17" presetID="1" presetClass="entr" presetSubtype="0" fill="hold" grpId="0" nodeType="clickEffect">
+                                  <p:stCondLst>
+                                    <p:cond delay="0"/>
+                                  </p:stCondLst>
+                                  <p:childTnLst>
+                                    <p:set>
+                                      <p:cBhvr>
+                                        <p:cTn id="18" dur="1" fill="hold">
+                                          <p:stCondLst>
+                                            <p:cond delay="0"/>
+                                          </p:stCondLst>
+                                        </p:cTn>
+                                        <p:tgtEl>
+                                          <p:spTgt spid="3">
+                                            <p:txEl>
+                                              <p:pRg st="3" end="3"/>
+                                            </p:txEl>
+                                          </p:spTgt>
+                                        </p:tgtEl>
+                                        <p:attrNameLst>
+                                          <p:attrName>style.visibility</p:attrName>
+                                        </p:attrNameLst>
+                                      </p:cBhvr>
+                                      <p:to>
+                                        <p:strVal val="visible"/>
+                                      </p:to>
+                                    </p:set>
+                                  </p:childTnLst>
+                                </p:cTn>
+                              </p:par>
+                            </p:childTnLst>
+                          </p:cTn>
+                        </p:par>
+                      </p:childTnLst>
+                    </p:cTn>
+                  </p:par>
+                  <p:par>
+                    <p:cTn id="19" fill="hold">
+                      <p:stCondLst>
+                        <p:cond delay="indefinite"/>
+                      </p:stCondLst>
+                      <p:childTnLst>
+                        <p:par>
+                          <p:cTn id="20" fill="hold">
+                            <p:stCondLst>
+                              <p:cond delay="0"/>
+                            </p:stCondLst>
+                            <p:childTnLst>
+                              <p:par>
+                                <p:cTn id="21" presetID="1" presetClass="entr" presetSubtype="0" fill="hold" grpId="0" nodeType="clickEffect">
+                                  <p:stCondLst>
+                                    <p:cond delay="0"/>
+                                  </p:stCondLst>
+                                  <p:childTnLst>
+                                    <p:set>
+                                      <p:cBhvr>
+                                        <p:cTn id="22" dur="1" fill="hold">
+                                          <p:stCondLst>
+                                            <p:cond delay="0"/>
+                                          </p:stCondLst>
+                                        </p:cTn>
+                                        <p:tgtEl>
+                                          <p:spTgt spid="3">
+                                            <p:txEl>
+                                              <p:pRg st="4" end="4"/>
+                                            </p:txEl>
+                                          </p:spTgt>
+                                        </p:tgtEl>
+                                        <p:attrNameLst>
+                                          <p:attrName>style.visibility</p:attrName>
+                                        </p:attrNameLst>
+                                      </p:cBhvr>
+                                      <p:to>
+                                        <p:strVal val="visible"/>
+                                      </p:to>
+                                    </p:set>
+                                  </p:childTnLst>
+                                </p:cTn>
+                              </p:par>
+                            </p:childTnLst>
+                          </p:cTn>
+                        </p:par>
+                      </p:childTnLst>
+                    </p:cTn>
+                  </p:par>
+                </p:childTnLst>
+              </p:cTn>
+              <p:prevCondLst>
+                <p:cond evt="onPrev" delay="0">
+                  <p:tgtEl>
+                    <p:sldTgt/>
+                  </p:tgtEl>
+                </p:cond>
+              </p:prevCondLst>
+              <p:nextCondLst>
+                <p:cond evt="onNext" delay="0">
+                  <p:tgtEl>
+                    <p:sldTgt/>
+                  </p:tgtEl>
+                </p:cond>
+              </p:nextCondLst>
+            </p:seq>
+          </p:childTnLst>
+        </p:cTn>
+      </p:par>
+    </p:tnLst>
+    <p:bldLst>
+      <p:bldP spid="3" grpId="0" build="p"/>
+    </p:bldLst>
+  </p:timing>
+</p:sld>
+</file>
+
+<file path=ppt/slides/slide23.xml><?xml version="1.0" encoding="utf-8"?>
+<p:sld xmlns:a="http://schemas.openxmlformats.org/drawingml/2006/main" xmlns:r="http://schemas.openxmlformats.org/officeDocument/2006/relationships" xmlns:p="http://schemas.openxmlformats.org/presentationml/2006/main">
+  <p:cSld>
+    <p:spTree>
+      <p:nvGrpSpPr>
+        <p:cNvPr id="1" name=""/>
+        <p:cNvGrpSpPr/>
+        <p:nvPr/>
+      </p:nvGrpSpPr>
+      <p:grpSpPr>
+        <a:xfrm>
+          <a:off x="0" y="0"/>
+          <a:ext cx="0" cy="0"/>
+          <a:chOff x="0" y="0"/>
+          <a:chExt cx="0" cy="0"/>
+        </a:xfrm>
+      </p:grpSpPr>
+      <p:sp>
+        <p:nvSpPr>
+          <p:cNvPr id="2" name="Title 1"/>
+          <p:cNvSpPr>
+            <a:spLocks noGrp="1"/>
+          </p:cNvSpPr>
+          <p:nvPr>
+            <p:ph type="title"/>
+          </p:nvPr>
+        </p:nvSpPr>
+        <p:spPr/>
+        <p:txBody>
+          <a:bodyPr/>
+          <a:lstStyle/>
+          <a:p>
+            <a:r>
+              <a:rPr lang="en-US" dirty="0"/>
+              <a:t>When NOT to use </a:t>
+            </a:r>
+            <a:r>
+              <a:rPr lang="en-US" dirty="0" err="1"/>
+              <a:t>MapReduce</a:t>
+            </a:r>
+            <a:endParaRPr lang="en-US" dirty="0"/>
+          </a:p>
+        </p:txBody>
+      </p:sp>
+      <p:sp>
+        <p:nvSpPr>
+          <p:cNvPr id="3" name="Content Placeholder 2"/>
+          <p:cNvSpPr>
+            <a:spLocks noGrp="1"/>
+          </p:cNvSpPr>
+          <p:nvPr>
+            <p:ph idx="1"/>
+          </p:nvPr>
+        </p:nvSpPr>
+        <p:spPr>
+          <a:xfrm>
+            <a:off x="457200" y="1600200"/>
+            <a:ext cx="5453398" cy="4739810"/>
+          </a:xfrm>
+        </p:spPr>
+        <p:txBody>
+          <a:bodyPr>
+            <a:normAutofit fontScale="85000" lnSpcReduction="20000"/>
+          </a:bodyPr>
+          <a:lstStyle/>
+          <a:p>
+            <a:r>
+              <a:rPr lang="en-US" dirty="0"/>
+              <a:t>Don’t use </a:t>
+            </a:r>
+            <a:r>
+              <a:rPr lang="en-US" dirty="0" err="1"/>
+              <a:t>MapReduce</a:t>
+            </a:r>
+            <a:r>
+              <a:rPr lang="en-US" dirty="0"/>
+              <a:t> for processes which involve relatively little calculation and/or which change the database e.g., interacting with a product data-base</a:t>
+            </a:r>
+          </a:p>
+          <a:p>
+            <a:r>
+              <a:rPr lang="en-US" dirty="0" err="1"/>
+              <a:t>MapReduce</a:t>
+            </a:r>
+            <a:r>
+              <a:rPr lang="en-US" dirty="0"/>
+              <a:t> is good for </a:t>
+            </a:r>
+            <a:r>
+              <a:rPr lang="en-US" i="1" dirty="0"/>
+              <a:t>data-parallelism</a:t>
+            </a:r>
+            <a:r>
+              <a:rPr lang="en-US" dirty="0"/>
+              <a:t> i.e., when the same task needs to be done repeatedly to lots of data</a:t>
+            </a:r>
+          </a:p>
+          <a:p>
+            <a:r>
+              <a:rPr lang="en-US" dirty="0"/>
+              <a:t>It is not good for </a:t>
+            </a:r>
+            <a:r>
+              <a:rPr lang="en-US" i="1" dirty="0"/>
+              <a:t>task-parallelism</a:t>
+            </a:r>
+            <a:r>
+              <a:rPr lang="en-US" dirty="0"/>
+              <a:t> i.e., when lots of different tasks need to be done to the same data</a:t>
+            </a:r>
+          </a:p>
+        </p:txBody>
+      </p:sp>
+      <p:grpSp>
+        <p:nvGrpSpPr>
+          <p:cNvPr id="21" name="Group 20"/>
+          <p:cNvGrpSpPr/>
+          <p:nvPr/>
+        </p:nvGrpSpPr>
+        <p:grpSpPr>
+          <a:xfrm>
+            <a:off x="6235251" y="4277597"/>
+            <a:ext cx="2635420" cy="1928738"/>
+            <a:chOff x="6235251" y="4525850"/>
+            <a:chExt cx="2635420" cy="1928738"/>
+          </a:xfrm>
+        </p:grpSpPr>
+        <p:sp>
+          <p:nvSpPr>
+            <p:cNvPr id="4" name="Oval 3"/>
+            <p:cNvSpPr/>
+            <p:nvPr/>
+          </p:nvSpPr>
+          <p:spPr>
+            <a:xfrm>
+              <a:off x="6235251" y="5241966"/>
+              <a:ext cx="744792" cy="295994"/>
+            </a:xfrm>
+            <a:prstGeom prst="ellipse">
+              <a:avLst/>
+            </a:prstGeom>
+            <a:solidFill>
+              <a:schemeClr val="accent4"/>
+            </a:solidFill>
+          </p:spPr>
+          <p:style>
+            <a:lnRef idx="1">
+              <a:schemeClr val="accent1"/>
+            </a:lnRef>
+            <a:fillRef idx="3">
+              <a:schemeClr val="accent1"/>
+            </a:fillRef>
+            <a:effectRef idx="2">
+              <a:schemeClr val="accent1"/>
+            </a:effectRef>
+            <a:fontRef idx="minor">
+              <a:schemeClr val="lt1"/>
+            </a:fontRef>
+          </p:style>
+          <p:txBody>
+            <a:bodyPr rtlCol="0" anchor="ctr"/>
+            <a:lstStyle/>
+            <a:p>
+              <a:pPr algn="ctr"/>
+              <a:endParaRPr lang="en-US"/>
+            </a:p>
+          </p:txBody>
+        </p:sp>
+        <p:sp>
+          <p:nvSpPr>
+            <p:cNvPr id="5" name="Diamond 4"/>
+            <p:cNvSpPr/>
+            <p:nvPr/>
+          </p:nvSpPr>
+          <p:spPr>
+            <a:xfrm>
+              <a:off x="7237856" y="5070098"/>
+              <a:ext cx="668404" cy="544248"/>
+            </a:xfrm>
+            <a:prstGeom prst="diamond">
+              <a:avLst/>
+            </a:prstGeom>
+            <a:solidFill>
+              <a:srgbClr val="FF0000"/>
+            </a:solidFill>
+          </p:spPr>
+          <p:style>
+            <a:lnRef idx="1">
+              <a:schemeClr val="accent1"/>
+            </a:lnRef>
+            <a:fillRef idx="3">
+              <a:schemeClr val="accent1"/>
+            </a:fillRef>
+            <a:effectRef idx="2">
+              <a:schemeClr val="accent1"/>
+            </a:effectRef>
+            <a:fontRef idx="minor">
+              <a:schemeClr val="lt1"/>
+            </a:fontRef>
+          </p:style>
+          <p:txBody>
+            <a:bodyPr rtlCol="0" anchor="ctr"/>
+            <a:lstStyle/>
+            <a:p>
+              <a:pPr algn="ctr"/>
+              <a:endParaRPr lang="en-US"/>
+            </a:p>
+          </p:txBody>
+        </p:sp>
+        <p:sp>
+          <p:nvSpPr>
+            <p:cNvPr id="6" name="Trapezoid 5"/>
+            <p:cNvSpPr/>
+            <p:nvPr/>
+          </p:nvSpPr>
+          <p:spPr>
+            <a:xfrm>
+              <a:off x="8355045" y="5175128"/>
+              <a:ext cx="515626" cy="439218"/>
+            </a:xfrm>
+            <a:prstGeom prst="trapezoid">
+              <a:avLst/>
+            </a:prstGeom>
+            <a:solidFill>
+              <a:schemeClr val="accent6"/>
+            </a:solidFill>
+            <a:ln>
+              <a:solidFill>
+                <a:srgbClr val="FF6600"/>
+              </a:solidFill>
+            </a:ln>
+          </p:spPr>
+          <p:style>
+            <a:lnRef idx="1">
+              <a:schemeClr val="accent1"/>
+            </a:lnRef>
+            <a:fillRef idx="3">
+              <a:schemeClr val="accent1"/>
+            </a:fillRef>
+            <a:effectRef idx="2">
+              <a:schemeClr val="accent1"/>
+            </a:effectRef>
+            <a:fontRef idx="minor">
+              <a:schemeClr val="lt1"/>
+            </a:fontRef>
+          </p:style>
+          <p:txBody>
+            <a:bodyPr rtlCol="0" anchor="ctr"/>
+            <a:lstStyle/>
+            <a:p>
+              <a:pPr algn="ctr"/>
+              <a:endParaRPr lang="en-US"/>
+            </a:p>
+          </p:txBody>
+        </p:sp>
+        <p:sp>
+          <p:nvSpPr>
+            <p:cNvPr id="7" name="Rectangle 6"/>
+            <p:cNvSpPr/>
+            <p:nvPr/>
+          </p:nvSpPr>
+          <p:spPr>
+            <a:xfrm>
+              <a:off x="6980043" y="4525850"/>
+              <a:ext cx="1241321" cy="276898"/>
+            </a:xfrm>
+            <a:prstGeom prst="rect">
+              <a:avLst/>
+            </a:prstGeom>
+          </p:spPr>
+          <p:style>
+            <a:lnRef idx="1">
+              <a:schemeClr val="accent1"/>
+            </a:lnRef>
+            <a:fillRef idx="3">
+              <a:schemeClr val="accent1"/>
+            </a:fillRef>
+            <a:effectRef idx="2">
+              <a:schemeClr val="accent1"/>
+            </a:effectRef>
+            <a:fontRef idx="minor">
+              <a:schemeClr val="lt1"/>
+            </a:fontRef>
+          </p:style>
+          <p:txBody>
+            <a:bodyPr rtlCol="0" anchor="ctr"/>
+            <a:lstStyle/>
+            <a:p>
+              <a:pPr algn="ctr"/>
+              <a:endParaRPr lang="en-US"/>
+            </a:p>
+          </p:txBody>
+        </p:sp>
+        <p:sp>
+          <p:nvSpPr>
+            <p:cNvPr id="8" name="Rectangle 7"/>
+            <p:cNvSpPr/>
+            <p:nvPr/>
+          </p:nvSpPr>
+          <p:spPr>
+            <a:xfrm>
+              <a:off x="7065981" y="6149046"/>
+              <a:ext cx="1289064" cy="305542"/>
+            </a:xfrm>
+            <a:prstGeom prst="rect">
+              <a:avLst/>
+            </a:prstGeom>
+          </p:spPr>
+          <p:style>
+            <a:lnRef idx="1">
+              <a:schemeClr val="accent1"/>
+            </a:lnRef>
+            <a:fillRef idx="3">
+              <a:schemeClr val="accent1"/>
+            </a:fillRef>
+            <a:effectRef idx="2">
+              <a:schemeClr val="accent1"/>
+            </a:effectRef>
+            <a:fontRef idx="minor">
+              <a:schemeClr val="lt1"/>
+            </a:fontRef>
+          </p:style>
+          <p:txBody>
+            <a:bodyPr rtlCol="0" anchor="ctr"/>
+            <a:lstStyle/>
+            <a:p>
+              <a:pPr algn="ctr"/>
+              <a:endParaRPr lang="en-US"/>
+            </a:p>
+          </p:txBody>
+        </p:sp>
+        <p:cxnSp>
+          <p:nvCxnSpPr>
+            <p:cNvPr id="10" name="Straight Arrow Connector 9"/>
+            <p:cNvCxnSpPr>
+              <a:stCxn id="7" idx="2"/>
+              <a:endCxn id="4" idx="0"/>
+            </p:cNvCxnSpPr>
+            <p:nvPr/>
+          </p:nvCxnSpPr>
+          <p:spPr>
+            <a:xfrm flipH="1">
+              <a:off x="6607647" y="4802748"/>
+              <a:ext cx="993057" cy="439218"/>
+            </a:xfrm>
+            <a:prstGeom prst="straightConnector1">
+              <a:avLst/>
+            </a:prstGeom>
+            <a:ln>
+              <a:tailEnd type="arrow"/>
+            </a:ln>
+          </p:spPr>
+          <p:style>
+            <a:lnRef idx="2">
+              <a:schemeClr val="accent1"/>
+            </a:lnRef>
+            <a:fillRef idx="0">
+              <a:schemeClr val="accent1"/>
+            </a:fillRef>
+            <a:effectRef idx="1">
+              <a:schemeClr val="accent1"/>
+            </a:effectRef>
+            <a:fontRef idx="minor">
+              <a:schemeClr val="tx1"/>
+            </a:fontRef>
+          </p:style>
+        </p:cxnSp>
+        <p:cxnSp>
+          <p:nvCxnSpPr>
+            <p:cNvPr id="12" name="Straight Arrow Connector 11"/>
+            <p:cNvCxnSpPr>
+              <a:stCxn id="7" idx="2"/>
+              <a:endCxn id="5" idx="0"/>
+            </p:cNvCxnSpPr>
+            <p:nvPr/>
+          </p:nvCxnSpPr>
+          <p:spPr>
+            <a:xfrm flipH="1">
+              <a:off x="7572058" y="4802748"/>
+              <a:ext cx="28646" cy="267350"/>
+            </a:xfrm>
+            <a:prstGeom prst="straightConnector1">
+              <a:avLst/>
+            </a:prstGeom>
+            <a:ln>
+              <a:tailEnd type="arrow"/>
+            </a:ln>
+          </p:spPr>
+          <p:style>
+            <a:lnRef idx="2">
+              <a:schemeClr val="accent1"/>
+            </a:lnRef>
+            <a:fillRef idx="0">
+              <a:schemeClr val="accent1"/>
+            </a:fillRef>
+            <a:effectRef idx="1">
+              <a:schemeClr val="accent1"/>
+            </a:effectRef>
+            <a:fontRef idx="minor">
+              <a:schemeClr val="tx1"/>
+            </a:fontRef>
+          </p:style>
+        </p:cxnSp>
+        <p:cxnSp>
+          <p:nvCxnSpPr>
+            <p:cNvPr id="14" name="Straight Arrow Connector 13"/>
+            <p:cNvCxnSpPr>
+              <a:stCxn id="7" idx="2"/>
+              <a:endCxn id="6" idx="0"/>
+            </p:cNvCxnSpPr>
+            <p:nvPr/>
+          </p:nvCxnSpPr>
+          <p:spPr>
+            <a:xfrm>
+              <a:off x="7600704" y="4802748"/>
+              <a:ext cx="1012154" cy="372380"/>
+            </a:xfrm>
+            <a:prstGeom prst="straightConnector1">
+              <a:avLst/>
+            </a:prstGeom>
+            <a:ln>
+              <a:tailEnd type="arrow"/>
+            </a:ln>
+          </p:spPr>
+          <p:style>
+            <a:lnRef idx="2">
+              <a:schemeClr val="accent1"/>
+            </a:lnRef>
+            <a:fillRef idx="0">
+              <a:schemeClr val="accent1"/>
+            </a:fillRef>
+            <a:effectRef idx="1">
+              <a:schemeClr val="accent1"/>
+            </a:effectRef>
+            <a:fontRef idx="minor">
+              <a:schemeClr val="tx1"/>
+            </a:fontRef>
+          </p:style>
+        </p:cxnSp>
+        <p:cxnSp>
+          <p:nvCxnSpPr>
+            <p:cNvPr id="16" name="Straight Arrow Connector 15"/>
+            <p:cNvCxnSpPr>
+              <a:stCxn id="4" idx="4"/>
+              <a:endCxn id="8" idx="0"/>
+            </p:cNvCxnSpPr>
+            <p:nvPr/>
+          </p:nvCxnSpPr>
+          <p:spPr>
+            <a:xfrm>
+              <a:off x="6607647" y="5537960"/>
+              <a:ext cx="1102866" cy="611086"/>
+            </a:xfrm>
+            <a:prstGeom prst="straightConnector1">
+              <a:avLst/>
+            </a:prstGeom>
+            <a:ln>
+              <a:tailEnd type="arrow"/>
+            </a:ln>
+          </p:spPr>
+          <p:style>
+            <a:lnRef idx="2">
+              <a:schemeClr val="accent1"/>
+            </a:lnRef>
+            <a:fillRef idx="0">
+              <a:schemeClr val="accent1"/>
+            </a:fillRef>
+            <a:effectRef idx="1">
+              <a:schemeClr val="accent1"/>
+            </a:effectRef>
+            <a:fontRef idx="minor">
+              <a:schemeClr val="tx1"/>
+            </a:fontRef>
+          </p:style>
+        </p:cxnSp>
+        <p:cxnSp>
+          <p:nvCxnSpPr>
+            <p:cNvPr id="18" name="Straight Arrow Connector 17"/>
+            <p:cNvCxnSpPr>
+              <a:stCxn id="5" idx="2"/>
+              <a:endCxn id="8" idx="0"/>
+            </p:cNvCxnSpPr>
+            <p:nvPr/>
+          </p:nvCxnSpPr>
+          <p:spPr>
+            <a:xfrm>
+              <a:off x="7572058" y="5614346"/>
+              <a:ext cx="138455" cy="534700"/>
+            </a:xfrm>
+            <a:prstGeom prst="straightConnector1">
+              <a:avLst/>
+            </a:prstGeom>
+            <a:ln>
+              <a:tailEnd type="arrow"/>
+            </a:ln>
+          </p:spPr>
+          <p:style>
+            <a:lnRef idx="2">
+              <a:schemeClr val="accent1"/>
+            </a:lnRef>
+            <a:fillRef idx="0">
+              <a:schemeClr val="accent1"/>
+            </a:fillRef>
+            <a:effectRef idx="1">
+              <a:schemeClr val="accent1"/>
+            </a:effectRef>
+            <a:fontRef idx="minor">
+              <a:schemeClr val="tx1"/>
+            </a:fontRef>
+          </p:style>
+        </p:cxnSp>
+        <p:cxnSp>
+          <p:nvCxnSpPr>
+            <p:cNvPr id="20" name="Straight Arrow Connector 19"/>
+            <p:cNvCxnSpPr>
+              <a:stCxn id="6" idx="2"/>
+              <a:endCxn id="8" idx="0"/>
+            </p:cNvCxnSpPr>
+            <p:nvPr/>
+          </p:nvCxnSpPr>
+          <p:spPr>
+            <a:xfrm flipH="1">
+              <a:off x="7710513" y="5614346"/>
+              <a:ext cx="902345" cy="534700"/>
+            </a:xfrm>
+            <a:prstGeom prst="straightConnector1">
+              <a:avLst/>
+            </a:prstGeom>
+            <a:ln>
+              <a:tailEnd type="arrow"/>
+            </a:ln>
+          </p:spPr>
+          <p:style>
+            <a:lnRef idx="2">
+              <a:schemeClr val="accent1"/>
+            </a:lnRef>
+            <a:fillRef idx="0">
+              <a:schemeClr val="accent1"/>
+            </a:fillRef>
+            <a:effectRef idx="1">
+              <a:schemeClr val="accent1"/>
+            </a:effectRef>
+            <a:fontRef idx="minor">
+              <a:schemeClr val="tx1"/>
+            </a:fontRef>
+          </p:style>
+        </p:cxnSp>
+      </p:grpSp>
+      <p:grpSp>
+        <p:nvGrpSpPr>
+          <p:cNvPr id="51" name="Group 50"/>
+          <p:cNvGrpSpPr/>
+          <p:nvPr/>
+        </p:nvGrpSpPr>
+        <p:grpSpPr>
+          <a:xfrm>
+            <a:off x="6397577" y="1937915"/>
+            <a:ext cx="2601622" cy="1928738"/>
+            <a:chOff x="6397577" y="1937915"/>
+            <a:chExt cx="2601622" cy="1928738"/>
+          </a:xfrm>
+        </p:grpSpPr>
+        <p:grpSp>
+          <p:nvGrpSpPr>
+            <p:cNvPr id="22" name="Group 21"/>
+            <p:cNvGrpSpPr/>
+            <p:nvPr/>
+          </p:nvGrpSpPr>
+          <p:grpSpPr>
+            <a:xfrm>
+              <a:off x="6659786" y="1937915"/>
+              <a:ext cx="2005211" cy="1928738"/>
+              <a:chOff x="6607647" y="4525850"/>
+              <a:chExt cx="2005211" cy="1928738"/>
+            </a:xfrm>
+          </p:grpSpPr>
+          <p:sp>
+            <p:nvSpPr>
+              <p:cNvPr id="24" name="Diamond 23"/>
+              <p:cNvSpPr/>
+              <p:nvPr/>
+            </p:nvSpPr>
+            <p:spPr>
+              <a:xfrm>
+                <a:off x="7237856" y="5070098"/>
+                <a:ext cx="668404" cy="544248"/>
+              </a:xfrm>
+              <a:prstGeom prst="diamond">
+                <a:avLst/>
+              </a:prstGeom>
+              <a:solidFill>
+                <a:srgbClr val="FF0000"/>
+              </a:solidFill>
+            </p:spPr>
+            <p:style>
+              <a:lnRef idx="1">
+                <a:schemeClr val="accent1"/>
+              </a:lnRef>
+              <a:fillRef idx="3">
+                <a:schemeClr val="accent1"/>
+              </a:fillRef>
+              <a:effectRef idx="2">
+                <a:schemeClr val="accent1"/>
+              </a:effectRef>
+              <a:fontRef idx="minor">
+                <a:schemeClr val="lt1"/>
+              </a:fontRef>
+            </p:style>
+            <p:txBody>
+              <a:bodyPr rtlCol="0" anchor="ctr"/>
+              <a:lstStyle/>
+              <a:p>
+                <a:pPr algn="ctr"/>
+                <a:endParaRPr lang="en-US"/>
+              </a:p>
+            </p:txBody>
+          </p:sp>
+          <p:sp>
+            <p:nvSpPr>
+              <p:cNvPr id="26" name="Rectangle 25"/>
+              <p:cNvSpPr/>
+              <p:nvPr/>
+            </p:nvSpPr>
+            <p:spPr>
+              <a:xfrm>
+                <a:off x="6980043" y="4525850"/>
+                <a:ext cx="1241321" cy="276898"/>
+              </a:xfrm>
+              <a:prstGeom prst="rect">
+                <a:avLst/>
+              </a:prstGeom>
+            </p:spPr>
+            <p:style>
+              <a:lnRef idx="1">
+                <a:schemeClr val="accent1"/>
+              </a:lnRef>
+              <a:fillRef idx="3">
+                <a:schemeClr val="accent1"/>
+              </a:fillRef>
+              <a:effectRef idx="2">
+                <a:schemeClr val="accent1"/>
+              </a:effectRef>
+              <a:fontRef idx="minor">
+                <a:schemeClr val="lt1"/>
+              </a:fontRef>
+            </p:style>
+            <p:txBody>
+              <a:bodyPr rtlCol="0" anchor="ctr"/>
+              <a:lstStyle/>
+              <a:p>
+                <a:pPr algn="ctr"/>
+                <a:endParaRPr lang="en-US"/>
+              </a:p>
+            </p:txBody>
+          </p:sp>
+          <p:sp>
+            <p:nvSpPr>
+              <p:cNvPr id="27" name="Rectangle 26"/>
+              <p:cNvSpPr/>
+              <p:nvPr/>
+            </p:nvSpPr>
+            <p:spPr>
+              <a:xfrm>
+                <a:off x="7065981" y="6149046"/>
+                <a:ext cx="1289064" cy="305542"/>
+              </a:xfrm>
+              <a:prstGeom prst="rect">
+                <a:avLst/>
+              </a:prstGeom>
+            </p:spPr>
+            <p:style>
+              <a:lnRef idx="1">
+                <a:schemeClr val="accent1"/>
+              </a:lnRef>
+              <a:fillRef idx="3">
+                <a:schemeClr val="accent1"/>
+              </a:fillRef>
+              <a:effectRef idx="2">
+                <a:schemeClr val="accent1"/>
+              </a:effectRef>
+              <a:fontRef idx="minor">
+                <a:schemeClr val="lt1"/>
+              </a:fontRef>
+            </p:style>
+            <p:txBody>
+              <a:bodyPr rtlCol="0" anchor="ctr"/>
+              <a:lstStyle/>
+              <a:p>
+                <a:pPr algn="ctr"/>
+                <a:endParaRPr lang="en-US"/>
+              </a:p>
+            </p:txBody>
+          </p:sp>
+          <p:cxnSp>
+            <p:nvCxnSpPr>
+              <p:cNvPr id="28" name="Straight Arrow Connector 27"/>
+              <p:cNvCxnSpPr/>
+              <p:nvPr/>
+            </p:nvCxnSpPr>
+            <p:spPr>
+              <a:xfrm flipH="1">
+                <a:off x="6607648" y="4802748"/>
+                <a:ext cx="578069" cy="439218"/>
+              </a:xfrm>
+              <a:prstGeom prst="straightConnector1">
+                <a:avLst/>
+              </a:prstGeom>
+              <a:ln>
+                <a:tailEnd type="arrow"/>
+              </a:ln>
+            </p:spPr>
+            <p:style>
+              <a:lnRef idx="2">
+                <a:schemeClr val="accent1"/>
+              </a:lnRef>
+              <a:fillRef idx="0">
+                <a:schemeClr val="accent1"/>
+              </a:fillRef>
+              <a:effectRef idx="1">
+                <a:schemeClr val="accent1"/>
+              </a:effectRef>
+              <a:fontRef idx="minor">
+                <a:schemeClr val="tx1"/>
+              </a:fontRef>
+            </p:style>
+          </p:cxnSp>
+          <p:cxnSp>
+            <p:nvCxnSpPr>
+              <p:cNvPr id="29" name="Straight Arrow Connector 28"/>
+              <p:cNvCxnSpPr>
+                <a:stCxn id="26" idx="2"/>
+                <a:endCxn id="24" idx="0"/>
+              </p:cNvCxnSpPr>
+              <p:nvPr/>
+            </p:nvCxnSpPr>
+            <p:spPr>
+              <a:xfrm flipH="1">
+                <a:off x="7572058" y="4802748"/>
+                <a:ext cx="28646" cy="267350"/>
+              </a:xfrm>
+              <a:prstGeom prst="straightConnector1">
+                <a:avLst/>
+              </a:prstGeom>
+              <a:ln>
+                <a:tailEnd type="arrow"/>
+              </a:ln>
+            </p:spPr>
+            <p:style>
+              <a:lnRef idx="2">
+                <a:schemeClr val="accent1"/>
+              </a:lnRef>
+              <a:fillRef idx="0">
+                <a:schemeClr val="accent1"/>
+              </a:fillRef>
+              <a:effectRef idx="1">
+                <a:schemeClr val="accent1"/>
+              </a:effectRef>
+              <a:fontRef idx="minor">
+                <a:schemeClr val="tx1"/>
+              </a:fontRef>
+            </p:style>
+          </p:cxnSp>
+          <p:cxnSp>
+            <p:nvCxnSpPr>
+              <p:cNvPr id="30" name="Straight Arrow Connector 29"/>
+              <p:cNvCxnSpPr/>
+              <p:nvPr/>
+            </p:nvCxnSpPr>
+            <p:spPr>
+              <a:xfrm>
+                <a:off x="8016447" y="4802748"/>
+                <a:ext cx="596411" cy="372380"/>
+              </a:xfrm>
+              <a:prstGeom prst="straightConnector1">
+                <a:avLst/>
+              </a:prstGeom>
+              <a:ln>
+                <a:tailEnd type="arrow"/>
+              </a:ln>
+            </p:spPr>
+            <p:style>
+              <a:lnRef idx="2">
+                <a:schemeClr val="accent1"/>
+              </a:lnRef>
+              <a:fillRef idx="0">
+                <a:schemeClr val="accent1"/>
+              </a:fillRef>
+              <a:effectRef idx="1">
+                <a:schemeClr val="accent1"/>
+              </a:effectRef>
+              <a:fontRef idx="minor">
+                <a:schemeClr val="tx1"/>
+              </a:fontRef>
+            </p:style>
+          </p:cxnSp>
+          <p:cxnSp>
+            <p:nvCxnSpPr>
+              <p:cNvPr id="31" name="Straight Arrow Connector 30"/>
+              <p:cNvCxnSpPr>
+                <a:endCxn id="27" idx="0"/>
+              </p:cNvCxnSpPr>
+              <p:nvPr/>
+            </p:nvCxnSpPr>
+            <p:spPr>
+              <a:xfrm>
+                <a:off x="6607647" y="5537960"/>
+                <a:ext cx="1102866" cy="611086"/>
+              </a:xfrm>
+              <a:prstGeom prst="straightConnector1">
+                <a:avLst/>
+              </a:prstGeom>
+              <a:ln>
+                <a:tailEnd type="arrow"/>
+              </a:ln>
+            </p:spPr>
+            <p:style>
+              <a:lnRef idx="2">
+                <a:schemeClr val="accent1"/>
+              </a:lnRef>
+              <a:fillRef idx="0">
+                <a:schemeClr val="accent1"/>
+              </a:fillRef>
+              <a:effectRef idx="1">
+                <a:schemeClr val="accent1"/>
+              </a:effectRef>
+              <a:fontRef idx="minor">
+                <a:schemeClr val="tx1"/>
+              </a:fontRef>
+            </p:style>
+          </p:cxnSp>
+          <p:cxnSp>
+            <p:nvCxnSpPr>
+              <p:cNvPr id="32" name="Straight Arrow Connector 31"/>
+              <p:cNvCxnSpPr>
+                <a:stCxn id="24" idx="2"/>
+                <a:endCxn id="27" idx="0"/>
+              </p:cNvCxnSpPr>
+              <p:nvPr/>
+            </p:nvCxnSpPr>
+            <p:spPr>
+              <a:xfrm>
+                <a:off x="7572058" y="5614346"/>
+                <a:ext cx="138455" cy="534700"/>
+              </a:xfrm>
+              <a:prstGeom prst="straightConnector1">
+                <a:avLst/>
+              </a:prstGeom>
+              <a:ln>
+                <a:tailEnd type="arrow"/>
+              </a:ln>
+            </p:spPr>
+            <p:style>
+              <a:lnRef idx="2">
+                <a:schemeClr val="accent1"/>
+              </a:lnRef>
+              <a:fillRef idx="0">
+                <a:schemeClr val="accent1"/>
+              </a:fillRef>
+              <a:effectRef idx="1">
+                <a:schemeClr val="accent1"/>
+              </a:effectRef>
+              <a:fontRef idx="minor">
+                <a:schemeClr val="tx1"/>
+              </a:fontRef>
+            </p:style>
+          </p:cxnSp>
+          <p:cxnSp>
+            <p:nvCxnSpPr>
+              <p:cNvPr id="33" name="Straight Arrow Connector 32"/>
+              <p:cNvCxnSpPr>
+                <a:endCxn id="27" idx="0"/>
+              </p:cNvCxnSpPr>
+              <p:nvPr/>
+            </p:nvCxnSpPr>
+            <p:spPr>
+              <a:xfrm flipH="1">
+                <a:off x="7710513" y="5614346"/>
+                <a:ext cx="902345" cy="534700"/>
+              </a:xfrm>
+              <a:prstGeom prst="straightConnector1">
+                <a:avLst/>
+              </a:prstGeom>
+              <a:ln>
+                <a:tailEnd type="arrow"/>
+              </a:ln>
+            </p:spPr>
+            <p:style>
+              <a:lnRef idx="2">
+                <a:schemeClr val="accent1"/>
+              </a:lnRef>
+              <a:fillRef idx="0">
+                <a:schemeClr val="accent1"/>
+              </a:fillRef>
+              <a:effectRef idx="1">
+                <a:schemeClr val="accent1"/>
+              </a:effectRef>
+              <a:fontRef idx="minor">
+                <a:schemeClr val="tx1"/>
+              </a:fontRef>
+            </p:style>
+          </p:cxnSp>
+        </p:grpSp>
+        <p:sp>
+          <p:nvSpPr>
+            <p:cNvPr id="34" name="Diamond 33"/>
+            <p:cNvSpPr/>
+            <p:nvPr/>
+          </p:nvSpPr>
+          <p:spPr>
+            <a:xfrm>
+              <a:off x="6397577" y="2567725"/>
+              <a:ext cx="668404" cy="544248"/>
+            </a:xfrm>
+            <a:prstGeom prst="diamond">
+              <a:avLst/>
+            </a:prstGeom>
+            <a:solidFill>
+              <a:srgbClr val="FF0000"/>
+            </a:solidFill>
+          </p:spPr>
+          <p:style>
+            <a:lnRef idx="1">
+              <a:schemeClr val="accent1"/>
+            </a:lnRef>
+            <a:fillRef idx="3">
+              <a:schemeClr val="accent1"/>
+            </a:fillRef>
+            <a:effectRef idx="2">
+              <a:schemeClr val="accent1"/>
+            </a:effectRef>
+            <a:fontRef idx="minor">
+              <a:schemeClr val="lt1"/>
+            </a:fontRef>
+          </p:style>
+          <p:txBody>
+            <a:bodyPr rtlCol="0" anchor="ctr"/>
+            <a:lstStyle/>
+            <a:p>
+              <a:pPr algn="ctr"/>
+              <a:endParaRPr lang="en-US"/>
+            </a:p>
+          </p:txBody>
+        </p:sp>
+        <p:sp>
+          <p:nvSpPr>
+            <p:cNvPr id="35" name="Diamond 34"/>
+            <p:cNvSpPr/>
+            <p:nvPr/>
+          </p:nvSpPr>
+          <p:spPr>
+            <a:xfrm>
+              <a:off x="8330795" y="2567725"/>
+              <a:ext cx="668404" cy="544248"/>
+            </a:xfrm>
+            <a:prstGeom prst="diamond">
+              <a:avLst/>
+            </a:prstGeom>
+            <a:solidFill>
+              <a:srgbClr val="FF0000"/>
+            </a:solidFill>
+          </p:spPr>
+          <p:style>
+            <a:lnRef idx="1">
+              <a:schemeClr val="accent1"/>
+            </a:lnRef>
+            <a:fillRef idx="3">
+              <a:schemeClr val="accent1"/>
+            </a:fillRef>
+            <a:effectRef idx="2">
+              <a:schemeClr val="accent1"/>
+            </a:effectRef>
+            <a:fontRef idx="minor">
+              <a:schemeClr val="lt1"/>
+            </a:fontRef>
+          </p:style>
+          <p:txBody>
+            <a:bodyPr rtlCol="0" anchor="ctr"/>
+            <a:lstStyle/>
+            <a:p>
+              <a:pPr algn="ctr"/>
+              <a:endParaRPr lang="en-US"/>
+            </a:p>
+          </p:txBody>
+        </p:sp>
+        <p:cxnSp>
+          <p:nvCxnSpPr>
+            <p:cNvPr id="39" name="Straight Connector 38"/>
+            <p:cNvCxnSpPr/>
+            <p:nvPr/>
+          </p:nvCxnSpPr>
+          <p:spPr>
+            <a:xfrm>
+              <a:off x="7390634" y="1937915"/>
+              <a:ext cx="9549" cy="276898"/>
+            </a:xfrm>
+            <a:prstGeom prst="line">
+              <a:avLst/>
+            </a:prstGeom>
+          </p:spPr>
+          <p:style>
+            <a:lnRef idx="2">
+              <a:schemeClr val="accent1"/>
+            </a:lnRef>
+            <a:fillRef idx="0">
+              <a:schemeClr val="accent1"/>
+            </a:fillRef>
+            <a:effectRef idx="1">
+              <a:schemeClr val="accent1"/>
+            </a:effectRef>
+            <a:fontRef idx="minor">
+              <a:schemeClr val="tx1"/>
+            </a:fontRef>
+          </p:style>
+        </p:cxnSp>
+        <p:cxnSp>
+          <p:nvCxnSpPr>
+            <p:cNvPr id="41" name="Straight Connector 40"/>
+            <p:cNvCxnSpPr/>
+            <p:nvPr/>
+          </p:nvCxnSpPr>
+          <p:spPr>
+            <a:xfrm>
+              <a:off x="7906260" y="1937915"/>
+              <a:ext cx="0" cy="276898"/>
+            </a:xfrm>
+            <a:prstGeom prst="line">
+              <a:avLst/>
+            </a:prstGeom>
+          </p:spPr>
+          <p:style>
+            <a:lnRef idx="2">
+              <a:schemeClr val="accent1"/>
+            </a:lnRef>
+            <a:fillRef idx="0">
+              <a:schemeClr val="accent1"/>
+            </a:fillRef>
+            <a:effectRef idx="1">
+              <a:schemeClr val="accent1"/>
+            </a:effectRef>
+            <a:fontRef idx="minor">
+              <a:schemeClr val="tx1"/>
+            </a:fontRef>
+          </p:style>
+        </p:cxnSp>
+      </p:grpSp>
+      <p:grpSp>
+        <p:nvGrpSpPr>
+          <p:cNvPr id="50" name="Group 49"/>
+          <p:cNvGrpSpPr/>
+          <p:nvPr/>
+        </p:nvGrpSpPr>
+        <p:grpSpPr>
+          <a:xfrm>
+            <a:off x="6156664" y="3975635"/>
+            <a:ext cx="2888080" cy="2780915"/>
+            <a:chOff x="6111119" y="4077085"/>
+            <a:chExt cx="2888080" cy="2780915"/>
+          </a:xfrm>
+        </p:grpSpPr>
+        <p:sp>
+          <p:nvSpPr>
+            <p:cNvPr id="47" name="Oval 46"/>
+            <p:cNvSpPr/>
+            <p:nvPr/>
+          </p:nvSpPr>
+          <p:spPr>
+            <a:xfrm>
+              <a:off x="6111119" y="4077085"/>
+              <a:ext cx="2888080" cy="2780915"/>
+            </a:xfrm>
+            <a:prstGeom prst="ellipse">
+              <a:avLst/>
+            </a:prstGeom>
+            <a:solidFill>
+              <a:schemeClr val="bg2">
+                <a:alpha val="49000"/>
+              </a:schemeClr>
+            </a:solidFill>
+            <a:ln w="76200" cmpd="sng">
+              <a:solidFill>
+                <a:srgbClr val="FF0000"/>
+              </a:solidFill>
+            </a:ln>
+          </p:spPr>
+          <p:style>
+            <a:lnRef idx="1">
+              <a:schemeClr val="accent1"/>
+            </a:lnRef>
+            <a:fillRef idx="3">
+              <a:schemeClr val="accent1"/>
+            </a:fillRef>
+            <a:effectRef idx="2">
+              <a:schemeClr val="accent1"/>
+            </a:effectRef>
+            <a:fontRef idx="minor">
+              <a:schemeClr val="lt1"/>
+            </a:fontRef>
+          </p:style>
+          <p:txBody>
+            <a:bodyPr rtlCol="0" anchor="ctr"/>
+            <a:lstStyle/>
+            <a:p>
+              <a:pPr algn="ctr"/>
+              <a:endParaRPr lang="en-US"/>
+            </a:p>
+          </p:txBody>
+        </p:sp>
+        <p:cxnSp>
+          <p:nvCxnSpPr>
+            <p:cNvPr id="49" name="Straight Connector 48"/>
+            <p:cNvCxnSpPr>
+              <a:stCxn id="47" idx="3"/>
+              <a:endCxn id="47" idx="7"/>
+            </p:cNvCxnSpPr>
+            <p:nvPr/>
+          </p:nvCxnSpPr>
+          <p:spPr>
+            <a:xfrm flipV="1">
+              <a:off x="6534069" y="4484341"/>
+              <a:ext cx="2042180" cy="1966403"/>
+            </a:xfrm>
+            <a:prstGeom prst="line">
+              <a:avLst/>
+            </a:prstGeom>
+            <a:ln w="76200" cmpd="sng">
+              <a:solidFill>
+                <a:srgbClr val="FF0000"/>
+              </a:solidFill>
+            </a:ln>
+          </p:spPr>
+          <p:style>
+            <a:lnRef idx="2">
+              <a:schemeClr val="accent1"/>
+            </a:lnRef>
+            <a:fillRef idx="0">
+              <a:schemeClr val="accent1"/>
+            </a:fillRef>
+            <a:effectRef idx="1">
+              <a:schemeClr val="accent1"/>
+            </a:effectRef>
+            <a:fontRef idx="minor">
+              <a:schemeClr val="tx1"/>
+            </a:fontRef>
+          </p:style>
+        </p:cxnSp>
+      </p:grpSp>
+    </p:spTree>
+    <p:extLst>
+      <p:ext uri="{BB962C8B-B14F-4D97-AF65-F5344CB8AC3E}">
+        <p14:creationId xmlns:p14="http://schemas.microsoft.com/office/powerpoint/2010/main" val="3105692640"/>
+      </p:ext>
+    </p:extLst>
+  </p:cSld>
+  <p:clrMapOvr>
+    <a:masterClrMapping/>
+  </p:clrMapOvr>
+  <p:timing>
+    <p:tnLst>
+      <p:par>
+        <p:cTn id="1" dur="indefinite" restart="never" nodeType="tmRoot">
+          <p:childTnLst>
+            <p:seq concurrent="1" nextAc="seek">
+              <p:cTn id="2" dur="indefinite" nodeType="mainSeq">
+                <p:childTnLst>
+                  <p:par>
+                    <p:cTn id="3" fill="hold">
+                      <p:stCondLst>
+                        <p:cond delay="indefinite"/>
+                      </p:stCondLst>
+                      <p:childTnLst>
+                        <p:par>
+                          <p:cTn id="4" fill="hold">
+                            <p:stCondLst>
+                              <p:cond delay="0"/>
+                            </p:stCondLst>
+                            <p:childTnLst>
+                              <p:par>
+                                <p:cTn id="5" presetID="1" presetClass="entr" presetSubtype="0" fill="hold" grpId="0" nodeType="clickEffect">
+                                  <p:stCondLst>
+                                    <p:cond delay="0"/>
+                                  </p:stCondLst>
+                                  <p:childTnLst>
+                                    <p:set>
+                                      <p:cBhvr>
+                                        <p:cTn id="6" dur="1" fill="hold">
+                                          <p:stCondLst>
+                                            <p:cond delay="0"/>
+                                          </p:stCondLst>
+                                        </p:cTn>
+                                        <p:tgtEl>
+                                          <p:spTgt spid="3">
+                                            <p:txEl>
+                                              <p:pRg st="0" end="0"/>
+                                            </p:txEl>
+                                          </p:spTgt>
+                                        </p:tgtEl>
+                                        <p:attrNameLst>
+                                          <p:attrName>style.visibility</p:attrName>
+                                        </p:attrNameLst>
+                                      </p:cBhvr>
+                                      <p:to>
+                                        <p:strVal val="visible"/>
+                                      </p:to>
+                                    </p:set>
+                                  </p:childTnLst>
+                                </p:cTn>
+                              </p:par>
+                            </p:childTnLst>
+                          </p:cTn>
+                        </p:par>
+                      </p:childTnLst>
+                    </p:cTn>
+                  </p:par>
+                  <p:par>
+                    <p:cTn id="7" fill="hold">
+                      <p:stCondLst>
+                        <p:cond delay="indefinite"/>
+                      </p:stCondLst>
+                      <p:childTnLst>
+                        <p:par>
+                          <p:cTn id="8" fill="hold">
+                            <p:stCondLst>
+                              <p:cond delay="0"/>
+                            </p:stCondLst>
+                            <p:childTnLst>
+                              <p:par>
+                                <p:cTn id="9" presetID="1" presetClass="entr" presetSubtype="0" fill="hold" grpId="0" nodeType="clickEffect">
+                                  <p:stCondLst>
+                                    <p:cond delay="0"/>
+                                  </p:stCondLst>
+                                  <p:childTnLst>
+                                    <p:set>
+                                      <p:cBhvr>
+                                        <p:cTn id="10" dur="1" fill="hold">
+                                          <p:stCondLst>
+                                            <p:cond delay="0"/>
+                                          </p:stCondLst>
+                                        </p:cTn>
+                                        <p:tgtEl>
+                                          <p:spTgt spid="3">
+                                            <p:txEl>
+                                              <p:pRg st="1" end="1"/>
+                                            </p:txEl>
+                                          </p:spTgt>
+                                        </p:tgtEl>
+                                        <p:attrNameLst>
+                                          <p:attrName>style.visibility</p:attrName>
+                                        </p:attrNameLst>
+                                      </p:cBhvr>
+                                      <p:to>
+                                        <p:strVal val="visible"/>
+                                      </p:to>
+                                    </p:set>
+                                  </p:childTnLst>
+                                </p:cTn>
+                              </p:par>
+                              <p:par>
+                                <p:cTn id="11" presetID="1" presetClass="entr" presetSubtype="0" fill="hold" nodeType="withEffect">
+                                  <p:stCondLst>
+                                    <p:cond delay="0"/>
+                                  </p:stCondLst>
+                                  <p:childTnLst>
+                                    <p:set>
+                                      <p:cBhvr>
+                                        <p:cTn id="12" dur="1" fill="hold">
+                                          <p:stCondLst>
+                                            <p:cond delay="0"/>
+                                          </p:stCondLst>
+                                        </p:cTn>
+                                        <p:tgtEl>
+                                          <p:spTgt spid="51"/>
+                                        </p:tgtEl>
+                                        <p:attrNameLst>
+                                          <p:attrName>style.visibility</p:attrName>
+                                        </p:attrNameLst>
+                                      </p:cBhvr>
+                                      <p:to>
+                                        <p:strVal val="visible"/>
+                                      </p:to>
+                                    </p:set>
+                                  </p:childTnLst>
+                                </p:cTn>
+                              </p:par>
+                            </p:childTnLst>
+                          </p:cTn>
+                        </p:par>
+                      </p:childTnLst>
+                    </p:cTn>
+                  </p:par>
+                  <p:par>
+                    <p:cTn id="13" fill="hold">
+                      <p:stCondLst>
+                        <p:cond delay="indefinite"/>
+                      </p:stCondLst>
+                      <p:childTnLst>
+                        <p:par>
+                          <p:cTn id="14" fill="hold">
+                            <p:stCondLst>
+                              <p:cond delay="0"/>
+                            </p:stCondLst>
+                            <p:childTnLst>
+                              <p:par>
+                                <p:cTn id="15" presetID="1" presetClass="entr" presetSubtype="0" fill="hold" grpId="0" nodeType="clickEffect">
+                                  <p:stCondLst>
+                                    <p:cond delay="0"/>
+                                  </p:stCondLst>
+                                  <p:childTnLst>
+                                    <p:set>
+                                      <p:cBhvr>
+                                        <p:cTn id="16" dur="1" fill="hold">
+                                          <p:stCondLst>
+                                            <p:cond delay="0"/>
+                                          </p:stCondLst>
+                                        </p:cTn>
+                                        <p:tgtEl>
+                                          <p:spTgt spid="3">
+                                            <p:txEl>
+                                              <p:pRg st="2" end="2"/>
+                                            </p:txEl>
+                                          </p:spTgt>
+                                        </p:tgtEl>
+                                        <p:attrNameLst>
+                                          <p:attrName>style.visibility</p:attrName>
+                                        </p:attrNameLst>
+                                      </p:cBhvr>
+                                      <p:to>
+                                        <p:strVal val="visible"/>
+                                      </p:to>
+                                    </p:set>
+                                  </p:childTnLst>
+                                </p:cTn>
+                              </p:par>
+                              <p:par>
+                                <p:cTn id="17" presetID="1" presetClass="entr" presetSubtype="0" fill="hold" nodeType="withEffect">
+                                  <p:stCondLst>
+                                    <p:cond delay="0"/>
+                                  </p:stCondLst>
+                                  <p:childTnLst>
+                                    <p:set>
+                                      <p:cBhvr>
+                                        <p:cTn id="18" dur="1" fill="hold">
+                                          <p:stCondLst>
+                                            <p:cond delay="0"/>
+                                          </p:stCondLst>
+                                        </p:cTn>
+                                        <p:tgtEl>
+                                          <p:spTgt spid="21"/>
+                                        </p:tgtEl>
+                                        <p:attrNameLst>
+                                          <p:attrName>style.visibility</p:attrName>
+                                        </p:attrNameLst>
+                                      </p:cBhvr>
+                                      <p:to>
+                                        <p:strVal val="visible"/>
+                                      </p:to>
+                                    </p:set>
+                                  </p:childTnLst>
+                                </p:cTn>
+                              </p:par>
+                            </p:childTnLst>
+                          </p:cTn>
+                        </p:par>
+                      </p:childTnLst>
+                    </p:cTn>
+                  </p:par>
+                  <p:par>
+                    <p:cTn id="19" fill="hold">
+                      <p:stCondLst>
+                        <p:cond delay="indefinite"/>
+                      </p:stCondLst>
+                      <p:childTnLst>
+                        <p:par>
+                          <p:cTn id="20" fill="hold">
+                            <p:stCondLst>
+                              <p:cond delay="0"/>
+                            </p:stCondLst>
+                            <p:childTnLst>
+                              <p:par>
+                                <p:cTn id="21" presetID="1" presetClass="entr" presetSubtype="0" fill="hold" nodeType="clickEffect">
+                                  <p:stCondLst>
+                                    <p:cond delay="0"/>
+                                  </p:stCondLst>
+                                  <p:childTnLst>
+                                    <p:set>
+                                      <p:cBhvr>
+                                        <p:cTn id="22" dur="1" fill="hold">
+                                          <p:stCondLst>
+                                            <p:cond delay="0"/>
+                                          </p:stCondLst>
+                                        </p:cTn>
+                                        <p:tgtEl>
+                                          <p:spTgt spid="50"/>
+                                        </p:tgtEl>
+                                        <p:attrNameLst>
+                                          <p:attrName>style.visibility</p:attrName>
+                                        </p:attrNameLst>
+                                      </p:cBhvr>
+                                      <p:to>
+                                        <p:strVal val="visible"/>
+                                      </p:to>
+                                    </p:set>
+                                  </p:childTnLst>
+                                </p:cTn>
+                              </p:par>
+                            </p:childTnLst>
+                          </p:cTn>
+                        </p:par>
+                      </p:childTnLst>
+                    </p:cTn>
+                  </p:par>
+                </p:childTnLst>
+              </p:cTn>
+              <p:prevCondLst>
+                <p:cond evt="onPrev" delay="0">
+                  <p:tgtEl>
+                    <p:sldTgt/>
+                  </p:tgtEl>
+                </p:cond>
+              </p:prevCondLst>
+              <p:nextCondLst>
+                <p:cond evt="onNext" delay="0">
+                  <p:tgtEl>
+                    <p:sldTgt/>
+                  </p:tgtEl>
+                </p:cond>
+              </p:nextCondLst>
+            </p:seq>
+          </p:childTnLst>
+        </p:cTn>
+      </p:par>
+    </p:tnLst>
+    <p:bldLst>
+      <p:bldP spid="3" grpId="0" uiExpand="1" build="p"/>
+    </p:bldLst>
+  </p:timing>
+</p:sld>
+</file>
+
+<file path=ppt/slides/slide24.xml><?xml version="1.0" encoding="utf-8"?>
+<p:sld xmlns:a="http://schemas.openxmlformats.org/drawingml/2006/main" xmlns:r="http://schemas.openxmlformats.org/officeDocument/2006/relationships" xmlns:p="http://schemas.openxmlformats.org/presentationml/2006/main">
+  <p:cSld>
+    <p:spTree>
+      <p:nvGrpSpPr>
+        <p:cNvPr id="1" name=""/>
+        <p:cNvGrpSpPr/>
+        <p:nvPr/>
+      </p:nvGrpSpPr>
+      <p:grpSpPr>
+        <a:xfrm>
+          <a:off x="0" y="0"/>
+          <a:ext cx="0" cy="0"/>
+          <a:chOff x="0" y="0"/>
+          <a:chExt cx="0" cy="0"/>
+        </a:xfrm>
+      </p:grpSpPr>
+      <p:sp>
+        <p:nvSpPr>
+          <p:cNvPr id="2" name="Title 1"/>
+          <p:cNvSpPr>
+            <a:spLocks noGrp="1"/>
+          </p:cNvSpPr>
+          <p:nvPr>
+            <p:ph type="title"/>
+          </p:nvPr>
+        </p:nvSpPr>
+        <p:spPr/>
+        <p:txBody>
+          <a:bodyPr/>
+          <a:lstStyle/>
+          <a:p>
+            <a:r>
+              <a:rPr lang="en-US" dirty="0"/>
+              <a:t>Apache </a:t>
+            </a:r>
+            <a:r>
+              <a:rPr lang="en-US" dirty="0" err="1"/>
+              <a:t>Hadoop</a:t>
+            </a:r>
+            <a:endParaRPr lang="en-US" dirty="0"/>
+          </a:p>
+        </p:txBody>
+      </p:sp>
+      <p:sp>
+        <p:nvSpPr>
+          <p:cNvPr id="3" name="Content Placeholder 2"/>
+          <p:cNvSpPr>
+            <a:spLocks noGrp="1"/>
+          </p:cNvSpPr>
+          <p:nvPr>
+            <p:ph idx="1"/>
+          </p:nvPr>
+        </p:nvSpPr>
+        <p:spPr/>
+        <p:txBody>
+          <a:bodyPr>
+            <a:normAutofit/>
+          </a:bodyPr>
+          <a:lstStyle/>
+          <a:p>
+            <a:r>
+              <a:rPr lang="en-US" dirty="0"/>
+              <a:t>The most famous and popular </a:t>
+            </a:r>
+            <a:br>
+              <a:rPr lang="en-US" dirty="0"/>
+            </a:br>
+            <a:r>
+              <a:rPr lang="en-US" dirty="0"/>
+              <a:t>Map Reduce framework</a:t>
+            </a:r>
+          </a:p>
+          <a:p>
+            <a:pPr lvl="1"/>
+            <a:r>
+              <a:rPr lang="en-US" dirty="0"/>
+              <a:t>Open Source</a:t>
+            </a:r>
+          </a:p>
+          <a:p>
+            <a:pPr lvl="2"/>
+            <a:r>
+              <a:rPr lang="en-US" dirty="0"/>
+              <a:t>Written in Java, but supports other languages</a:t>
+            </a:r>
+          </a:p>
+          <a:p>
+            <a:pPr lvl="1"/>
+            <a:r>
+              <a:rPr lang="en-US" dirty="0"/>
+              <a:t>Runs Map Reduce workloads across a cloud or cluster of machines</a:t>
+            </a:r>
+          </a:p>
+          <a:p>
+            <a:pPr lvl="1"/>
+            <a:r>
+              <a:rPr lang="en-US" dirty="0"/>
+              <a:t>Supports a distributed </a:t>
+            </a:r>
+            <a:r>
+              <a:rPr lang="en-US" dirty="0" err="1"/>
+              <a:t>filesystem</a:t>
+            </a:r>
+            <a:r>
+              <a:rPr lang="en-US" dirty="0"/>
+              <a:t> to store data for these jobs</a:t>
+            </a:r>
+          </a:p>
+          <a:p>
+            <a:pPr lvl="1"/>
+            <a:r>
+              <a:rPr lang="en-US" dirty="0"/>
+              <a:t>Provides reliability when servers in the cluster fail</a:t>
+            </a:r>
+          </a:p>
+        </p:txBody>
+      </p:sp>
+    </p:spTree>
+    <p:extLst>
+      <p:ext uri="{BB962C8B-B14F-4D97-AF65-F5344CB8AC3E}">
+        <p14:creationId xmlns:p14="http://schemas.microsoft.com/office/powerpoint/2010/main" val="889996596"/>
+      </p:ext>
+    </p:extLst>
+  </p:cSld>
+  <p:clrMapOvr>
+    <a:masterClrMapping/>
+  </p:clrMapOvr>
+</p:sld>
+</file>
+
+<file path=ppt/slides/slide25.xml><?xml version="1.0" encoding="utf-8"?>
+<p:sld xmlns:a="http://schemas.openxmlformats.org/drawingml/2006/main" xmlns:r="http://schemas.openxmlformats.org/officeDocument/2006/relationships" xmlns:p="http://schemas.openxmlformats.org/presentationml/2006/main">
+  <p:cSld>
+    <p:spTree>
+      <p:nvGrpSpPr>
+        <p:cNvPr id="1" name=""/>
+        <p:cNvGrpSpPr/>
+        <p:nvPr/>
+      </p:nvGrpSpPr>
+      <p:grpSpPr>
+        <a:xfrm>
+          <a:off x="0" y="0"/>
+          <a:ext cx="0" cy="0"/>
+          <a:chOff x="0" y="0"/>
+          <a:chExt cx="0" cy="0"/>
+        </a:xfrm>
+      </p:grpSpPr>
+      <p:sp>
+        <p:nvSpPr>
+          <p:cNvPr id="2" name="Title 1"/>
+          <p:cNvSpPr>
+            <a:spLocks noGrp="1"/>
+          </p:cNvSpPr>
+          <p:nvPr>
+            <p:ph type="title"/>
+          </p:nvPr>
+        </p:nvSpPr>
+        <p:spPr/>
+        <p:txBody>
+          <a:bodyPr/>
+          <a:lstStyle/>
+          <a:p>
+            <a:r>
+              <a:rPr lang="en-US" dirty="0"/>
+              <a:t>Components of </a:t>
+            </a:r>
+            <a:r>
+              <a:rPr lang="en-US" dirty="0" err="1"/>
+              <a:t>Hadoop</a:t>
+            </a:r>
+            <a:endParaRPr lang="en-US" dirty="0"/>
+          </a:p>
+        </p:txBody>
+      </p:sp>
+      <p:sp>
+        <p:nvSpPr>
+          <p:cNvPr id="4" name="Rounded Rectangle 3"/>
+          <p:cNvSpPr/>
+          <p:nvPr/>
+        </p:nvSpPr>
+        <p:spPr>
+          <a:xfrm>
+            <a:off x="814487" y="4445451"/>
+            <a:ext cx="7399410" cy="1421991"/>
+          </a:xfrm>
+          <a:prstGeom prst="roundRect">
+            <a:avLst/>
+          </a:prstGeom>
+        </p:spPr>
+        <p:style>
+          <a:lnRef idx="1">
+            <a:schemeClr val="accent1"/>
+          </a:lnRef>
+          <a:fillRef idx="3">
+            <a:schemeClr val="accent1"/>
+          </a:fillRef>
+          <a:effectRef idx="2">
+            <a:schemeClr val="accent1"/>
+          </a:effectRef>
+          <a:fontRef idx="minor">
+            <a:schemeClr val="lt1"/>
+          </a:fontRef>
+        </p:style>
+        <p:txBody>
+          <a:bodyPr rtlCol="0" anchor="ctr"/>
+          <a:lstStyle/>
+          <a:p>
+            <a:pPr algn="ctr"/>
+            <a:r>
+              <a:rPr lang="en-US" dirty="0" err="1"/>
+              <a:t>Hadoop</a:t>
+            </a:r>
+            <a:r>
+              <a:rPr lang="en-US" dirty="0"/>
+              <a:t> Distributed File System (HDFS)</a:t>
+            </a:r>
+          </a:p>
+          <a:p>
+            <a:pPr algn="ctr"/>
+            <a:endParaRPr lang="en-US" dirty="0"/>
+          </a:p>
+          <a:p>
+            <a:pPr algn="ctr"/>
+            <a:r>
+              <a:rPr lang="en-US" dirty="0"/>
+              <a:t>Redundant Reliable Distributed File System</a:t>
+            </a:r>
+          </a:p>
+        </p:txBody>
+      </p:sp>
+      <p:sp>
+        <p:nvSpPr>
+          <p:cNvPr id="5" name="Rounded Rectangle 4"/>
+          <p:cNvSpPr/>
+          <p:nvPr/>
+        </p:nvSpPr>
+        <p:spPr>
+          <a:xfrm>
+            <a:off x="814487" y="2872134"/>
+            <a:ext cx="7399410" cy="1421991"/>
+          </a:xfrm>
+          <a:prstGeom prst="roundRect">
+            <a:avLst/>
+          </a:prstGeom>
+        </p:spPr>
+        <p:style>
+          <a:lnRef idx="1">
+            <a:schemeClr val="accent1"/>
+          </a:lnRef>
+          <a:fillRef idx="3">
+            <a:schemeClr val="accent1"/>
+          </a:fillRef>
+          <a:effectRef idx="2">
+            <a:schemeClr val="accent1"/>
+          </a:effectRef>
+          <a:fontRef idx="minor">
+            <a:schemeClr val="lt1"/>
+          </a:fontRef>
+        </p:style>
+        <p:txBody>
+          <a:bodyPr rtlCol="0" anchor="ctr"/>
+          <a:lstStyle/>
+          <a:p>
+            <a:pPr algn="ctr"/>
+            <a:r>
+              <a:rPr lang="en-US" dirty="0"/>
+              <a:t>YARN (Yet Another Resource Negotiator)</a:t>
+            </a:r>
+          </a:p>
+          <a:p>
+            <a:pPr algn="ctr"/>
+            <a:r>
+              <a:rPr lang="en-US" dirty="0"/>
+              <a:t>Cluster Resource Management</a:t>
+            </a:r>
+          </a:p>
+        </p:txBody>
+      </p:sp>
+      <p:sp>
+        <p:nvSpPr>
+          <p:cNvPr id="6" name="Rounded Rectangle 5"/>
+          <p:cNvSpPr/>
+          <p:nvPr/>
+        </p:nvSpPr>
+        <p:spPr>
+          <a:xfrm>
+            <a:off x="814487" y="1340235"/>
+            <a:ext cx="7399410" cy="1421991"/>
+          </a:xfrm>
+          <a:prstGeom prst="roundRect">
+            <a:avLst/>
+          </a:prstGeom>
+        </p:spPr>
+        <p:style>
+          <a:lnRef idx="1">
+            <a:schemeClr val="accent1"/>
+          </a:lnRef>
+          <a:fillRef idx="3">
+            <a:schemeClr val="accent1"/>
+          </a:fillRef>
+          <a:effectRef idx="2">
+            <a:schemeClr val="accent1"/>
+          </a:effectRef>
+          <a:fontRef idx="minor">
+            <a:schemeClr val="lt1"/>
+          </a:fontRef>
+        </p:style>
+        <p:txBody>
+          <a:bodyPr rtlCol="0" anchor="ctr"/>
+          <a:lstStyle/>
+          <a:p>
+            <a:pPr algn="ctr"/>
+            <a:r>
+              <a:rPr lang="en-US" dirty="0"/>
+              <a:t>Map Reduce or Other Workloads</a:t>
+            </a:r>
+          </a:p>
+          <a:p>
+            <a:pPr algn="ctr"/>
+            <a:endParaRPr lang="en-US" dirty="0"/>
+          </a:p>
+          <a:p>
+            <a:pPr algn="ctr"/>
+            <a:r>
+              <a:rPr lang="en-US" dirty="0"/>
+              <a:t>Java, </a:t>
+            </a:r>
+            <a:r>
+              <a:rPr lang="en-US" dirty="0" err="1"/>
+              <a:t>Scala</a:t>
+            </a:r>
+            <a:r>
+              <a:rPr lang="en-US" dirty="0"/>
+              <a:t>, Python, Apache Pig, Apache Hive, </a:t>
+            </a:r>
+            <a:r>
+              <a:rPr lang="en-US" dirty="0" err="1"/>
+              <a:t>etc</a:t>
+            </a:r>
+            <a:endParaRPr lang="en-US" dirty="0"/>
+          </a:p>
+        </p:txBody>
+      </p:sp>
+    </p:spTree>
+    <p:extLst>
+      <p:ext uri="{BB962C8B-B14F-4D97-AF65-F5344CB8AC3E}">
+        <p14:creationId xmlns:p14="http://schemas.microsoft.com/office/powerpoint/2010/main" val="3186538270"/>
+      </p:ext>
+    </p:extLst>
+  </p:cSld>
+  <p:clrMapOvr>
+    <a:masterClrMapping/>
+  </p:clrMapOvr>
+</p:sld>
+</file>
+
+<file path=ppt/slides/slide26.xml><?xml version="1.0" encoding="utf-8"?>
+<p:sld xmlns:a="http://schemas.openxmlformats.org/drawingml/2006/main" xmlns:r="http://schemas.openxmlformats.org/officeDocument/2006/relationships" xmlns:p="http://schemas.openxmlformats.org/presentationml/2006/main">
+  <p:cSld>
+    <p:spTree>
+      <p:nvGrpSpPr>
+        <p:cNvPr id="1" name=""/>
+        <p:cNvGrpSpPr/>
+        <p:nvPr/>
+      </p:nvGrpSpPr>
+      <p:grpSpPr>
+        <a:xfrm>
+          <a:off x="0" y="0"/>
+          <a:ext cx="0" cy="0"/>
+          <a:chOff x="0" y="0"/>
+          <a:chExt cx="0" cy="0"/>
+        </a:xfrm>
+      </p:grpSpPr>
+      <p:sp>
+        <p:nvSpPr>
+          <p:cNvPr id="2" name="Title 1"/>
+          <p:cNvSpPr>
+            <a:spLocks noGrp="1"/>
+          </p:cNvSpPr>
+          <p:nvPr>
+            <p:ph type="title"/>
+          </p:nvPr>
+        </p:nvSpPr>
+        <p:spPr/>
+        <p:txBody>
+          <a:bodyPr/>
+          <a:lstStyle/>
+          <a:p>
+            <a:r>
+              <a:rPr lang="en-US" dirty="0"/>
+              <a:t>Summary</a:t>
+            </a:r>
+          </a:p>
+        </p:txBody>
+      </p:sp>
+      <p:sp>
+        <p:nvSpPr>
+          <p:cNvPr id="3" name="Content Placeholder 2"/>
+          <p:cNvSpPr>
+            <a:spLocks noGrp="1"/>
+          </p:cNvSpPr>
+          <p:nvPr>
+            <p:ph idx="1"/>
+          </p:nvPr>
+        </p:nvSpPr>
+        <p:spPr/>
+        <p:txBody>
+          <a:bodyPr/>
+          <a:lstStyle/>
+          <a:p>
+            <a:r>
+              <a:rPr lang="en-US" dirty="0"/>
+              <a:t>Understanding the Map Reduce Model</a:t>
+            </a:r>
+          </a:p>
+          <a:p>
+            <a:r>
+              <a:rPr lang="en-US" dirty="0"/>
+              <a:t>How is it implemented in </a:t>
+            </a:r>
+            <a:r>
+              <a:rPr lang="en-US" dirty="0" err="1"/>
+              <a:t>Hadoop</a:t>
+            </a:r>
+            <a:endParaRPr lang="en-US" dirty="0"/>
+          </a:p>
+          <a:p>
+            <a:r>
+              <a:rPr lang="en-US" dirty="0"/>
+              <a:t>HDFS</a:t>
+            </a:r>
+          </a:p>
+        </p:txBody>
+      </p:sp>
+    </p:spTree>
+    <p:extLst>
+      <p:ext uri="{BB962C8B-B14F-4D97-AF65-F5344CB8AC3E}">
+        <p14:creationId xmlns:p14="http://schemas.microsoft.com/office/powerpoint/2010/main" val="805359489"/>
+      </p:ext>
+    </p:extLst>
+  </p:cSld>
+  <p:clrMapOvr>
+    <a:masterClrMapping/>
+  </p:clrMapOvr>
+</p:sld>
+</file>
+
+<file path=ppt/slides/slide27.xml><?xml version="1.0" encoding="utf-8"?>
+<p:sld xmlns:a="http://schemas.openxmlformats.org/drawingml/2006/main" xmlns:r="http://schemas.openxmlformats.org/officeDocument/2006/relationships" xmlns:p="http://schemas.openxmlformats.org/presentationml/2006/main">
+  <p:cSld>
+    <p:spTree>
+      <p:nvGrpSpPr>
+        <p:cNvPr id="1" name=""/>
+        <p:cNvGrpSpPr/>
+        <p:nvPr/>
+      </p:nvGrpSpPr>
+      <p:grpSpPr>
+        <a:xfrm>
+          <a:off x="0" y="0"/>
+          <a:ext cx="0" cy="0"/>
+          <a:chOff x="0" y="0"/>
+          <a:chExt cx="0" cy="0"/>
+        </a:xfrm>
+      </p:grpSpPr>
+      <p:sp>
+        <p:nvSpPr>
+          <p:cNvPr id="2" name="Title 1"/>
+          <p:cNvSpPr>
+            <a:spLocks noGrp="1"/>
+          </p:cNvSpPr>
+          <p:nvPr>
+            <p:ph type="title"/>
+          </p:nvPr>
+        </p:nvSpPr>
+        <p:spPr/>
+        <p:txBody>
+          <a:bodyPr/>
+          <a:lstStyle/>
+          <a:p>
+            <a:r>
+              <a:rPr lang="en-US" dirty="0"/>
+              <a:t>Questions?</a:t>
+            </a:r>
+          </a:p>
+        </p:txBody>
+      </p:sp>
+    </p:spTree>
+    <p:extLst>
+      <p:ext uri="{BB962C8B-B14F-4D97-AF65-F5344CB8AC3E}">
+        <p14:creationId xmlns:p14="http://schemas.microsoft.com/office/powerpoint/2010/main" val="973082986"/>
+      </p:ext>
+    </p:extLst>
+  </p:cSld>
+  <p:clrMapOvr>
+    <a:masterClrMapping/>
+  </p:clrMapOvr>
+</p:sld>
+</file>
+
 <file path=ppt/slides/slide3.xml><?xml version="1.0" encoding="utf-8"?>
+<p:sld xmlns:a="http://schemas.openxmlformats.org/drawingml/2006/main" xmlns:r="http://schemas.openxmlformats.org/officeDocument/2006/relationships" xmlns:p="http://schemas.openxmlformats.org/presentationml/2006/main">
+  <p:cSld>
+    <p:spTree>
+      <p:nvGrpSpPr>
+        <p:cNvPr id="1" name=""/>
+        <p:cNvGrpSpPr/>
+        <p:nvPr/>
+      </p:nvGrpSpPr>
+      <p:grpSpPr>
+        <a:xfrm>
+          <a:off x="0" y="0"/>
+          <a:ext cx="0" cy="0"/>
+          <a:chOff x="0" y="0"/>
+          <a:chExt cx="0" cy="0"/>
+        </a:xfrm>
+      </p:grpSpPr>
+      <p:sp>
+        <p:nvSpPr>
+          <p:cNvPr id="2" name="Title 1"/>
+          <p:cNvSpPr>
+            <a:spLocks noGrp="1"/>
+          </p:cNvSpPr>
+          <p:nvPr>
+            <p:ph type="title"/>
+          </p:nvPr>
+        </p:nvSpPr>
+        <p:spPr/>
+        <p:txBody>
+          <a:bodyPr/>
+          <a:lstStyle/>
+          <a:p>
+            <a:r>
+              <a:rPr lang="en-US" dirty="0"/>
+              <a:t>Data </a:t>
+            </a:r>
+            <a:r>
+              <a:rPr lang="en-US" dirty="0" err="1"/>
+              <a:t>centres</a:t>
+            </a:r>
+            <a:endParaRPr lang="en-US" dirty="0"/>
+          </a:p>
+        </p:txBody>
+      </p:sp>
+      <p:sp>
+        <p:nvSpPr>
+          <p:cNvPr id="3" name="Content Placeholder 2"/>
+          <p:cNvSpPr>
+            <a:spLocks noGrp="1"/>
+          </p:cNvSpPr>
+          <p:nvPr>
+            <p:ph idx="1"/>
+          </p:nvPr>
+        </p:nvSpPr>
+        <p:spPr>
+          <a:xfrm>
+            <a:off x="457200" y="1600200"/>
+            <a:ext cx="3849229" cy="4525963"/>
+          </a:xfrm>
+        </p:spPr>
+        <p:txBody>
+          <a:bodyPr>
+            <a:normAutofit fontScale="92500" lnSpcReduction="10000"/>
+          </a:bodyPr>
+          <a:lstStyle/>
+          <a:p>
+            <a:r>
+              <a:rPr lang="en-US" sz="2400" dirty="0"/>
+              <a:t>Big Data analysis can be greatly speeded up through parallel and distributed computation.</a:t>
+            </a:r>
+          </a:p>
+          <a:p>
+            <a:r>
+              <a:rPr lang="en-US" sz="2400" dirty="0"/>
+              <a:t>Data </a:t>
+            </a:r>
+            <a:r>
+              <a:rPr lang="en-US" sz="2400" dirty="0" err="1"/>
+              <a:t>centres</a:t>
+            </a:r>
+            <a:r>
+              <a:rPr lang="en-US" sz="2400" dirty="0"/>
+              <a:t> provide parallelism through </a:t>
+            </a:r>
+            <a:r>
+              <a:rPr lang="en-US" sz="2400" b="1" dirty="0"/>
+              <a:t>computing clusters</a:t>
+            </a:r>
+            <a:r>
+              <a:rPr lang="en-US" sz="2400" dirty="0"/>
+              <a:t> – large collections of commodity hardware, including conventional processors (</a:t>
+            </a:r>
+            <a:r>
+              <a:rPr lang="en-US" sz="2400" b="1" dirty="0"/>
+              <a:t>“compute nodes”</a:t>
+            </a:r>
+            <a:r>
+              <a:rPr lang="en-US" sz="2400" dirty="0"/>
+              <a:t>) connected by Ethernet cables or inexpensive switches</a:t>
+            </a:r>
+          </a:p>
+        </p:txBody>
+      </p:sp>
+      <p:pic>
+        <p:nvPicPr>
+          <p:cNvPr id="4" name="Picture 3" descr="Screenshot 2016-11-29 12.57.10.png"/>
+          <p:cNvPicPr>
+            <a:picLocks noChangeAspect="1"/>
+          </p:cNvPicPr>
+          <p:nvPr/>
+        </p:nvPicPr>
+        <p:blipFill>
+          <a:blip r:embed="rId2">
+            <a:extLst>
+              <a:ext uri="{28A0092B-C50C-407E-A947-70E740481C1C}">
+                <a14:useLocalDpi xmlns:a14="http://schemas.microsoft.com/office/drawing/2010/main" val="0"/>
+              </a:ext>
+            </a:extLst>
+          </a:blip>
+          <a:stretch>
+            <a:fillRect/>
+          </a:stretch>
+        </p:blipFill>
+        <p:spPr>
+          <a:xfrm>
+            <a:off x="4348326" y="1749073"/>
+            <a:ext cx="4338474" cy="3228315"/>
+          </a:xfrm>
+          <a:prstGeom prst="rect">
+            <a:avLst/>
+          </a:prstGeom>
+        </p:spPr>
+      </p:pic>
+      <p:sp>
+        <p:nvSpPr>
+          <p:cNvPr id="5" name="TextBox 4"/>
+          <p:cNvSpPr txBox="1"/>
+          <p:nvPr/>
+        </p:nvSpPr>
+        <p:spPr>
+          <a:xfrm>
+            <a:off x="4348326" y="5270611"/>
+            <a:ext cx="4338474" cy="923330"/>
+          </a:xfrm>
+          <a:prstGeom prst="rect">
+            <a:avLst/>
+          </a:prstGeom>
+          <a:noFill/>
+        </p:spPr>
+        <p:txBody>
+          <a:bodyPr wrap="square" rtlCol="0">
+            <a:spAutoFit/>
+          </a:bodyPr>
+          <a:lstStyle/>
+          <a:p>
+            <a:r>
+              <a:rPr lang="en-US" dirty="0"/>
+              <a:t>Compute </a:t>
+            </a:r>
+            <a:r>
+              <a:rPr lang="en-US" dirty="0">
+                <a:solidFill>
+                  <a:schemeClr val="accent6"/>
+                </a:solidFill>
+              </a:rPr>
+              <a:t>nodes</a:t>
+            </a:r>
+            <a:r>
+              <a:rPr lang="en-US" dirty="0"/>
+              <a:t> are stored on </a:t>
+            </a:r>
+            <a:r>
+              <a:rPr lang="en-US" dirty="0">
+                <a:solidFill>
+                  <a:srgbClr val="FF0000"/>
+                </a:solidFill>
+              </a:rPr>
+              <a:t>racks</a:t>
+            </a:r>
+            <a:r>
+              <a:rPr lang="en-US" dirty="0"/>
+              <a:t> – maybe 8-64 on a rack (5 per rack shown in the diagram).</a:t>
+            </a:r>
+          </a:p>
+        </p:txBody>
+      </p:sp>
+      <p:cxnSp>
+        <p:nvCxnSpPr>
+          <p:cNvPr id="7" name="Straight Arrow Connector 6"/>
+          <p:cNvCxnSpPr/>
+          <p:nvPr/>
+        </p:nvCxnSpPr>
+        <p:spPr>
+          <a:xfrm flipV="1">
+            <a:off x="5662333" y="4649977"/>
+            <a:ext cx="85938" cy="725664"/>
+          </a:xfrm>
+          <a:prstGeom prst="straightConnector1">
+            <a:avLst/>
+          </a:prstGeom>
+          <a:ln>
+            <a:solidFill>
+              <a:schemeClr val="accent6"/>
+            </a:solidFill>
+            <a:tailEnd type="arrow"/>
+          </a:ln>
+        </p:spPr>
+        <p:style>
+          <a:lnRef idx="2">
+            <a:schemeClr val="accent1"/>
+          </a:lnRef>
+          <a:fillRef idx="0">
+            <a:schemeClr val="accent1"/>
+          </a:fillRef>
+          <a:effectRef idx="1">
+            <a:schemeClr val="accent1"/>
+          </a:effectRef>
+          <a:fontRef idx="minor">
+            <a:schemeClr val="tx1"/>
+          </a:fontRef>
+        </p:style>
+      </p:cxnSp>
+      <p:cxnSp>
+        <p:nvCxnSpPr>
+          <p:cNvPr id="11" name="Straight Arrow Connector 10"/>
+          <p:cNvCxnSpPr/>
+          <p:nvPr/>
+        </p:nvCxnSpPr>
+        <p:spPr>
+          <a:xfrm flipV="1">
+            <a:off x="5662333" y="4506754"/>
+            <a:ext cx="276910" cy="868887"/>
+          </a:xfrm>
+          <a:prstGeom prst="straightConnector1">
+            <a:avLst/>
+          </a:prstGeom>
+          <a:ln>
+            <a:solidFill>
+              <a:schemeClr val="accent6"/>
+            </a:solidFill>
+            <a:tailEnd type="arrow"/>
+          </a:ln>
+        </p:spPr>
+        <p:style>
+          <a:lnRef idx="2">
+            <a:schemeClr val="accent1"/>
+          </a:lnRef>
+          <a:fillRef idx="0">
+            <a:schemeClr val="accent1"/>
+          </a:fillRef>
+          <a:effectRef idx="1">
+            <a:schemeClr val="accent1"/>
+          </a:effectRef>
+          <a:fontRef idx="minor">
+            <a:schemeClr val="tx1"/>
+          </a:fontRef>
+        </p:style>
+      </p:cxnSp>
+    </p:spTree>
+    <p:extLst>
+      <p:ext uri="{BB962C8B-B14F-4D97-AF65-F5344CB8AC3E}">
+        <p14:creationId xmlns:p14="http://schemas.microsoft.com/office/powerpoint/2010/main" val="1909650825"/>
+      </p:ext>
+    </p:extLst>
+  </p:cSld>
+  <p:clrMapOvr>
+    <a:masterClrMapping/>
+  </p:clrMapOvr>
+</p:sld>
+</file>
+
+<file path=ppt/slides/slide4.xml><?xml version="1.0" encoding="utf-8"?>
+<p:sld xmlns:a="http://schemas.openxmlformats.org/drawingml/2006/main" xmlns:r="http://schemas.openxmlformats.org/officeDocument/2006/relationships" xmlns:p="http://schemas.openxmlformats.org/presentationml/2006/main">
+  <p:cSld>
+    <p:spTree>
+      <p:nvGrpSpPr>
+        <p:cNvPr id="1" name=""/>
+        <p:cNvGrpSpPr/>
+        <p:nvPr/>
+      </p:nvGrpSpPr>
+      <p:grpSpPr>
+        <a:xfrm>
+          <a:off x="0" y="0"/>
+          <a:ext cx="0" cy="0"/>
+          <a:chOff x="0" y="0"/>
+          <a:chExt cx="0" cy="0"/>
+        </a:xfrm>
+      </p:grpSpPr>
+      <p:sp>
+        <p:nvSpPr>
+          <p:cNvPr id="2" name="Title 1"/>
+          <p:cNvSpPr>
+            <a:spLocks noGrp="1"/>
+          </p:cNvSpPr>
+          <p:nvPr>
+            <p:ph type="title"/>
+          </p:nvPr>
+        </p:nvSpPr>
+        <p:spPr/>
+        <p:txBody>
+          <a:bodyPr/>
+          <a:lstStyle/>
+          <a:p>
+            <a:r>
+              <a:rPr lang="en-US" dirty="0"/>
+              <a:t>Fault tolerance</a:t>
+            </a:r>
+          </a:p>
+        </p:txBody>
+      </p:sp>
+      <p:sp>
+        <p:nvSpPr>
+          <p:cNvPr id="3" name="Content Placeholder 2"/>
+          <p:cNvSpPr>
+            <a:spLocks noGrp="1"/>
+          </p:cNvSpPr>
+          <p:nvPr>
+            <p:ph idx="1"/>
+          </p:nvPr>
+        </p:nvSpPr>
+        <p:spPr>
+          <a:xfrm>
+            <a:off x="457200" y="4382629"/>
+            <a:ext cx="4441244" cy="1728224"/>
+          </a:xfrm>
+        </p:spPr>
+        <p:txBody>
+          <a:bodyPr>
+            <a:normAutofit lnSpcReduction="10000"/>
+          </a:bodyPr>
+          <a:lstStyle/>
+          <a:p>
+            <a:pPr marL="0" indent="0">
+              <a:buNone/>
+            </a:pPr>
+            <a:r>
+              <a:rPr lang="en-US" sz="2200" dirty="0"/>
+              <a:t>Components (including individual nodes, entire racks and network connections) can fail.  The more components a system has, the more likely it is for one to fail.</a:t>
+            </a:r>
+          </a:p>
+        </p:txBody>
+      </p:sp>
+      <p:pic>
+        <p:nvPicPr>
+          <p:cNvPr id="4" name="Picture 3" descr="Screenshot 2016-11-29 12.57.40.png"/>
+          <p:cNvPicPr>
+            <a:picLocks noChangeAspect="1"/>
+          </p:cNvPicPr>
+          <p:nvPr/>
+        </p:nvPicPr>
+        <p:blipFill>
+          <a:blip r:embed="rId2">
+            <a:extLst>
+              <a:ext uri="{28A0092B-C50C-407E-A947-70E740481C1C}">
+                <a14:useLocalDpi xmlns:a14="http://schemas.microsoft.com/office/drawing/2010/main" val="0"/>
+              </a:ext>
+            </a:extLst>
+          </a:blip>
+          <a:stretch>
+            <a:fillRect/>
+          </a:stretch>
+        </p:blipFill>
+        <p:spPr>
+          <a:xfrm>
+            <a:off x="457200" y="1600201"/>
+            <a:ext cx="4298861" cy="2595539"/>
+          </a:xfrm>
+          <a:prstGeom prst="rect">
+            <a:avLst/>
+          </a:prstGeom>
+        </p:spPr>
+      </p:pic>
+      <p:sp>
+        <p:nvSpPr>
+          <p:cNvPr id="5" name="Rectangle 4"/>
+          <p:cNvSpPr/>
+          <p:nvPr/>
+        </p:nvSpPr>
+        <p:spPr>
+          <a:xfrm>
+            <a:off x="5118061" y="1600201"/>
+            <a:ext cx="3953321" cy="4247317"/>
+          </a:xfrm>
+          <a:prstGeom prst="rect">
+            <a:avLst/>
+          </a:prstGeom>
+        </p:spPr>
+        <p:txBody>
+          <a:bodyPr wrap="square">
+            <a:spAutoFit/>
+          </a:bodyPr>
+          <a:lstStyle/>
+          <a:p>
+            <a:r>
+              <a:rPr lang="en-US" sz="2200" dirty="0"/>
+              <a:t>To avoid having to abort and restart an entire computation every time a component fails, systems should be fault tolerant.  This involves:</a:t>
+            </a:r>
+          </a:p>
+          <a:p>
+            <a:pPr marL="800100" lvl="1" indent="-342900">
+              <a:buFont typeface="Arial"/>
+              <a:buChar char="•"/>
+            </a:pPr>
+            <a:r>
+              <a:rPr lang="en-US" sz="2000" dirty="0"/>
+              <a:t>file replication at different nodes (e.g., x3 in HDFS)</a:t>
+            </a:r>
+          </a:p>
+          <a:p>
+            <a:pPr marL="800100" lvl="1" indent="-342900">
+              <a:buFont typeface="Arial"/>
+              <a:buChar char="•"/>
+            </a:pPr>
+            <a:r>
+              <a:rPr lang="en-US" sz="2000" dirty="0"/>
+              <a:t>division of computation into tasks, such that if one fails to complete it can be restarted without affecting other tasks (e.g., </a:t>
+            </a:r>
+            <a:r>
+              <a:rPr lang="en-US" sz="2000" dirty="0" err="1"/>
+              <a:t>MapReduce</a:t>
+            </a:r>
+            <a:r>
+              <a:rPr lang="en-US" sz="2000" dirty="0"/>
+              <a:t>)</a:t>
+            </a:r>
+          </a:p>
+        </p:txBody>
+      </p:sp>
+    </p:spTree>
+    <p:extLst>
+      <p:ext uri="{BB962C8B-B14F-4D97-AF65-F5344CB8AC3E}">
+        <p14:creationId xmlns:p14="http://schemas.microsoft.com/office/powerpoint/2010/main" val="1451719832"/>
+      </p:ext>
+    </p:extLst>
+  </p:cSld>
+  <p:clrMapOvr>
+    <a:masterClrMapping/>
+  </p:clrMapOvr>
+</p:sld>
+</file>
+
+<file path=ppt/slides/slide5.xml><?xml version="1.0" encoding="utf-8"?>
+<p:sld xmlns:a="http://schemas.openxmlformats.org/drawingml/2006/main" xmlns:r="http://schemas.openxmlformats.org/officeDocument/2006/relationships" xmlns:p="http://schemas.openxmlformats.org/presentationml/2006/main">
+  <p:cSld>
+    <p:spTree>
+      <p:nvGrpSpPr>
+        <p:cNvPr id="1" name=""/>
+        <p:cNvGrpSpPr/>
+        <p:nvPr/>
+      </p:nvGrpSpPr>
+      <p:grpSpPr>
+        <a:xfrm>
+          <a:off x="0" y="0"/>
+          <a:ext cx="0" cy="0"/>
+          <a:chOff x="0" y="0"/>
+          <a:chExt cx="0" cy="0"/>
+        </a:xfrm>
+      </p:grpSpPr>
+      <p:sp>
+        <p:nvSpPr>
+          <p:cNvPr id="2" name="Title 1"/>
+          <p:cNvSpPr>
+            <a:spLocks noGrp="1"/>
+          </p:cNvSpPr>
+          <p:nvPr>
+            <p:ph type="title"/>
+          </p:nvPr>
+        </p:nvSpPr>
+        <p:spPr/>
+        <p:txBody>
+          <a:bodyPr/>
+          <a:lstStyle/>
+          <a:p>
+            <a:r>
+              <a:rPr lang="en-US" dirty="0"/>
+              <a:t>Distributed file systems</a:t>
+            </a:r>
+          </a:p>
+        </p:txBody>
+      </p:sp>
+      <p:sp>
+        <p:nvSpPr>
+          <p:cNvPr id="3" name="Content Placeholder 2"/>
+          <p:cNvSpPr>
+            <a:spLocks noGrp="1"/>
+          </p:cNvSpPr>
+          <p:nvPr>
+            <p:ph idx="1"/>
+          </p:nvPr>
+        </p:nvSpPr>
+        <p:spPr/>
+        <p:txBody>
+          <a:bodyPr>
+            <a:normAutofit fontScale="92500" lnSpcReduction="10000"/>
+          </a:bodyPr>
+          <a:lstStyle/>
+          <a:p>
+            <a:r>
+              <a:rPr lang="en-US" sz="2400" dirty="0"/>
+              <a:t>A DFS may be suitable when</a:t>
+            </a:r>
+          </a:p>
+          <a:p>
+            <a:pPr lvl="1"/>
+            <a:r>
+              <a:rPr lang="en-US" sz="2000" dirty="0"/>
+              <a:t>Files are enormous (maybe a TB or more)</a:t>
+            </a:r>
+          </a:p>
+          <a:p>
+            <a:pPr lvl="1"/>
+            <a:r>
+              <a:rPr lang="en-US" sz="2000" dirty="0"/>
+              <a:t>Files are rarely updated.  They are appended or read sequentially (read or write random access not required)</a:t>
+            </a:r>
+          </a:p>
+          <a:p>
+            <a:r>
+              <a:rPr lang="en-US" sz="2400" dirty="0"/>
+              <a:t>Files are divided into </a:t>
+            </a:r>
+            <a:r>
+              <a:rPr lang="en-US" sz="2400" b="1" dirty="0"/>
+              <a:t>chunks.</a:t>
+            </a:r>
+          </a:p>
+          <a:p>
+            <a:r>
+              <a:rPr lang="en-US" sz="2400" dirty="0"/>
+              <a:t>Typically (e.g., HDFS), chunks are 64MB and are replicated 3 times at 3 different compute nodes (on 3 different racks).</a:t>
+            </a:r>
+          </a:p>
+          <a:p>
+            <a:r>
+              <a:rPr lang="en-US" sz="2400" dirty="0"/>
+              <a:t>The </a:t>
+            </a:r>
+            <a:r>
+              <a:rPr lang="en-US" sz="2400" b="1" dirty="0"/>
+              <a:t>name node</a:t>
+            </a:r>
+            <a:r>
+              <a:rPr lang="en-US" sz="2400" dirty="0"/>
+              <a:t> (or master node) for a file stores where the chunks are to be found.  </a:t>
+            </a:r>
+          </a:p>
+          <a:p>
+            <a:r>
+              <a:rPr lang="en-US" sz="2400" dirty="0"/>
+              <a:t>The name node is replicated and the directory for the file system knows where to find the copies</a:t>
+            </a:r>
+          </a:p>
+          <a:p>
+            <a:r>
+              <a:rPr lang="en-US" sz="2400" dirty="0"/>
+              <a:t>The directory itself can be replicated and all users know where the directory copies are. </a:t>
+            </a:r>
+          </a:p>
+          <a:p>
+            <a:endParaRPr lang="en-US" sz="2400" dirty="0"/>
+          </a:p>
+        </p:txBody>
+      </p:sp>
+    </p:spTree>
+    <p:extLst>
+      <p:ext uri="{BB962C8B-B14F-4D97-AF65-F5344CB8AC3E}">
+        <p14:creationId xmlns:p14="http://schemas.microsoft.com/office/powerpoint/2010/main" val="3290991776"/>
+      </p:ext>
+    </p:extLst>
+  </p:cSld>
+  <p:clrMapOvr>
+    <a:masterClrMapping/>
+  </p:clrMapOvr>
+  <p:timing>
+    <p:tnLst>
+      <p:par>
+        <p:cTn id="1" dur="indefinite" restart="never" nodeType="tmRoot">
+          <p:childTnLst>
+            <p:seq concurrent="1" nextAc="seek">
+              <p:cTn id="2" dur="indefinite" nodeType="mainSeq">
+                <p:childTnLst>
+                  <p:par>
+                    <p:cTn id="3" fill="hold">
+                      <p:stCondLst>
+                        <p:cond delay="indefinite"/>
+                      </p:stCondLst>
+                      <p:childTnLst>
+                        <p:par>
+                          <p:cTn id="4" fill="hold">
+                            <p:stCondLst>
+                              <p:cond delay="0"/>
+                            </p:stCondLst>
+                            <p:childTnLst>
+                              <p:par>
+                                <p:cTn id="5" presetID="1" presetClass="entr" presetSubtype="0" fill="hold" grpId="0" nodeType="clickEffect">
+                                  <p:stCondLst>
+                                    <p:cond delay="0"/>
+                                  </p:stCondLst>
+                                  <p:childTnLst>
+                                    <p:set>
+                                      <p:cBhvr>
+                                        <p:cTn id="6" dur="1" fill="hold">
+                                          <p:stCondLst>
+                                            <p:cond delay="0"/>
+                                          </p:stCondLst>
+                                        </p:cTn>
+                                        <p:tgtEl>
+                                          <p:spTgt spid="3">
+                                            <p:txEl>
+                                              <p:pRg st="0" end="0"/>
+                                            </p:txEl>
+                                          </p:spTgt>
+                                        </p:tgtEl>
+                                        <p:attrNameLst>
+                                          <p:attrName>style.visibility</p:attrName>
+                                        </p:attrNameLst>
+                                      </p:cBhvr>
+                                      <p:to>
+                                        <p:strVal val="visible"/>
+                                      </p:to>
+                                    </p:set>
+                                  </p:childTnLst>
+                                </p:cTn>
+                              </p:par>
+                              <p:par>
+                                <p:cTn id="7" presetID="1" presetClass="entr" presetSubtype="0" fill="hold" grpId="0" nodeType="withEffect">
+                                  <p:stCondLst>
+                                    <p:cond delay="0"/>
+                                  </p:stCondLst>
+                                  <p:childTnLst>
+                                    <p:set>
+                                      <p:cBhvr>
+                                        <p:cTn id="8" dur="1" fill="hold">
+                                          <p:stCondLst>
+                                            <p:cond delay="0"/>
+                                          </p:stCondLst>
+                                        </p:cTn>
+                                        <p:tgtEl>
+                                          <p:spTgt spid="3">
+                                            <p:txEl>
+                                              <p:pRg st="1" end="1"/>
+                                            </p:txEl>
+                                          </p:spTgt>
+                                        </p:tgtEl>
+                                        <p:attrNameLst>
+                                          <p:attrName>style.visibility</p:attrName>
+                                        </p:attrNameLst>
+                                      </p:cBhvr>
+                                      <p:to>
+                                        <p:strVal val="visible"/>
+                                      </p:to>
+                                    </p:set>
+                                  </p:childTnLst>
+                                </p:cTn>
+                              </p:par>
+                              <p:par>
+                                <p:cTn id="9" presetID="1" presetClass="entr" presetSubtype="0" fill="hold" grpId="0" nodeType="withEffect">
+                                  <p:stCondLst>
+                                    <p:cond delay="0"/>
+                                  </p:stCondLst>
+                                  <p:childTnLst>
+                                    <p:set>
+                                      <p:cBhvr>
+                                        <p:cTn id="10" dur="1" fill="hold">
+                                          <p:stCondLst>
+                                            <p:cond delay="0"/>
+                                          </p:stCondLst>
+                                        </p:cTn>
+                                        <p:tgtEl>
+                                          <p:spTgt spid="3">
+                                            <p:txEl>
+                                              <p:pRg st="2" end="2"/>
+                                            </p:txEl>
+                                          </p:spTgt>
+                                        </p:tgtEl>
+                                        <p:attrNameLst>
+                                          <p:attrName>style.visibility</p:attrName>
+                                        </p:attrNameLst>
+                                      </p:cBhvr>
+                                      <p:to>
+                                        <p:strVal val="visible"/>
+                                      </p:to>
+                                    </p:set>
+                                  </p:childTnLst>
+                                </p:cTn>
+                              </p:par>
+                            </p:childTnLst>
+                          </p:cTn>
+                        </p:par>
+                      </p:childTnLst>
+                    </p:cTn>
+                  </p:par>
+                  <p:par>
+                    <p:cTn id="11" fill="hold">
+                      <p:stCondLst>
+                        <p:cond delay="indefinite"/>
+                      </p:stCondLst>
+                      <p:childTnLst>
+                        <p:par>
+                          <p:cTn id="12" fill="hold">
+                            <p:stCondLst>
+                              <p:cond delay="0"/>
+                            </p:stCondLst>
+                            <p:childTnLst>
+                              <p:par>
+                                <p:cTn id="13" presetID="1" presetClass="entr" presetSubtype="0" fill="hold" grpId="0" nodeType="clickEffect">
+                                  <p:stCondLst>
+                                    <p:cond delay="0"/>
+                                  </p:stCondLst>
+                                  <p:childTnLst>
+                                    <p:set>
+                                      <p:cBhvr>
+                                        <p:cTn id="14" dur="1" fill="hold">
+                                          <p:stCondLst>
+                                            <p:cond delay="0"/>
+                                          </p:stCondLst>
+                                        </p:cTn>
+                                        <p:tgtEl>
+                                          <p:spTgt spid="3">
+                                            <p:txEl>
+                                              <p:pRg st="3" end="3"/>
+                                            </p:txEl>
+                                          </p:spTgt>
+                                        </p:tgtEl>
+                                        <p:attrNameLst>
+                                          <p:attrName>style.visibility</p:attrName>
+                                        </p:attrNameLst>
+                                      </p:cBhvr>
+                                      <p:to>
+                                        <p:strVal val="visible"/>
+                                      </p:to>
+                                    </p:set>
+                                  </p:childTnLst>
+                                </p:cTn>
+                              </p:par>
+                            </p:childTnLst>
+                          </p:cTn>
+                        </p:par>
+                      </p:childTnLst>
+                    </p:cTn>
+                  </p:par>
+                  <p:par>
+                    <p:cTn id="15" fill="hold">
+                      <p:stCondLst>
+                        <p:cond delay="indefinite"/>
+                      </p:stCondLst>
+                      <p:childTnLst>
+                        <p:par>
+                          <p:cTn id="16" fill="hold">
+                            <p:stCondLst>
+                              <p:cond delay="0"/>
+                            </p:stCondLst>
+                            <p:childTnLst>
+                              <p:par>
+                                <p:cTn id="17" presetID="1" presetClass="entr" presetSubtype="0" fill="hold" grpId="0" nodeType="clickEffect">
+                                  <p:stCondLst>
+                                    <p:cond delay="0"/>
+                                  </p:stCondLst>
+                                  <p:childTnLst>
+                                    <p:set>
+                                      <p:cBhvr>
+                                        <p:cTn id="18" dur="1" fill="hold">
+                                          <p:stCondLst>
+                                            <p:cond delay="0"/>
+                                          </p:stCondLst>
+                                        </p:cTn>
+                                        <p:tgtEl>
+                                          <p:spTgt spid="3">
+                                            <p:txEl>
+                                              <p:pRg st="4" end="4"/>
+                                            </p:txEl>
+                                          </p:spTgt>
+                                        </p:tgtEl>
+                                        <p:attrNameLst>
+                                          <p:attrName>style.visibility</p:attrName>
+                                        </p:attrNameLst>
+                                      </p:cBhvr>
+                                      <p:to>
+                                        <p:strVal val="visible"/>
+                                      </p:to>
+                                    </p:set>
+                                  </p:childTnLst>
+                                </p:cTn>
+                              </p:par>
+                            </p:childTnLst>
+                          </p:cTn>
+                        </p:par>
+                      </p:childTnLst>
+                    </p:cTn>
+                  </p:par>
+                  <p:par>
+                    <p:cTn id="19" fill="hold">
+                      <p:stCondLst>
+                        <p:cond delay="indefinite"/>
+                      </p:stCondLst>
+                      <p:childTnLst>
+                        <p:par>
+                          <p:cTn id="20" fill="hold">
+                            <p:stCondLst>
+                              <p:cond delay="0"/>
+                            </p:stCondLst>
+                            <p:childTnLst>
+                              <p:par>
+                                <p:cTn id="21" presetID="1" presetClass="entr" presetSubtype="0" fill="hold" grpId="0" nodeType="clickEffect">
+                                  <p:stCondLst>
+                                    <p:cond delay="0"/>
+                                  </p:stCondLst>
+                                  <p:childTnLst>
+                                    <p:set>
+                                      <p:cBhvr>
+                                        <p:cTn id="22" dur="1" fill="hold">
+                                          <p:stCondLst>
+                                            <p:cond delay="0"/>
+                                          </p:stCondLst>
+                                        </p:cTn>
+                                        <p:tgtEl>
+                                          <p:spTgt spid="3">
+                                            <p:txEl>
+                                              <p:pRg st="5" end="5"/>
+                                            </p:txEl>
+                                          </p:spTgt>
+                                        </p:tgtEl>
+                                        <p:attrNameLst>
+                                          <p:attrName>style.visibility</p:attrName>
+                                        </p:attrNameLst>
+                                      </p:cBhvr>
+                                      <p:to>
+                                        <p:strVal val="visible"/>
+                                      </p:to>
+                                    </p:set>
+                                  </p:childTnLst>
+                                </p:cTn>
+                              </p:par>
+                            </p:childTnLst>
+                          </p:cTn>
+                        </p:par>
+                      </p:childTnLst>
+                    </p:cTn>
+                  </p:par>
+                  <p:par>
+                    <p:cTn id="23" fill="hold">
+                      <p:stCondLst>
+                        <p:cond delay="indefinite"/>
+                      </p:stCondLst>
+                      <p:childTnLst>
+                        <p:par>
+                          <p:cTn id="24" fill="hold">
+                            <p:stCondLst>
+                              <p:cond delay="0"/>
+                            </p:stCondLst>
+                            <p:childTnLst>
+                              <p:par>
+                                <p:cTn id="25" presetID="1" presetClass="entr" presetSubtype="0" fill="hold" grpId="0" nodeType="clickEffect">
+                                  <p:stCondLst>
+                                    <p:cond delay="0"/>
+                                  </p:stCondLst>
+                                  <p:childTnLst>
+                                    <p:set>
+                                      <p:cBhvr>
+                                        <p:cTn id="26" dur="1" fill="hold">
+                                          <p:stCondLst>
+                                            <p:cond delay="0"/>
+                                          </p:stCondLst>
+                                        </p:cTn>
+                                        <p:tgtEl>
+                                          <p:spTgt spid="3">
+                                            <p:txEl>
+                                              <p:pRg st="6" end="6"/>
+                                            </p:txEl>
+                                          </p:spTgt>
+                                        </p:tgtEl>
+                                        <p:attrNameLst>
+                                          <p:attrName>style.visibility</p:attrName>
+                                        </p:attrNameLst>
+                                      </p:cBhvr>
+                                      <p:to>
+                                        <p:strVal val="visible"/>
+                                      </p:to>
+                                    </p:set>
+                                  </p:childTnLst>
+                                </p:cTn>
+                              </p:par>
+                            </p:childTnLst>
+                          </p:cTn>
+                        </p:par>
+                      </p:childTnLst>
+                    </p:cTn>
+                  </p:par>
+                  <p:par>
+                    <p:cTn id="27" fill="hold">
+                      <p:stCondLst>
+                        <p:cond delay="indefinite"/>
+                      </p:stCondLst>
+                      <p:childTnLst>
+                        <p:par>
+                          <p:cTn id="28" fill="hold">
+                            <p:stCondLst>
+                              <p:cond delay="0"/>
+                            </p:stCondLst>
+                            <p:childTnLst>
+                              <p:par>
+                                <p:cTn id="29" presetID="1" presetClass="entr" presetSubtype="0" fill="hold" grpId="0" nodeType="clickEffect">
+                                  <p:stCondLst>
+                                    <p:cond delay="0"/>
+                                  </p:stCondLst>
+                                  <p:childTnLst>
+                                    <p:set>
+                                      <p:cBhvr>
+                                        <p:cTn id="30" dur="1" fill="hold">
+                                          <p:stCondLst>
+                                            <p:cond delay="0"/>
+                                          </p:stCondLst>
+                                        </p:cTn>
+                                        <p:tgtEl>
+                                          <p:spTgt spid="3">
+                                            <p:txEl>
+                                              <p:pRg st="7" end="7"/>
+                                            </p:txEl>
+                                          </p:spTgt>
+                                        </p:tgtEl>
+                                        <p:attrNameLst>
+                                          <p:attrName>style.visibility</p:attrName>
+                                        </p:attrNameLst>
+                                      </p:cBhvr>
+                                      <p:to>
+                                        <p:strVal val="visible"/>
+                                      </p:to>
+                                    </p:set>
+                                  </p:childTnLst>
+                                </p:cTn>
+                              </p:par>
+                            </p:childTnLst>
+                          </p:cTn>
+                        </p:par>
+                      </p:childTnLst>
+                    </p:cTn>
+                  </p:par>
+                </p:childTnLst>
+              </p:cTn>
+              <p:prevCondLst>
+                <p:cond evt="onPrev" delay="0">
+                  <p:tgtEl>
+                    <p:sldTgt/>
+                  </p:tgtEl>
+                </p:cond>
+              </p:prevCondLst>
+              <p:nextCondLst>
+                <p:cond evt="onNext" delay="0">
+                  <p:tgtEl>
+                    <p:sldTgt/>
+                  </p:tgtEl>
+                </p:cond>
+              </p:nextCondLst>
+            </p:seq>
+          </p:childTnLst>
+        </p:cTn>
+      </p:par>
+    </p:tnLst>
+    <p:bldLst>
+      <p:bldP spid="3" grpId="0" build="p"/>
+    </p:bldLst>
+  </p:timing>
+</p:sld>
+</file>
+
+<file path=ppt/slides/slide6.xml><?xml version="1.0" encoding="utf-8"?>
+<p:sld xmlns:a="http://schemas.openxmlformats.org/drawingml/2006/main" xmlns:r="http://schemas.openxmlformats.org/officeDocument/2006/relationships" xmlns:p="http://schemas.openxmlformats.org/presentationml/2006/main">
+  <p:cSld>
+    <p:spTree>
+      <p:nvGrpSpPr>
+        <p:cNvPr id="1" name=""/>
+        <p:cNvGrpSpPr/>
+        <p:nvPr/>
+      </p:nvGrpSpPr>
+      <p:grpSpPr>
+        <a:xfrm>
+          <a:off x="0" y="0"/>
+          <a:ext cx="0" cy="0"/>
+          <a:chOff x="0" y="0"/>
+          <a:chExt cx="0" cy="0"/>
+        </a:xfrm>
+      </p:grpSpPr>
+      <p:sp>
+        <p:nvSpPr>
+          <p:cNvPr id="2" name="Title 1"/>
+          <p:cNvSpPr>
+            <a:spLocks noGrp="1"/>
+          </p:cNvSpPr>
+          <p:nvPr>
+            <p:ph type="title"/>
+          </p:nvPr>
+        </p:nvSpPr>
+        <p:spPr/>
+        <p:txBody>
+          <a:bodyPr/>
+          <a:lstStyle/>
+          <a:p>
+            <a:r>
+              <a:rPr lang="en-US" dirty="0" err="1"/>
+              <a:t>MapReduce</a:t>
+            </a:r>
+            <a:endParaRPr lang="en-US" dirty="0"/>
+          </a:p>
+        </p:txBody>
+      </p:sp>
+      <p:sp>
+        <p:nvSpPr>
+          <p:cNvPr id="3" name="Content Placeholder 2"/>
+          <p:cNvSpPr>
+            <a:spLocks noGrp="1"/>
+          </p:cNvSpPr>
+          <p:nvPr>
+            <p:ph idx="1"/>
+          </p:nvPr>
+        </p:nvSpPr>
+        <p:spPr/>
+        <p:txBody>
+          <a:bodyPr>
+            <a:normAutofit/>
+          </a:bodyPr>
+          <a:lstStyle/>
+          <a:p>
+            <a:r>
+              <a:rPr lang="en-US" sz="2400" dirty="0"/>
+              <a:t>a computing paradigm</a:t>
+            </a:r>
+          </a:p>
+          <a:p>
+            <a:r>
+              <a:rPr lang="en-US" sz="2400" dirty="0"/>
+              <a:t>developed by Google for indexing web pages and </a:t>
+            </a:r>
+            <a:r>
+              <a:rPr lang="en-US" sz="2400" dirty="0">
+                <a:hlinkClick r:id="rId2"/>
+              </a:rPr>
+              <a:t>published</a:t>
+            </a:r>
+            <a:r>
+              <a:rPr lang="en-US" sz="2400" dirty="0"/>
+              <a:t> in 2004</a:t>
+            </a:r>
+          </a:p>
+          <a:p>
+            <a:r>
+              <a:rPr lang="en-US" sz="2400" dirty="0"/>
+              <a:t>open-source implementation </a:t>
+            </a:r>
+            <a:r>
+              <a:rPr lang="en-US" sz="2400" dirty="0" err="1"/>
+              <a:t>Hadoop</a:t>
+            </a:r>
+            <a:r>
+              <a:rPr lang="en-US" sz="2400" dirty="0"/>
+              <a:t> first made available by Yahoo in 2005</a:t>
+            </a:r>
+          </a:p>
+          <a:p>
+            <a:r>
+              <a:rPr lang="en-US" sz="2400" dirty="0"/>
+              <a:t>All you write are two functions </a:t>
+            </a:r>
+            <a:r>
+              <a:rPr lang="en-US" sz="2400" b="1" i="1" dirty="0"/>
+              <a:t>Map()</a:t>
+            </a:r>
+            <a:r>
+              <a:rPr lang="en-US" sz="2400" dirty="0"/>
+              <a:t> and </a:t>
+            </a:r>
+            <a:r>
+              <a:rPr lang="en-US" sz="2400" b="1" i="1" dirty="0"/>
+              <a:t>Reduce()</a:t>
+            </a:r>
+          </a:p>
+          <a:p>
+            <a:r>
+              <a:rPr lang="en-US" sz="2400" dirty="0"/>
+              <a:t>The system manages the parallel execution and coordination of the tasks that execute Map and Reduce, as well as dealing with the possibility that one of these tasks might fail.</a:t>
+            </a:r>
+          </a:p>
+          <a:p>
+            <a:pPr marL="0" indent="0">
+              <a:buNone/>
+            </a:pPr>
+            <a:endParaRPr lang="en-US" sz="2400" dirty="0"/>
+          </a:p>
+        </p:txBody>
+      </p:sp>
+    </p:spTree>
+    <p:extLst>
+      <p:ext uri="{BB962C8B-B14F-4D97-AF65-F5344CB8AC3E}">
+        <p14:creationId xmlns:p14="http://schemas.microsoft.com/office/powerpoint/2010/main" val="3801542991"/>
+      </p:ext>
+    </p:extLst>
+  </p:cSld>
+  <p:clrMapOvr>
+    <a:masterClrMapping/>
+  </p:clrMapOvr>
+  <p:timing>
+    <p:tnLst>
+      <p:par>
+        <p:cTn id="1" dur="indefinite" restart="never" nodeType="tmRoot">
+          <p:childTnLst>
+            <p:seq concurrent="1" nextAc="seek">
+              <p:cTn id="2" dur="indefinite" nodeType="mainSeq">
+                <p:childTnLst>
+                  <p:par>
+                    <p:cTn id="3" fill="hold">
+                      <p:stCondLst>
+                        <p:cond delay="indefinite"/>
+                      </p:stCondLst>
+                      <p:childTnLst>
+                        <p:par>
+                          <p:cTn id="4" fill="hold">
+                            <p:stCondLst>
+                              <p:cond delay="0"/>
+                            </p:stCondLst>
+                            <p:childTnLst>
+                              <p:par>
+                                <p:cTn id="5" presetID="1" presetClass="entr" presetSubtype="0" fill="hold" grpId="0" nodeType="clickEffect">
+                                  <p:stCondLst>
+                                    <p:cond delay="0"/>
+                                  </p:stCondLst>
+                                  <p:childTnLst>
+                                    <p:set>
+                                      <p:cBhvr>
+                                        <p:cTn id="6" dur="1" fill="hold">
+                                          <p:stCondLst>
+                                            <p:cond delay="0"/>
+                                          </p:stCondLst>
+                                        </p:cTn>
+                                        <p:tgtEl>
+                                          <p:spTgt spid="3">
+                                            <p:txEl>
+                                              <p:pRg st="0" end="0"/>
+                                            </p:txEl>
+                                          </p:spTgt>
+                                        </p:tgtEl>
+                                        <p:attrNameLst>
+                                          <p:attrName>style.visibility</p:attrName>
+                                        </p:attrNameLst>
+                                      </p:cBhvr>
+                                      <p:to>
+                                        <p:strVal val="visible"/>
+                                      </p:to>
+                                    </p:set>
+                                  </p:childTnLst>
+                                </p:cTn>
+                              </p:par>
+                            </p:childTnLst>
+                          </p:cTn>
+                        </p:par>
+                      </p:childTnLst>
+                    </p:cTn>
+                  </p:par>
+                  <p:par>
+                    <p:cTn id="7" fill="hold">
+                      <p:stCondLst>
+                        <p:cond delay="indefinite"/>
+                      </p:stCondLst>
+                      <p:childTnLst>
+                        <p:par>
+                          <p:cTn id="8" fill="hold">
+                            <p:stCondLst>
+                              <p:cond delay="0"/>
+                            </p:stCondLst>
+                            <p:childTnLst>
+                              <p:par>
+                                <p:cTn id="9" presetID="1" presetClass="entr" presetSubtype="0" fill="hold" grpId="0" nodeType="clickEffect">
+                                  <p:stCondLst>
+                                    <p:cond delay="0"/>
+                                  </p:stCondLst>
+                                  <p:childTnLst>
+                                    <p:set>
+                                      <p:cBhvr>
+                                        <p:cTn id="10" dur="1" fill="hold">
+                                          <p:stCondLst>
+                                            <p:cond delay="0"/>
+                                          </p:stCondLst>
+                                        </p:cTn>
+                                        <p:tgtEl>
+                                          <p:spTgt spid="3">
+                                            <p:txEl>
+                                              <p:pRg st="1" end="1"/>
+                                            </p:txEl>
+                                          </p:spTgt>
+                                        </p:tgtEl>
+                                        <p:attrNameLst>
+                                          <p:attrName>style.visibility</p:attrName>
+                                        </p:attrNameLst>
+                                      </p:cBhvr>
+                                      <p:to>
+                                        <p:strVal val="visible"/>
+                                      </p:to>
+                                    </p:set>
+                                  </p:childTnLst>
+                                </p:cTn>
+                              </p:par>
+                            </p:childTnLst>
+                          </p:cTn>
+                        </p:par>
+                      </p:childTnLst>
+                    </p:cTn>
+                  </p:par>
+                  <p:par>
+                    <p:cTn id="11" fill="hold">
+                      <p:stCondLst>
+                        <p:cond delay="indefinite"/>
+                      </p:stCondLst>
+                      <p:childTnLst>
+                        <p:par>
+                          <p:cTn id="12" fill="hold">
+                            <p:stCondLst>
+                              <p:cond delay="0"/>
+                            </p:stCondLst>
+                            <p:childTnLst>
+                              <p:par>
+                                <p:cTn id="13" presetID="1" presetClass="entr" presetSubtype="0" fill="hold" grpId="0" nodeType="clickEffect">
+                                  <p:stCondLst>
+                                    <p:cond delay="0"/>
+                                  </p:stCondLst>
+                                  <p:childTnLst>
+                                    <p:set>
+                                      <p:cBhvr>
+                                        <p:cTn id="14" dur="1" fill="hold">
+                                          <p:stCondLst>
+                                            <p:cond delay="0"/>
+                                          </p:stCondLst>
+                                        </p:cTn>
+                                        <p:tgtEl>
+                                          <p:spTgt spid="3">
+                                            <p:txEl>
+                                              <p:pRg st="2" end="2"/>
+                                            </p:txEl>
+                                          </p:spTgt>
+                                        </p:tgtEl>
+                                        <p:attrNameLst>
+                                          <p:attrName>style.visibility</p:attrName>
+                                        </p:attrNameLst>
+                                      </p:cBhvr>
+                                      <p:to>
+                                        <p:strVal val="visible"/>
+                                      </p:to>
+                                    </p:set>
+                                  </p:childTnLst>
+                                </p:cTn>
+                              </p:par>
+                            </p:childTnLst>
+                          </p:cTn>
+                        </p:par>
+                      </p:childTnLst>
+                    </p:cTn>
+                  </p:par>
+                  <p:par>
+                    <p:cTn id="15" fill="hold">
+                      <p:stCondLst>
+                        <p:cond delay="indefinite"/>
+                      </p:stCondLst>
+                      <p:childTnLst>
+                        <p:par>
+                          <p:cTn id="16" fill="hold">
+                            <p:stCondLst>
+                              <p:cond delay="0"/>
+                            </p:stCondLst>
+                            <p:childTnLst>
+                              <p:par>
+                                <p:cTn id="17" presetID="1" presetClass="entr" presetSubtype="0" fill="hold" grpId="0" nodeType="clickEffect">
+                                  <p:stCondLst>
+                                    <p:cond delay="0"/>
+                                  </p:stCondLst>
+                                  <p:childTnLst>
+                                    <p:set>
+                                      <p:cBhvr>
+                                        <p:cTn id="18" dur="1" fill="hold">
+                                          <p:stCondLst>
+                                            <p:cond delay="0"/>
+                                          </p:stCondLst>
+                                        </p:cTn>
+                                        <p:tgtEl>
+                                          <p:spTgt spid="3">
+                                            <p:txEl>
+                                              <p:pRg st="3" end="3"/>
+                                            </p:txEl>
+                                          </p:spTgt>
+                                        </p:tgtEl>
+                                        <p:attrNameLst>
+                                          <p:attrName>style.visibility</p:attrName>
+                                        </p:attrNameLst>
+                                      </p:cBhvr>
+                                      <p:to>
+                                        <p:strVal val="visible"/>
+                                      </p:to>
+                                    </p:set>
+                                  </p:childTnLst>
+                                </p:cTn>
+                              </p:par>
+                            </p:childTnLst>
+                          </p:cTn>
+                        </p:par>
+                      </p:childTnLst>
+                    </p:cTn>
+                  </p:par>
+                  <p:par>
+                    <p:cTn id="19" fill="hold">
+                      <p:stCondLst>
+                        <p:cond delay="indefinite"/>
+                      </p:stCondLst>
+                      <p:childTnLst>
+                        <p:par>
+                          <p:cTn id="20" fill="hold">
+                            <p:stCondLst>
+                              <p:cond delay="0"/>
+                            </p:stCondLst>
+                            <p:childTnLst>
+                              <p:par>
+                                <p:cTn id="21" presetID="1" presetClass="entr" presetSubtype="0" fill="hold" grpId="0" nodeType="clickEffect">
+                                  <p:stCondLst>
+                                    <p:cond delay="0"/>
+                                  </p:stCondLst>
+                                  <p:childTnLst>
+                                    <p:set>
+                                      <p:cBhvr>
+                                        <p:cTn id="22" dur="1" fill="hold">
+                                          <p:stCondLst>
+                                            <p:cond delay="0"/>
+                                          </p:stCondLst>
+                                        </p:cTn>
+                                        <p:tgtEl>
+                                          <p:spTgt spid="3">
+                                            <p:txEl>
+                                              <p:pRg st="4" end="4"/>
+                                            </p:txEl>
+                                          </p:spTgt>
+                                        </p:tgtEl>
+                                        <p:attrNameLst>
+                                          <p:attrName>style.visibility</p:attrName>
+                                        </p:attrNameLst>
+                                      </p:cBhvr>
+                                      <p:to>
+                                        <p:strVal val="visible"/>
+                                      </p:to>
+                                    </p:set>
+                                  </p:childTnLst>
+                                </p:cTn>
+                              </p:par>
+                            </p:childTnLst>
+                          </p:cTn>
+                        </p:par>
+                      </p:childTnLst>
+                    </p:cTn>
+                  </p:par>
+                </p:childTnLst>
+              </p:cTn>
+              <p:prevCondLst>
+                <p:cond evt="onPrev" delay="0">
+                  <p:tgtEl>
+                    <p:sldTgt/>
+                  </p:tgtEl>
+                </p:cond>
+              </p:prevCondLst>
+              <p:nextCondLst>
+                <p:cond evt="onNext" delay="0">
+                  <p:tgtEl>
+                    <p:sldTgt/>
+                  </p:tgtEl>
+                </p:cond>
+              </p:nextCondLst>
+            </p:seq>
+          </p:childTnLst>
+        </p:cTn>
+      </p:par>
+    </p:tnLst>
+    <p:bldLst>
+      <p:bldP spid="3" grpId="0" build="p"/>
+    </p:bldLst>
+  </p:timing>
+</p:sld>
+</file>
+
+<file path=ppt/slides/slide7.xml><?xml version="1.0" encoding="utf-8"?>
 <p:sld xmlns:a="http://schemas.openxmlformats.org/drawingml/2006/main" xmlns:r="http://schemas.openxmlformats.org/officeDocument/2006/relationships" xmlns:p="http://schemas.openxmlformats.org/presentationml/2006/main">
   <p:cSld>
     <p:spTree>
@@ -5178,7 +11811,7 @@
           <a:p>
             <a:r>
               <a:rPr lang="en-US" dirty="0"/>
-              <a:t>Original 2008 Google Paper</a:t>
+              <a:t>Original 2004 Google Paper</a:t>
             </a:r>
           </a:p>
         </p:txBody>
@@ -5187,401 +11820,6 @@
     <p:extLst>
       <p:ext uri="{BB962C8B-B14F-4D97-AF65-F5344CB8AC3E}">
         <p14:creationId xmlns:p14="http://schemas.microsoft.com/office/powerpoint/2010/main" val="330446666"/>
-      </p:ext>
-    </p:extLst>
-  </p:cSld>
-  <p:clrMapOvr>
-    <a:masterClrMapping/>
-  </p:clrMapOvr>
-</p:sld>
-</file>
-
-<file path=ppt/slides/slide4.xml><?xml version="1.0" encoding="utf-8"?>
-<p:sld xmlns:a="http://schemas.openxmlformats.org/drawingml/2006/main" xmlns:r="http://schemas.openxmlformats.org/officeDocument/2006/relationships" xmlns:p="http://schemas.openxmlformats.org/presentationml/2006/main">
-  <p:cSld>
-    <p:spTree>
-      <p:nvGrpSpPr>
-        <p:cNvPr id="1" name=""/>
-        <p:cNvGrpSpPr/>
-        <p:nvPr/>
-      </p:nvGrpSpPr>
-      <p:grpSpPr>
-        <a:xfrm>
-          <a:off x="0" y="0"/>
-          <a:ext cx="0" cy="0"/>
-          <a:chOff x="0" y="0"/>
-          <a:chExt cx="0" cy="0"/>
-        </a:xfrm>
-      </p:grpSpPr>
-      <p:sp>
-        <p:nvSpPr>
-          <p:cNvPr id="2" name="Title 1"/>
-          <p:cNvSpPr>
-            <a:spLocks noGrp="1"/>
-          </p:cNvSpPr>
-          <p:nvPr>
-            <p:ph type="title"/>
-          </p:nvPr>
-        </p:nvSpPr>
-        <p:spPr/>
-        <p:txBody>
-          <a:bodyPr/>
-          <a:lstStyle/>
-          <a:p>
-            <a:r>
-              <a:rPr lang="en-US" dirty="0"/>
-              <a:t>Yahoo 2007</a:t>
-            </a:r>
-          </a:p>
-        </p:txBody>
-      </p:sp>
-      <p:pic>
-        <p:nvPicPr>
-          <p:cNvPr id="4" name="Picture 3"/>
-          <p:cNvPicPr>
-            <a:picLocks noChangeAspect="1"/>
-          </p:cNvPicPr>
-          <p:nvPr/>
-        </p:nvPicPr>
-        <p:blipFill>
-          <a:blip r:embed="rId2"/>
-          <a:stretch>
-            <a:fillRect/>
-          </a:stretch>
-        </p:blipFill>
-        <p:spPr>
-          <a:xfrm>
-            <a:off x="12700" y="2222500"/>
-            <a:ext cx="9118600" cy="2400300"/>
-          </a:xfrm>
-          <a:prstGeom prst="rect">
-            <a:avLst/>
-          </a:prstGeom>
-        </p:spPr>
-      </p:pic>
-    </p:spTree>
-    <p:extLst>
-      <p:ext uri="{BB962C8B-B14F-4D97-AF65-F5344CB8AC3E}">
-        <p14:creationId xmlns:p14="http://schemas.microsoft.com/office/powerpoint/2010/main" val="2508069046"/>
-      </p:ext>
-    </p:extLst>
-  </p:cSld>
-  <p:clrMapOvr>
-    <a:masterClrMapping/>
-  </p:clrMapOvr>
-</p:sld>
-</file>
-
-<file path=ppt/slides/slide5.xml><?xml version="1.0" encoding="utf-8"?>
-<p:sld xmlns:a="http://schemas.openxmlformats.org/drawingml/2006/main" xmlns:r="http://schemas.openxmlformats.org/officeDocument/2006/relationships" xmlns:p="http://schemas.openxmlformats.org/presentationml/2006/main">
-  <p:cSld>
-    <p:spTree>
-      <p:nvGrpSpPr>
-        <p:cNvPr id="1" name=""/>
-        <p:cNvGrpSpPr/>
-        <p:nvPr/>
-      </p:nvGrpSpPr>
-      <p:grpSpPr>
-        <a:xfrm>
-          <a:off x="0" y="0"/>
-          <a:ext cx="0" cy="0"/>
-          <a:chOff x="0" y="0"/>
-          <a:chExt cx="0" cy="0"/>
-        </a:xfrm>
-      </p:grpSpPr>
-      <p:sp>
-        <p:nvSpPr>
-          <p:cNvPr id="2" name="Title 1"/>
-          <p:cNvSpPr>
-            <a:spLocks noGrp="1"/>
-          </p:cNvSpPr>
-          <p:nvPr>
-            <p:ph type="title"/>
-          </p:nvPr>
-        </p:nvSpPr>
-        <p:spPr/>
-        <p:txBody>
-          <a:bodyPr/>
-          <a:lstStyle/>
-          <a:p>
-            <a:r>
-              <a:rPr lang="en-US" dirty="0"/>
-              <a:t>Class Exercise</a:t>
-            </a:r>
-          </a:p>
-        </p:txBody>
-      </p:sp>
-      <p:sp>
-        <p:nvSpPr>
-          <p:cNvPr id="3" name="Content Placeholder 2"/>
-          <p:cNvSpPr>
-            <a:spLocks noGrp="1"/>
-          </p:cNvSpPr>
-          <p:nvPr>
-            <p:ph idx="1"/>
-          </p:nvPr>
-        </p:nvSpPr>
-        <p:spPr/>
-        <p:txBody>
-          <a:bodyPr/>
-          <a:lstStyle/>
-          <a:p>
-            <a:r>
-              <a:rPr lang="en-US" dirty="0"/>
-              <a:t>Find a small piece of paper and write your university and day/month of birth on </a:t>
-            </a:r>
-            <a:r>
-              <a:rPr lang="en-US" b="1" dirty="0"/>
-              <a:t>one. </a:t>
-            </a:r>
-            <a:endParaRPr lang="en-US" dirty="0"/>
-          </a:p>
-          <a:p>
-            <a:r>
-              <a:rPr lang="en-US" dirty="0"/>
-              <a:t>You don’t need the year</a:t>
-            </a:r>
-          </a:p>
-        </p:txBody>
-      </p:sp>
-      <p:sp>
-        <p:nvSpPr>
-          <p:cNvPr id="4" name="Rectangle 3"/>
-          <p:cNvSpPr/>
-          <p:nvPr/>
-        </p:nvSpPr>
-        <p:spPr>
-          <a:xfrm>
-            <a:off x="1898316" y="3934930"/>
-            <a:ext cx="5160210" cy="2312737"/>
-          </a:xfrm>
-          <a:prstGeom prst="rect">
-            <a:avLst/>
-          </a:prstGeom>
-          <a:solidFill>
-            <a:schemeClr val="bg1">
-              <a:lumMod val="85000"/>
-            </a:schemeClr>
-          </a:solidFill>
-          <a:ln>
-            <a:solidFill>
-              <a:schemeClr val="bg1">
-                <a:lumMod val="85000"/>
-              </a:schemeClr>
-            </a:solidFill>
-          </a:ln>
-        </p:spPr>
-        <p:style>
-          <a:lnRef idx="1">
-            <a:schemeClr val="accent1"/>
-          </a:lnRef>
-          <a:fillRef idx="3">
-            <a:schemeClr val="accent1"/>
-          </a:fillRef>
-          <a:effectRef idx="2">
-            <a:schemeClr val="accent1"/>
-          </a:effectRef>
-          <a:fontRef idx="minor">
-            <a:schemeClr val="lt1"/>
-          </a:fontRef>
-        </p:style>
-        <p:txBody>
-          <a:bodyPr rtlCol="0" anchor="ctr"/>
-          <a:lstStyle/>
-          <a:p>
-            <a:pPr algn="ctr"/>
-            <a:r>
-              <a:rPr lang="en-US" sz="3600" dirty="0">
-                <a:solidFill>
-                  <a:schemeClr val="tx1"/>
-                </a:solidFill>
-              </a:rPr>
-              <a:t>Portsmouth</a:t>
-            </a:r>
-            <a:br>
-              <a:rPr lang="en-US" sz="3600" dirty="0">
-                <a:solidFill>
-                  <a:schemeClr val="tx1"/>
-                </a:solidFill>
-              </a:rPr>
-            </a:br>
-            <a:r>
-              <a:rPr lang="en-US" sz="3600" dirty="0">
-                <a:solidFill>
-                  <a:schemeClr val="tx1"/>
-                </a:solidFill>
-              </a:rPr>
-              <a:t>5 October</a:t>
-            </a:r>
-          </a:p>
-        </p:txBody>
-      </p:sp>
-    </p:spTree>
-    <p:extLst>
-      <p:ext uri="{BB962C8B-B14F-4D97-AF65-F5344CB8AC3E}">
-        <p14:creationId xmlns:p14="http://schemas.microsoft.com/office/powerpoint/2010/main" val="184381173"/>
-      </p:ext>
-    </p:extLst>
-  </p:cSld>
-  <p:clrMapOvr>
-    <a:masterClrMapping/>
-  </p:clrMapOvr>
-</p:sld>
-</file>
-
-<file path=ppt/slides/slide6.xml><?xml version="1.0" encoding="utf-8"?>
-<p:sld xmlns:a="http://schemas.openxmlformats.org/drawingml/2006/main" xmlns:r="http://schemas.openxmlformats.org/officeDocument/2006/relationships" xmlns:p="http://schemas.openxmlformats.org/presentationml/2006/main">
-  <p:cSld>
-    <p:spTree>
-      <p:nvGrpSpPr>
-        <p:cNvPr id="1" name=""/>
-        <p:cNvGrpSpPr/>
-        <p:nvPr/>
-      </p:nvGrpSpPr>
-      <p:grpSpPr>
-        <a:xfrm>
-          <a:off x="0" y="0"/>
-          <a:ext cx="0" cy="0"/>
-          <a:chOff x="0" y="0"/>
-          <a:chExt cx="0" cy="0"/>
-        </a:xfrm>
-      </p:grpSpPr>
-      <p:sp>
-        <p:nvSpPr>
-          <p:cNvPr id="2" name="Title 1"/>
-          <p:cNvSpPr>
-            <a:spLocks noGrp="1"/>
-          </p:cNvSpPr>
-          <p:nvPr>
-            <p:ph type="title"/>
-          </p:nvPr>
-        </p:nvSpPr>
-        <p:spPr/>
-        <p:txBody>
-          <a:bodyPr/>
-          <a:lstStyle/>
-          <a:p>
-            <a:r>
-              <a:rPr lang="en-US" dirty="0"/>
-              <a:t>Pictorially</a:t>
-            </a:r>
-          </a:p>
-        </p:txBody>
-      </p:sp>
-      <p:pic>
-        <p:nvPicPr>
-          <p:cNvPr id="4" name="Picture 3"/>
-          <p:cNvPicPr>
-            <a:picLocks noChangeAspect="1"/>
-          </p:cNvPicPr>
-          <p:nvPr/>
-        </p:nvPicPr>
-        <p:blipFill>
-          <a:blip r:embed="rId2"/>
-          <a:stretch>
-            <a:fillRect/>
-          </a:stretch>
-        </p:blipFill>
-        <p:spPr>
-          <a:xfrm>
-            <a:off x="0" y="292100"/>
-            <a:ext cx="9144000" cy="6251171"/>
-          </a:xfrm>
-          <a:prstGeom prst="rect">
-            <a:avLst/>
-          </a:prstGeom>
-        </p:spPr>
-      </p:pic>
-    </p:spTree>
-    <p:extLst>
-      <p:ext uri="{BB962C8B-B14F-4D97-AF65-F5344CB8AC3E}">
-        <p14:creationId xmlns:p14="http://schemas.microsoft.com/office/powerpoint/2010/main" val="720554868"/>
-      </p:ext>
-    </p:extLst>
-  </p:cSld>
-  <p:clrMapOvr>
-    <a:masterClrMapping/>
-  </p:clrMapOvr>
-</p:sld>
-</file>
-
-<file path=ppt/slides/slide7.xml><?xml version="1.0" encoding="utf-8"?>
-<p:sld xmlns:a="http://schemas.openxmlformats.org/drawingml/2006/main" xmlns:r="http://schemas.openxmlformats.org/officeDocument/2006/relationships" xmlns:p="http://schemas.openxmlformats.org/presentationml/2006/main">
-  <p:cSld>
-    <p:spTree>
-      <p:nvGrpSpPr>
-        <p:cNvPr id="1" name=""/>
-        <p:cNvGrpSpPr/>
-        <p:nvPr/>
-      </p:nvGrpSpPr>
-      <p:grpSpPr>
-        <a:xfrm>
-          <a:off x="0" y="0"/>
-          <a:ext cx="0" cy="0"/>
-          <a:chOff x="0" y="0"/>
-          <a:chExt cx="0" cy="0"/>
-        </a:xfrm>
-      </p:grpSpPr>
-      <p:sp>
-        <p:nvSpPr>
-          <p:cNvPr id="2" name="Title 1"/>
-          <p:cNvSpPr>
-            <a:spLocks noGrp="1"/>
-          </p:cNvSpPr>
-          <p:nvPr>
-            <p:ph type="title"/>
-          </p:nvPr>
-        </p:nvSpPr>
-        <p:spPr/>
-        <p:txBody>
-          <a:bodyPr>
-            <a:normAutofit fontScale="90000"/>
-          </a:bodyPr>
-          <a:lstStyle/>
-          <a:p>
-            <a:r>
-              <a:rPr lang="en-US" dirty="0"/>
-              <a:t>Google’s early use of MR</a:t>
-            </a:r>
-            <a:br>
-              <a:rPr lang="en-US" dirty="0"/>
-            </a:br>
-            <a:r>
-              <a:rPr lang="en-US" sz="2700" dirty="0"/>
-              <a:t>Map Reduce programs in their code repository</a:t>
-            </a:r>
-            <a:endParaRPr lang="en-US" dirty="0"/>
-          </a:p>
-        </p:txBody>
-      </p:sp>
-      <p:pic>
-        <p:nvPicPr>
-          <p:cNvPr id="4" name="Picture 3"/>
-          <p:cNvPicPr>
-            <a:picLocks noChangeAspect="1"/>
-          </p:cNvPicPr>
-          <p:nvPr/>
-        </p:nvPicPr>
-        <p:blipFill>
-          <a:blip r:embed="rId2"/>
-          <a:stretch>
-            <a:fillRect/>
-          </a:stretch>
-        </p:blipFill>
-        <p:spPr>
-          <a:xfrm>
-            <a:off x="917887" y="1440285"/>
-            <a:ext cx="6937814" cy="4634865"/>
-          </a:xfrm>
-          <a:prstGeom prst="rect">
-            <a:avLst/>
-          </a:prstGeom>
-        </p:spPr>
-      </p:pic>
-    </p:spTree>
-    <p:extLst>
-      <p:ext uri="{BB962C8B-B14F-4D97-AF65-F5344CB8AC3E}">
-        <p14:creationId xmlns:p14="http://schemas.microsoft.com/office/powerpoint/2010/main" val="4144134186"/>
       </p:ext>
     </p:extLst>
   </p:cSld>
@@ -5620,108 +11858,44 @@
         </p:nvSpPr>
         <p:spPr/>
         <p:txBody>
-          <a:bodyPr>
-            <a:normAutofit fontScale="90000"/>
-          </a:bodyPr>
-          <a:lstStyle/>
-          <a:p>
-            <a:r>
-              <a:rPr lang="en-US" dirty="0"/>
-              <a:t>Map Reduce example</a:t>
-            </a:r>
-            <a:br>
-              <a:rPr lang="en-US" dirty="0"/>
-            </a:br>
-            <a:r>
-              <a:rPr lang="en-US" dirty="0"/>
-              <a:t>in words</a:t>
-            </a:r>
-          </a:p>
-        </p:txBody>
-      </p:sp>
-      <p:sp>
-        <p:nvSpPr>
-          <p:cNvPr id="3" name="Content Placeholder 2"/>
-          <p:cNvSpPr>
-            <a:spLocks noGrp="1"/>
-          </p:cNvSpPr>
-          <p:nvPr>
-            <p:ph idx="1"/>
-          </p:nvPr>
-        </p:nvSpPr>
-        <p:spPr/>
-        <p:txBody>
           <a:bodyPr/>
           <a:lstStyle/>
           <a:p>
             <a:r>
               <a:rPr lang="en-US" dirty="0"/>
-              <a:t>Do a word count on 1000 books:</a:t>
-            </a:r>
-          </a:p>
-          <a:p>
-            <a:endParaRPr lang="en-US" dirty="0"/>
-          </a:p>
-          <a:p>
-            <a:pPr lvl="1"/>
-            <a:r>
-              <a:rPr lang="en-US" dirty="0"/>
-              <a:t>First count each book (</a:t>
-            </a:r>
-            <a:r>
-              <a:rPr lang="en-US" b="1" dirty="0"/>
-              <a:t>map</a:t>
-            </a:r>
-            <a:r>
-              <a:rPr lang="en-US" dirty="0"/>
-              <a:t> </a:t>
-            </a:r>
-            <a:r>
-              <a:rPr lang="en-US" dirty="0" err="1"/>
-              <a:t>wc</a:t>
-            </a:r>
-            <a:r>
-              <a:rPr lang="en-US" dirty="0"/>
-              <a:t> onto book)</a:t>
-            </a:r>
-          </a:p>
-          <a:p>
-            <a:pPr lvl="1"/>
-            <a:endParaRPr lang="en-US" dirty="0"/>
-          </a:p>
-          <a:p>
-            <a:pPr lvl="1"/>
-            <a:r>
-              <a:rPr lang="en-US" dirty="0"/>
-              <a:t>Then </a:t>
-            </a:r>
-            <a:r>
-              <a:rPr lang="en-US" b="1" dirty="0"/>
-              <a:t>reduce</a:t>
-            </a:r>
-            <a:r>
-              <a:rPr lang="en-US" dirty="0"/>
-              <a:t> the outputs to a global </a:t>
-            </a:r>
-            <a:r>
-              <a:rPr lang="en-US" dirty="0" err="1"/>
-              <a:t>wordcount</a:t>
-            </a:r>
-            <a:r>
-              <a:rPr lang="en-US" dirty="0"/>
-              <a:t> across all books</a:t>
-            </a:r>
-          </a:p>
-          <a:p>
-            <a:pPr lvl="2"/>
-            <a:endParaRPr lang="en-US" dirty="0"/>
-          </a:p>
-        </p:txBody>
-      </p:sp>
+              <a:t>Yahoo 2007</a:t>
+            </a:r>
+          </a:p>
+        </p:txBody>
+      </p:sp>
+      <p:pic>
+        <p:nvPicPr>
+          <p:cNvPr id="4" name="Picture 3"/>
+          <p:cNvPicPr>
+            <a:picLocks noChangeAspect="1"/>
+          </p:cNvPicPr>
+          <p:nvPr/>
+        </p:nvPicPr>
+        <p:blipFill>
+          <a:blip r:embed="rId2"/>
+          <a:stretch>
+            <a:fillRect/>
+          </a:stretch>
+        </p:blipFill>
+        <p:spPr>
+          <a:xfrm>
+            <a:off x="12700" y="2222500"/>
+            <a:ext cx="9118600" cy="2400300"/>
+          </a:xfrm>
+          <a:prstGeom prst="rect">
+            <a:avLst/>
+          </a:prstGeom>
+        </p:spPr>
+      </p:pic>
     </p:spTree>
     <p:extLst>
       <p:ext uri="{BB962C8B-B14F-4D97-AF65-F5344CB8AC3E}">
-        <p14:creationId xmlns:p14="http://schemas.microsoft.com/office/powerpoint/2010/main" val="3597497257"/>
+        <p14:creationId xmlns:p14="http://schemas.microsoft.com/office/powerpoint/2010/main" val="2508069046"/>
       </p:ext>
     </p:extLst>
   </p:cSld>
@@ -5760,14 +11934,12 @@
         </p:nvSpPr>
         <p:spPr/>
         <p:txBody>
-          <a:bodyPr>
-            <a:normAutofit/>
-          </a:bodyPr>
+          <a:bodyPr/>
           <a:lstStyle/>
           <a:p>
             <a:r>
               <a:rPr lang="en-US" dirty="0"/>
-              <a:t>Efficiency</a:t>
+              <a:t>Class Exercise</a:t>
             </a:r>
           </a:p>
         </p:txBody>
@@ -5784,66 +11956,97 @@
         </p:nvSpPr>
         <p:spPr/>
         <p:txBody>
-          <a:bodyPr>
-            <a:normAutofit lnSpcReduction="10000"/>
-          </a:bodyPr>
+          <a:bodyPr/>
           <a:lstStyle/>
           <a:p>
             <a:r>
               <a:rPr lang="en-US" dirty="0"/>
-              <a:t>Reduce phase:</a:t>
-            </a:r>
-          </a:p>
-          <a:p>
-            <a:pPr lvl="1"/>
-            <a:r>
-              <a:rPr lang="en-US" dirty="0"/>
-              <a:t>We can theoretically process each word in parallel</a:t>
-            </a:r>
-          </a:p>
-          <a:p>
-            <a:pPr lvl="1"/>
+              <a:t>Find a small piece of paper and write your university and number of siblings on it</a:t>
+            </a:r>
+            <a:r>
+              <a:rPr lang="en-US" b="1" dirty="0"/>
+              <a:t>. </a:t>
+            </a:r>
             <a:endParaRPr lang="en-US" dirty="0"/>
           </a:p>
-          <a:p>
-            <a:r>
-              <a:rPr lang="en-US" dirty="0"/>
-              <a:t>How?</a:t>
-            </a:r>
-          </a:p>
-          <a:p>
-            <a:pPr lvl="1"/>
-            <a:r>
-              <a:rPr lang="en-US" dirty="0"/>
-              <a:t>Shuffle / Sort the results from the map phase by key (word)</a:t>
-            </a:r>
-          </a:p>
-          <a:p>
-            <a:pPr lvl="1"/>
-            <a:r>
-              <a:rPr lang="en-US" dirty="0"/>
-              <a:t>Partition by keys</a:t>
-            </a:r>
-          </a:p>
-          <a:p>
-            <a:pPr lvl="1"/>
-            <a:r>
-              <a:rPr lang="en-US" dirty="0"/>
-              <a:t>Parallelize the reduce phase</a:t>
-            </a:r>
-          </a:p>
-          <a:p>
-            <a:pPr marL="0" indent="0">
-              <a:buNone/>
-            </a:pPr>
-            <a:endParaRPr lang="en-US" dirty="0"/>
+        </p:txBody>
+      </p:sp>
+      <p:sp>
+        <p:nvSpPr>
+          <p:cNvPr id="4" name="Rectangle 3"/>
+          <p:cNvSpPr/>
+          <p:nvPr/>
+        </p:nvSpPr>
+        <p:spPr>
+          <a:xfrm>
+            <a:off x="1762849" y="3274530"/>
+            <a:ext cx="5160210" cy="2312737"/>
+          </a:xfrm>
+          <a:prstGeom prst="rect">
+            <a:avLst/>
+          </a:prstGeom>
+          <a:solidFill>
+            <a:schemeClr val="bg1">
+              <a:lumMod val="85000"/>
+            </a:schemeClr>
+          </a:solidFill>
+          <a:ln>
+            <a:solidFill>
+              <a:schemeClr val="bg1">
+                <a:lumMod val="85000"/>
+              </a:schemeClr>
+            </a:solidFill>
+          </a:ln>
+        </p:spPr>
+        <p:style>
+          <a:lnRef idx="1">
+            <a:schemeClr val="accent1"/>
+          </a:lnRef>
+          <a:fillRef idx="3">
+            <a:schemeClr val="accent1"/>
+          </a:fillRef>
+          <a:effectRef idx="2">
+            <a:schemeClr val="accent1"/>
+          </a:effectRef>
+          <a:fontRef idx="minor">
+            <a:schemeClr val="lt1"/>
+          </a:fontRef>
+        </p:style>
+        <p:txBody>
+          <a:bodyPr rtlCol="0" anchor="ctr"/>
+          <a:lstStyle/>
+          <a:p>
+            <a:pPr algn="ctr"/>
+            <a:r>
+              <a:rPr lang="en-US" sz="3600" dirty="0">
+                <a:solidFill>
+                  <a:schemeClr val="tx1"/>
+                </a:solidFill>
+              </a:rPr>
+              <a:t>Sussex</a:t>
+            </a:r>
+            <a:br>
+              <a:rPr lang="en-US" sz="3600" dirty="0">
+                <a:solidFill>
+                  <a:schemeClr val="tx1"/>
+                </a:solidFill>
+              </a:rPr>
+            </a:br>
+            <a:r>
+              <a:rPr lang="en-US" sz="3600" dirty="0">
+                <a:solidFill>
+                  <a:schemeClr val="tx1"/>
+                </a:solidFill>
+              </a:rPr>
+              <a:t>3</a:t>
+            </a:r>
           </a:p>
         </p:txBody>
       </p:sp>
     </p:spTree>
     <p:extLst>
       <p:ext uri="{BB962C8B-B14F-4D97-AF65-F5344CB8AC3E}">
-        <p14:creationId xmlns:p14="http://schemas.microsoft.com/office/powerpoint/2010/main" val="1150627583"/>
+        <p14:creationId xmlns:p14="http://schemas.microsoft.com/office/powerpoint/2010/main" val="184381173"/>
       </p:ext>
     </p:extLst>
   </p:cSld>

--- a/pres-source/02-map-reduce.pptx
+++ b/pres-source/02-map-reduce.pptx
@@ -253,7 +253,7 @@
             <a:fld id="{7307762F-A706-E543-A832-3C298AA3103F}" type="datetimeFigureOut">
               <a:rPr lang="en-US" smtClean="0"/>
               <a:pPr/>
-              <a:t>2/9/19</a:t>
+              <a:t>2/19/19</a:t>
             </a:fld>
             <a:endParaRPr lang="en-US" dirty="0"/>
           </a:p>
@@ -903,7 +903,7 @@
           <a:p>
             <a:fld id="{875CF0EB-321F-0749-B37A-89BBA859503C}" type="datetimeFigureOut">
               <a:rPr lang="en-US" smtClean="0"/>
-              <a:t>2/9/19</a:t>
+              <a:t>2/19/19</a:t>
             </a:fld>
             <a:endParaRPr lang="en-US"/>
           </a:p>
@@ -1105,7 +1105,7 @@
           <a:p>
             <a:fld id="{875CF0EB-321F-0749-B37A-89BBA859503C}" type="datetimeFigureOut">
               <a:rPr lang="en-US" smtClean="0"/>
-              <a:t>2/9/19</a:t>
+              <a:t>2/19/19</a:t>
             </a:fld>
             <a:endParaRPr lang="en-US"/>
           </a:p>
@@ -1297,7 +1297,7 @@
           <a:p>
             <a:fld id="{875CF0EB-321F-0749-B37A-89BBA859503C}" type="datetimeFigureOut">
               <a:rPr lang="en-US" smtClean="0"/>
-              <a:t>2/9/19</a:t>
+              <a:t>2/19/19</a:t>
             </a:fld>
             <a:endParaRPr lang="en-US"/>
           </a:p>
@@ -1566,7 +1566,7 @@
           <a:p>
             <a:fld id="{875CF0EB-321F-0749-B37A-89BBA859503C}" type="datetimeFigureOut">
               <a:rPr lang="en-US" smtClean="0"/>
-              <a:t>2/9/19</a:t>
+              <a:t>2/19/19</a:t>
             </a:fld>
             <a:endParaRPr lang="en-US"/>
           </a:p>
@@ -1875,7 +1875,7 @@
           <a:p>
             <a:fld id="{875CF0EB-321F-0749-B37A-89BBA859503C}" type="datetimeFigureOut">
               <a:rPr lang="en-US" smtClean="0"/>
-              <a:t>2/9/19</a:t>
+              <a:t>2/19/19</a:t>
             </a:fld>
             <a:endParaRPr lang="en-US"/>
           </a:p>
@@ -2318,7 +2318,7 @@
           <a:p>
             <a:fld id="{875CF0EB-321F-0749-B37A-89BBA859503C}" type="datetimeFigureOut">
               <a:rPr lang="en-US" smtClean="0"/>
-              <a:t>2/9/19</a:t>
+              <a:t>2/19/19</a:t>
             </a:fld>
             <a:endParaRPr lang="en-US"/>
           </a:p>
@@ -2459,7 +2459,7 @@
           <a:p>
             <a:fld id="{875CF0EB-321F-0749-B37A-89BBA859503C}" type="datetimeFigureOut">
               <a:rPr lang="en-US" smtClean="0"/>
-              <a:t>2/9/19</a:t>
+              <a:t>2/19/19</a:t>
             </a:fld>
             <a:endParaRPr lang="en-US"/>
           </a:p>
@@ -2578,7 +2578,7 @@
           <a:p>
             <a:fld id="{875CF0EB-321F-0749-B37A-89BBA859503C}" type="datetimeFigureOut">
               <a:rPr lang="en-US" smtClean="0"/>
-              <a:t>2/9/19</a:t>
+              <a:t>2/19/19</a:t>
             </a:fld>
             <a:endParaRPr lang="en-US"/>
           </a:p>
@@ -2877,7 +2877,7 @@
           <a:p>
             <a:fld id="{875CF0EB-321F-0749-B37A-89BBA859503C}" type="datetimeFigureOut">
               <a:rPr lang="en-US" smtClean="0"/>
-              <a:t>2/9/19</a:t>
+              <a:t>2/19/19</a:t>
             </a:fld>
             <a:endParaRPr lang="en-US"/>
           </a:p>
@@ -3153,7 +3153,7 @@
           <a:p>
             <a:fld id="{875CF0EB-321F-0749-B37A-89BBA859503C}" type="datetimeFigureOut">
               <a:rPr lang="en-US" smtClean="0"/>
-              <a:t>2/9/19</a:t>
+              <a:t>2/19/19</a:t>
             </a:fld>
             <a:endParaRPr lang="en-US"/>
           </a:p>
@@ -3367,14 +3367,14 @@
           </a:ln>
           <a:extLst>
             <a:ext uri="{909E8E84-426E-40dd-AFC4-6F175D3DCCD1}">
-              <a14:hiddenFill xmlns="" xmlns:a14="http://schemas.microsoft.com/office/drawing/2010/main">
+              <a14:hiddenFill xmlns:a14="http://schemas.microsoft.com/office/drawing/2010/main" xmlns="">
                 <a:solidFill>
                   <a:srgbClr val="FFFFFF"/>
                 </a:solidFill>
               </a14:hiddenFill>
             </a:ext>
             <a:ext uri="{91240B29-F687-4f45-9708-019B960494DF}">
-              <a14:hiddenLine xmlns="" xmlns:a14="http://schemas.microsoft.com/office/drawing/2010/main" w="9525">
+              <a14:hiddenLine xmlns:a14="http://schemas.microsoft.com/office/drawing/2010/main" xmlns="" w="9525">
                 <a:solidFill>
                   <a:srgbClr val="000000"/>
                 </a:solidFill>
@@ -3928,14 +3928,14 @@
           <a:noFill/>
           <a:extLst>
             <a:ext uri="{909E8E84-426E-40dd-AFC4-6F175D3DCCD1}">
-              <a14:hiddenFill xmlns="" xmlns:a14="http://schemas.microsoft.com/office/drawing/2010/main">
+              <a14:hiddenFill xmlns:a14="http://schemas.microsoft.com/office/drawing/2010/main" xmlns="">
                 <a:solidFill>
                   <a:srgbClr val="FFFFFF"/>
                 </a:solidFill>
               </a14:hiddenFill>
             </a:ext>
             <a:ext uri="{91240B29-F687-4f45-9708-019B960494DF}">
-              <a14:hiddenLine xmlns="" xmlns:a14="http://schemas.microsoft.com/office/drawing/2010/main" w="9525">
+              <a14:hiddenLine xmlns:a14="http://schemas.microsoft.com/office/drawing/2010/main" xmlns="" w="9525">
                 <a:solidFill>
                   <a:srgbClr val="000000"/>
                 </a:solidFill>
@@ -6020,14 +6020,14 @@
           <a:noFill/>
           <a:extLst>
             <a:ext uri="{909E8E84-426E-40dd-AFC4-6F175D3DCCD1}">
-              <a14:hiddenFill xmlns="" xmlns:a14="http://schemas.microsoft.com/office/drawing/2010/main">
+              <a14:hiddenFill xmlns:a14="http://schemas.microsoft.com/office/drawing/2010/main" xmlns="">
                 <a:solidFill>
                   <a:srgbClr val="FFFFFF"/>
                 </a:solidFill>
               </a14:hiddenFill>
             </a:ext>
             <a:ext uri="{91240B29-F687-4f45-9708-019B960494DF}">
-              <a14:hiddenLine xmlns="" xmlns:a14="http://schemas.microsoft.com/office/drawing/2010/main" w="9525">
+              <a14:hiddenLine xmlns:a14="http://schemas.microsoft.com/office/drawing/2010/main" xmlns="" w="9525">
                 <a:solidFill>
                   <a:srgbClr val="000000"/>
                 </a:solidFill>
@@ -6071,14 +6071,14 @@
           <a:noFill/>
           <a:extLst>
             <a:ext uri="{909E8E84-426E-40dd-AFC4-6F175D3DCCD1}">
-              <a14:hiddenFill xmlns="" xmlns:a14="http://schemas.microsoft.com/office/drawing/2010/main">
+              <a14:hiddenFill xmlns:a14="http://schemas.microsoft.com/office/drawing/2010/main" xmlns="">
                 <a:solidFill>
                   <a:srgbClr val="FFFFFF"/>
                 </a:solidFill>
               </a14:hiddenFill>
             </a:ext>
             <a:ext uri="{91240B29-F687-4f45-9708-019B960494DF}">
-              <a14:hiddenLine xmlns="" xmlns:a14="http://schemas.microsoft.com/office/drawing/2010/main" w="9525">
+              <a14:hiddenLine xmlns:a14="http://schemas.microsoft.com/office/drawing/2010/main" xmlns="" w="9525">
                 <a:solidFill>
                   <a:srgbClr val="000000"/>
                 </a:solidFill>
@@ -10301,10 +10301,10 @@
             <a:endParaRPr lang="en-US" dirty="0"/>
           </a:p>
           <a:p>
-            <a:r>
-              <a:rPr lang="en-US" dirty="0"/>
-              <a:t>HDFS</a:t>
-            </a:r>
+            <a:pPr marL="0" indent="0">
+              <a:buNone/>
+            </a:pPr>
+            <a:endParaRPr lang="en-US" dirty="0"/>
           </a:p>
         </p:txBody>
       </p:sp>

--- a/pres-source/02-map-reduce.pptx
+++ b/pres-source/02-map-reduce.pptx
@@ -253,7 +253,7 @@
             <a:fld id="{7307762F-A706-E543-A832-3C298AA3103F}" type="datetimeFigureOut">
               <a:rPr lang="en-US" smtClean="0"/>
               <a:pPr/>
-              <a:t>2/19/19</a:t>
+              <a:t>3/1/19</a:t>
             </a:fld>
             <a:endParaRPr lang="en-US" dirty="0"/>
           </a:p>
@@ -903,7 +903,7 @@
           <a:p>
             <a:fld id="{875CF0EB-321F-0749-B37A-89BBA859503C}" type="datetimeFigureOut">
               <a:rPr lang="en-US" smtClean="0"/>
-              <a:t>2/19/19</a:t>
+              <a:t>3/1/19</a:t>
             </a:fld>
             <a:endParaRPr lang="en-US"/>
           </a:p>
@@ -1105,7 +1105,7 @@
           <a:p>
             <a:fld id="{875CF0EB-321F-0749-B37A-89BBA859503C}" type="datetimeFigureOut">
               <a:rPr lang="en-US" smtClean="0"/>
-              <a:t>2/19/19</a:t>
+              <a:t>3/1/19</a:t>
             </a:fld>
             <a:endParaRPr lang="en-US"/>
           </a:p>
@@ -1297,7 +1297,7 @@
           <a:p>
             <a:fld id="{875CF0EB-321F-0749-B37A-89BBA859503C}" type="datetimeFigureOut">
               <a:rPr lang="en-US" smtClean="0"/>
-              <a:t>2/19/19</a:t>
+              <a:t>3/1/19</a:t>
             </a:fld>
             <a:endParaRPr lang="en-US"/>
           </a:p>
@@ -1566,7 +1566,7 @@
           <a:p>
             <a:fld id="{875CF0EB-321F-0749-B37A-89BBA859503C}" type="datetimeFigureOut">
               <a:rPr lang="en-US" smtClean="0"/>
-              <a:t>2/19/19</a:t>
+              <a:t>3/1/19</a:t>
             </a:fld>
             <a:endParaRPr lang="en-US"/>
           </a:p>
@@ -1875,7 +1875,7 @@
           <a:p>
             <a:fld id="{875CF0EB-321F-0749-B37A-89BBA859503C}" type="datetimeFigureOut">
               <a:rPr lang="en-US" smtClean="0"/>
-              <a:t>2/19/19</a:t>
+              <a:t>3/1/19</a:t>
             </a:fld>
             <a:endParaRPr lang="en-US"/>
           </a:p>
@@ -2318,7 +2318,7 @@
           <a:p>
             <a:fld id="{875CF0EB-321F-0749-B37A-89BBA859503C}" type="datetimeFigureOut">
               <a:rPr lang="en-US" smtClean="0"/>
-              <a:t>2/19/19</a:t>
+              <a:t>3/1/19</a:t>
             </a:fld>
             <a:endParaRPr lang="en-US"/>
           </a:p>
@@ -2459,7 +2459,7 @@
           <a:p>
             <a:fld id="{875CF0EB-321F-0749-B37A-89BBA859503C}" type="datetimeFigureOut">
               <a:rPr lang="en-US" smtClean="0"/>
-              <a:t>2/19/19</a:t>
+              <a:t>3/1/19</a:t>
             </a:fld>
             <a:endParaRPr lang="en-US"/>
           </a:p>
@@ -2578,7 +2578,7 @@
           <a:p>
             <a:fld id="{875CF0EB-321F-0749-B37A-89BBA859503C}" type="datetimeFigureOut">
               <a:rPr lang="en-US" smtClean="0"/>
-              <a:t>2/19/19</a:t>
+              <a:t>3/1/19</a:t>
             </a:fld>
             <a:endParaRPr lang="en-US"/>
           </a:p>
@@ -2877,7 +2877,7 @@
           <a:p>
             <a:fld id="{875CF0EB-321F-0749-B37A-89BBA859503C}" type="datetimeFigureOut">
               <a:rPr lang="en-US" smtClean="0"/>
-              <a:t>2/19/19</a:t>
+              <a:t>3/1/19</a:t>
             </a:fld>
             <a:endParaRPr lang="en-US"/>
           </a:p>
@@ -3153,7 +3153,7 @@
           <a:p>
             <a:fld id="{875CF0EB-321F-0749-B37A-89BBA859503C}" type="datetimeFigureOut">
               <a:rPr lang="en-US" smtClean="0"/>
-              <a:t>2/19/19</a:t>
+              <a:t>3/1/19</a:t>
             </a:fld>
             <a:endParaRPr lang="en-US"/>
           </a:p>
@@ -3367,14 +3367,14 @@
           </a:ln>
           <a:extLst>
             <a:ext uri="{909E8E84-426E-40dd-AFC4-6F175D3DCCD1}">
-              <a14:hiddenFill xmlns:a14="http://schemas.microsoft.com/office/drawing/2010/main" xmlns="">
+              <a14:hiddenFill xmlns="" xmlns:a14="http://schemas.microsoft.com/office/drawing/2010/main">
                 <a:solidFill>
                   <a:srgbClr val="FFFFFF"/>
                 </a:solidFill>
               </a14:hiddenFill>
             </a:ext>
             <a:ext uri="{91240B29-F687-4f45-9708-019B960494DF}">
-              <a14:hiddenLine xmlns:a14="http://schemas.microsoft.com/office/drawing/2010/main" xmlns="" w="9525">
+              <a14:hiddenLine xmlns="" xmlns:a14="http://schemas.microsoft.com/office/drawing/2010/main" w="9525">
                 <a:solidFill>
                   <a:srgbClr val="000000"/>
                 </a:solidFill>
@@ -3922,20 +3922,20 @@
         </p:nvSpPr>
         <p:spPr bwMode="auto">
           <a:xfrm>
-            <a:off x="685800" y="1231483"/>
-            <a:ext cx="7772400" cy="1470025"/>
+            <a:off x="685800" y="1976550"/>
+            <a:ext cx="7899400" cy="1816517"/>
           </a:xfrm>
           <a:noFill/>
           <a:extLst>
             <a:ext uri="{909E8E84-426E-40dd-AFC4-6F175D3DCCD1}">
-              <a14:hiddenFill xmlns:a14="http://schemas.microsoft.com/office/drawing/2010/main" xmlns="">
+              <a14:hiddenFill xmlns="" xmlns:a14="http://schemas.microsoft.com/office/drawing/2010/main">
                 <a:solidFill>
                   <a:srgbClr val="FFFFFF"/>
                 </a:solidFill>
               </a14:hiddenFill>
             </a:ext>
             <a:ext uri="{91240B29-F687-4f45-9708-019B960494DF}">
-              <a14:hiddenLine xmlns:a14="http://schemas.microsoft.com/office/drawing/2010/main" xmlns="" w="9525">
+              <a14:hiddenLine xmlns="" xmlns:a14="http://schemas.microsoft.com/office/drawing/2010/main" w="9525">
                 <a:solidFill>
                   <a:srgbClr val="000000"/>
                 </a:solidFill>
@@ -3951,22 +3951,167 @@
             <a:prstTxWarp prst="textNoShape">
               <a:avLst/>
             </a:prstTxWarp>
-            <a:normAutofit/>
+            <a:noAutofit/>
           </a:bodyPr>
           <a:lstStyle/>
           <a:p>
             <a:pPr eaLnBrk="1" hangingPunct="1"/>
             <a:r>
-              <a:rPr lang="en-US" sz="4000" dirty="0">
+              <a:rPr lang="en-US" sz="5400" dirty="0">
                 <a:ea typeface="ヒラギノ角ゴ ProN W3" charset="0"/>
                 <a:cs typeface="ヒラギノ角ゴ ProN W3" charset="0"/>
               </a:rPr>
               <a:t>Map-Reduce and Scaling Big Data Processing</a:t>
             </a:r>
-            <a:endParaRPr lang="en-US" dirty="0">
-              <a:ea typeface="ヒラギノ角ゴ ProN W3" charset="0"/>
-              <a:cs typeface="ヒラギノ角ゴ ProN W3" charset="0"/>
-            </a:endParaRPr>
+          </a:p>
+        </p:txBody>
+      </p:sp>
+      <p:sp>
+        <p:nvSpPr>
+          <p:cNvPr id="4" name="Title 3">
+            <a:extLst>
+              <a:ext uri="{FF2B5EF4-FFF2-40B4-BE49-F238E27FC236}">
+                <a16:creationId xmlns:a16="http://schemas.microsoft.com/office/drawing/2014/main" id="{60D9639B-8FEE-E64A-AF4E-8EFE0A98A43D}"/>
+              </a:ext>
+            </a:extLst>
+          </p:cNvPr>
+          <p:cNvSpPr txBox="1">
+            <a:spLocks/>
+          </p:cNvSpPr>
+          <p:nvPr/>
+        </p:nvSpPr>
+        <p:spPr bwMode="auto">
+          <a:xfrm>
+            <a:off x="905933" y="1096017"/>
+            <a:ext cx="7679267" cy="732784"/>
+          </a:xfrm>
+          <a:prstGeom prst="rect">
+            <a:avLst/>
+          </a:prstGeom>
+          <a:noFill/>
+          <a:extLst>
+            <a:ext uri="{909E8E84-426E-40dd-AFC4-6F175D3DCCD1}">
+              <a14:hiddenFill xmlns="" xmlns:a14="http://schemas.microsoft.com/office/drawing/2010/main">
+                <a:solidFill>
+                  <a:srgbClr val="FFFFFF"/>
+                </a:solidFill>
+              </a14:hiddenFill>
+            </a:ext>
+            <a:ext uri="{91240B29-F687-4f45-9708-019B960494DF}">
+              <a14:hiddenLine xmlns="" xmlns:a14="http://schemas.microsoft.com/office/drawing/2010/main" w="9525">
+                <a:solidFill>
+                  <a:srgbClr val="000000"/>
+                </a:solidFill>
+                <a:miter lim="800000"/>
+                <a:headEnd/>
+                <a:tailEnd/>
+              </a14:hiddenLine>
+            </a:ext>
+          </a:extLst>
+        </p:spPr>
+        <p:txBody>
+          <a:bodyPr vert="horz" wrap="square" lIns="64291" tIns="32146" rIns="64291" bIns="32146" numCol="1" rtlCol="0" anchor="t" anchorCtr="0" compatLnSpc="1">
+            <a:prstTxWarp prst="textNoShape">
+              <a:avLst/>
+            </a:prstTxWarp>
+            <a:normAutofit fontScale="97500"/>
+          </a:bodyPr>
+          <a:lstStyle>
+            <a:lvl1pPr algn="ctr" defTabSz="457200" rtl="0" eaLnBrk="1" latinLnBrk="0" hangingPunct="1">
+              <a:spcBef>
+                <a:spcPct val="0"/>
+              </a:spcBef>
+              <a:buNone/>
+              <a:defRPr sz="4400" kern="1200">
+                <a:solidFill>
+                  <a:schemeClr val="tx1"/>
+                </a:solidFill>
+                <a:latin typeface="Montserrat"/>
+                <a:ea typeface="+mj-ea"/>
+                <a:cs typeface="+mj-cs"/>
+              </a:defRPr>
+            </a:lvl1pPr>
+          </a:lstStyle>
+          <a:p>
+            <a:r>
+              <a:rPr lang="en-US" sz="3200" dirty="0">
+                <a:ea typeface="ヒラギノ角ゴ ProN W3" charset="0"/>
+                <a:cs typeface="ヒラギノ角ゴ ProN W3" charset="0"/>
+              </a:rPr>
+              <a:t>Big Data Engineering</a:t>
+            </a:r>
+          </a:p>
+        </p:txBody>
+      </p:sp>
+      <p:sp>
+        <p:nvSpPr>
+          <p:cNvPr id="5" name="Subtitle 4">
+            <a:extLst>
+              <a:ext uri="{FF2B5EF4-FFF2-40B4-BE49-F238E27FC236}">
+                <a16:creationId xmlns:a16="http://schemas.microsoft.com/office/drawing/2014/main" id="{1B0CAF15-5FAB-044A-9E15-E197CBFBB5CF}"/>
+              </a:ext>
+            </a:extLst>
+          </p:cNvPr>
+          <p:cNvSpPr>
+            <a:spLocks noGrp="1"/>
+          </p:cNvSpPr>
+          <p:nvPr>
+            <p:ph type="subTitle" idx="1"/>
+          </p:nvPr>
+        </p:nvSpPr>
+        <p:spPr bwMode="auto">
+          <a:xfrm>
+            <a:off x="1371824" y="4162310"/>
+            <a:ext cx="6400354" cy="1752451"/>
+          </a:xfrm>
+          <a:noFill/>
+          <a:extLst>
+            <a:ext uri="{909E8E84-426E-40dd-AFC4-6F175D3DCCD1}">
+              <a14:hiddenFill xmlns="" xmlns:a14="http://schemas.microsoft.com/office/drawing/2010/main">
+                <a:solidFill>
+                  <a:srgbClr val="FFFFFF"/>
+                </a:solidFill>
+              </a14:hiddenFill>
+            </a:ext>
+            <a:ext uri="{91240B29-F687-4f45-9708-019B960494DF}">
+              <a14:hiddenLine xmlns="" xmlns:a14="http://schemas.microsoft.com/office/drawing/2010/main" w="9525">
+                <a:solidFill>
+                  <a:srgbClr val="000000"/>
+                </a:solidFill>
+                <a:miter lim="800000"/>
+                <a:headEnd/>
+                <a:tailEnd/>
+              </a14:hiddenLine>
+            </a:ext>
+          </a:extLst>
+        </p:spPr>
+        <p:txBody>
+          <a:bodyPr wrap="square" lIns="64291" tIns="32146" rIns="64291" bIns="32146" numCol="1" anchor="t" anchorCtr="0" compatLnSpc="1">
+            <a:prstTxWarp prst="textNoShape">
+              <a:avLst/>
+            </a:prstTxWarp>
+            <a:normAutofit/>
+          </a:bodyPr>
+          <a:lstStyle/>
+          <a:p>
+            <a:pPr eaLnBrk="1" hangingPunct="1"/>
+            <a:r>
+              <a:rPr lang="en-US" dirty="0">
+                <a:ea typeface="ヒラギノ角ゴ ProN W3" charset="0"/>
+                <a:cs typeface="ヒラギノ角ゴ ProN W3" charset="0"/>
+              </a:rPr>
+              <a:t>Julie Weeds</a:t>
+            </a:r>
+          </a:p>
+          <a:p>
+            <a:pPr eaLnBrk="1" hangingPunct="1"/>
+            <a:r>
+              <a:rPr lang="en-US" dirty="0">
+                <a:ea typeface="ヒラギノ角ゴ ProN W3" charset="0"/>
+                <a:cs typeface="ヒラギノ角ゴ ProN W3" charset="0"/>
+              </a:rPr>
+              <a:t>March 2019</a:t>
+            </a:r>
           </a:p>
         </p:txBody>
       </p:sp>
@@ -6020,14 +6165,14 @@
           <a:noFill/>
           <a:extLst>
             <a:ext uri="{909E8E84-426E-40dd-AFC4-6F175D3DCCD1}">
-              <a14:hiddenFill xmlns:a14="http://schemas.microsoft.com/office/drawing/2010/main" xmlns="">
+              <a14:hiddenFill xmlns="" xmlns:a14="http://schemas.microsoft.com/office/drawing/2010/main">
                 <a:solidFill>
                   <a:srgbClr val="FFFFFF"/>
                 </a:solidFill>
               </a14:hiddenFill>
             </a:ext>
             <a:ext uri="{91240B29-F687-4f45-9708-019B960494DF}">
-              <a14:hiddenLine xmlns:a14="http://schemas.microsoft.com/office/drawing/2010/main" xmlns="" w="9525">
+              <a14:hiddenLine xmlns="" xmlns:a14="http://schemas.microsoft.com/office/drawing/2010/main" w="9525">
                 <a:solidFill>
                   <a:srgbClr val="000000"/>
                 </a:solidFill>
@@ -6071,14 +6216,14 @@
           <a:noFill/>
           <a:extLst>
             <a:ext uri="{909E8E84-426E-40dd-AFC4-6F175D3DCCD1}">
-              <a14:hiddenFill xmlns:a14="http://schemas.microsoft.com/office/drawing/2010/main" xmlns="">
+              <a14:hiddenFill xmlns="" xmlns:a14="http://schemas.microsoft.com/office/drawing/2010/main">
                 <a:solidFill>
                   <a:srgbClr val="FFFFFF"/>
                 </a:solidFill>
               </a14:hiddenFill>
             </a:ext>
             <a:ext uri="{91240B29-F687-4f45-9708-019B960494DF}">
-              <a14:hiddenLine xmlns:a14="http://schemas.microsoft.com/office/drawing/2010/main" xmlns="" w="9525">
+              <a14:hiddenLine xmlns="" xmlns:a14="http://schemas.microsoft.com/office/drawing/2010/main" w="9525">
                 <a:solidFill>
                   <a:srgbClr val="000000"/>
                 </a:solidFill>

--- a/pres-source/02-map-reduce.pptx
+++ b/pres-source/02-map-reduce.pptx
@@ -253,7 +253,7 @@
             <a:fld id="{7307762F-A706-E543-A832-3C298AA3103F}" type="datetimeFigureOut">
               <a:rPr lang="en-US" smtClean="0"/>
               <a:pPr/>
-              <a:t>3/1/19</a:t>
+              <a:t>2/12/20</a:t>
             </a:fld>
             <a:endParaRPr lang="en-US" dirty="0"/>
           </a:p>
@@ -570,6 +570,327 @@
           <a:lstStyle/>
           <a:p>
             <a:r>
+              <a:rPr lang="en-GB" sz="1200" b="0" i="0" kern="1200" dirty="0">
+                <a:solidFill>
+                  <a:schemeClr val="tx1"/>
+                </a:solidFill>
+                <a:effectLst/>
+                <a:latin typeface="Montserrat"/>
+                <a:ea typeface="+mn-ea"/>
+                <a:cs typeface="+mn-cs"/>
+              </a:rPr>
+              <a:t>The Hadoop Distributed File System (</a:t>
+            </a:r>
+            <a:r>
+              <a:rPr lang="en-GB" dirty="0"/>
+              <a:t>HDFS</a:t>
+            </a:r>
+            <a:r>
+              <a:rPr lang="en-GB" sz="1200" b="0" i="0" kern="1200" dirty="0">
+                <a:solidFill>
+                  <a:schemeClr val="tx1"/>
+                </a:solidFill>
+                <a:effectLst/>
+                <a:latin typeface="Montserrat"/>
+                <a:ea typeface="+mn-ea"/>
+                <a:cs typeface="+mn-cs"/>
+              </a:rPr>
+              <a:t>) is a distributed file system designed to run on commodity hardware. It has many similarities with existing distributed file systems. However, the differences from other distributed file systems are significant. HDFS is highly fault-tolerant and is designed to be deployed on low-cost hardware. HDFS provides high throughput access to application data and is suitable for applications that have large data sets.</a:t>
+            </a:r>
+            <a:endParaRPr lang="en-US" dirty="0"/>
+          </a:p>
+        </p:txBody>
+      </p:sp>
+      <p:sp>
+        <p:nvSpPr>
+          <p:cNvPr id="4" name="Slide Number Placeholder 3"/>
+          <p:cNvSpPr>
+            <a:spLocks noGrp="1"/>
+          </p:cNvSpPr>
+          <p:nvPr>
+            <p:ph type="sldNum" sz="quarter" idx="5"/>
+          </p:nvPr>
+        </p:nvSpPr>
+        <p:spPr/>
+        <p:txBody>
+          <a:bodyPr/>
+          <a:lstStyle/>
+          <a:p>
+            <a:fld id="{BC39F3E1-B436-EB4D-8332-DAA0486A7B2B}" type="slidenum">
+              <a:rPr lang="en-US" smtClean="0"/>
+              <a:pPr/>
+              <a:t>2</a:t>
+            </a:fld>
+            <a:endParaRPr lang="en-US" dirty="0"/>
+          </a:p>
+        </p:txBody>
+      </p:sp>
+    </p:spTree>
+    <p:extLst>
+      <p:ext uri="{BB962C8B-B14F-4D97-AF65-F5344CB8AC3E}">
+        <p14:creationId xmlns:p14="http://schemas.microsoft.com/office/powerpoint/2010/main" val="2198799809"/>
+      </p:ext>
+    </p:extLst>
+  </p:cSld>
+  <p:clrMapOvr>
+    <a:masterClrMapping/>
+  </p:clrMapOvr>
+</p:notes>
+</file>
+
+<file path=ppt/notesSlides/notesSlide2.xml><?xml version="1.0" encoding="utf-8"?>
+<p:notes xmlns:a="http://schemas.openxmlformats.org/drawingml/2006/main" xmlns:r="http://schemas.openxmlformats.org/officeDocument/2006/relationships" xmlns:p="http://schemas.openxmlformats.org/presentationml/2006/main">
+  <p:cSld>
+    <p:spTree>
+      <p:nvGrpSpPr>
+        <p:cNvPr id="1" name=""/>
+        <p:cNvGrpSpPr/>
+        <p:nvPr/>
+      </p:nvGrpSpPr>
+      <p:grpSpPr>
+        <a:xfrm>
+          <a:off x="0" y="0"/>
+          <a:ext cx="0" cy="0"/>
+          <a:chOff x="0" y="0"/>
+          <a:chExt cx="0" cy="0"/>
+        </a:xfrm>
+      </p:grpSpPr>
+      <p:sp>
+        <p:nvSpPr>
+          <p:cNvPr id="2" name="Slide Image Placeholder 1"/>
+          <p:cNvSpPr>
+            <a:spLocks noGrp="1" noRot="1" noChangeAspect="1"/>
+          </p:cNvSpPr>
+          <p:nvPr>
+            <p:ph type="sldImg"/>
+          </p:nvPr>
+        </p:nvSpPr>
+        <p:spPr/>
+      </p:sp>
+      <p:sp>
+        <p:nvSpPr>
+          <p:cNvPr id="3" name="Notes Placeholder 2"/>
+          <p:cNvSpPr>
+            <a:spLocks noGrp="1"/>
+          </p:cNvSpPr>
+          <p:nvPr>
+            <p:ph type="body" idx="1"/>
+          </p:nvPr>
+        </p:nvSpPr>
+        <p:spPr/>
+        <p:txBody>
+          <a:bodyPr/>
+          <a:lstStyle/>
+          <a:p>
+            <a:r>
+              <a:rPr lang="en-US" dirty="0"/>
+              <a:t>How to … find the total / average number of siblings per university</a:t>
+            </a:r>
+          </a:p>
+          <a:p>
+            <a:r>
+              <a:rPr lang="en-US" dirty="0"/>
+              <a:t>Map: each data item (person) to a </a:t>
+            </a:r>
+            <a:r>
+              <a:rPr lang="en-US" dirty="0" err="1"/>
+              <a:t>key:value</a:t>
+            </a:r>
+            <a:r>
+              <a:rPr lang="en-US" dirty="0"/>
+              <a:t> pair</a:t>
+            </a:r>
+          </a:p>
+          <a:p>
+            <a:r>
+              <a:rPr lang="en-US" dirty="0"/>
+              <a:t>Reduce: for each key, accumulate all of the values using a reduce operation (e.g., add)</a:t>
+            </a:r>
+          </a:p>
+          <a:p>
+            <a:endParaRPr lang="en-US" dirty="0"/>
+          </a:p>
+        </p:txBody>
+      </p:sp>
+      <p:sp>
+        <p:nvSpPr>
+          <p:cNvPr id="4" name="Slide Number Placeholder 3"/>
+          <p:cNvSpPr>
+            <a:spLocks noGrp="1"/>
+          </p:cNvSpPr>
+          <p:nvPr>
+            <p:ph type="sldNum" sz="quarter" idx="5"/>
+          </p:nvPr>
+        </p:nvSpPr>
+        <p:spPr/>
+        <p:txBody>
+          <a:bodyPr/>
+          <a:lstStyle/>
+          <a:p>
+            <a:fld id="{BC39F3E1-B436-EB4D-8332-DAA0486A7B2B}" type="slidenum">
+              <a:rPr lang="en-US" smtClean="0"/>
+              <a:pPr/>
+              <a:t>9</a:t>
+            </a:fld>
+            <a:endParaRPr lang="en-US" dirty="0"/>
+          </a:p>
+        </p:txBody>
+      </p:sp>
+    </p:spTree>
+    <p:extLst>
+      <p:ext uri="{BB962C8B-B14F-4D97-AF65-F5344CB8AC3E}">
+        <p14:creationId xmlns:p14="http://schemas.microsoft.com/office/powerpoint/2010/main" val="2295015712"/>
+      </p:ext>
+    </p:extLst>
+  </p:cSld>
+  <p:clrMapOvr>
+    <a:masterClrMapping/>
+  </p:clrMapOvr>
+</p:notes>
+</file>
+
+<file path=ppt/notesSlides/notesSlide3.xml><?xml version="1.0" encoding="utf-8"?>
+<p:notes xmlns:a="http://schemas.openxmlformats.org/drawingml/2006/main" xmlns:r="http://schemas.openxmlformats.org/officeDocument/2006/relationships" xmlns:p="http://schemas.openxmlformats.org/presentationml/2006/main">
+  <p:cSld>
+    <p:spTree>
+      <p:nvGrpSpPr>
+        <p:cNvPr id="1" name=""/>
+        <p:cNvGrpSpPr/>
+        <p:nvPr/>
+      </p:nvGrpSpPr>
+      <p:grpSpPr>
+        <a:xfrm>
+          <a:off x="0" y="0"/>
+          <a:ext cx="0" cy="0"/>
+          <a:chOff x="0" y="0"/>
+          <a:chExt cx="0" cy="0"/>
+        </a:xfrm>
+      </p:grpSpPr>
+      <p:sp>
+        <p:nvSpPr>
+          <p:cNvPr id="2" name="Slide Image Placeholder 1"/>
+          <p:cNvSpPr>
+            <a:spLocks noGrp="1" noRot="1" noChangeAspect="1"/>
+          </p:cNvSpPr>
+          <p:nvPr>
+            <p:ph type="sldImg"/>
+          </p:nvPr>
+        </p:nvSpPr>
+        <p:spPr/>
+      </p:sp>
+      <p:sp>
+        <p:nvSpPr>
+          <p:cNvPr id="3" name="Notes Placeholder 2"/>
+          <p:cNvSpPr>
+            <a:spLocks noGrp="1"/>
+          </p:cNvSpPr>
+          <p:nvPr>
+            <p:ph type="body" idx="1"/>
+          </p:nvPr>
+        </p:nvSpPr>
+        <p:spPr/>
+        <p:txBody>
+          <a:bodyPr/>
+          <a:lstStyle/>
+          <a:p>
+            <a:r>
+              <a:rPr lang="en-US" dirty="0"/>
+              <a:t>Map&gt;&gt; word:1</a:t>
+            </a:r>
+          </a:p>
+          <a:p>
+            <a:r>
+              <a:rPr lang="en-US" dirty="0"/>
+              <a:t>Reduce&gt;&gt; sort by key and add</a:t>
+            </a:r>
+          </a:p>
+          <a:p>
+            <a:endParaRPr lang="en-US" dirty="0"/>
+          </a:p>
+        </p:txBody>
+      </p:sp>
+      <p:sp>
+        <p:nvSpPr>
+          <p:cNvPr id="4" name="Slide Number Placeholder 3"/>
+          <p:cNvSpPr>
+            <a:spLocks noGrp="1"/>
+          </p:cNvSpPr>
+          <p:nvPr>
+            <p:ph type="sldNum" sz="quarter" idx="5"/>
+          </p:nvPr>
+        </p:nvSpPr>
+        <p:spPr/>
+        <p:txBody>
+          <a:bodyPr/>
+          <a:lstStyle/>
+          <a:p>
+            <a:fld id="{BC39F3E1-B436-EB4D-8332-DAA0486A7B2B}" type="slidenum">
+              <a:rPr lang="en-US" smtClean="0"/>
+              <a:pPr/>
+              <a:t>13</a:t>
+            </a:fld>
+            <a:endParaRPr lang="en-US" dirty="0"/>
+          </a:p>
+        </p:txBody>
+      </p:sp>
+    </p:spTree>
+    <p:extLst>
+      <p:ext uri="{BB962C8B-B14F-4D97-AF65-F5344CB8AC3E}">
+        <p14:creationId xmlns:p14="http://schemas.microsoft.com/office/powerpoint/2010/main" val="1621015370"/>
+      </p:ext>
+    </p:extLst>
+  </p:cSld>
+  <p:clrMapOvr>
+    <a:masterClrMapping/>
+  </p:clrMapOvr>
+</p:notes>
+</file>
+
+<file path=ppt/notesSlides/notesSlide4.xml><?xml version="1.0" encoding="utf-8"?>
+<p:notes xmlns:a="http://schemas.openxmlformats.org/drawingml/2006/main" xmlns:r="http://schemas.openxmlformats.org/officeDocument/2006/relationships" xmlns:p="http://schemas.openxmlformats.org/presentationml/2006/main">
+  <p:cSld>
+    <p:spTree>
+      <p:nvGrpSpPr>
+        <p:cNvPr id="1" name=""/>
+        <p:cNvGrpSpPr/>
+        <p:nvPr/>
+      </p:nvGrpSpPr>
+      <p:grpSpPr>
+        <a:xfrm>
+          <a:off x="0" y="0"/>
+          <a:ext cx="0" cy="0"/>
+          <a:chOff x="0" y="0"/>
+          <a:chExt cx="0" cy="0"/>
+        </a:xfrm>
+      </p:grpSpPr>
+      <p:sp>
+        <p:nvSpPr>
+          <p:cNvPr id="2" name="Slide Image Placeholder 1"/>
+          <p:cNvSpPr>
+            <a:spLocks noGrp="1" noRot="1" noChangeAspect="1"/>
+          </p:cNvSpPr>
+          <p:nvPr>
+            <p:ph type="sldImg"/>
+          </p:nvPr>
+        </p:nvSpPr>
+        <p:spPr/>
+      </p:sp>
+      <p:sp>
+        <p:nvSpPr>
+          <p:cNvPr id="3" name="Notes Placeholder 2"/>
+          <p:cNvSpPr>
+            <a:spLocks noGrp="1"/>
+          </p:cNvSpPr>
+          <p:nvPr>
+            <p:ph type="body" idx="1"/>
+          </p:nvPr>
+        </p:nvSpPr>
+        <p:spPr/>
+        <p:txBody>
+          <a:bodyPr/>
+          <a:lstStyle/>
+          <a:p>
+            <a:r>
               <a:rPr lang="en-US"/>
               <a:t>see 06-additional tools</a:t>
             </a:r>
@@ -903,7 +1224,7 @@
           <a:p>
             <a:fld id="{875CF0EB-321F-0749-B37A-89BBA859503C}" type="datetimeFigureOut">
               <a:rPr lang="en-US" smtClean="0"/>
-              <a:t>3/1/19</a:t>
+              <a:t>2/12/20</a:t>
             </a:fld>
             <a:endParaRPr lang="en-US"/>
           </a:p>
@@ -1105,7 +1426,7 @@
           <a:p>
             <a:fld id="{875CF0EB-321F-0749-B37A-89BBA859503C}" type="datetimeFigureOut">
               <a:rPr lang="en-US" smtClean="0"/>
-              <a:t>3/1/19</a:t>
+              <a:t>2/12/20</a:t>
             </a:fld>
             <a:endParaRPr lang="en-US"/>
           </a:p>
@@ -1297,7 +1618,7 @@
           <a:p>
             <a:fld id="{875CF0EB-321F-0749-B37A-89BBA859503C}" type="datetimeFigureOut">
               <a:rPr lang="en-US" smtClean="0"/>
-              <a:t>3/1/19</a:t>
+              <a:t>2/12/20</a:t>
             </a:fld>
             <a:endParaRPr lang="en-US"/>
           </a:p>
@@ -1566,7 +1887,7 @@
           <a:p>
             <a:fld id="{875CF0EB-321F-0749-B37A-89BBA859503C}" type="datetimeFigureOut">
               <a:rPr lang="en-US" smtClean="0"/>
-              <a:t>3/1/19</a:t>
+              <a:t>2/12/20</a:t>
             </a:fld>
             <a:endParaRPr lang="en-US"/>
           </a:p>
@@ -1875,7 +2196,7 @@
           <a:p>
             <a:fld id="{875CF0EB-321F-0749-B37A-89BBA859503C}" type="datetimeFigureOut">
               <a:rPr lang="en-US" smtClean="0"/>
-              <a:t>3/1/19</a:t>
+              <a:t>2/12/20</a:t>
             </a:fld>
             <a:endParaRPr lang="en-US"/>
           </a:p>
@@ -2318,7 +2639,7 @@
           <a:p>
             <a:fld id="{875CF0EB-321F-0749-B37A-89BBA859503C}" type="datetimeFigureOut">
               <a:rPr lang="en-US" smtClean="0"/>
-              <a:t>3/1/19</a:t>
+              <a:t>2/12/20</a:t>
             </a:fld>
             <a:endParaRPr lang="en-US"/>
           </a:p>
@@ -2459,7 +2780,7 @@
           <a:p>
             <a:fld id="{875CF0EB-321F-0749-B37A-89BBA859503C}" type="datetimeFigureOut">
               <a:rPr lang="en-US" smtClean="0"/>
-              <a:t>3/1/19</a:t>
+              <a:t>2/12/20</a:t>
             </a:fld>
             <a:endParaRPr lang="en-US"/>
           </a:p>
@@ -2578,7 +2899,7 @@
           <a:p>
             <a:fld id="{875CF0EB-321F-0749-B37A-89BBA859503C}" type="datetimeFigureOut">
               <a:rPr lang="en-US" smtClean="0"/>
-              <a:t>3/1/19</a:t>
+              <a:t>2/12/20</a:t>
             </a:fld>
             <a:endParaRPr lang="en-US"/>
           </a:p>
@@ -2877,7 +3198,7 @@
           <a:p>
             <a:fld id="{875CF0EB-321F-0749-B37A-89BBA859503C}" type="datetimeFigureOut">
               <a:rPr lang="en-US" smtClean="0"/>
-              <a:t>3/1/19</a:t>
+              <a:t>2/12/20</a:t>
             </a:fld>
             <a:endParaRPr lang="en-US"/>
           </a:p>
@@ -3153,7 +3474,7 @@
           <a:p>
             <a:fld id="{875CF0EB-321F-0749-B37A-89BBA859503C}" type="datetimeFigureOut">
               <a:rPr lang="en-US" smtClean="0"/>
-              <a:t>3/1/19</a:t>
+              <a:t>2/12/20</a:t>
             </a:fld>
             <a:endParaRPr lang="en-US"/>
           </a:p>
@@ -3367,14 +3688,14 @@
           </a:ln>
           <a:extLst>
             <a:ext uri="{909E8E84-426E-40dd-AFC4-6F175D3DCCD1}">
-              <a14:hiddenFill xmlns="" xmlns:a14="http://schemas.microsoft.com/office/drawing/2010/main">
+              <a14:hiddenFill xmlns:a14="http://schemas.microsoft.com/office/drawing/2010/main" xmlns="">
                 <a:solidFill>
                   <a:srgbClr val="FFFFFF"/>
                 </a:solidFill>
               </a14:hiddenFill>
             </a:ext>
             <a:ext uri="{91240B29-F687-4f45-9708-019B960494DF}">
-              <a14:hiddenLine xmlns="" xmlns:a14="http://schemas.microsoft.com/office/drawing/2010/main" w="9525">
+              <a14:hiddenLine xmlns:a14="http://schemas.microsoft.com/office/drawing/2010/main" xmlns="" w="9525">
                 <a:solidFill>
                   <a:srgbClr val="000000"/>
                 </a:solidFill>
@@ -3928,14 +4249,14 @@
           <a:noFill/>
           <a:extLst>
             <a:ext uri="{909E8E84-426E-40dd-AFC4-6F175D3DCCD1}">
-              <a14:hiddenFill xmlns="" xmlns:a14="http://schemas.microsoft.com/office/drawing/2010/main">
+              <a14:hiddenFill xmlns:a14="http://schemas.microsoft.com/office/drawing/2010/main" xmlns="">
                 <a:solidFill>
                   <a:srgbClr val="FFFFFF"/>
                 </a:solidFill>
               </a14:hiddenFill>
             </a:ext>
             <a:ext uri="{91240B29-F687-4f45-9708-019B960494DF}">
-              <a14:hiddenLine xmlns="" xmlns:a14="http://schemas.microsoft.com/office/drawing/2010/main" w="9525">
+              <a14:hiddenLine xmlns:a14="http://schemas.microsoft.com/office/drawing/2010/main" xmlns="" w="9525">
                 <a:solidFill>
                   <a:srgbClr val="000000"/>
                 </a:solidFill>
@@ -3991,14 +4312,14 @@
           <a:noFill/>
           <a:extLst>
             <a:ext uri="{909E8E84-426E-40dd-AFC4-6F175D3DCCD1}">
-              <a14:hiddenFill xmlns="" xmlns:a14="http://schemas.microsoft.com/office/drawing/2010/main">
+              <a14:hiddenFill xmlns:a14="http://schemas.microsoft.com/office/drawing/2010/main" xmlns="">
                 <a:solidFill>
                   <a:srgbClr val="FFFFFF"/>
                 </a:solidFill>
               </a14:hiddenFill>
             </a:ext>
             <a:ext uri="{91240B29-F687-4f45-9708-019B960494DF}">
-              <a14:hiddenLine xmlns="" xmlns:a14="http://schemas.microsoft.com/office/drawing/2010/main" w="9525">
+              <a14:hiddenLine xmlns:a14="http://schemas.microsoft.com/office/drawing/2010/main" xmlns="" w="9525">
                 <a:solidFill>
                   <a:srgbClr val="000000"/>
                 </a:solidFill>
@@ -4067,14 +4388,14 @@
           <a:noFill/>
           <a:extLst>
             <a:ext uri="{909E8E84-426E-40dd-AFC4-6F175D3DCCD1}">
-              <a14:hiddenFill xmlns="" xmlns:a14="http://schemas.microsoft.com/office/drawing/2010/main">
+              <a14:hiddenFill xmlns:a14="http://schemas.microsoft.com/office/drawing/2010/main" xmlns="">
                 <a:solidFill>
                   <a:srgbClr val="FFFFFF"/>
                 </a:solidFill>
               </a14:hiddenFill>
             </a:ext>
             <a:ext uri="{91240B29-F687-4f45-9708-019B960494DF}">
-              <a14:hiddenLine xmlns="" xmlns:a14="http://schemas.microsoft.com/office/drawing/2010/main" w="9525">
+              <a14:hiddenLine xmlns:a14="http://schemas.microsoft.com/office/drawing/2010/main" xmlns="" w="9525">
                 <a:solidFill>
                   <a:srgbClr val="000000"/>
                 </a:solidFill>
@@ -4110,7 +4431,7 @@
                 <a:ea typeface="ヒラギノ角ゴ ProN W3" charset="0"/>
                 <a:cs typeface="ヒラギノ角ゴ ProN W3" charset="0"/>
               </a:rPr>
-              <a:t>March 2019</a:t>
+              <a:t>March 2020</a:t>
             </a:r>
           </a:p>
         </p:txBody>
@@ -6165,14 +6486,14 @@
           <a:noFill/>
           <a:extLst>
             <a:ext uri="{909E8E84-426E-40dd-AFC4-6F175D3DCCD1}">
-              <a14:hiddenFill xmlns="" xmlns:a14="http://schemas.microsoft.com/office/drawing/2010/main">
+              <a14:hiddenFill xmlns:a14="http://schemas.microsoft.com/office/drawing/2010/main" xmlns="">
                 <a:solidFill>
                   <a:srgbClr val="FFFFFF"/>
                 </a:solidFill>
               </a14:hiddenFill>
             </a:ext>
             <a:ext uri="{91240B29-F687-4f45-9708-019B960494DF}">
-              <a14:hiddenLine xmlns="" xmlns:a14="http://schemas.microsoft.com/office/drawing/2010/main" w="9525">
+              <a14:hiddenLine xmlns:a14="http://schemas.microsoft.com/office/drawing/2010/main" xmlns="" w="9525">
                 <a:solidFill>
                   <a:srgbClr val="000000"/>
                 </a:solidFill>
@@ -6216,14 +6537,14 @@
           <a:noFill/>
           <a:extLst>
             <a:ext uri="{909E8E84-426E-40dd-AFC4-6F175D3DCCD1}">
-              <a14:hiddenFill xmlns="" xmlns:a14="http://schemas.microsoft.com/office/drawing/2010/main">
+              <a14:hiddenFill xmlns:a14="http://schemas.microsoft.com/office/drawing/2010/main" xmlns="">
                 <a:solidFill>
                   <a:srgbClr val="FFFFFF"/>
                 </a:solidFill>
               </a14:hiddenFill>
             </a:ext>
             <a:ext uri="{91240B29-F687-4f45-9708-019B960494DF}">
-              <a14:hiddenLine xmlns="" xmlns:a14="http://schemas.microsoft.com/office/drawing/2010/main" w="9525">
+              <a14:hiddenLine xmlns:a14="http://schemas.microsoft.com/office/drawing/2010/main" xmlns="" w="9525">
                 <a:solidFill>
                   <a:srgbClr val="000000"/>
                 </a:solidFill>
@@ -6323,7 +6644,7 @@
                 <a:ea typeface="ヒラギノ角ゴ ProN W3" charset="0"/>
                 <a:cs typeface="ヒラギノ角ゴ ProN W3" charset="0"/>
               </a:rPr>
-              <a:t>HDFS</a:t>
+              <a:t>Hadoop Distributed File System (HDFS)</a:t>
             </a:r>
           </a:p>
           <a:p>
